--- a/MSOSS_title.pptx
+++ b/MSOSS_title.pptx
@@ -2,7 +2,7 @@
 <file path=ppt/presentation.xml><?xml version="1.0" encoding="utf-8"?>
 <p:presentation xmlns:a="http://schemas.openxmlformats.org/drawingml/2006/main" xmlns:r="http://schemas.openxmlformats.org/officeDocument/2006/relationships" xmlns:p="http://schemas.openxmlformats.org/presentationml/2006/main" saveSubsetFonts="1">
   <p:sldMasterIdLst>
-    <p:sldMasterId id="2147483648" r:id="rId1"/>
+    <p:sldMasterId id="2147483678" r:id="rId1"/>
   </p:sldMasterIdLst>
   <p:sldIdLst>
     <p:sldId id="256" r:id="rId2"/>
@@ -13,7 +13,7 @@
     <a:defPPr>
       <a:defRPr lang="en-US"/>
     </a:defPPr>
-    <a:lvl1pPr marL="0" algn="l" defTabSz="914400" rtl="0" eaLnBrk="1" latinLnBrk="0" hangingPunct="1">
+    <a:lvl1pPr marL="0" algn="l" defTabSz="457200" rtl="0" eaLnBrk="1" latinLnBrk="0" hangingPunct="1">
       <a:defRPr sz="1800" kern="1200">
         <a:solidFill>
           <a:schemeClr val="tx1"/>
@@ -23,7 +23,7 @@
         <a:cs typeface="+mn-cs"/>
       </a:defRPr>
     </a:lvl1pPr>
-    <a:lvl2pPr marL="457200" algn="l" defTabSz="914400" rtl="0" eaLnBrk="1" latinLnBrk="0" hangingPunct="1">
+    <a:lvl2pPr marL="457200" algn="l" defTabSz="457200" rtl="0" eaLnBrk="1" latinLnBrk="0" hangingPunct="1">
       <a:defRPr sz="1800" kern="1200">
         <a:solidFill>
           <a:schemeClr val="tx1"/>
@@ -33,7 +33,7 @@
         <a:cs typeface="+mn-cs"/>
       </a:defRPr>
     </a:lvl2pPr>
-    <a:lvl3pPr marL="914400" algn="l" defTabSz="914400" rtl="0" eaLnBrk="1" latinLnBrk="0" hangingPunct="1">
+    <a:lvl3pPr marL="914400" algn="l" defTabSz="457200" rtl="0" eaLnBrk="1" latinLnBrk="0" hangingPunct="1">
       <a:defRPr sz="1800" kern="1200">
         <a:solidFill>
           <a:schemeClr val="tx1"/>
@@ -43,7 +43,7 @@
         <a:cs typeface="+mn-cs"/>
       </a:defRPr>
     </a:lvl3pPr>
-    <a:lvl4pPr marL="1371600" algn="l" defTabSz="914400" rtl="0" eaLnBrk="1" latinLnBrk="0" hangingPunct="1">
+    <a:lvl4pPr marL="1371600" algn="l" defTabSz="457200" rtl="0" eaLnBrk="1" latinLnBrk="0" hangingPunct="1">
       <a:defRPr sz="1800" kern="1200">
         <a:solidFill>
           <a:schemeClr val="tx1"/>
@@ -53,7 +53,7 @@
         <a:cs typeface="+mn-cs"/>
       </a:defRPr>
     </a:lvl4pPr>
-    <a:lvl5pPr marL="1828800" algn="l" defTabSz="914400" rtl="0" eaLnBrk="1" latinLnBrk="0" hangingPunct="1">
+    <a:lvl5pPr marL="1828800" algn="l" defTabSz="457200" rtl="0" eaLnBrk="1" latinLnBrk="0" hangingPunct="1">
       <a:defRPr sz="1800" kern="1200">
         <a:solidFill>
           <a:schemeClr val="tx1"/>
@@ -63,7 +63,7 @@
         <a:cs typeface="+mn-cs"/>
       </a:defRPr>
     </a:lvl5pPr>
-    <a:lvl6pPr marL="2286000" algn="l" defTabSz="914400" rtl="0" eaLnBrk="1" latinLnBrk="0" hangingPunct="1">
+    <a:lvl6pPr marL="2286000" algn="l" defTabSz="457200" rtl="0" eaLnBrk="1" latinLnBrk="0" hangingPunct="1">
       <a:defRPr sz="1800" kern="1200">
         <a:solidFill>
           <a:schemeClr val="tx1"/>
@@ -73,7 +73,7 @@
         <a:cs typeface="+mn-cs"/>
       </a:defRPr>
     </a:lvl6pPr>
-    <a:lvl7pPr marL="2743200" algn="l" defTabSz="914400" rtl="0" eaLnBrk="1" latinLnBrk="0" hangingPunct="1">
+    <a:lvl7pPr marL="2743200" algn="l" defTabSz="457200" rtl="0" eaLnBrk="1" latinLnBrk="0" hangingPunct="1">
       <a:defRPr sz="1800" kern="1200">
         <a:solidFill>
           <a:schemeClr val="tx1"/>
@@ -83,7 +83,7 @@
         <a:cs typeface="+mn-cs"/>
       </a:defRPr>
     </a:lvl7pPr>
-    <a:lvl8pPr marL="3200400" algn="l" defTabSz="914400" rtl="0" eaLnBrk="1" latinLnBrk="0" hangingPunct="1">
+    <a:lvl8pPr marL="3200400" algn="l" defTabSz="457200" rtl="0" eaLnBrk="1" latinLnBrk="0" hangingPunct="1">
       <a:defRPr sz="1800" kern="1200">
         <a:solidFill>
           <a:schemeClr val="tx1"/>
@@ -93,7 +93,7 @@
         <a:cs typeface="+mn-cs"/>
       </a:defRPr>
     </a:lvl8pPr>
-    <a:lvl9pPr marL="3657600" algn="l" defTabSz="914400" rtl="0" eaLnBrk="1" latinLnBrk="0" hangingPunct="1">
+    <a:lvl9pPr marL="3657600" algn="l" defTabSz="457200" rtl="0" eaLnBrk="1" latinLnBrk="0" hangingPunct="1">
       <a:defRPr sz="1800" kern="1200">
         <a:solidFill>
           <a:schemeClr val="tx1"/>
@@ -104,11 +104,16 @@
       </a:defRPr>
     </a:lvl9pPr>
   </p:defaultTextStyle>
+  <p:extLst>
+    <p:ext uri="{EFAFB233-063F-42B5-8137-9DF3F51BA10A}">
+      <p15:sldGuideLst xmlns:p15="http://schemas.microsoft.com/office/powerpoint/2012/main"/>
+    </p:ext>
+  </p:extLst>
 </p:presentation>
 </file>
 
 <file path=ppt/slideLayouts/slideLayout1.xml><?xml version="1.0" encoding="utf-8"?>
-<p:sldLayout xmlns:a="http://schemas.openxmlformats.org/drawingml/2006/main" xmlns:r="http://schemas.openxmlformats.org/officeDocument/2006/relationships" xmlns:p="http://schemas.openxmlformats.org/presentationml/2006/main" type="title" preserve="1">
+<p:sldLayout xmlns:a="http://schemas.openxmlformats.org/drawingml/2006/main" xmlns:r="http://schemas.openxmlformats.org/officeDocument/2006/relationships" xmlns:p="http://schemas.openxmlformats.org/presentationml/2006/main" showMasterSp="0" type="title" preserve="1">
   <p:cSld name="Title Slide">
     <p:spTree>
       <p:nvGrpSpPr>
@@ -126,13 +131,7 @@
       </p:grpSpPr>
       <p:sp>
         <p:nvSpPr>
-          <p:cNvPr id="2" name="Title 1">
-            <a:extLst>
-              <a:ext uri="{FF2B5EF4-FFF2-40B4-BE49-F238E27FC236}">
-                <a16:creationId xmlns:a16="http://schemas.microsoft.com/office/drawing/2014/main" id="{DBA2120A-CDC7-4224-B13B-1DC31777DAFA}"/>
-              </a:ext>
-            </a:extLst>
-          </p:cNvPr>
+          <p:cNvPr id="2" name="Title 1"/>
           <p:cNvSpPr>
             <a:spLocks noGrp="1"/>
           </p:cNvSpPr>
@@ -142,15 +141,19 @@
         </p:nvSpPr>
         <p:spPr>
           <a:xfrm>
-            <a:off x="1524000" y="1122363"/>
-            <a:ext cx="9144000" cy="2387600"/>
+            <a:off x="684212" y="685799"/>
+            <a:ext cx="8001000" cy="2971801"/>
           </a:xfrm>
         </p:spPr>
         <p:txBody>
-          <a:bodyPr anchor="b"/>
+          <a:bodyPr anchor="b">
+            <a:normAutofit/>
+          </a:bodyPr>
           <a:lstStyle>
-            <a:lvl1pPr algn="ctr">
-              <a:defRPr sz="6000"/>
+            <a:lvl1pPr algn="l">
+              <a:defRPr sz="4800">
+                <a:effectLst/>
+              </a:defRPr>
             </a:lvl1pPr>
           </a:lstStyle>
           <a:p>
@@ -158,19 +161,13 @@
               <a:rPr lang="en-US"/>
               <a:t>Click to edit Master title style</a:t>
             </a:r>
-            <a:endParaRPr lang="en-CA"/>
-          </a:p>
-        </p:txBody>
-      </p:sp>
-      <p:sp>
-        <p:nvSpPr>
-          <p:cNvPr id="3" name="Subtitle 2">
-            <a:extLst>
-              <a:ext uri="{FF2B5EF4-FFF2-40B4-BE49-F238E27FC236}">
-                <a16:creationId xmlns:a16="http://schemas.microsoft.com/office/drawing/2014/main" id="{D1AD89FB-2224-4451-80E5-2B16B4F92D05}"/>
-              </a:ext>
-            </a:extLst>
-          </p:cNvPr>
+            <a:endParaRPr lang="en-US" dirty="0"/>
+          </a:p>
+        </p:txBody>
+      </p:sp>
+      <p:sp>
+        <p:nvSpPr>
+          <p:cNvPr id="3" name="Subtitle 2"/>
           <p:cNvSpPr>
             <a:spLocks noGrp="1"/>
           </p:cNvSpPr>
@@ -180,48 +177,104 @@
         </p:nvSpPr>
         <p:spPr>
           <a:xfrm>
-            <a:off x="1524000" y="3602038"/>
-            <a:ext cx="9144000" cy="1655762"/>
+            <a:off x="684212" y="3843867"/>
+            <a:ext cx="6400800" cy="1947333"/>
           </a:xfrm>
         </p:spPr>
         <p:txBody>
-          <a:bodyPr/>
+          <a:bodyPr anchor="t">
+            <a:normAutofit/>
+          </a:bodyPr>
           <a:lstStyle>
-            <a:lvl1pPr marL="0" indent="0" algn="ctr">
-              <a:buNone/>
-              <a:defRPr sz="2400"/>
+            <a:lvl1pPr marL="0" indent="0" algn="l">
+              <a:buNone/>
+              <a:defRPr sz="2100">
+                <a:solidFill>
+                  <a:schemeClr val="bg2">
+                    <a:lumMod val="75000"/>
+                  </a:schemeClr>
+                </a:solidFill>
+              </a:defRPr>
             </a:lvl1pPr>
             <a:lvl2pPr marL="457200" indent="0" algn="ctr">
               <a:buNone/>
-              <a:defRPr sz="2000"/>
+              <a:defRPr>
+                <a:solidFill>
+                  <a:schemeClr val="tx1">
+                    <a:tint val="75000"/>
+                  </a:schemeClr>
+                </a:solidFill>
+              </a:defRPr>
             </a:lvl2pPr>
             <a:lvl3pPr marL="914400" indent="0" algn="ctr">
               <a:buNone/>
-              <a:defRPr sz="1800"/>
+              <a:defRPr>
+                <a:solidFill>
+                  <a:schemeClr val="tx1">
+                    <a:tint val="75000"/>
+                  </a:schemeClr>
+                </a:solidFill>
+              </a:defRPr>
             </a:lvl3pPr>
             <a:lvl4pPr marL="1371600" indent="0" algn="ctr">
               <a:buNone/>
-              <a:defRPr sz="1600"/>
+              <a:defRPr>
+                <a:solidFill>
+                  <a:schemeClr val="tx1">
+                    <a:tint val="75000"/>
+                  </a:schemeClr>
+                </a:solidFill>
+              </a:defRPr>
             </a:lvl4pPr>
             <a:lvl5pPr marL="1828800" indent="0" algn="ctr">
               <a:buNone/>
-              <a:defRPr sz="1600"/>
+              <a:defRPr>
+                <a:solidFill>
+                  <a:schemeClr val="tx1">
+                    <a:tint val="75000"/>
+                  </a:schemeClr>
+                </a:solidFill>
+              </a:defRPr>
             </a:lvl5pPr>
             <a:lvl6pPr marL="2286000" indent="0" algn="ctr">
               <a:buNone/>
-              <a:defRPr sz="1600"/>
+              <a:defRPr>
+                <a:solidFill>
+                  <a:schemeClr val="tx1">
+                    <a:tint val="75000"/>
+                  </a:schemeClr>
+                </a:solidFill>
+              </a:defRPr>
             </a:lvl6pPr>
             <a:lvl7pPr marL="2743200" indent="0" algn="ctr">
               <a:buNone/>
-              <a:defRPr sz="1600"/>
+              <a:defRPr>
+                <a:solidFill>
+                  <a:schemeClr val="tx1">
+                    <a:tint val="75000"/>
+                  </a:schemeClr>
+                </a:solidFill>
+              </a:defRPr>
             </a:lvl7pPr>
             <a:lvl8pPr marL="3200400" indent="0" algn="ctr">
               <a:buNone/>
-              <a:defRPr sz="1600"/>
+              <a:defRPr>
+                <a:solidFill>
+                  <a:schemeClr val="tx1">
+                    <a:tint val="75000"/>
+                  </a:schemeClr>
+                </a:solidFill>
+              </a:defRPr>
             </a:lvl8pPr>
             <a:lvl9pPr marL="3657600" indent="0" algn="ctr">
               <a:buNone/>
-              <a:defRPr sz="1600"/>
+              <a:defRPr>
+                <a:solidFill>
+                  <a:schemeClr val="tx1">
+                    <a:tint val="75000"/>
+                  </a:schemeClr>
+                </a:solidFill>
+              </a:defRPr>
             </a:lvl9pPr>
           </a:lstStyle>
           <a:p>
@@ -229,19 +282,13 @@
               <a:rPr lang="en-US"/>
               <a:t>Click to edit Master subtitle style</a:t>
             </a:r>
-            <a:endParaRPr lang="en-CA"/>
-          </a:p>
-        </p:txBody>
-      </p:sp>
-      <p:sp>
-        <p:nvSpPr>
-          <p:cNvPr id="4" name="Date Placeholder 3">
-            <a:extLst>
-              <a:ext uri="{FF2B5EF4-FFF2-40B4-BE49-F238E27FC236}">
-                <a16:creationId xmlns:a16="http://schemas.microsoft.com/office/drawing/2014/main" id="{380BD047-CE4B-422F-9189-A29E31BD0FDF}"/>
-              </a:ext>
-            </a:extLst>
-          </p:cNvPr>
+            <a:endParaRPr lang="en-US" dirty="0"/>
+          </a:p>
+        </p:txBody>
+      </p:sp>
+      <p:sp>
+        <p:nvSpPr>
+          <p:cNvPr id="4" name="Date Placeholder 3"/>
           <p:cNvSpPr>
             <a:spLocks noGrp="1"/>
           </p:cNvSpPr>
@@ -264,13 +311,7 @@
       </p:sp>
       <p:sp>
         <p:nvSpPr>
-          <p:cNvPr id="5" name="Footer Placeholder 4">
-            <a:extLst>
-              <a:ext uri="{FF2B5EF4-FFF2-40B4-BE49-F238E27FC236}">
-                <a16:creationId xmlns:a16="http://schemas.microsoft.com/office/drawing/2014/main" id="{C910D268-4284-4D4C-8BEC-960E4EBE7643}"/>
-              </a:ext>
-            </a:extLst>
-          </p:cNvPr>
+          <p:cNvPr id="5" name="Footer Placeholder 4"/>
           <p:cNvSpPr>
             <a:spLocks noGrp="1"/>
           </p:cNvSpPr>
@@ -289,13 +330,7 @@
       </p:sp>
       <p:sp>
         <p:nvSpPr>
-          <p:cNvPr id="6" name="Slide Number Placeholder 5">
-            <a:extLst>
-              <a:ext uri="{FF2B5EF4-FFF2-40B4-BE49-F238E27FC236}">
-                <a16:creationId xmlns:a16="http://schemas.microsoft.com/office/drawing/2014/main" id="{7C2FDBCE-B8D6-4BF0-9AE7-49E929CCA5C6}"/>
-              </a:ext>
-            </a:extLst>
-          </p:cNvPr>
+          <p:cNvPr id="6" name="Slide Number Placeholder 5"/>
           <p:cNvSpPr>
             <a:spLocks noGrp="1"/>
           </p:cNvSpPr>
@@ -316,10 +351,185 @@
           </a:p>
         </p:txBody>
       </p:sp>
+      <p:cxnSp>
+        <p:nvCxnSpPr>
+          <p:cNvPr id="16" name="Straight Connector 15"/>
+          <p:cNvCxnSpPr/>
+          <p:nvPr/>
+        </p:nvCxnSpPr>
+        <p:spPr>
+          <a:xfrm flipH="1">
+            <a:off x="8228012" y="8467"/>
+            <a:ext cx="3810000" cy="3810000"/>
+          </a:xfrm>
+          <a:prstGeom prst="line">
+            <a:avLst/>
+          </a:prstGeom>
+          <a:ln w="12700">
+            <a:solidFill>
+              <a:schemeClr val="tx1"/>
+            </a:solidFill>
+          </a:ln>
+        </p:spPr>
+        <p:style>
+          <a:lnRef idx="2">
+            <a:schemeClr val="accent1"/>
+          </a:lnRef>
+          <a:fillRef idx="0">
+            <a:schemeClr val="accent1"/>
+          </a:fillRef>
+          <a:effectRef idx="1">
+            <a:schemeClr val="accent1"/>
+          </a:effectRef>
+          <a:fontRef idx="minor">
+            <a:schemeClr val="tx1"/>
+          </a:fontRef>
+        </p:style>
+      </p:cxnSp>
+      <p:cxnSp>
+        <p:nvCxnSpPr>
+          <p:cNvPr id="17" name="Straight Connector 16"/>
+          <p:cNvCxnSpPr/>
+          <p:nvPr/>
+        </p:nvCxnSpPr>
+        <p:spPr>
+          <a:xfrm flipH="1">
+            <a:off x="6108170" y="91545"/>
+            <a:ext cx="6080655" cy="6080655"/>
+          </a:xfrm>
+          <a:prstGeom prst="line">
+            <a:avLst/>
+          </a:prstGeom>
+          <a:ln w="12700">
+            <a:solidFill>
+              <a:schemeClr val="tx1"/>
+            </a:solidFill>
+          </a:ln>
+        </p:spPr>
+        <p:style>
+          <a:lnRef idx="2">
+            <a:schemeClr val="accent1"/>
+          </a:lnRef>
+          <a:fillRef idx="0">
+            <a:schemeClr val="accent1"/>
+          </a:fillRef>
+          <a:effectRef idx="1">
+            <a:schemeClr val="accent1"/>
+          </a:effectRef>
+          <a:fontRef idx="minor">
+            <a:schemeClr val="tx1"/>
+          </a:fontRef>
+        </p:style>
+      </p:cxnSp>
+      <p:cxnSp>
+        <p:nvCxnSpPr>
+          <p:cNvPr id="19" name="Straight Connector 18"/>
+          <p:cNvCxnSpPr/>
+          <p:nvPr/>
+        </p:nvCxnSpPr>
+        <p:spPr>
+          <a:xfrm flipH="1">
+            <a:off x="7235825" y="228600"/>
+            <a:ext cx="4953000" cy="4953000"/>
+          </a:xfrm>
+          <a:prstGeom prst="line">
+            <a:avLst/>
+          </a:prstGeom>
+          <a:ln w="12700">
+            <a:solidFill>
+              <a:schemeClr val="tx1"/>
+            </a:solidFill>
+          </a:ln>
+        </p:spPr>
+        <p:style>
+          <a:lnRef idx="2">
+            <a:schemeClr val="accent1"/>
+          </a:lnRef>
+          <a:fillRef idx="0">
+            <a:schemeClr val="accent1"/>
+          </a:fillRef>
+          <a:effectRef idx="1">
+            <a:schemeClr val="accent1"/>
+          </a:effectRef>
+          <a:fontRef idx="minor">
+            <a:schemeClr val="tx1"/>
+          </a:fontRef>
+        </p:style>
+      </p:cxnSp>
+      <p:cxnSp>
+        <p:nvCxnSpPr>
+          <p:cNvPr id="21" name="Straight Connector 20"/>
+          <p:cNvCxnSpPr/>
+          <p:nvPr/>
+        </p:nvCxnSpPr>
+        <p:spPr>
+          <a:xfrm flipH="1">
+            <a:off x="7335837" y="32278"/>
+            <a:ext cx="4852989" cy="4852989"/>
+          </a:xfrm>
+          <a:prstGeom prst="line">
+            <a:avLst/>
+          </a:prstGeom>
+          <a:ln w="31750">
+            <a:solidFill>
+              <a:schemeClr val="tx1"/>
+            </a:solidFill>
+          </a:ln>
+        </p:spPr>
+        <p:style>
+          <a:lnRef idx="2">
+            <a:schemeClr val="accent1"/>
+          </a:lnRef>
+          <a:fillRef idx="0">
+            <a:schemeClr val="accent1"/>
+          </a:fillRef>
+          <a:effectRef idx="1">
+            <a:schemeClr val="accent1"/>
+          </a:effectRef>
+          <a:fontRef idx="minor">
+            <a:schemeClr val="tx1"/>
+          </a:fontRef>
+        </p:style>
+      </p:cxnSp>
+      <p:cxnSp>
+        <p:nvCxnSpPr>
+          <p:cNvPr id="23" name="Straight Connector 22"/>
+          <p:cNvCxnSpPr/>
+          <p:nvPr/>
+        </p:nvCxnSpPr>
+        <p:spPr>
+          <a:xfrm flipH="1">
+            <a:off x="7845426" y="609601"/>
+            <a:ext cx="4343399" cy="4343399"/>
+          </a:xfrm>
+          <a:prstGeom prst="line">
+            <a:avLst/>
+          </a:prstGeom>
+          <a:ln w="31750">
+            <a:solidFill>
+              <a:schemeClr val="tx1"/>
+            </a:solidFill>
+          </a:ln>
+        </p:spPr>
+        <p:style>
+          <a:lnRef idx="2">
+            <a:schemeClr val="accent1"/>
+          </a:lnRef>
+          <a:fillRef idx="0">
+            <a:schemeClr val="accent1"/>
+          </a:fillRef>
+          <a:effectRef idx="1">
+            <a:schemeClr val="accent1"/>
+          </a:effectRef>
+          <a:fontRef idx="minor">
+            <a:schemeClr val="tx1"/>
+          </a:fontRef>
+        </p:style>
+      </p:cxnSp>
     </p:spTree>
     <p:extLst>
       <p:ext uri="{BB962C8B-B14F-4D97-AF65-F5344CB8AC3E}">
-        <p14:creationId xmlns:p14="http://schemas.microsoft.com/office/powerpoint/2010/main" val="2107797434"/>
+        <p14:creationId xmlns:p14="http://schemas.microsoft.com/office/powerpoint/2010/main" val="1911936383"/>
       </p:ext>
     </p:extLst>
   </p:cSld>
@@ -330,6 +540,1812 @@
 </file>
 
 <file path=ppt/slideLayouts/slideLayout10.xml><?xml version="1.0" encoding="utf-8"?>
+<p:sldLayout xmlns:a="http://schemas.openxmlformats.org/drawingml/2006/main" xmlns:r="http://schemas.openxmlformats.org/officeDocument/2006/relationships" xmlns:p="http://schemas.openxmlformats.org/presentationml/2006/main" preserve="1">
+  <p:cSld name="Panoramic Picture with Caption">
+    <p:spTree>
+      <p:nvGrpSpPr>
+        <p:cNvPr id="1" name=""/>
+        <p:cNvGrpSpPr/>
+        <p:nvPr/>
+      </p:nvGrpSpPr>
+      <p:grpSpPr>
+        <a:xfrm>
+          <a:off x="0" y="0"/>
+          <a:ext cx="0" cy="0"/>
+          <a:chOff x="0" y="0"/>
+          <a:chExt cx="0" cy="0"/>
+        </a:xfrm>
+      </p:grpSpPr>
+      <p:sp>
+        <p:nvSpPr>
+          <p:cNvPr id="2" name="Title 1"/>
+          <p:cNvSpPr>
+            <a:spLocks noGrp="1"/>
+          </p:cNvSpPr>
+          <p:nvPr>
+            <p:ph type="title"/>
+          </p:nvPr>
+        </p:nvSpPr>
+        <p:spPr/>
+        <p:txBody>
+          <a:bodyPr/>
+          <a:lstStyle/>
+          <a:p>
+            <a:r>
+              <a:rPr lang="en-US"/>
+              <a:t>Click to edit Master title style</a:t>
+            </a:r>
+            <a:endParaRPr lang="en-US" dirty="0"/>
+          </a:p>
+        </p:txBody>
+      </p:sp>
+      <p:sp>
+        <p:nvSpPr>
+          <p:cNvPr id="17" name="Picture Placeholder 2"/>
+          <p:cNvSpPr>
+            <a:spLocks noGrp="1" noChangeAspect="1"/>
+          </p:cNvSpPr>
+          <p:nvPr>
+            <p:ph type="pic" idx="13"/>
+          </p:nvPr>
+        </p:nvSpPr>
+        <p:spPr>
+          <a:xfrm>
+            <a:off x="685800" y="533400"/>
+            <a:ext cx="10818812" cy="3124200"/>
+          </a:xfrm>
+          <a:prstGeom prst="snip2DiagRect">
+            <a:avLst>
+              <a:gd name="adj1" fmla="val 10815"/>
+              <a:gd name="adj2" fmla="val 0"/>
+            </a:avLst>
+          </a:prstGeom>
+          <a:ln w="15875">
+            <a:solidFill>
+              <a:schemeClr val="tx1">
+                <a:alpha val="40000"/>
+              </a:schemeClr>
+            </a:solidFill>
+          </a:ln>
+          <a:effectLst>
+            <a:innerShdw blurRad="57150" dist="38100" dir="14460000">
+              <a:srgbClr val="000000">
+                <a:alpha val="70000"/>
+              </a:srgbClr>
+            </a:innerShdw>
+          </a:effectLst>
+        </p:spPr>
+        <p:txBody>
+          <a:bodyPr anchor="t">
+            <a:normAutofit/>
+          </a:bodyPr>
+          <a:lstStyle>
+            <a:lvl1pPr marL="0" indent="0" algn="ctr">
+              <a:buNone/>
+              <a:defRPr sz="1600"/>
+            </a:lvl1pPr>
+            <a:lvl2pPr marL="457200" indent="0">
+              <a:buNone/>
+              <a:defRPr sz="1600"/>
+            </a:lvl2pPr>
+            <a:lvl3pPr marL="914400" indent="0">
+              <a:buNone/>
+              <a:defRPr sz="1600"/>
+            </a:lvl3pPr>
+            <a:lvl4pPr marL="1371600" indent="0">
+              <a:buNone/>
+              <a:defRPr sz="1600"/>
+            </a:lvl4pPr>
+            <a:lvl5pPr marL="1828800" indent="0">
+              <a:buNone/>
+              <a:defRPr sz="1600"/>
+            </a:lvl5pPr>
+            <a:lvl6pPr marL="2286000" indent="0">
+              <a:buNone/>
+              <a:defRPr sz="1600"/>
+            </a:lvl6pPr>
+            <a:lvl7pPr marL="2743200" indent="0">
+              <a:buNone/>
+              <a:defRPr sz="1600"/>
+            </a:lvl7pPr>
+            <a:lvl8pPr marL="3200400" indent="0">
+              <a:buNone/>
+              <a:defRPr sz="1600"/>
+            </a:lvl8pPr>
+            <a:lvl9pPr marL="3657600" indent="0">
+              <a:buNone/>
+              <a:defRPr sz="1600"/>
+            </a:lvl9pPr>
+          </a:lstStyle>
+          <a:p>
+            <a:r>
+              <a:rPr lang="en-US"/>
+              <a:t>Click icon to add picture</a:t>
+            </a:r>
+            <a:endParaRPr lang="en-US" dirty="0"/>
+          </a:p>
+        </p:txBody>
+      </p:sp>
+      <p:sp>
+        <p:nvSpPr>
+          <p:cNvPr id="16" name="Text Placeholder 9"/>
+          <p:cNvSpPr>
+            <a:spLocks noGrp="1"/>
+          </p:cNvSpPr>
+          <p:nvPr>
+            <p:ph type="body" sz="quarter" idx="14"/>
+          </p:nvPr>
+        </p:nvSpPr>
+        <p:spPr>
+          <a:xfrm>
+            <a:off x="914402" y="3843867"/>
+            <a:ext cx="8304210" cy="457200"/>
+          </a:xfrm>
+        </p:spPr>
+        <p:txBody>
+          <a:bodyPr anchor="t">
+            <a:normAutofit/>
+          </a:bodyPr>
+          <a:lstStyle>
+            <a:lvl1pPr marL="0" indent="0">
+              <a:buFontTx/>
+              <a:buNone/>
+              <a:defRPr sz="1600"/>
+            </a:lvl1pPr>
+            <a:lvl2pPr marL="457200" indent="0">
+              <a:buFontTx/>
+              <a:buNone/>
+              <a:defRPr/>
+            </a:lvl2pPr>
+            <a:lvl3pPr marL="914400" indent="0">
+              <a:buFontTx/>
+              <a:buNone/>
+              <a:defRPr/>
+            </a:lvl3pPr>
+            <a:lvl4pPr marL="1371600" indent="0">
+              <a:buFontTx/>
+              <a:buNone/>
+              <a:defRPr/>
+            </a:lvl4pPr>
+            <a:lvl5pPr marL="1828800" indent="0">
+              <a:buFontTx/>
+              <a:buNone/>
+              <a:defRPr/>
+            </a:lvl5pPr>
+          </a:lstStyle>
+          <a:p>
+            <a:pPr lvl="0"/>
+            <a:r>
+              <a:rPr lang="en-US"/>
+              <a:t>Click to edit Master text styles</a:t>
+            </a:r>
+          </a:p>
+        </p:txBody>
+      </p:sp>
+      <p:sp>
+        <p:nvSpPr>
+          <p:cNvPr id="3" name="Date Placeholder 2"/>
+          <p:cNvSpPr>
+            <a:spLocks noGrp="1"/>
+          </p:cNvSpPr>
+          <p:nvPr>
+            <p:ph type="dt" sz="half" idx="10"/>
+          </p:nvPr>
+        </p:nvSpPr>
+        <p:spPr/>
+        <p:txBody>
+          <a:bodyPr/>
+          <a:lstStyle/>
+          <a:p>
+            <a:fld id="{9FE723E2-BC0F-4A2F-84D1-E095482B85E6}" type="datetimeFigureOut">
+              <a:rPr lang="en-CA" smtClean="0"/>
+              <a:t>2020-04-15</a:t>
+            </a:fld>
+            <a:endParaRPr lang="en-CA"/>
+          </a:p>
+        </p:txBody>
+      </p:sp>
+      <p:sp>
+        <p:nvSpPr>
+          <p:cNvPr id="4" name="Footer Placeholder 3"/>
+          <p:cNvSpPr>
+            <a:spLocks noGrp="1"/>
+          </p:cNvSpPr>
+          <p:nvPr>
+            <p:ph type="ftr" sz="quarter" idx="11"/>
+          </p:nvPr>
+        </p:nvSpPr>
+        <p:spPr/>
+        <p:txBody>
+          <a:bodyPr/>
+          <a:lstStyle/>
+          <a:p>
+            <a:endParaRPr lang="en-CA"/>
+          </a:p>
+        </p:txBody>
+      </p:sp>
+      <p:sp>
+        <p:nvSpPr>
+          <p:cNvPr id="5" name="Slide Number Placeholder 4"/>
+          <p:cNvSpPr>
+            <a:spLocks noGrp="1"/>
+          </p:cNvSpPr>
+          <p:nvPr>
+            <p:ph type="sldNum" sz="quarter" idx="12"/>
+          </p:nvPr>
+        </p:nvSpPr>
+        <p:spPr/>
+        <p:txBody>
+          <a:bodyPr/>
+          <a:lstStyle/>
+          <a:p>
+            <a:fld id="{C3EF1B07-14F6-4944-89D1-07420A6A4493}" type="slidenum">
+              <a:rPr lang="en-CA" smtClean="0"/>
+              <a:t>‹#›</a:t>
+            </a:fld>
+            <a:endParaRPr lang="en-CA"/>
+          </a:p>
+        </p:txBody>
+      </p:sp>
+    </p:spTree>
+    <p:extLst>
+      <p:ext uri="{BB962C8B-B14F-4D97-AF65-F5344CB8AC3E}">
+        <p14:creationId xmlns:p14="http://schemas.microsoft.com/office/powerpoint/2010/main" val="673411256"/>
+      </p:ext>
+    </p:extLst>
+  </p:cSld>
+  <p:clrMapOvr>
+    <a:masterClrMapping/>
+  </p:clrMapOvr>
+</p:sldLayout>
+</file>
+
+<file path=ppt/slideLayouts/slideLayout11.xml><?xml version="1.0" encoding="utf-8"?>
+<p:sldLayout xmlns:a="http://schemas.openxmlformats.org/drawingml/2006/main" xmlns:r="http://schemas.openxmlformats.org/officeDocument/2006/relationships" xmlns:p="http://schemas.openxmlformats.org/presentationml/2006/main" preserve="1">
+  <p:cSld name="Title and Caption">
+    <p:spTree>
+      <p:nvGrpSpPr>
+        <p:cNvPr id="1" name=""/>
+        <p:cNvGrpSpPr/>
+        <p:nvPr/>
+      </p:nvGrpSpPr>
+      <p:grpSpPr>
+        <a:xfrm>
+          <a:off x="0" y="0"/>
+          <a:ext cx="0" cy="0"/>
+          <a:chOff x="0" y="0"/>
+          <a:chExt cx="0" cy="0"/>
+        </a:xfrm>
+      </p:grpSpPr>
+      <p:sp>
+        <p:nvSpPr>
+          <p:cNvPr id="2" name="Title 1"/>
+          <p:cNvSpPr>
+            <a:spLocks noGrp="1"/>
+          </p:cNvSpPr>
+          <p:nvPr>
+            <p:ph type="title"/>
+          </p:nvPr>
+        </p:nvSpPr>
+        <p:spPr>
+          <a:xfrm>
+            <a:off x="684213" y="685800"/>
+            <a:ext cx="10058400" cy="2743200"/>
+          </a:xfrm>
+        </p:spPr>
+        <p:txBody>
+          <a:bodyPr anchor="ctr">
+            <a:normAutofit/>
+          </a:bodyPr>
+          <a:lstStyle>
+            <a:lvl1pPr algn="l">
+              <a:defRPr sz="3200" b="0" cap="all"/>
+            </a:lvl1pPr>
+          </a:lstStyle>
+          <a:p>
+            <a:r>
+              <a:rPr lang="en-US"/>
+              <a:t>Click to edit Master title style</a:t>
+            </a:r>
+            <a:endParaRPr lang="en-US" dirty="0"/>
+          </a:p>
+        </p:txBody>
+      </p:sp>
+      <p:sp>
+        <p:nvSpPr>
+          <p:cNvPr id="3" name="Text Placeholder 2"/>
+          <p:cNvSpPr>
+            <a:spLocks noGrp="1"/>
+          </p:cNvSpPr>
+          <p:nvPr>
+            <p:ph type="body" idx="1"/>
+          </p:nvPr>
+        </p:nvSpPr>
+        <p:spPr>
+          <a:xfrm>
+            <a:off x="684212" y="4114800"/>
+            <a:ext cx="8535988" cy="1879600"/>
+          </a:xfrm>
+        </p:spPr>
+        <p:txBody>
+          <a:bodyPr anchor="ctr">
+            <a:normAutofit/>
+          </a:bodyPr>
+          <a:lstStyle>
+            <a:lvl1pPr marL="0" indent="0" algn="l">
+              <a:buNone/>
+              <a:defRPr sz="2000">
+                <a:solidFill>
+                  <a:schemeClr val="bg2">
+                    <a:lumMod val="75000"/>
+                  </a:schemeClr>
+                </a:solidFill>
+              </a:defRPr>
+            </a:lvl1pPr>
+            <a:lvl2pPr marL="457200" indent="0">
+              <a:buNone/>
+              <a:defRPr sz="1800">
+                <a:solidFill>
+                  <a:schemeClr val="tx1">
+                    <a:tint val="75000"/>
+                  </a:schemeClr>
+                </a:solidFill>
+              </a:defRPr>
+            </a:lvl2pPr>
+            <a:lvl3pPr marL="914400" indent="0">
+              <a:buNone/>
+              <a:defRPr sz="1600">
+                <a:solidFill>
+                  <a:schemeClr val="tx1">
+                    <a:tint val="75000"/>
+                  </a:schemeClr>
+                </a:solidFill>
+              </a:defRPr>
+            </a:lvl3pPr>
+            <a:lvl4pPr marL="1371600" indent="0">
+              <a:buNone/>
+              <a:defRPr sz="1400">
+                <a:solidFill>
+                  <a:schemeClr val="tx1">
+                    <a:tint val="75000"/>
+                  </a:schemeClr>
+                </a:solidFill>
+              </a:defRPr>
+            </a:lvl4pPr>
+            <a:lvl5pPr marL="1828800" indent="0">
+              <a:buNone/>
+              <a:defRPr sz="1400">
+                <a:solidFill>
+                  <a:schemeClr val="tx1">
+                    <a:tint val="75000"/>
+                  </a:schemeClr>
+                </a:solidFill>
+              </a:defRPr>
+            </a:lvl5pPr>
+            <a:lvl6pPr marL="2286000" indent="0">
+              <a:buNone/>
+              <a:defRPr sz="1400">
+                <a:solidFill>
+                  <a:schemeClr val="tx1">
+                    <a:tint val="75000"/>
+                  </a:schemeClr>
+                </a:solidFill>
+              </a:defRPr>
+            </a:lvl6pPr>
+            <a:lvl7pPr marL="2743200" indent="0">
+              <a:buNone/>
+              <a:defRPr sz="1400">
+                <a:solidFill>
+                  <a:schemeClr val="tx1">
+                    <a:tint val="75000"/>
+                  </a:schemeClr>
+                </a:solidFill>
+              </a:defRPr>
+            </a:lvl7pPr>
+            <a:lvl8pPr marL="3200400" indent="0">
+              <a:buNone/>
+              <a:defRPr sz="1400">
+                <a:solidFill>
+                  <a:schemeClr val="tx1">
+                    <a:tint val="75000"/>
+                  </a:schemeClr>
+                </a:solidFill>
+              </a:defRPr>
+            </a:lvl8pPr>
+            <a:lvl9pPr marL="3657600" indent="0">
+              <a:buNone/>
+              <a:defRPr sz="1400">
+                <a:solidFill>
+                  <a:schemeClr val="tx1">
+                    <a:tint val="75000"/>
+                  </a:schemeClr>
+                </a:solidFill>
+              </a:defRPr>
+            </a:lvl9pPr>
+          </a:lstStyle>
+          <a:p>
+            <a:pPr lvl="0"/>
+            <a:r>
+              <a:rPr lang="en-US"/>
+              <a:t>Click to edit Master text styles</a:t>
+            </a:r>
+          </a:p>
+        </p:txBody>
+      </p:sp>
+      <p:sp>
+        <p:nvSpPr>
+          <p:cNvPr id="4" name="Date Placeholder 3"/>
+          <p:cNvSpPr>
+            <a:spLocks noGrp="1"/>
+          </p:cNvSpPr>
+          <p:nvPr>
+            <p:ph type="dt" sz="half" idx="10"/>
+          </p:nvPr>
+        </p:nvSpPr>
+        <p:spPr/>
+        <p:txBody>
+          <a:bodyPr/>
+          <a:lstStyle/>
+          <a:p>
+            <a:fld id="{9FE723E2-BC0F-4A2F-84D1-E095482B85E6}" type="datetimeFigureOut">
+              <a:rPr lang="en-CA" smtClean="0"/>
+              <a:t>2020-04-15</a:t>
+            </a:fld>
+            <a:endParaRPr lang="en-CA"/>
+          </a:p>
+        </p:txBody>
+      </p:sp>
+      <p:sp>
+        <p:nvSpPr>
+          <p:cNvPr id="5" name="Footer Placeholder 4"/>
+          <p:cNvSpPr>
+            <a:spLocks noGrp="1"/>
+          </p:cNvSpPr>
+          <p:nvPr>
+            <p:ph type="ftr" sz="quarter" idx="11"/>
+          </p:nvPr>
+        </p:nvSpPr>
+        <p:spPr/>
+        <p:txBody>
+          <a:bodyPr/>
+          <a:lstStyle/>
+          <a:p>
+            <a:endParaRPr lang="en-CA"/>
+          </a:p>
+        </p:txBody>
+      </p:sp>
+      <p:sp>
+        <p:nvSpPr>
+          <p:cNvPr id="6" name="Slide Number Placeholder 5"/>
+          <p:cNvSpPr>
+            <a:spLocks noGrp="1"/>
+          </p:cNvSpPr>
+          <p:nvPr>
+            <p:ph type="sldNum" sz="quarter" idx="12"/>
+          </p:nvPr>
+        </p:nvSpPr>
+        <p:spPr/>
+        <p:txBody>
+          <a:bodyPr/>
+          <a:lstStyle/>
+          <a:p>
+            <a:fld id="{C3EF1B07-14F6-4944-89D1-07420A6A4493}" type="slidenum">
+              <a:rPr lang="en-CA" smtClean="0"/>
+              <a:t>‹#›</a:t>
+            </a:fld>
+            <a:endParaRPr lang="en-CA"/>
+          </a:p>
+        </p:txBody>
+      </p:sp>
+    </p:spTree>
+    <p:extLst>
+      <p:ext uri="{BB962C8B-B14F-4D97-AF65-F5344CB8AC3E}">
+        <p14:creationId xmlns:p14="http://schemas.microsoft.com/office/powerpoint/2010/main" val="3536638740"/>
+      </p:ext>
+    </p:extLst>
+  </p:cSld>
+  <p:clrMapOvr>
+    <a:masterClrMapping/>
+  </p:clrMapOvr>
+</p:sldLayout>
+</file>
+
+<file path=ppt/slideLayouts/slideLayout12.xml><?xml version="1.0" encoding="utf-8"?>
+<p:sldLayout xmlns:a="http://schemas.openxmlformats.org/drawingml/2006/main" xmlns:r="http://schemas.openxmlformats.org/officeDocument/2006/relationships" xmlns:p="http://schemas.openxmlformats.org/presentationml/2006/main" preserve="1">
+  <p:cSld name="Quote with Caption">
+    <p:spTree>
+      <p:nvGrpSpPr>
+        <p:cNvPr id="1" name=""/>
+        <p:cNvGrpSpPr/>
+        <p:nvPr/>
+      </p:nvGrpSpPr>
+      <p:grpSpPr>
+        <a:xfrm>
+          <a:off x="0" y="0"/>
+          <a:ext cx="0" cy="0"/>
+          <a:chOff x="0" y="0"/>
+          <a:chExt cx="0" cy="0"/>
+        </a:xfrm>
+      </p:grpSpPr>
+      <p:sp>
+        <p:nvSpPr>
+          <p:cNvPr id="2" name="Title 1"/>
+          <p:cNvSpPr>
+            <a:spLocks noGrp="1"/>
+          </p:cNvSpPr>
+          <p:nvPr>
+            <p:ph type="title"/>
+          </p:nvPr>
+        </p:nvSpPr>
+        <p:spPr>
+          <a:xfrm>
+            <a:off x="1141411" y="685800"/>
+            <a:ext cx="9144001" cy="2743200"/>
+          </a:xfrm>
+        </p:spPr>
+        <p:txBody>
+          <a:bodyPr anchor="ctr">
+            <a:normAutofit/>
+          </a:bodyPr>
+          <a:lstStyle>
+            <a:lvl1pPr algn="l">
+              <a:defRPr sz="3200" b="0" cap="all">
+                <a:solidFill>
+                  <a:schemeClr val="tx1"/>
+                </a:solidFill>
+              </a:defRPr>
+            </a:lvl1pPr>
+          </a:lstStyle>
+          <a:p>
+            <a:r>
+              <a:rPr lang="en-US"/>
+              <a:t>Click to edit Master title style</a:t>
+            </a:r>
+            <a:endParaRPr lang="en-US" dirty="0"/>
+          </a:p>
+        </p:txBody>
+      </p:sp>
+      <p:sp>
+        <p:nvSpPr>
+          <p:cNvPr id="10" name="Text Placeholder 9"/>
+          <p:cNvSpPr>
+            <a:spLocks noGrp="1"/>
+          </p:cNvSpPr>
+          <p:nvPr>
+            <p:ph type="body" sz="quarter" idx="13"/>
+          </p:nvPr>
+        </p:nvSpPr>
+        <p:spPr>
+          <a:xfrm>
+            <a:off x="1446212" y="3429000"/>
+            <a:ext cx="8534400" cy="381000"/>
+          </a:xfrm>
+        </p:spPr>
+        <p:txBody>
+          <a:bodyPr anchor="ctr"/>
+          <a:lstStyle>
+            <a:lvl1pPr marL="0" indent="0">
+              <a:buFontTx/>
+              <a:buNone/>
+              <a:defRPr/>
+            </a:lvl1pPr>
+            <a:lvl2pPr marL="457200" indent="0">
+              <a:buFontTx/>
+              <a:buNone/>
+              <a:defRPr/>
+            </a:lvl2pPr>
+            <a:lvl3pPr marL="914400" indent="0">
+              <a:buFontTx/>
+              <a:buNone/>
+              <a:defRPr/>
+            </a:lvl3pPr>
+            <a:lvl4pPr marL="1371600" indent="0">
+              <a:buFontTx/>
+              <a:buNone/>
+              <a:defRPr/>
+            </a:lvl4pPr>
+            <a:lvl5pPr marL="1828800" indent="0">
+              <a:buFontTx/>
+              <a:buNone/>
+              <a:defRPr/>
+            </a:lvl5pPr>
+          </a:lstStyle>
+          <a:p>
+            <a:pPr lvl="0"/>
+            <a:r>
+              <a:rPr lang="en-US"/>
+              <a:t>Click to edit Master text styles</a:t>
+            </a:r>
+          </a:p>
+        </p:txBody>
+      </p:sp>
+      <p:sp>
+        <p:nvSpPr>
+          <p:cNvPr id="3" name="Text Placeholder 2"/>
+          <p:cNvSpPr>
+            <a:spLocks noGrp="1"/>
+          </p:cNvSpPr>
+          <p:nvPr>
+            <p:ph type="body" idx="1"/>
+          </p:nvPr>
+        </p:nvSpPr>
+        <p:spPr>
+          <a:xfrm>
+            <a:off x="684213" y="4301067"/>
+            <a:ext cx="8534400" cy="1684865"/>
+          </a:xfrm>
+        </p:spPr>
+        <p:txBody>
+          <a:bodyPr anchor="ctr">
+            <a:normAutofit/>
+          </a:bodyPr>
+          <a:lstStyle>
+            <a:lvl1pPr marL="0" indent="0" algn="l">
+              <a:buNone/>
+              <a:defRPr sz="2000">
+                <a:solidFill>
+                  <a:schemeClr val="bg2">
+                    <a:lumMod val="75000"/>
+                  </a:schemeClr>
+                </a:solidFill>
+              </a:defRPr>
+            </a:lvl1pPr>
+            <a:lvl2pPr marL="457200" indent="0">
+              <a:buNone/>
+              <a:defRPr sz="1800">
+                <a:solidFill>
+                  <a:schemeClr val="tx1">
+                    <a:tint val="75000"/>
+                  </a:schemeClr>
+                </a:solidFill>
+              </a:defRPr>
+            </a:lvl2pPr>
+            <a:lvl3pPr marL="914400" indent="0">
+              <a:buNone/>
+              <a:defRPr sz="1600">
+                <a:solidFill>
+                  <a:schemeClr val="tx1">
+                    <a:tint val="75000"/>
+                  </a:schemeClr>
+                </a:solidFill>
+              </a:defRPr>
+            </a:lvl3pPr>
+            <a:lvl4pPr marL="1371600" indent="0">
+              <a:buNone/>
+              <a:defRPr sz="1400">
+                <a:solidFill>
+                  <a:schemeClr val="tx1">
+                    <a:tint val="75000"/>
+                  </a:schemeClr>
+                </a:solidFill>
+              </a:defRPr>
+            </a:lvl4pPr>
+            <a:lvl5pPr marL="1828800" indent="0">
+              <a:buNone/>
+              <a:defRPr sz="1400">
+                <a:solidFill>
+                  <a:schemeClr val="tx1">
+                    <a:tint val="75000"/>
+                  </a:schemeClr>
+                </a:solidFill>
+              </a:defRPr>
+            </a:lvl5pPr>
+            <a:lvl6pPr marL="2286000" indent="0">
+              <a:buNone/>
+              <a:defRPr sz="1400">
+                <a:solidFill>
+                  <a:schemeClr val="tx1">
+                    <a:tint val="75000"/>
+                  </a:schemeClr>
+                </a:solidFill>
+              </a:defRPr>
+            </a:lvl6pPr>
+            <a:lvl7pPr marL="2743200" indent="0">
+              <a:buNone/>
+              <a:defRPr sz="1400">
+                <a:solidFill>
+                  <a:schemeClr val="tx1">
+                    <a:tint val="75000"/>
+                  </a:schemeClr>
+                </a:solidFill>
+              </a:defRPr>
+            </a:lvl7pPr>
+            <a:lvl8pPr marL="3200400" indent="0">
+              <a:buNone/>
+              <a:defRPr sz="1400">
+                <a:solidFill>
+                  <a:schemeClr val="tx1">
+                    <a:tint val="75000"/>
+                  </a:schemeClr>
+                </a:solidFill>
+              </a:defRPr>
+            </a:lvl8pPr>
+            <a:lvl9pPr marL="3657600" indent="0">
+              <a:buNone/>
+              <a:defRPr sz="1400">
+                <a:solidFill>
+                  <a:schemeClr val="tx1">
+                    <a:tint val="75000"/>
+                  </a:schemeClr>
+                </a:solidFill>
+              </a:defRPr>
+            </a:lvl9pPr>
+          </a:lstStyle>
+          <a:p>
+            <a:pPr lvl="0"/>
+            <a:r>
+              <a:rPr lang="en-US"/>
+              <a:t>Click to edit Master text styles</a:t>
+            </a:r>
+          </a:p>
+        </p:txBody>
+      </p:sp>
+      <p:sp>
+        <p:nvSpPr>
+          <p:cNvPr id="4" name="Date Placeholder 3"/>
+          <p:cNvSpPr>
+            <a:spLocks noGrp="1"/>
+          </p:cNvSpPr>
+          <p:nvPr>
+            <p:ph type="dt" sz="half" idx="10"/>
+          </p:nvPr>
+        </p:nvSpPr>
+        <p:spPr/>
+        <p:txBody>
+          <a:bodyPr/>
+          <a:lstStyle/>
+          <a:p>
+            <a:fld id="{9FE723E2-BC0F-4A2F-84D1-E095482B85E6}" type="datetimeFigureOut">
+              <a:rPr lang="en-CA" smtClean="0"/>
+              <a:t>2020-04-15</a:t>
+            </a:fld>
+            <a:endParaRPr lang="en-CA"/>
+          </a:p>
+        </p:txBody>
+      </p:sp>
+      <p:sp>
+        <p:nvSpPr>
+          <p:cNvPr id="5" name="Footer Placeholder 4"/>
+          <p:cNvSpPr>
+            <a:spLocks noGrp="1"/>
+          </p:cNvSpPr>
+          <p:nvPr>
+            <p:ph type="ftr" sz="quarter" idx="11"/>
+          </p:nvPr>
+        </p:nvSpPr>
+        <p:spPr/>
+        <p:txBody>
+          <a:bodyPr/>
+          <a:lstStyle/>
+          <a:p>
+            <a:endParaRPr lang="en-CA"/>
+          </a:p>
+        </p:txBody>
+      </p:sp>
+      <p:sp>
+        <p:nvSpPr>
+          <p:cNvPr id="6" name="Slide Number Placeholder 5"/>
+          <p:cNvSpPr>
+            <a:spLocks noGrp="1"/>
+          </p:cNvSpPr>
+          <p:nvPr>
+            <p:ph type="sldNum" sz="quarter" idx="12"/>
+          </p:nvPr>
+        </p:nvSpPr>
+        <p:spPr/>
+        <p:txBody>
+          <a:bodyPr/>
+          <a:lstStyle/>
+          <a:p>
+            <a:fld id="{C3EF1B07-14F6-4944-89D1-07420A6A4493}" type="slidenum">
+              <a:rPr lang="en-CA" smtClean="0"/>
+              <a:t>‹#›</a:t>
+            </a:fld>
+            <a:endParaRPr lang="en-CA"/>
+          </a:p>
+        </p:txBody>
+      </p:sp>
+      <p:sp>
+        <p:nvSpPr>
+          <p:cNvPr id="14" name="TextBox 13"/>
+          <p:cNvSpPr txBox="1"/>
+          <p:nvPr/>
+        </p:nvSpPr>
+        <p:spPr>
+          <a:xfrm>
+            <a:off x="531812" y="812222"/>
+            <a:ext cx="609600" cy="584776"/>
+          </a:xfrm>
+          <a:prstGeom prst="rect">
+            <a:avLst/>
+          </a:prstGeom>
+        </p:spPr>
+        <p:txBody>
+          <a:bodyPr vert="horz" lIns="91440" tIns="45720" rIns="91440" bIns="45720" rtlCol="0" anchor="ctr">
+            <a:noAutofit/>
+          </a:bodyPr>
+          <a:lstStyle/>
+          <a:p>
+            <a:pPr lvl="0"/>
+            <a:r>
+              <a:rPr lang="en-US" sz="8000" dirty="0">
+                <a:solidFill>
+                  <a:schemeClr val="tx1"/>
+                </a:solidFill>
+                <a:effectLst/>
+              </a:rPr>
+              <a:t>“</a:t>
+            </a:r>
+          </a:p>
+        </p:txBody>
+      </p:sp>
+      <p:sp>
+        <p:nvSpPr>
+          <p:cNvPr id="15" name="TextBox 14"/>
+          <p:cNvSpPr txBox="1"/>
+          <p:nvPr/>
+        </p:nvSpPr>
+        <p:spPr>
+          <a:xfrm>
+            <a:off x="10285412" y="2768601"/>
+            <a:ext cx="609600" cy="584776"/>
+          </a:xfrm>
+          <a:prstGeom prst="rect">
+            <a:avLst/>
+          </a:prstGeom>
+        </p:spPr>
+        <p:txBody>
+          <a:bodyPr vert="horz" lIns="91440" tIns="45720" rIns="91440" bIns="45720" rtlCol="0" anchor="ctr">
+            <a:noAutofit/>
+          </a:bodyPr>
+          <a:lstStyle/>
+          <a:p>
+            <a:pPr lvl="0" algn="r"/>
+            <a:r>
+              <a:rPr lang="en-US" sz="8000" dirty="0">
+                <a:solidFill>
+                  <a:schemeClr val="tx1"/>
+                </a:solidFill>
+                <a:effectLst/>
+              </a:rPr>
+              <a:t>”</a:t>
+            </a:r>
+          </a:p>
+        </p:txBody>
+      </p:sp>
+    </p:spTree>
+    <p:extLst>
+      <p:ext uri="{BB962C8B-B14F-4D97-AF65-F5344CB8AC3E}">
+        <p14:creationId xmlns:p14="http://schemas.microsoft.com/office/powerpoint/2010/main" val="3136765569"/>
+      </p:ext>
+    </p:extLst>
+  </p:cSld>
+  <p:clrMapOvr>
+    <a:masterClrMapping/>
+  </p:clrMapOvr>
+</p:sldLayout>
+</file>
+
+<file path=ppt/slideLayouts/slideLayout13.xml><?xml version="1.0" encoding="utf-8"?>
+<p:sldLayout xmlns:a="http://schemas.openxmlformats.org/drawingml/2006/main" xmlns:r="http://schemas.openxmlformats.org/officeDocument/2006/relationships" xmlns:p="http://schemas.openxmlformats.org/presentationml/2006/main" preserve="1">
+  <p:cSld name="Name Card">
+    <p:spTree>
+      <p:nvGrpSpPr>
+        <p:cNvPr id="1" name=""/>
+        <p:cNvGrpSpPr/>
+        <p:nvPr/>
+      </p:nvGrpSpPr>
+      <p:grpSpPr>
+        <a:xfrm>
+          <a:off x="0" y="0"/>
+          <a:ext cx="0" cy="0"/>
+          <a:chOff x="0" y="0"/>
+          <a:chExt cx="0" cy="0"/>
+        </a:xfrm>
+      </p:grpSpPr>
+      <p:sp>
+        <p:nvSpPr>
+          <p:cNvPr id="2" name="Title 1"/>
+          <p:cNvSpPr>
+            <a:spLocks noGrp="1"/>
+          </p:cNvSpPr>
+          <p:nvPr>
+            <p:ph type="title"/>
+          </p:nvPr>
+        </p:nvSpPr>
+        <p:spPr>
+          <a:xfrm>
+            <a:off x="684212" y="3429000"/>
+            <a:ext cx="8534400" cy="1697400"/>
+          </a:xfrm>
+        </p:spPr>
+        <p:txBody>
+          <a:bodyPr anchor="b">
+            <a:normAutofit/>
+          </a:bodyPr>
+          <a:lstStyle>
+            <a:lvl1pPr algn="l">
+              <a:defRPr sz="3200" b="0" cap="all"/>
+            </a:lvl1pPr>
+          </a:lstStyle>
+          <a:p>
+            <a:r>
+              <a:rPr lang="en-US"/>
+              <a:t>Click to edit Master title style</a:t>
+            </a:r>
+            <a:endParaRPr lang="en-US" dirty="0"/>
+          </a:p>
+        </p:txBody>
+      </p:sp>
+      <p:sp>
+        <p:nvSpPr>
+          <p:cNvPr id="3" name="Text Placeholder 2"/>
+          <p:cNvSpPr>
+            <a:spLocks noGrp="1"/>
+          </p:cNvSpPr>
+          <p:nvPr>
+            <p:ph type="body" idx="1"/>
+          </p:nvPr>
+        </p:nvSpPr>
+        <p:spPr>
+          <a:xfrm>
+            <a:off x="684211" y="5132981"/>
+            <a:ext cx="8535990" cy="860400"/>
+          </a:xfrm>
+        </p:spPr>
+        <p:txBody>
+          <a:bodyPr anchor="t">
+            <a:normAutofit/>
+          </a:bodyPr>
+          <a:lstStyle>
+            <a:lvl1pPr marL="0" indent="0" algn="l">
+              <a:buNone/>
+              <a:defRPr sz="2000">
+                <a:solidFill>
+                  <a:schemeClr val="bg2">
+                    <a:lumMod val="75000"/>
+                  </a:schemeClr>
+                </a:solidFill>
+              </a:defRPr>
+            </a:lvl1pPr>
+            <a:lvl2pPr marL="457200" indent="0">
+              <a:buNone/>
+              <a:defRPr sz="1800">
+                <a:solidFill>
+                  <a:schemeClr val="tx1">
+                    <a:tint val="75000"/>
+                  </a:schemeClr>
+                </a:solidFill>
+              </a:defRPr>
+            </a:lvl2pPr>
+            <a:lvl3pPr marL="914400" indent="0">
+              <a:buNone/>
+              <a:defRPr sz="1600">
+                <a:solidFill>
+                  <a:schemeClr val="tx1">
+                    <a:tint val="75000"/>
+                  </a:schemeClr>
+                </a:solidFill>
+              </a:defRPr>
+            </a:lvl3pPr>
+            <a:lvl4pPr marL="1371600" indent="0">
+              <a:buNone/>
+              <a:defRPr sz="1400">
+                <a:solidFill>
+                  <a:schemeClr val="tx1">
+                    <a:tint val="75000"/>
+                  </a:schemeClr>
+                </a:solidFill>
+              </a:defRPr>
+            </a:lvl4pPr>
+            <a:lvl5pPr marL="1828800" indent="0">
+              <a:buNone/>
+              <a:defRPr sz="1400">
+                <a:solidFill>
+                  <a:schemeClr val="tx1">
+                    <a:tint val="75000"/>
+                  </a:schemeClr>
+                </a:solidFill>
+              </a:defRPr>
+            </a:lvl5pPr>
+            <a:lvl6pPr marL="2286000" indent="0">
+              <a:buNone/>
+              <a:defRPr sz="1400">
+                <a:solidFill>
+                  <a:schemeClr val="tx1">
+                    <a:tint val="75000"/>
+                  </a:schemeClr>
+                </a:solidFill>
+              </a:defRPr>
+            </a:lvl6pPr>
+            <a:lvl7pPr marL="2743200" indent="0">
+              <a:buNone/>
+              <a:defRPr sz="1400">
+                <a:solidFill>
+                  <a:schemeClr val="tx1">
+                    <a:tint val="75000"/>
+                  </a:schemeClr>
+                </a:solidFill>
+              </a:defRPr>
+            </a:lvl7pPr>
+            <a:lvl8pPr marL="3200400" indent="0">
+              <a:buNone/>
+              <a:defRPr sz="1400">
+                <a:solidFill>
+                  <a:schemeClr val="tx1">
+                    <a:tint val="75000"/>
+                  </a:schemeClr>
+                </a:solidFill>
+              </a:defRPr>
+            </a:lvl8pPr>
+            <a:lvl9pPr marL="3657600" indent="0">
+              <a:buNone/>
+              <a:defRPr sz="1400">
+                <a:solidFill>
+                  <a:schemeClr val="tx1">
+                    <a:tint val="75000"/>
+                  </a:schemeClr>
+                </a:solidFill>
+              </a:defRPr>
+            </a:lvl9pPr>
+          </a:lstStyle>
+          <a:p>
+            <a:pPr lvl="0"/>
+            <a:r>
+              <a:rPr lang="en-US"/>
+              <a:t>Click to edit Master text styles</a:t>
+            </a:r>
+          </a:p>
+        </p:txBody>
+      </p:sp>
+      <p:sp>
+        <p:nvSpPr>
+          <p:cNvPr id="4" name="Date Placeholder 3"/>
+          <p:cNvSpPr>
+            <a:spLocks noGrp="1"/>
+          </p:cNvSpPr>
+          <p:nvPr>
+            <p:ph type="dt" sz="half" idx="10"/>
+          </p:nvPr>
+        </p:nvSpPr>
+        <p:spPr/>
+        <p:txBody>
+          <a:bodyPr/>
+          <a:lstStyle/>
+          <a:p>
+            <a:fld id="{9FE723E2-BC0F-4A2F-84D1-E095482B85E6}" type="datetimeFigureOut">
+              <a:rPr lang="en-CA" smtClean="0"/>
+              <a:t>2020-04-15</a:t>
+            </a:fld>
+            <a:endParaRPr lang="en-CA"/>
+          </a:p>
+        </p:txBody>
+      </p:sp>
+      <p:sp>
+        <p:nvSpPr>
+          <p:cNvPr id="5" name="Footer Placeholder 4"/>
+          <p:cNvSpPr>
+            <a:spLocks noGrp="1"/>
+          </p:cNvSpPr>
+          <p:nvPr>
+            <p:ph type="ftr" sz="quarter" idx="11"/>
+          </p:nvPr>
+        </p:nvSpPr>
+        <p:spPr/>
+        <p:txBody>
+          <a:bodyPr/>
+          <a:lstStyle/>
+          <a:p>
+            <a:endParaRPr lang="en-CA"/>
+          </a:p>
+        </p:txBody>
+      </p:sp>
+      <p:sp>
+        <p:nvSpPr>
+          <p:cNvPr id="6" name="Slide Number Placeholder 5"/>
+          <p:cNvSpPr>
+            <a:spLocks noGrp="1"/>
+          </p:cNvSpPr>
+          <p:nvPr>
+            <p:ph type="sldNum" sz="quarter" idx="12"/>
+          </p:nvPr>
+        </p:nvSpPr>
+        <p:spPr/>
+        <p:txBody>
+          <a:bodyPr/>
+          <a:lstStyle/>
+          <a:p>
+            <a:fld id="{C3EF1B07-14F6-4944-89D1-07420A6A4493}" type="slidenum">
+              <a:rPr lang="en-CA" smtClean="0"/>
+              <a:t>‹#›</a:t>
+            </a:fld>
+            <a:endParaRPr lang="en-CA"/>
+          </a:p>
+        </p:txBody>
+      </p:sp>
+    </p:spTree>
+    <p:extLst>
+      <p:ext uri="{BB962C8B-B14F-4D97-AF65-F5344CB8AC3E}">
+        <p14:creationId xmlns:p14="http://schemas.microsoft.com/office/powerpoint/2010/main" val="1595641591"/>
+      </p:ext>
+    </p:extLst>
+  </p:cSld>
+  <p:clrMapOvr>
+    <a:masterClrMapping/>
+  </p:clrMapOvr>
+</p:sldLayout>
+</file>
+
+<file path=ppt/slideLayouts/slideLayout14.xml><?xml version="1.0" encoding="utf-8"?>
+<p:sldLayout xmlns:a="http://schemas.openxmlformats.org/drawingml/2006/main" xmlns:r="http://schemas.openxmlformats.org/officeDocument/2006/relationships" xmlns:p="http://schemas.openxmlformats.org/presentationml/2006/main" preserve="1">
+  <p:cSld name="Quote Name Card">
+    <p:spTree>
+      <p:nvGrpSpPr>
+        <p:cNvPr id="1" name=""/>
+        <p:cNvGrpSpPr/>
+        <p:nvPr/>
+      </p:nvGrpSpPr>
+      <p:grpSpPr>
+        <a:xfrm>
+          <a:off x="0" y="0"/>
+          <a:ext cx="0" cy="0"/>
+          <a:chOff x="0" y="0"/>
+          <a:chExt cx="0" cy="0"/>
+        </a:xfrm>
+      </p:grpSpPr>
+      <p:sp>
+        <p:nvSpPr>
+          <p:cNvPr id="2" name="Title 1"/>
+          <p:cNvSpPr>
+            <a:spLocks noGrp="1"/>
+          </p:cNvSpPr>
+          <p:nvPr>
+            <p:ph type="title"/>
+          </p:nvPr>
+        </p:nvSpPr>
+        <p:spPr>
+          <a:xfrm>
+            <a:off x="1141413" y="685800"/>
+            <a:ext cx="9144000" cy="2743200"/>
+          </a:xfrm>
+        </p:spPr>
+        <p:txBody>
+          <a:bodyPr anchor="ctr">
+            <a:normAutofit/>
+          </a:bodyPr>
+          <a:lstStyle>
+            <a:lvl1pPr algn="l">
+              <a:defRPr sz="3200" b="0" cap="all">
+                <a:solidFill>
+                  <a:schemeClr val="tx1"/>
+                </a:solidFill>
+              </a:defRPr>
+            </a:lvl1pPr>
+          </a:lstStyle>
+          <a:p>
+            <a:r>
+              <a:rPr lang="en-US"/>
+              <a:t>Click to edit Master title style</a:t>
+            </a:r>
+            <a:endParaRPr lang="en-US" dirty="0"/>
+          </a:p>
+        </p:txBody>
+      </p:sp>
+      <p:sp>
+        <p:nvSpPr>
+          <p:cNvPr id="10" name="Text Placeholder 9"/>
+          <p:cNvSpPr>
+            <a:spLocks noGrp="1"/>
+          </p:cNvSpPr>
+          <p:nvPr>
+            <p:ph type="body" sz="quarter" idx="13"/>
+          </p:nvPr>
+        </p:nvSpPr>
+        <p:spPr>
+          <a:xfrm>
+            <a:off x="684212" y="3928534"/>
+            <a:ext cx="8534401" cy="1049866"/>
+          </a:xfrm>
+        </p:spPr>
+        <p:txBody>
+          <a:bodyPr vert="horz" lIns="91440" tIns="45720" rIns="91440" bIns="45720" rtlCol="0" anchor="b">
+            <a:normAutofit/>
+          </a:bodyPr>
+          <a:lstStyle>
+            <a:lvl1pPr>
+              <a:buNone/>
+              <a:defRPr lang="en-US" sz="2400" b="0" cap="all" dirty="0">
+                <a:ln w="3175" cmpd="sng">
+                  <a:noFill/>
+                </a:ln>
+                <a:solidFill>
+                  <a:schemeClr val="tx1"/>
+                </a:solidFill>
+                <a:effectLst/>
+              </a:defRPr>
+            </a:lvl1pPr>
+          </a:lstStyle>
+          <a:p>
+            <a:pPr marL="0" lvl="0">
+              <a:spcBef>
+                <a:spcPct val="0"/>
+              </a:spcBef>
+              <a:buNone/>
+            </a:pPr>
+            <a:r>
+              <a:rPr lang="en-US"/>
+              <a:t>Click to edit Master text styles</a:t>
+            </a:r>
+          </a:p>
+        </p:txBody>
+      </p:sp>
+      <p:sp>
+        <p:nvSpPr>
+          <p:cNvPr id="3" name="Text Placeholder 2"/>
+          <p:cNvSpPr>
+            <a:spLocks noGrp="1"/>
+          </p:cNvSpPr>
+          <p:nvPr>
+            <p:ph type="body" idx="1"/>
+          </p:nvPr>
+        </p:nvSpPr>
+        <p:spPr>
+          <a:xfrm>
+            <a:off x="684211" y="4978400"/>
+            <a:ext cx="8534401" cy="1016000"/>
+          </a:xfrm>
+        </p:spPr>
+        <p:txBody>
+          <a:bodyPr anchor="t">
+            <a:normAutofit/>
+          </a:bodyPr>
+          <a:lstStyle>
+            <a:lvl1pPr marL="0" indent="0" algn="l">
+              <a:buNone/>
+              <a:defRPr sz="1800">
+                <a:solidFill>
+                  <a:schemeClr val="bg2">
+                    <a:lumMod val="75000"/>
+                  </a:schemeClr>
+                </a:solidFill>
+              </a:defRPr>
+            </a:lvl1pPr>
+            <a:lvl2pPr marL="457200" indent="0">
+              <a:buNone/>
+              <a:defRPr sz="1800">
+                <a:solidFill>
+                  <a:schemeClr val="tx1">
+                    <a:tint val="75000"/>
+                  </a:schemeClr>
+                </a:solidFill>
+              </a:defRPr>
+            </a:lvl2pPr>
+            <a:lvl3pPr marL="914400" indent="0">
+              <a:buNone/>
+              <a:defRPr sz="1600">
+                <a:solidFill>
+                  <a:schemeClr val="tx1">
+                    <a:tint val="75000"/>
+                  </a:schemeClr>
+                </a:solidFill>
+              </a:defRPr>
+            </a:lvl3pPr>
+            <a:lvl4pPr marL="1371600" indent="0">
+              <a:buNone/>
+              <a:defRPr sz="1400">
+                <a:solidFill>
+                  <a:schemeClr val="tx1">
+                    <a:tint val="75000"/>
+                  </a:schemeClr>
+                </a:solidFill>
+              </a:defRPr>
+            </a:lvl4pPr>
+            <a:lvl5pPr marL="1828800" indent="0">
+              <a:buNone/>
+              <a:defRPr sz="1400">
+                <a:solidFill>
+                  <a:schemeClr val="tx1">
+                    <a:tint val="75000"/>
+                  </a:schemeClr>
+                </a:solidFill>
+              </a:defRPr>
+            </a:lvl5pPr>
+            <a:lvl6pPr marL="2286000" indent="0">
+              <a:buNone/>
+              <a:defRPr sz="1400">
+                <a:solidFill>
+                  <a:schemeClr val="tx1">
+                    <a:tint val="75000"/>
+                  </a:schemeClr>
+                </a:solidFill>
+              </a:defRPr>
+            </a:lvl6pPr>
+            <a:lvl7pPr marL="2743200" indent="0">
+              <a:buNone/>
+              <a:defRPr sz="1400">
+                <a:solidFill>
+                  <a:schemeClr val="tx1">
+                    <a:tint val="75000"/>
+                  </a:schemeClr>
+                </a:solidFill>
+              </a:defRPr>
+            </a:lvl7pPr>
+            <a:lvl8pPr marL="3200400" indent="0">
+              <a:buNone/>
+              <a:defRPr sz="1400">
+                <a:solidFill>
+                  <a:schemeClr val="tx1">
+                    <a:tint val="75000"/>
+                  </a:schemeClr>
+                </a:solidFill>
+              </a:defRPr>
+            </a:lvl8pPr>
+            <a:lvl9pPr marL="3657600" indent="0">
+              <a:buNone/>
+              <a:defRPr sz="1400">
+                <a:solidFill>
+                  <a:schemeClr val="tx1">
+                    <a:tint val="75000"/>
+                  </a:schemeClr>
+                </a:solidFill>
+              </a:defRPr>
+            </a:lvl9pPr>
+          </a:lstStyle>
+          <a:p>
+            <a:pPr lvl="0"/>
+            <a:r>
+              <a:rPr lang="en-US"/>
+              <a:t>Click to edit Master text styles</a:t>
+            </a:r>
+          </a:p>
+        </p:txBody>
+      </p:sp>
+      <p:sp>
+        <p:nvSpPr>
+          <p:cNvPr id="4" name="Date Placeholder 3"/>
+          <p:cNvSpPr>
+            <a:spLocks noGrp="1"/>
+          </p:cNvSpPr>
+          <p:nvPr>
+            <p:ph type="dt" sz="half" idx="10"/>
+          </p:nvPr>
+        </p:nvSpPr>
+        <p:spPr/>
+        <p:txBody>
+          <a:bodyPr/>
+          <a:lstStyle/>
+          <a:p>
+            <a:fld id="{9FE723E2-BC0F-4A2F-84D1-E095482B85E6}" type="datetimeFigureOut">
+              <a:rPr lang="en-CA" smtClean="0"/>
+              <a:t>2020-04-15</a:t>
+            </a:fld>
+            <a:endParaRPr lang="en-CA"/>
+          </a:p>
+        </p:txBody>
+      </p:sp>
+      <p:sp>
+        <p:nvSpPr>
+          <p:cNvPr id="5" name="Footer Placeholder 4"/>
+          <p:cNvSpPr>
+            <a:spLocks noGrp="1"/>
+          </p:cNvSpPr>
+          <p:nvPr>
+            <p:ph type="ftr" sz="quarter" idx="11"/>
+          </p:nvPr>
+        </p:nvSpPr>
+        <p:spPr/>
+        <p:txBody>
+          <a:bodyPr/>
+          <a:lstStyle/>
+          <a:p>
+            <a:endParaRPr lang="en-CA"/>
+          </a:p>
+        </p:txBody>
+      </p:sp>
+      <p:sp>
+        <p:nvSpPr>
+          <p:cNvPr id="6" name="Slide Number Placeholder 5"/>
+          <p:cNvSpPr>
+            <a:spLocks noGrp="1"/>
+          </p:cNvSpPr>
+          <p:nvPr>
+            <p:ph type="sldNum" sz="quarter" idx="12"/>
+          </p:nvPr>
+        </p:nvSpPr>
+        <p:spPr/>
+        <p:txBody>
+          <a:bodyPr/>
+          <a:lstStyle/>
+          <a:p>
+            <a:fld id="{C3EF1B07-14F6-4944-89D1-07420A6A4493}" type="slidenum">
+              <a:rPr lang="en-CA" smtClean="0"/>
+              <a:t>‹#›</a:t>
+            </a:fld>
+            <a:endParaRPr lang="en-CA"/>
+          </a:p>
+        </p:txBody>
+      </p:sp>
+      <p:sp>
+        <p:nvSpPr>
+          <p:cNvPr id="11" name="TextBox 10"/>
+          <p:cNvSpPr txBox="1"/>
+          <p:nvPr/>
+        </p:nvSpPr>
+        <p:spPr>
+          <a:xfrm>
+            <a:off x="531812" y="812222"/>
+            <a:ext cx="609600" cy="584776"/>
+          </a:xfrm>
+          <a:prstGeom prst="rect">
+            <a:avLst/>
+          </a:prstGeom>
+        </p:spPr>
+        <p:txBody>
+          <a:bodyPr vert="horz" lIns="91440" tIns="45720" rIns="91440" bIns="45720" rtlCol="0" anchor="ctr">
+            <a:noAutofit/>
+          </a:bodyPr>
+          <a:lstStyle/>
+          <a:p>
+            <a:pPr lvl="0"/>
+            <a:r>
+              <a:rPr lang="en-US" sz="8000" dirty="0">
+                <a:solidFill>
+                  <a:schemeClr val="tx1"/>
+                </a:solidFill>
+                <a:effectLst/>
+              </a:rPr>
+              <a:t>“</a:t>
+            </a:r>
+          </a:p>
+        </p:txBody>
+      </p:sp>
+      <p:sp>
+        <p:nvSpPr>
+          <p:cNvPr id="12" name="TextBox 11"/>
+          <p:cNvSpPr txBox="1"/>
+          <p:nvPr/>
+        </p:nvSpPr>
+        <p:spPr>
+          <a:xfrm>
+            <a:off x="10285412" y="2768601"/>
+            <a:ext cx="609600" cy="584776"/>
+          </a:xfrm>
+          <a:prstGeom prst="rect">
+            <a:avLst/>
+          </a:prstGeom>
+        </p:spPr>
+        <p:txBody>
+          <a:bodyPr vert="horz" lIns="91440" tIns="45720" rIns="91440" bIns="45720" rtlCol="0" anchor="ctr">
+            <a:noAutofit/>
+          </a:bodyPr>
+          <a:lstStyle/>
+          <a:p>
+            <a:pPr lvl="0" algn="r"/>
+            <a:r>
+              <a:rPr lang="en-US" sz="8000" dirty="0">
+                <a:solidFill>
+                  <a:schemeClr val="tx1"/>
+                </a:solidFill>
+                <a:effectLst/>
+              </a:rPr>
+              <a:t>”</a:t>
+            </a:r>
+          </a:p>
+        </p:txBody>
+      </p:sp>
+    </p:spTree>
+    <p:extLst>
+      <p:ext uri="{BB962C8B-B14F-4D97-AF65-F5344CB8AC3E}">
+        <p14:creationId xmlns:p14="http://schemas.microsoft.com/office/powerpoint/2010/main" val="985763741"/>
+      </p:ext>
+    </p:extLst>
+  </p:cSld>
+  <p:clrMapOvr>
+    <a:masterClrMapping/>
+  </p:clrMapOvr>
+</p:sldLayout>
+</file>
+
+<file path=ppt/slideLayouts/slideLayout15.xml><?xml version="1.0" encoding="utf-8"?>
+<p:sldLayout xmlns:a="http://schemas.openxmlformats.org/drawingml/2006/main" xmlns:r="http://schemas.openxmlformats.org/officeDocument/2006/relationships" xmlns:p="http://schemas.openxmlformats.org/presentationml/2006/main" preserve="1">
+  <p:cSld name="True or False">
+    <p:spTree>
+      <p:nvGrpSpPr>
+        <p:cNvPr id="1" name=""/>
+        <p:cNvGrpSpPr/>
+        <p:nvPr/>
+      </p:nvGrpSpPr>
+      <p:grpSpPr>
+        <a:xfrm>
+          <a:off x="0" y="0"/>
+          <a:ext cx="0" cy="0"/>
+          <a:chOff x="0" y="0"/>
+          <a:chExt cx="0" cy="0"/>
+        </a:xfrm>
+      </p:grpSpPr>
+      <p:sp>
+        <p:nvSpPr>
+          <p:cNvPr id="2" name="Title 1"/>
+          <p:cNvSpPr>
+            <a:spLocks noGrp="1"/>
+          </p:cNvSpPr>
+          <p:nvPr>
+            <p:ph type="title"/>
+          </p:nvPr>
+        </p:nvSpPr>
+        <p:spPr>
+          <a:xfrm>
+            <a:off x="684213" y="685800"/>
+            <a:ext cx="10058400" cy="2743200"/>
+          </a:xfrm>
+        </p:spPr>
+        <p:txBody>
+          <a:bodyPr vert="horz" lIns="91440" tIns="45720" rIns="91440" bIns="45720" rtlCol="0" anchor="ctr">
+            <a:normAutofit/>
+          </a:bodyPr>
+          <a:lstStyle>
+            <a:lvl1pPr>
+              <a:defRPr lang="en-US" b="0" dirty="0"/>
+            </a:lvl1pPr>
+          </a:lstStyle>
+          <a:p>
+            <a:pPr marL="0" lvl="0"/>
+            <a:r>
+              <a:rPr lang="en-US"/>
+              <a:t>Click to edit Master title style</a:t>
+            </a:r>
+            <a:endParaRPr lang="en-US" dirty="0"/>
+          </a:p>
+        </p:txBody>
+      </p:sp>
+      <p:sp>
+        <p:nvSpPr>
+          <p:cNvPr id="10" name="Text Placeholder 9"/>
+          <p:cNvSpPr>
+            <a:spLocks noGrp="1"/>
+          </p:cNvSpPr>
+          <p:nvPr>
+            <p:ph type="body" sz="quarter" idx="13"/>
+          </p:nvPr>
+        </p:nvSpPr>
+        <p:spPr>
+          <a:xfrm>
+            <a:off x="684212" y="3928534"/>
+            <a:ext cx="8534400" cy="838200"/>
+          </a:xfrm>
+        </p:spPr>
+        <p:txBody>
+          <a:bodyPr vert="horz" lIns="91440" tIns="45720" rIns="91440" bIns="45720" rtlCol="0" anchor="b">
+            <a:normAutofit/>
+          </a:bodyPr>
+          <a:lstStyle>
+            <a:lvl1pPr>
+              <a:buNone/>
+              <a:defRPr lang="en-US" sz="2400" b="0" cap="all" dirty="0">
+                <a:ln w="3175" cmpd="sng">
+                  <a:noFill/>
+                </a:ln>
+                <a:solidFill>
+                  <a:schemeClr val="tx1"/>
+                </a:solidFill>
+                <a:effectLst/>
+              </a:defRPr>
+            </a:lvl1pPr>
+          </a:lstStyle>
+          <a:p>
+            <a:pPr marL="0" lvl="0">
+              <a:spcBef>
+                <a:spcPct val="0"/>
+              </a:spcBef>
+              <a:buNone/>
+            </a:pPr>
+            <a:r>
+              <a:rPr lang="en-US"/>
+              <a:t>Click to edit Master text styles</a:t>
+            </a:r>
+          </a:p>
+        </p:txBody>
+      </p:sp>
+      <p:sp>
+        <p:nvSpPr>
+          <p:cNvPr id="3" name="Text Placeholder 2"/>
+          <p:cNvSpPr>
+            <a:spLocks noGrp="1"/>
+          </p:cNvSpPr>
+          <p:nvPr>
+            <p:ph type="body" idx="1"/>
+          </p:nvPr>
+        </p:nvSpPr>
+        <p:spPr>
+          <a:xfrm>
+            <a:off x="684211" y="4766732"/>
+            <a:ext cx="8534401" cy="1227667"/>
+          </a:xfrm>
+        </p:spPr>
+        <p:txBody>
+          <a:bodyPr anchor="t">
+            <a:normAutofit/>
+          </a:bodyPr>
+          <a:lstStyle>
+            <a:lvl1pPr marL="0" indent="0" algn="l">
+              <a:buNone/>
+              <a:defRPr sz="1800">
+                <a:solidFill>
+                  <a:schemeClr val="bg2">
+                    <a:lumMod val="75000"/>
+                  </a:schemeClr>
+                </a:solidFill>
+              </a:defRPr>
+            </a:lvl1pPr>
+            <a:lvl2pPr marL="457200" indent="0">
+              <a:buNone/>
+              <a:defRPr sz="1800">
+                <a:solidFill>
+                  <a:schemeClr val="tx1">
+                    <a:tint val="75000"/>
+                  </a:schemeClr>
+                </a:solidFill>
+              </a:defRPr>
+            </a:lvl2pPr>
+            <a:lvl3pPr marL="914400" indent="0">
+              <a:buNone/>
+              <a:defRPr sz="1600">
+                <a:solidFill>
+                  <a:schemeClr val="tx1">
+                    <a:tint val="75000"/>
+                  </a:schemeClr>
+                </a:solidFill>
+              </a:defRPr>
+            </a:lvl3pPr>
+            <a:lvl4pPr marL="1371600" indent="0">
+              <a:buNone/>
+              <a:defRPr sz="1400">
+                <a:solidFill>
+                  <a:schemeClr val="tx1">
+                    <a:tint val="75000"/>
+                  </a:schemeClr>
+                </a:solidFill>
+              </a:defRPr>
+            </a:lvl4pPr>
+            <a:lvl5pPr marL="1828800" indent="0">
+              <a:buNone/>
+              <a:defRPr sz="1400">
+                <a:solidFill>
+                  <a:schemeClr val="tx1">
+                    <a:tint val="75000"/>
+                  </a:schemeClr>
+                </a:solidFill>
+              </a:defRPr>
+            </a:lvl5pPr>
+            <a:lvl6pPr marL="2286000" indent="0">
+              <a:buNone/>
+              <a:defRPr sz="1400">
+                <a:solidFill>
+                  <a:schemeClr val="tx1">
+                    <a:tint val="75000"/>
+                  </a:schemeClr>
+                </a:solidFill>
+              </a:defRPr>
+            </a:lvl6pPr>
+            <a:lvl7pPr marL="2743200" indent="0">
+              <a:buNone/>
+              <a:defRPr sz="1400">
+                <a:solidFill>
+                  <a:schemeClr val="tx1">
+                    <a:tint val="75000"/>
+                  </a:schemeClr>
+                </a:solidFill>
+              </a:defRPr>
+            </a:lvl7pPr>
+            <a:lvl8pPr marL="3200400" indent="0">
+              <a:buNone/>
+              <a:defRPr sz="1400">
+                <a:solidFill>
+                  <a:schemeClr val="tx1">
+                    <a:tint val="75000"/>
+                  </a:schemeClr>
+                </a:solidFill>
+              </a:defRPr>
+            </a:lvl8pPr>
+            <a:lvl9pPr marL="3657600" indent="0">
+              <a:buNone/>
+              <a:defRPr sz="1400">
+                <a:solidFill>
+                  <a:schemeClr val="tx1">
+                    <a:tint val="75000"/>
+                  </a:schemeClr>
+                </a:solidFill>
+              </a:defRPr>
+            </a:lvl9pPr>
+          </a:lstStyle>
+          <a:p>
+            <a:pPr lvl="0"/>
+            <a:r>
+              <a:rPr lang="en-US"/>
+              <a:t>Click to edit Master text styles</a:t>
+            </a:r>
+          </a:p>
+        </p:txBody>
+      </p:sp>
+      <p:sp>
+        <p:nvSpPr>
+          <p:cNvPr id="4" name="Date Placeholder 3"/>
+          <p:cNvSpPr>
+            <a:spLocks noGrp="1"/>
+          </p:cNvSpPr>
+          <p:nvPr>
+            <p:ph type="dt" sz="half" idx="10"/>
+          </p:nvPr>
+        </p:nvSpPr>
+        <p:spPr/>
+        <p:txBody>
+          <a:bodyPr/>
+          <a:lstStyle/>
+          <a:p>
+            <a:fld id="{9FE723E2-BC0F-4A2F-84D1-E095482B85E6}" type="datetimeFigureOut">
+              <a:rPr lang="en-CA" smtClean="0"/>
+              <a:t>2020-04-15</a:t>
+            </a:fld>
+            <a:endParaRPr lang="en-CA"/>
+          </a:p>
+        </p:txBody>
+      </p:sp>
+      <p:sp>
+        <p:nvSpPr>
+          <p:cNvPr id="5" name="Footer Placeholder 4"/>
+          <p:cNvSpPr>
+            <a:spLocks noGrp="1"/>
+          </p:cNvSpPr>
+          <p:nvPr>
+            <p:ph type="ftr" sz="quarter" idx="11"/>
+          </p:nvPr>
+        </p:nvSpPr>
+        <p:spPr/>
+        <p:txBody>
+          <a:bodyPr/>
+          <a:lstStyle/>
+          <a:p>
+            <a:endParaRPr lang="en-CA"/>
+          </a:p>
+        </p:txBody>
+      </p:sp>
+      <p:sp>
+        <p:nvSpPr>
+          <p:cNvPr id="6" name="Slide Number Placeholder 5"/>
+          <p:cNvSpPr>
+            <a:spLocks noGrp="1"/>
+          </p:cNvSpPr>
+          <p:nvPr>
+            <p:ph type="sldNum" sz="quarter" idx="12"/>
+          </p:nvPr>
+        </p:nvSpPr>
+        <p:spPr/>
+        <p:txBody>
+          <a:bodyPr/>
+          <a:lstStyle/>
+          <a:p>
+            <a:fld id="{C3EF1B07-14F6-4944-89D1-07420A6A4493}" type="slidenum">
+              <a:rPr lang="en-CA" smtClean="0"/>
+              <a:t>‹#›</a:t>
+            </a:fld>
+            <a:endParaRPr lang="en-CA"/>
+          </a:p>
+        </p:txBody>
+      </p:sp>
+    </p:spTree>
+    <p:extLst>
+      <p:ext uri="{BB962C8B-B14F-4D97-AF65-F5344CB8AC3E}">
+        <p14:creationId xmlns:p14="http://schemas.microsoft.com/office/powerpoint/2010/main" val="592202481"/>
+      </p:ext>
+    </p:extLst>
+  </p:cSld>
+  <p:clrMapOvr>
+    <a:masterClrMapping/>
+  </p:clrMapOvr>
+</p:sldLayout>
+</file>
+
+<file path=ppt/slideLayouts/slideLayout16.xml><?xml version="1.0" encoding="utf-8"?>
 <p:sldLayout xmlns:a="http://schemas.openxmlformats.org/drawingml/2006/main" xmlns:r="http://schemas.openxmlformats.org/officeDocument/2006/relationships" xmlns:p="http://schemas.openxmlformats.org/presentationml/2006/main" type="vertTx" preserve="1">
   <p:cSld name="Title and Vertical Text">
     <p:spTree>
@@ -348,13 +2364,7 @@
       </p:grpSpPr>
       <p:sp>
         <p:nvSpPr>
-          <p:cNvPr id="2" name="Title 1">
-            <a:extLst>
-              <a:ext uri="{FF2B5EF4-FFF2-40B4-BE49-F238E27FC236}">
-                <a16:creationId xmlns:a16="http://schemas.microsoft.com/office/drawing/2014/main" id="{DDACA01B-D2A3-4DD1-A616-8CDB5575404C}"/>
-              </a:ext>
-            </a:extLst>
-          </p:cNvPr>
+          <p:cNvPr id="2" name="Title 1"/>
           <p:cNvSpPr>
             <a:spLocks noGrp="1"/>
           </p:cNvSpPr>
@@ -365,25 +2375,23 @@
         <p:spPr/>
         <p:txBody>
           <a:bodyPr/>
-          <a:lstStyle/>
+          <a:lstStyle>
+            <a:lvl1pPr algn="l">
+              <a:defRPr/>
+            </a:lvl1pPr>
+          </a:lstStyle>
           <a:p>
             <a:r>
               <a:rPr lang="en-US"/>
               <a:t>Click to edit Master title style</a:t>
             </a:r>
-            <a:endParaRPr lang="en-CA"/>
-          </a:p>
-        </p:txBody>
-      </p:sp>
-      <p:sp>
-        <p:nvSpPr>
-          <p:cNvPr id="3" name="Vertical Text Placeholder 2">
-            <a:extLst>
-              <a:ext uri="{FF2B5EF4-FFF2-40B4-BE49-F238E27FC236}">
-                <a16:creationId xmlns:a16="http://schemas.microsoft.com/office/drawing/2014/main" id="{389657FB-A54B-4221-AA72-C66FD8D5F7AE}"/>
-              </a:ext>
-            </a:extLst>
-          </p:cNvPr>
+            <a:endParaRPr lang="en-US" dirty="0"/>
+          </a:p>
+        </p:txBody>
+      </p:sp>
+      <p:sp>
+        <p:nvSpPr>
+          <p:cNvPr id="3" name="Vertical Text Placeholder 2"/>
           <p:cNvSpPr>
             <a:spLocks noGrp="1"/>
           </p:cNvSpPr>
@@ -393,7 +2401,7 @@
         </p:nvSpPr>
         <p:spPr/>
         <p:txBody>
-          <a:bodyPr vert="eaVert"/>
+          <a:bodyPr vert="eaVert" anchor="t"/>
           <a:lstStyle/>
           <a:p>
             <a:pPr lvl="0"/>
@@ -429,19 +2437,13 @@
               <a:rPr lang="en-US"/>
               <a:t>Fifth level</a:t>
             </a:r>
-            <a:endParaRPr lang="en-CA"/>
-          </a:p>
-        </p:txBody>
-      </p:sp>
-      <p:sp>
-        <p:nvSpPr>
-          <p:cNvPr id="4" name="Date Placeholder 3">
-            <a:extLst>
-              <a:ext uri="{FF2B5EF4-FFF2-40B4-BE49-F238E27FC236}">
-                <a16:creationId xmlns:a16="http://schemas.microsoft.com/office/drawing/2014/main" id="{1E780FF8-9F0C-46C1-860E-EFB97564F413}"/>
-              </a:ext>
-            </a:extLst>
-          </p:cNvPr>
+            <a:endParaRPr lang="en-US" dirty="0"/>
+          </a:p>
+        </p:txBody>
+      </p:sp>
+      <p:sp>
+        <p:nvSpPr>
+          <p:cNvPr id="4" name="Date Placeholder 3"/>
           <p:cNvSpPr>
             <a:spLocks noGrp="1"/>
           </p:cNvSpPr>
@@ -464,13 +2466,7 @@
       </p:sp>
       <p:sp>
         <p:nvSpPr>
-          <p:cNvPr id="5" name="Footer Placeholder 4">
-            <a:extLst>
-              <a:ext uri="{FF2B5EF4-FFF2-40B4-BE49-F238E27FC236}">
-                <a16:creationId xmlns:a16="http://schemas.microsoft.com/office/drawing/2014/main" id="{5570F668-D70E-4ACF-BB13-EE8BADAA37E4}"/>
-              </a:ext>
-            </a:extLst>
-          </p:cNvPr>
+          <p:cNvPr id="5" name="Footer Placeholder 4"/>
           <p:cNvSpPr>
             <a:spLocks noGrp="1"/>
           </p:cNvSpPr>
@@ -489,13 +2485,7 @@
       </p:sp>
       <p:sp>
         <p:nvSpPr>
-          <p:cNvPr id="6" name="Slide Number Placeholder 5">
-            <a:extLst>
-              <a:ext uri="{FF2B5EF4-FFF2-40B4-BE49-F238E27FC236}">
-                <a16:creationId xmlns:a16="http://schemas.microsoft.com/office/drawing/2014/main" id="{08F9A1A5-3821-42C9-B975-20B05FFC287A}"/>
-              </a:ext>
-            </a:extLst>
-          </p:cNvPr>
+          <p:cNvPr id="6" name="Slide Number Placeholder 5"/>
           <p:cNvSpPr>
             <a:spLocks noGrp="1"/>
           </p:cNvSpPr>
@@ -519,7 +2509,7 @@
     </p:spTree>
     <p:extLst>
       <p:ext uri="{BB962C8B-B14F-4D97-AF65-F5344CB8AC3E}">
-        <p14:creationId xmlns:p14="http://schemas.microsoft.com/office/powerpoint/2010/main" val="1684518811"/>
+        <p14:creationId xmlns:p14="http://schemas.microsoft.com/office/powerpoint/2010/main" val="2108829035"/>
       </p:ext>
     </p:extLst>
   </p:cSld>
@@ -529,7 +2519,7 @@
 </p:sldLayout>
 </file>
 
-<file path=ppt/slideLayouts/slideLayout11.xml><?xml version="1.0" encoding="utf-8"?>
+<file path=ppt/slideLayouts/slideLayout17.xml><?xml version="1.0" encoding="utf-8"?>
 <p:sldLayout xmlns:a="http://schemas.openxmlformats.org/drawingml/2006/main" xmlns:r="http://schemas.openxmlformats.org/officeDocument/2006/relationships" xmlns:p="http://schemas.openxmlformats.org/presentationml/2006/main" type="vertTitleAndTx" preserve="1">
   <p:cSld name="Vertical Title and Text">
     <p:spTree>
@@ -548,13 +2538,7 @@
       </p:grpSpPr>
       <p:sp>
         <p:nvSpPr>
-          <p:cNvPr id="2" name="Vertical Title 1">
-            <a:extLst>
-              <a:ext uri="{FF2B5EF4-FFF2-40B4-BE49-F238E27FC236}">
-                <a16:creationId xmlns:a16="http://schemas.microsoft.com/office/drawing/2014/main" id="{CCF51D56-CE32-4B40-B5DB-ECEC5B9E2CD5}"/>
-              </a:ext>
-            </a:extLst>
-          </p:cNvPr>
+          <p:cNvPr id="2" name="Vertical Title 1"/>
           <p:cNvSpPr>
             <a:spLocks noGrp="1"/>
           </p:cNvSpPr>
@@ -564,8 +2548,8 @@
         </p:nvSpPr>
         <p:spPr>
           <a:xfrm>
-            <a:off x="8724900" y="365125"/>
-            <a:ext cx="2628900" cy="5811838"/>
+            <a:off x="8685212" y="685800"/>
+            <a:ext cx="2057400" cy="4572000"/>
           </a:xfrm>
         </p:spPr>
         <p:txBody>
@@ -576,19 +2560,13 @@
               <a:rPr lang="en-US"/>
               <a:t>Click to edit Master title style</a:t>
             </a:r>
-            <a:endParaRPr lang="en-CA"/>
-          </a:p>
-        </p:txBody>
-      </p:sp>
-      <p:sp>
-        <p:nvSpPr>
-          <p:cNvPr id="3" name="Vertical Text Placeholder 2">
-            <a:extLst>
-              <a:ext uri="{FF2B5EF4-FFF2-40B4-BE49-F238E27FC236}">
-                <a16:creationId xmlns:a16="http://schemas.microsoft.com/office/drawing/2014/main" id="{760C4A91-92ED-4341-B988-640E06A64282}"/>
-              </a:ext>
-            </a:extLst>
-          </p:cNvPr>
+            <a:endParaRPr lang="en-US" dirty="0"/>
+          </a:p>
+        </p:txBody>
+      </p:sp>
+      <p:sp>
+        <p:nvSpPr>
+          <p:cNvPr id="3" name="Vertical Text Placeholder 2"/>
           <p:cNvSpPr>
             <a:spLocks noGrp="1"/>
           </p:cNvSpPr>
@@ -598,12 +2576,12 @@
         </p:nvSpPr>
         <p:spPr>
           <a:xfrm>
-            <a:off x="838200" y="365125"/>
-            <a:ext cx="7734300" cy="5811838"/>
+            <a:off x="685800" y="685800"/>
+            <a:ext cx="7823200" cy="5308600"/>
           </a:xfrm>
         </p:spPr>
         <p:txBody>
-          <a:bodyPr vert="eaVert"/>
+          <a:bodyPr vert="eaVert" anchor="t"/>
           <a:lstStyle/>
           <a:p>
             <a:pPr lvl="0"/>
@@ -639,19 +2617,13 @@
               <a:rPr lang="en-US"/>
               <a:t>Fifth level</a:t>
             </a:r>
-            <a:endParaRPr lang="en-CA"/>
-          </a:p>
-        </p:txBody>
-      </p:sp>
-      <p:sp>
-        <p:nvSpPr>
-          <p:cNvPr id="4" name="Date Placeholder 3">
-            <a:extLst>
-              <a:ext uri="{FF2B5EF4-FFF2-40B4-BE49-F238E27FC236}">
-                <a16:creationId xmlns:a16="http://schemas.microsoft.com/office/drawing/2014/main" id="{753C6AF7-A798-42C8-AD40-16B1524957E5}"/>
-              </a:ext>
-            </a:extLst>
-          </p:cNvPr>
+            <a:endParaRPr lang="en-US" dirty="0"/>
+          </a:p>
+        </p:txBody>
+      </p:sp>
+      <p:sp>
+        <p:nvSpPr>
+          <p:cNvPr id="4" name="Date Placeholder 3"/>
           <p:cNvSpPr>
             <a:spLocks noGrp="1"/>
           </p:cNvSpPr>
@@ -674,13 +2646,7 @@
       </p:sp>
       <p:sp>
         <p:nvSpPr>
-          <p:cNvPr id="5" name="Footer Placeholder 4">
-            <a:extLst>
-              <a:ext uri="{FF2B5EF4-FFF2-40B4-BE49-F238E27FC236}">
-                <a16:creationId xmlns:a16="http://schemas.microsoft.com/office/drawing/2014/main" id="{A70CB609-A987-45F5-9070-3A8B938346FB}"/>
-              </a:ext>
-            </a:extLst>
-          </p:cNvPr>
+          <p:cNvPr id="5" name="Footer Placeholder 4"/>
           <p:cNvSpPr>
             <a:spLocks noGrp="1"/>
           </p:cNvSpPr>
@@ -699,13 +2665,7 @@
       </p:sp>
       <p:sp>
         <p:nvSpPr>
-          <p:cNvPr id="6" name="Slide Number Placeholder 5">
-            <a:extLst>
-              <a:ext uri="{FF2B5EF4-FFF2-40B4-BE49-F238E27FC236}">
-                <a16:creationId xmlns:a16="http://schemas.microsoft.com/office/drawing/2014/main" id="{90766C38-89EC-4B4C-AE3A-49A17D721764}"/>
-              </a:ext>
-            </a:extLst>
-          </p:cNvPr>
+          <p:cNvPr id="6" name="Slide Number Placeholder 5"/>
           <p:cNvSpPr>
             <a:spLocks noGrp="1"/>
           </p:cNvSpPr>
@@ -729,7 +2689,7 @@
     </p:spTree>
     <p:extLst>
       <p:ext uri="{BB962C8B-B14F-4D97-AF65-F5344CB8AC3E}">
-        <p14:creationId xmlns:p14="http://schemas.microsoft.com/office/powerpoint/2010/main" val="1324572807"/>
+        <p14:creationId xmlns:p14="http://schemas.microsoft.com/office/powerpoint/2010/main" val="826634048"/>
       </p:ext>
     </p:extLst>
   </p:cSld>
@@ -758,13 +2718,7 @@
       </p:grpSpPr>
       <p:sp>
         <p:nvSpPr>
-          <p:cNvPr id="2" name="Title 1">
-            <a:extLst>
-              <a:ext uri="{FF2B5EF4-FFF2-40B4-BE49-F238E27FC236}">
-                <a16:creationId xmlns:a16="http://schemas.microsoft.com/office/drawing/2014/main" id="{6B09611A-FE4E-41F5-90C6-52FE4DCAE8C1}"/>
-              </a:ext>
-            </a:extLst>
-          </p:cNvPr>
+          <p:cNvPr id="2" name="Title 1"/>
           <p:cNvSpPr>
             <a:spLocks noGrp="1"/>
           </p:cNvSpPr>
@@ -781,19 +2735,13 @@
               <a:rPr lang="en-US"/>
               <a:t>Click to edit Master title style</a:t>
             </a:r>
-            <a:endParaRPr lang="en-CA"/>
-          </a:p>
-        </p:txBody>
-      </p:sp>
-      <p:sp>
-        <p:nvSpPr>
-          <p:cNvPr id="3" name="Content Placeholder 2">
-            <a:extLst>
-              <a:ext uri="{FF2B5EF4-FFF2-40B4-BE49-F238E27FC236}">
-                <a16:creationId xmlns:a16="http://schemas.microsoft.com/office/drawing/2014/main" id="{958B090B-AC02-4D3D-A140-D4524BFEB6F9}"/>
-              </a:ext>
-            </a:extLst>
-          </p:cNvPr>
+            <a:endParaRPr lang="en-US" dirty="0"/>
+          </a:p>
+        </p:txBody>
+      </p:sp>
+      <p:sp>
+        <p:nvSpPr>
+          <p:cNvPr id="3" name="Content Placeholder 2"/>
           <p:cNvSpPr>
             <a:spLocks noGrp="1"/>
           </p:cNvSpPr>
@@ -803,7 +2751,7 @@
         </p:nvSpPr>
         <p:spPr/>
         <p:txBody>
-          <a:bodyPr/>
+          <a:bodyPr anchor="ctr"/>
           <a:lstStyle/>
           <a:p>
             <a:pPr lvl="0"/>
@@ -839,19 +2787,13 @@
               <a:rPr lang="en-US"/>
               <a:t>Fifth level</a:t>
             </a:r>
-            <a:endParaRPr lang="en-CA"/>
-          </a:p>
-        </p:txBody>
-      </p:sp>
-      <p:sp>
-        <p:nvSpPr>
-          <p:cNvPr id="4" name="Date Placeholder 3">
-            <a:extLst>
-              <a:ext uri="{FF2B5EF4-FFF2-40B4-BE49-F238E27FC236}">
-                <a16:creationId xmlns:a16="http://schemas.microsoft.com/office/drawing/2014/main" id="{417D1B1A-7E2C-42D6-AB2F-44D9DEBE1A12}"/>
-              </a:ext>
-            </a:extLst>
-          </p:cNvPr>
+            <a:endParaRPr lang="en-US" dirty="0"/>
+          </a:p>
+        </p:txBody>
+      </p:sp>
+      <p:sp>
+        <p:nvSpPr>
+          <p:cNvPr id="4" name="Date Placeholder 3"/>
           <p:cNvSpPr>
             <a:spLocks noGrp="1"/>
           </p:cNvSpPr>
@@ -874,13 +2816,7 @@
       </p:sp>
       <p:sp>
         <p:nvSpPr>
-          <p:cNvPr id="5" name="Footer Placeholder 4">
-            <a:extLst>
-              <a:ext uri="{FF2B5EF4-FFF2-40B4-BE49-F238E27FC236}">
-                <a16:creationId xmlns:a16="http://schemas.microsoft.com/office/drawing/2014/main" id="{C52D51D4-405A-4501-9F5B-63CA9C04EAB7}"/>
-              </a:ext>
-            </a:extLst>
-          </p:cNvPr>
+          <p:cNvPr id="5" name="Footer Placeholder 4"/>
           <p:cNvSpPr>
             <a:spLocks noGrp="1"/>
           </p:cNvSpPr>
@@ -899,13 +2835,7 @@
       </p:sp>
       <p:sp>
         <p:nvSpPr>
-          <p:cNvPr id="6" name="Slide Number Placeholder 5">
-            <a:extLst>
-              <a:ext uri="{FF2B5EF4-FFF2-40B4-BE49-F238E27FC236}">
-                <a16:creationId xmlns:a16="http://schemas.microsoft.com/office/drawing/2014/main" id="{895343F7-65E6-434A-A460-0123F3DACD52}"/>
-              </a:ext>
-            </a:extLst>
-          </p:cNvPr>
+          <p:cNvPr id="6" name="Slide Number Placeholder 5"/>
           <p:cNvSpPr>
             <a:spLocks noGrp="1"/>
           </p:cNvSpPr>
@@ -929,7 +2859,7 @@
     </p:spTree>
     <p:extLst>
       <p:ext uri="{BB962C8B-B14F-4D97-AF65-F5344CB8AC3E}">
-        <p14:creationId xmlns:p14="http://schemas.microsoft.com/office/powerpoint/2010/main" val="2129122660"/>
+        <p14:creationId xmlns:p14="http://schemas.microsoft.com/office/powerpoint/2010/main" val="1577705980"/>
       </p:ext>
     </p:extLst>
   </p:cSld>
@@ -958,13 +2888,7 @@
       </p:grpSpPr>
       <p:sp>
         <p:nvSpPr>
-          <p:cNvPr id="2" name="Title 1">
-            <a:extLst>
-              <a:ext uri="{FF2B5EF4-FFF2-40B4-BE49-F238E27FC236}">
-                <a16:creationId xmlns:a16="http://schemas.microsoft.com/office/drawing/2014/main" id="{191CACBB-6BC6-4D72-90B1-F2FF14A42B63}"/>
-              </a:ext>
-            </a:extLst>
-          </p:cNvPr>
+          <p:cNvPr id="2" name="Title 1"/>
           <p:cNvSpPr>
             <a:spLocks noGrp="1"/>
           </p:cNvSpPr>
@@ -974,15 +2898,17 @@
         </p:nvSpPr>
         <p:spPr>
           <a:xfrm>
-            <a:off x="831850" y="1709738"/>
-            <a:ext cx="10515600" cy="2852737"/>
+            <a:off x="684211" y="2006600"/>
+            <a:ext cx="8534401" cy="2281600"/>
           </a:xfrm>
         </p:spPr>
         <p:txBody>
-          <a:bodyPr anchor="b"/>
+          <a:bodyPr anchor="b">
+            <a:normAutofit/>
+          </a:bodyPr>
           <a:lstStyle>
-            <a:lvl1pPr>
-              <a:defRPr sz="6000"/>
+            <a:lvl1pPr algn="l">
+              <a:defRPr sz="3600" b="0" cap="all"/>
             </a:lvl1pPr>
           </a:lstStyle>
           <a:p>
@@ -990,19 +2916,13 @@
               <a:rPr lang="en-US"/>
               <a:t>Click to edit Master title style</a:t>
             </a:r>
-            <a:endParaRPr lang="en-CA"/>
-          </a:p>
-        </p:txBody>
-      </p:sp>
-      <p:sp>
-        <p:nvSpPr>
-          <p:cNvPr id="3" name="Text Placeholder 2">
-            <a:extLst>
-              <a:ext uri="{FF2B5EF4-FFF2-40B4-BE49-F238E27FC236}">
-                <a16:creationId xmlns:a16="http://schemas.microsoft.com/office/drawing/2014/main" id="{A1001736-3D9F-4A45-BD1E-880E8498B20C}"/>
-              </a:ext>
-            </a:extLst>
-          </p:cNvPr>
+            <a:endParaRPr lang="en-US" dirty="0"/>
+          </a:p>
+        </p:txBody>
+      </p:sp>
+      <p:sp>
+        <p:nvSpPr>
+          <p:cNvPr id="3" name="Text Placeholder 2"/>
           <p:cNvSpPr>
             <a:spLocks noGrp="1"/>
           </p:cNvSpPr>
@@ -1012,102 +2932,104 @@
         </p:nvSpPr>
         <p:spPr>
           <a:xfrm>
-            <a:off x="831850" y="4589463"/>
-            <a:ext cx="10515600" cy="1500187"/>
+            <a:off x="684213" y="4495800"/>
+            <a:ext cx="8534400" cy="1498600"/>
           </a:xfrm>
         </p:spPr>
         <p:txBody>
-          <a:bodyPr/>
+          <a:bodyPr anchor="t">
+            <a:normAutofit/>
+          </a:bodyPr>
           <a:lstStyle>
-            <a:lvl1pPr marL="0" indent="0">
-              <a:buNone/>
-              <a:defRPr sz="2400">
+            <a:lvl1pPr marL="0" indent="0" algn="l">
+              <a:buNone/>
+              <a:defRPr sz="1800">
+                <a:solidFill>
+                  <a:schemeClr val="bg2">
+                    <a:lumMod val="75000"/>
+                  </a:schemeClr>
+                </a:solidFill>
+              </a:defRPr>
+            </a:lvl1pPr>
+            <a:lvl2pPr marL="457200" indent="0">
+              <a:buNone/>
+              <a:defRPr sz="1800">
                 <a:solidFill>
                   <a:schemeClr val="tx1">
                     <a:tint val="75000"/>
                   </a:schemeClr>
                 </a:solidFill>
               </a:defRPr>
-            </a:lvl1pPr>
-            <a:lvl2pPr marL="457200" indent="0">
-              <a:buNone/>
-              <a:defRPr sz="2000">
+            </a:lvl2pPr>
+            <a:lvl3pPr marL="914400" indent="0">
+              <a:buNone/>
+              <a:defRPr sz="1600">
                 <a:solidFill>
                   <a:schemeClr val="tx1">
                     <a:tint val="75000"/>
                   </a:schemeClr>
                 </a:solidFill>
               </a:defRPr>
-            </a:lvl2pPr>
-            <a:lvl3pPr marL="914400" indent="0">
-              <a:buNone/>
-              <a:defRPr sz="1800">
+            </a:lvl3pPr>
+            <a:lvl4pPr marL="1371600" indent="0">
+              <a:buNone/>
+              <a:defRPr sz="1400">
                 <a:solidFill>
                   <a:schemeClr val="tx1">
                     <a:tint val="75000"/>
                   </a:schemeClr>
                 </a:solidFill>
               </a:defRPr>
-            </a:lvl3pPr>
-            <a:lvl4pPr marL="1371600" indent="0">
-              <a:buNone/>
-              <a:defRPr sz="1600">
+            </a:lvl4pPr>
+            <a:lvl5pPr marL="1828800" indent="0">
+              <a:buNone/>
+              <a:defRPr sz="1400">
                 <a:solidFill>
                   <a:schemeClr val="tx1">
                     <a:tint val="75000"/>
                   </a:schemeClr>
                 </a:solidFill>
               </a:defRPr>
-            </a:lvl4pPr>
-            <a:lvl5pPr marL="1828800" indent="0">
-              <a:buNone/>
-              <a:defRPr sz="1600">
+            </a:lvl5pPr>
+            <a:lvl6pPr marL="2286000" indent="0">
+              <a:buNone/>
+              <a:defRPr sz="1400">
                 <a:solidFill>
                   <a:schemeClr val="tx1">
                     <a:tint val="75000"/>
                   </a:schemeClr>
                 </a:solidFill>
               </a:defRPr>
-            </a:lvl5pPr>
-            <a:lvl6pPr marL="2286000" indent="0">
-              <a:buNone/>
-              <a:defRPr sz="1600">
+            </a:lvl6pPr>
+            <a:lvl7pPr marL="2743200" indent="0">
+              <a:buNone/>
+              <a:defRPr sz="1400">
                 <a:solidFill>
                   <a:schemeClr val="tx1">
                     <a:tint val="75000"/>
                   </a:schemeClr>
                 </a:solidFill>
               </a:defRPr>
-            </a:lvl6pPr>
-            <a:lvl7pPr marL="2743200" indent="0">
-              <a:buNone/>
-              <a:defRPr sz="1600">
+            </a:lvl7pPr>
+            <a:lvl8pPr marL="3200400" indent="0">
+              <a:buNone/>
+              <a:defRPr sz="1400">
                 <a:solidFill>
                   <a:schemeClr val="tx1">
                     <a:tint val="75000"/>
                   </a:schemeClr>
                 </a:solidFill>
               </a:defRPr>
-            </a:lvl7pPr>
-            <a:lvl8pPr marL="3200400" indent="0">
-              <a:buNone/>
-              <a:defRPr sz="1600">
+            </a:lvl8pPr>
+            <a:lvl9pPr marL="3657600" indent="0">
+              <a:buNone/>
+              <a:defRPr sz="1400">
                 <a:solidFill>
                   <a:schemeClr val="tx1">
                     <a:tint val="75000"/>
                   </a:schemeClr>
                 </a:solidFill>
               </a:defRPr>
-            </a:lvl8pPr>
-            <a:lvl9pPr marL="3657600" indent="0">
-              <a:buNone/>
-              <a:defRPr sz="1600">
-                <a:solidFill>
-                  <a:schemeClr val="tx1">
-                    <a:tint val="75000"/>
-                  </a:schemeClr>
-                </a:solidFill>
-              </a:defRPr>
             </a:lvl9pPr>
           </a:lstStyle>
           <a:p>
@@ -1121,13 +3043,7 @@
       </p:sp>
       <p:sp>
         <p:nvSpPr>
-          <p:cNvPr id="4" name="Date Placeholder 3">
-            <a:extLst>
-              <a:ext uri="{FF2B5EF4-FFF2-40B4-BE49-F238E27FC236}">
-                <a16:creationId xmlns:a16="http://schemas.microsoft.com/office/drawing/2014/main" id="{A3AA33D7-BA41-47DE-A66D-C6120CEC15CC}"/>
-              </a:ext>
-            </a:extLst>
-          </p:cNvPr>
+          <p:cNvPr id="4" name="Date Placeholder 3"/>
           <p:cNvSpPr>
             <a:spLocks noGrp="1"/>
           </p:cNvSpPr>
@@ -1150,13 +3066,7 @@
       </p:sp>
       <p:sp>
         <p:nvSpPr>
-          <p:cNvPr id="5" name="Footer Placeholder 4">
-            <a:extLst>
-              <a:ext uri="{FF2B5EF4-FFF2-40B4-BE49-F238E27FC236}">
-                <a16:creationId xmlns:a16="http://schemas.microsoft.com/office/drawing/2014/main" id="{CF138FCF-7E79-4111-96A4-F5E6B1704B3E}"/>
-              </a:ext>
-            </a:extLst>
-          </p:cNvPr>
+          <p:cNvPr id="5" name="Footer Placeholder 4"/>
           <p:cNvSpPr>
             <a:spLocks noGrp="1"/>
           </p:cNvSpPr>
@@ -1175,13 +3085,7 @@
       </p:sp>
       <p:sp>
         <p:nvSpPr>
-          <p:cNvPr id="6" name="Slide Number Placeholder 5">
-            <a:extLst>
-              <a:ext uri="{FF2B5EF4-FFF2-40B4-BE49-F238E27FC236}">
-                <a16:creationId xmlns:a16="http://schemas.microsoft.com/office/drawing/2014/main" id="{E9195F34-9C04-46EB-B151-8B9306349CDF}"/>
-              </a:ext>
-            </a:extLst>
-          </p:cNvPr>
+          <p:cNvPr id="6" name="Slide Number Placeholder 5"/>
           <p:cNvSpPr>
             <a:spLocks noGrp="1"/>
           </p:cNvSpPr>
@@ -1205,7 +3109,7 @@
     </p:spTree>
     <p:extLst>
       <p:ext uri="{BB962C8B-B14F-4D97-AF65-F5344CB8AC3E}">
-        <p14:creationId xmlns:p14="http://schemas.microsoft.com/office/powerpoint/2010/main" val="105911110"/>
+        <p14:creationId xmlns:p14="http://schemas.microsoft.com/office/powerpoint/2010/main" val="1129245903"/>
       </p:ext>
     </p:extLst>
   </p:cSld>
@@ -1234,13 +3138,7 @@
       </p:grpSpPr>
       <p:sp>
         <p:nvSpPr>
-          <p:cNvPr id="2" name="Title 1">
-            <a:extLst>
-              <a:ext uri="{FF2B5EF4-FFF2-40B4-BE49-F238E27FC236}">
-                <a16:creationId xmlns:a16="http://schemas.microsoft.com/office/drawing/2014/main" id="{C7D1866B-1028-4804-A375-1B4E99AEC5D3}"/>
-              </a:ext>
-            </a:extLst>
-          </p:cNvPr>
+          <p:cNvPr id="2" name="Title 1"/>
           <p:cNvSpPr>
             <a:spLocks noGrp="1"/>
           </p:cNvSpPr>
@@ -1257,19 +3155,13 @@
               <a:rPr lang="en-US"/>
               <a:t>Click to edit Master title style</a:t>
             </a:r>
-            <a:endParaRPr lang="en-CA"/>
-          </a:p>
-        </p:txBody>
-      </p:sp>
-      <p:sp>
-        <p:nvSpPr>
-          <p:cNvPr id="3" name="Content Placeholder 2">
-            <a:extLst>
-              <a:ext uri="{FF2B5EF4-FFF2-40B4-BE49-F238E27FC236}">
-                <a16:creationId xmlns:a16="http://schemas.microsoft.com/office/drawing/2014/main" id="{6AA06C15-AD1A-44C9-8D2A-5DA568656446}"/>
-              </a:ext>
-            </a:extLst>
-          </p:cNvPr>
+            <a:endParaRPr lang="en-US" dirty="0"/>
+          </a:p>
+        </p:txBody>
+      </p:sp>
+      <p:sp>
+        <p:nvSpPr>
+          <p:cNvPr id="3" name="Content Placeholder 2"/>
           <p:cNvSpPr>
             <a:spLocks noGrp="1"/>
           </p:cNvSpPr>
@@ -1279,12 +3171,14 @@
         </p:nvSpPr>
         <p:spPr>
           <a:xfrm>
-            <a:off x="838200" y="1825625"/>
-            <a:ext cx="5181600" cy="4351338"/>
+            <a:off x="684211" y="685800"/>
+            <a:ext cx="4937655" cy="3615267"/>
           </a:xfrm>
         </p:spPr>
         <p:txBody>
-          <a:bodyPr/>
+          <a:bodyPr>
+            <a:normAutofit/>
+          </a:bodyPr>
           <a:lstStyle/>
           <a:p>
             <a:pPr lvl="0"/>
@@ -1320,19 +3214,13 @@
               <a:rPr lang="en-US"/>
               <a:t>Fifth level</a:t>
             </a:r>
-            <a:endParaRPr lang="en-CA"/>
-          </a:p>
-        </p:txBody>
-      </p:sp>
-      <p:sp>
-        <p:nvSpPr>
-          <p:cNvPr id="4" name="Content Placeholder 3">
-            <a:extLst>
-              <a:ext uri="{FF2B5EF4-FFF2-40B4-BE49-F238E27FC236}">
-                <a16:creationId xmlns:a16="http://schemas.microsoft.com/office/drawing/2014/main" id="{903AF843-DFD3-47BE-9E51-9427208F3830}"/>
-              </a:ext>
-            </a:extLst>
-          </p:cNvPr>
+            <a:endParaRPr lang="en-US" dirty="0"/>
+          </a:p>
+        </p:txBody>
+      </p:sp>
+      <p:sp>
+        <p:nvSpPr>
+          <p:cNvPr id="4" name="Content Placeholder 3"/>
           <p:cNvSpPr>
             <a:spLocks noGrp="1"/>
           </p:cNvSpPr>
@@ -1342,12 +3230,14 @@
         </p:nvSpPr>
         <p:spPr>
           <a:xfrm>
-            <a:off x="6172200" y="1825625"/>
-            <a:ext cx="5181600" cy="4351338"/>
+            <a:off x="5808133" y="685801"/>
+            <a:ext cx="4934479" cy="3615266"/>
           </a:xfrm>
         </p:spPr>
         <p:txBody>
-          <a:bodyPr/>
+          <a:bodyPr>
+            <a:normAutofit/>
+          </a:bodyPr>
           <a:lstStyle/>
           <a:p>
             <a:pPr lvl="0"/>
@@ -1383,19 +3273,13 @@
               <a:rPr lang="en-US"/>
               <a:t>Fifth level</a:t>
             </a:r>
-            <a:endParaRPr lang="en-CA"/>
-          </a:p>
-        </p:txBody>
-      </p:sp>
-      <p:sp>
-        <p:nvSpPr>
-          <p:cNvPr id="5" name="Date Placeholder 4">
-            <a:extLst>
-              <a:ext uri="{FF2B5EF4-FFF2-40B4-BE49-F238E27FC236}">
-                <a16:creationId xmlns:a16="http://schemas.microsoft.com/office/drawing/2014/main" id="{8BEE1A26-C713-4036-8395-329F01259F68}"/>
-              </a:ext>
-            </a:extLst>
-          </p:cNvPr>
+            <a:endParaRPr lang="en-US" dirty="0"/>
+          </a:p>
+        </p:txBody>
+      </p:sp>
+      <p:sp>
+        <p:nvSpPr>
+          <p:cNvPr id="5" name="Date Placeholder 4"/>
           <p:cNvSpPr>
             <a:spLocks noGrp="1"/>
           </p:cNvSpPr>
@@ -1418,13 +3302,7 @@
       </p:sp>
       <p:sp>
         <p:nvSpPr>
-          <p:cNvPr id="6" name="Footer Placeholder 5">
-            <a:extLst>
-              <a:ext uri="{FF2B5EF4-FFF2-40B4-BE49-F238E27FC236}">
-                <a16:creationId xmlns:a16="http://schemas.microsoft.com/office/drawing/2014/main" id="{D6EB634B-3902-482F-AEE4-9A5C26A814C5}"/>
-              </a:ext>
-            </a:extLst>
-          </p:cNvPr>
+          <p:cNvPr id="6" name="Footer Placeholder 5"/>
           <p:cNvSpPr>
             <a:spLocks noGrp="1"/>
           </p:cNvSpPr>
@@ -1443,13 +3321,7 @@
       </p:sp>
       <p:sp>
         <p:nvSpPr>
-          <p:cNvPr id="7" name="Slide Number Placeholder 6">
-            <a:extLst>
-              <a:ext uri="{FF2B5EF4-FFF2-40B4-BE49-F238E27FC236}">
-                <a16:creationId xmlns:a16="http://schemas.microsoft.com/office/drawing/2014/main" id="{A3D0F886-BF0E-4713-9516-BE4DFC65CBCF}"/>
-              </a:ext>
-            </a:extLst>
-          </p:cNvPr>
+          <p:cNvPr id="7" name="Slide Number Placeholder 6"/>
           <p:cNvSpPr>
             <a:spLocks noGrp="1"/>
           </p:cNvSpPr>
@@ -1473,7 +3345,7 @@
     </p:spTree>
     <p:extLst>
       <p:ext uri="{BB962C8B-B14F-4D97-AF65-F5344CB8AC3E}">
-        <p14:creationId xmlns:p14="http://schemas.microsoft.com/office/powerpoint/2010/main" val="1115507802"/>
+        <p14:creationId xmlns:p14="http://schemas.microsoft.com/office/powerpoint/2010/main" val="432680841"/>
       </p:ext>
     </p:extLst>
   </p:cSld>
@@ -1502,66 +3374,59 @@
       </p:grpSpPr>
       <p:sp>
         <p:nvSpPr>
-          <p:cNvPr id="2" name="Title 1">
-            <a:extLst>
-              <a:ext uri="{FF2B5EF4-FFF2-40B4-BE49-F238E27FC236}">
-                <a16:creationId xmlns:a16="http://schemas.microsoft.com/office/drawing/2014/main" id="{38CDF493-538E-442D-9B83-0210F8136236}"/>
-              </a:ext>
-            </a:extLst>
-          </p:cNvPr>
+          <p:cNvPr id="2" name="Title 1"/>
           <p:cNvSpPr>
             <a:spLocks noGrp="1"/>
           </p:cNvSpPr>
           <p:nvPr>
             <p:ph type="title"/>
+          </p:nvPr>
+        </p:nvSpPr>
+        <p:spPr/>
+        <p:txBody>
+          <a:bodyPr/>
+          <a:lstStyle>
+            <a:lvl1pPr>
+              <a:defRPr/>
+            </a:lvl1pPr>
+          </a:lstStyle>
+          <a:p>
+            <a:r>
+              <a:rPr lang="en-US"/>
+              <a:t>Click to edit Master title style</a:t>
+            </a:r>
+            <a:endParaRPr lang="en-US" dirty="0"/>
+          </a:p>
+        </p:txBody>
+      </p:sp>
+      <p:sp>
+        <p:nvSpPr>
+          <p:cNvPr id="3" name="Text Placeholder 2"/>
+          <p:cNvSpPr>
+            <a:spLocks noGrp="1"/>
+          </p:cNvSpPr>
+          <p:nvPr>
+            <p:ph type="body" idx="1"/>
           </p:nvPr>
         </p:nvSpPr>
         <p:spPr>
           <a:xfrm>
-            <a:off x="839788" y="365125"/>
-            <a:ext cx="10515600" cy="1325563"/>
+            <a:off x="972080" y="685800"/>
+            <a:ext cx="4649787" cy="576262"/>
           </a:xfrm>
         </p:spPr>
         <p:txBody>
-          <a:bodyPr/>
-          <a:lstStyle/>
-          <a:p>
-            <a:r>
-              <a:rPr lang="en-US"/>
-              <a:t>Click to edit Master title style</a:t>
-            </a:r>
-            <a:endParaRPr lang="en-CA"/>
-          </a:p>
-        </p:txBody>
-      </p:sp>
-      <p:sp>
-        <p:nvSpPr>
-          <p:cNvPr id="3" name="Text Placeholder 2">
-            <a:extLst>
-              <a:ext uri="{FF2B5EF4-FFF2-40B4-BE49-F238E27FC236}">
-                <a16:creationId xmlns:a16="http://schemas.microsoft.com/office/drawing/2014/main" id="{66A0B781-64C1-4F6C-B9CF-DBA3E4FB852C}"/>
-              </a:ext>
-            </a:extLst>
-          </p:cNvPr>
-          <p:cNvSpPr>
-            <a:spLocks noGrp="1"/>
-          </p:cNvSpPr>
-          <p:nvPr>
-            <p:ph type="body" idx="1"/>
-          </p:nvPr>
-        </p:nvSpPr>
-        <p:spPr>
-          <a:xfrm>
-            <a:off x="839788" y="1681163"/>
-            <a:ext cx="5157787" cy="823912"/>
-          </a:xfrm>
-        </p:spPr>
-        <p:txBody>
-          <a:bodyPr anchor="b"/>
+          <a:bodyPr anchor="b">
+            <a:noAutofit/>
+          </a:bodyPr>
           <a:lstStyle>
             <a:lvl1pPr marL="0" indent="0">
               <a:buNone/>
-              <a:defRPr sz="2400" b="1"/>
+              <a:defRPr sz="2800" b="0">
+                <a:solidFill>
+                  <a:schemeClr val="tx1"/>
+                </a:solidFill>
+              </a:defRPr>
             </a:lvl1pPr>
             <a:lvl2pPr marL="457200" indent="0">
               <a:buNone/>
@@ -1607,13 +3472,7 @@
       </p:sp>
       <p:sp>
         <p:nvSpPr>
-          <p:cNvPr id="4" name="Content Placeholder 3">
-            <a:extLst>
-              <a:ext uri="{FF2B5EF4-FFF2-40B4-BE49-F238E27FC236}">
-                <a16:creationId xmlns:a16="http://schemas.microsoft.com/office/drawing/2014/main" id="{888776F3-EA3A-4529-9B14-32B30B054964}"/>
-              </a:ext>
-            </a:extLst>
-          </p:cNvPr>
+          <p:cNvPr id="4" name="Content Placeholder 3"/>
           <p:cNvSpPr>
             <a:spLocks noGrp="1"/>
           </p:cNvSpPr>
@@ -1623,12 +3482,14 @@
         </p:nvSpPr>
         <p:spPr>
           <a:xfrm>
-            <a:off x="839788" y="2505075"/>
-            <a:ext cx="5157787" cy="3684588"/>
+            <a:off x="684211" y="1270529"/>
+            <a:ext cx="4937655" cy="3030538"/>
           </a:xfrm>
         </p:spPr>
         <p:txBody>
-          <a:bodyPr/>
+          <a:bodyPr anchor="t">
+            <a:normAutofit/>
+          </a:bodyPr>
           <a:lstStyle/>
           <a:p>
             <a:pPr lvl="0"/>
@@ -1664,19 +3525,13 @@
               <a:rPr lang="en-US"/>
               <a:t>Fifth level</a:t>
             </a:r>
-            <a:endParaRPr lang="en-CA"/>
-          </a:p>
-        </p:txBody>
-      </p:sp>
-      <p:sp>
-        <p:nvSpPr>
-          <p:cNvPr id="5" name="Text Placeholder 4">
-            <a:extLst>
-              <a:ext uri="{FF2B5EF4-FFF2-40B4-BE49-F238E27FC236}">
-                <a16:creationId xmlns:a16="http://schemas.microsoft.com/office/drawing/2014/main" id="{7AA5507F-02B4-4FE2-A64B-BA662116C018}"/>
-              </a:ext>
-            </a:extLst>
-          </p:cNvPr>
+            <a:endParaRPr lang="en-US" dirty="0"/>
+          </a:p>
+        </p:txBody>
+      </p:sp>
+      <p:sp>
+        <p:nvSpPr>
+          <p:cNvPr id="5" name="Text Placeholder 4"/>
           <p:cNvSpPr>
             <a:spLocks noGrp="1"/>
           </p:cNvSpPr>
@@ -1686,16 +3541,22 @@
         </p:nvSpPr>
         <p:spPr>
           <a:xfrm>
-            <a:off x="6172200" y="1681163"/>
-            <a:ext cx="5183188" cy="823912"/>
+            <a:off x="6079066" y="685800"/>
+            <a:ext cx="4665134" cy="576262"/>
           </a:xfrm>
         </p:spPr>
         <p:txBody>
-          <a:bodyPr anchor="b"/>
+          <a:bodyPr anchor="b">
+            <a:noAutofit/>
+          </a:bodyPr>
           <a:lstStyle>
             <a:lvl1pPr marL="0" indent="0">
               <a:buNone/>
-              <a:defRPr sz="2400" b="1"/>
+              <a:defRPr sz="2800" b="0">
+                <a:solidFill>
+                  <a:schemeClr val="tx1"/>
+                </a:solidFill>
+              </a:defRPr>
             </a:lvl1pPr>
             <a:lvl2pPr marL="457200" indent="0">
               <a:buNone/>
@@ -1741,13 +3602,7 @@
       </p:sp>
       <p:sp>
         <p:nvSpPr>
-          <p:cNvPr id="6" name="Content Placeholder 5">
-            <a:extLst>
-              <a:ext uri="{FF2B5EF4-FFF2-40B4-BE49-F238E27FC236}">
-                <a16:creationId xmlns:a16="http://schemas.microsoft.com/office/drawing/2014/main" id="{28D54B8F-2958-4BCB-AA36-C75ED3BF072E}"/>
-              </a:ext>
-            </a:extLst>
-          </p:cNvPr>
+          <p:cNvPr id="6" name="Content Placeholder 5"/>
           <p:cNvSpPr>
             <a:spLocks noGrp="1"/>
           </p:cNvSpPr>
@@ -1757,12 +3612,14 @@
         </p:nvSpPr>
         <p:spPr>
           <a:xfrm>
-            <a:off x="6172200" y="2505075"/>
-            <a:ext cx="5183188" cy="3684588"/>
+            <a:off x="5806545" y="1262062"/>
+            <a:ext cx="4929188" cy="3030538"/>
           </a:xfrm>
         </p:spPr>
         <p:txBody>
-          <a:bodyPr/>
+          <a:bodyPr anchor="t">
+            <a:normAutofit/>
+          </a:bodyPr>
           <a:lstStyle/>
           <a:p>
             <a:pPr lvl="0"/>
@@ -1798,19 +3655,13 @@
               <a:rPr lang="en-US"/>
               <a:t>Fifth level</a:t>
             </a:r>
-            <a:endParaRPr lang="en-CA"/>
-          </a:p>
-        </p:txBody>
-      </p:sp>
-      <p:sp>
-        <p:nvSpPr>
-          <p:cNvPr id="7" name="Date Placeholder 6">
-            <a:extLst>
-              <a:ext uri="{FF2B5EF4-FFF2-40B4-BE49-F238E27FC236}">
-                <a16:creationId xmlns:a16="http://schemas.microsoft.com/office/drawing/2014/main" id="{591D6A6C-E939-47CB-A7A3-C868D63DC8FC}"/>
-              </a:ext>
-            </a:extLst>
-          </p:cNvPr>
+            <a:endParaRPr lang="en-US" dirty="0"/>
+          </a:p>
+        </p:txBody>
+      </p:sp>
+      <p:sp>
+        <p:nvSpPr>
+          <p:cNvPr id="7" name="Date Placeholder 6"/>
           <p:cNvSpPr>
             <a:spLocks noGrp="1"/>
           </p:cNvSpPr>
@@ -1833,13 +3684,7 @@
       </p:sp>
       <p:sp>
         <p:nvSpPr>
-          <p:cNvPr id="8" name="Footer Placeholder 7">
-            <a:extLst>
-              <a:ext uri="{FF2B5EF4-FFF2-40B4-BE49-F238E27FC236}">
-                <a16:creationId xmlns:a16="http://schemas.microsoft.com/office/drawing/2014/main" id="{8D63C50E-3B87-4DEC-A4DB-1600825070C8}"/>
-              </a:ext>
-            </a:extLst>
-          </p:cNvPr>
+          <p:cNvPr id="8" name="Footer Placeholder 7"/>
           <p:cNvSpPr>
             <a:spLocks noGrp="1"/>
           </p:cNvSpPr>
@@ -1858,13 +3703,7 @@
       </p:sp>
       <p:sp>
         <p:nvSpPr>
-          <p:cNvPr id="9" name="Slide Number Placeholder 8">
-            <a:extLst>
-              <a:ext uri="{FF2B5EF4-FFF2-40B4-BE49-F238E27FC236}">
-                <a16:creationId xmlns:a16="http://schemas.microsoft.com/office/drawing/2014/main" id="{D0CD91F4-FB67-4F3B-A270-9503DD63E14B}"/>
-              </a:ext>
-            </a:extLst>
-          </p:cNvPr>
+          <p:cNvPr id="9" name="Slide Number Placeholder 8"/>
           <p:cNvSpPr>
             <a:spLocks noGrp="1"/>
           </p:cNvSpPr>
@@ -1888,7 +3727,7 @@
     </p:spTree>
     <p:extLst>
       <p:ext uri="{BB962C8B-B14F-4D97-AF65-F5344CB8AC3E}">
-        <p14:creationId xmlns:p14="http://schemas.microsoft.com/office/powerpoint/2010/main" val="2809055223"/>
+        <p14:creationId xmlns:p14="http://schemas.microsoft.com/office/powerpoint/2010/main" val="4180848149"/>
       </p:ext>
     </p:extLst>
   </p:cSld>
@@ -1917,13 +3756,7 @@
       </p:grpSpPr>
       <p:sp>
         <p:nvSpPr>
-          <p:cNvPr id="2" name="Title 1">
-            <a:extLst>
-              <a:ext uri="{FF2B5EF4-FFF2-40B4-BE49-F238E27FC236}">
-                <a16:creationId xmlns:a16="http://schemas.microsoft.com/office/drawing/2014/main" id="{ACB45CFE-ACE7-4FC2-BCD2-C562AC645716}"/>
-              </a:ext>
-            </a:extLst>
-          </p:cNvPr>
+          <p:cNvPr id="2" name="Title 1"/>
           <p:cNvSpPr>
             <a:spLocks noGrp="1"/>
           </p:cNvSpPr>
@@ -1940,19 +3773,13 @@
               <a:rPr lang="en-US"/>
               <a:t>Click to edit Master title style</a:t>
             </a:r>
-            <a:endParaRPr lang="en-CA"/>
-          </a:p>
-        </p:txBody>
-      </p:sp>
-      <p:sp>
-        <p:nvSpPr>
-          <p:cNvPr id="3" name="Date Placeholder 2">
-            <a:extLst>
-              <a:ext uri="{FF2B5EF4-FFF2-40B4-BE49-F238E27FC236}">
-                <a16:creationId xmlns:a16="http://schemas.microsoft.com/office/drawing/2014/main" id="{80F1D6FC-C1B5-4A5A-84E3-F61D23DC82DB}"/>
-              </a:ext>
-            </a:extLst>
-          </p:cNvPr>
+            <a:endParaRPr lang="en-US" dirty="0"/>
+          </a:p>
+        </p:txBody>
+      </p:sp>
+      <p:sp>
+        <p:nvSpPr>
+          <p:cNvPr id="3" name="Date Placeholder 2"/>
           <p:cNvSpPr>
             <a:spLocks noGrp="1"/>
           </p:cNvSpPr>
@@ -1975,13 +3802,7 @@
       </p:sp>
       <p:sp>
         <p:nvSpPr>
-          <p:cNvPr id="4" name="Footer Placeholder 3">
-            <a:extLst>
-              <a:ext uri="{FF2B5EF4-FFF2-40B4-BE49-F238E27FC236}">
-                <a16:creationId xmlns:a16="http://schemas.microsoft.com/office/drawing/2014/main" id="{50E3E891-2E37-4471-8F6E-673F0263AA76}"/>
-              </a:ext>
-            </a:extLst>
-          </p:cNvPr>
+          <p:cNvPr id="4" name="Footer Placeholder 3"/>
           <p:cNvSpPr>
             <a:spLocks noGrp="1"/>
           </p:cNvSpPr>
@@ -2000,13 +3821,7 @@
       </p:sp>
       <p:sp>
         <p:nvSpPr>
-          <p:cNvPr id="5" name="Slide Number Placeholder 4">
-            <a:extLst>
-              <a:ext uri="{FF2B5EF4-FFF2-40B4-BE49-F238E27FC236}">
-                <a16:creationId xmlns:a16="http://schemas.microsoft.com/office/drawing/2014/main" id="{1FD92111-00DE-4FEB-97CE-D0D5C33B6BE6}"/>
-              </a:ext>
-            </a:extLst>
-          </p:cNvPr>
+          <p:cNvPr id="5" name="Slide Number Placeholder 4"/>
           <p:cNvSpPr>
             <a:spLocks noGrp="1"/>
           </p:cNvSpPr>
@@ -2030,7 +3845,7 @@
     </p:spTree>
     <p:extLst>
       <p:ext uri="{BB962C8B-B14F-4D97-AF65-F5344CB8AC3E}">
-        <p14:creationId xmlns:p14="http://schemas.microsoft.com/office/powerpoint/2010/main" val="3137419848"/>
+        <p14:creationId xmlns:p14="http://schemas.microsoft.com/office/powerpoint/2010/main" val="872932502"/>
       </p:ext>
     </p:extLst>
   </p:cSld>
@@ -2059,13 +3874,7 @@
       </p:grpSpPr>
       <p:sp>
         <p:nvSpPr>
-          <p:cNvPr id="2" name="Date Placeholder 1">
-            <a:extLst>
-              <a:ext uri="{FF2B5EF4-FFF2-40B4-BE49-F238E27FC236}">
-                <a16:creationId xmlns:a16="http://schemas.microsoft.com/office/drawing/2014/main" id="{F833CA87-1B14-4EB3-AF80-7C8F96E77A44}"/>
-              </a:ext>
-            </a:extLst>
-          </p:cNvPr>
+          <p:cNvPr id="2" name="Date Placeholder 1"/>
           <p:cNvSpPr>
             <a:spLocks noGrp="1"/>
           </p:cNvSpPr>
@@ -2088,13 +3897,7 @@
       </p:sp>
       <p:sp>
         <p:nvSpPr>
-          <p:cNvPr id="3" name="Footer Placeholder 2">
-            <a:extLst>
-              <a:ext uri="{FF2B5EF4-FFF2-40B4-BE49-F238E27FC236}">
-                <a16:creationId xmlns:a16="http://schemas.microsoft.com/office/drawing/2014/main" id="{4CF57749-93C7-4C99-9E47-1B00A532094B}"/>
-              </a:ext>
-            </a:extLst>
-          </p:cNvPr>
+          <p:cNvPr id="3" name="Footer Placeholder 2"/>
           <p:cNvSpPr>
             <a:spLocks noGrp="1"/>
           </p:cNvSpPr>
@@ -2113,13 +3916,7 @@
       </p:sp>
       <p:sp>
         <p:nvSpPr>
-          <p:cNvPr id="4" name="Slide Number Placeholder 3">
-            <a:extLst>
-              <a:ext uri="{FF2B5EF4-FFF2-40B4-BE49-F238E27FC236}">
-                <a16:creationId xmlns:a16="http://schemas.microsoft.com/office/drawing/2014/main" id="{8DBDF199-1298-4010-8530-372EF48747B4}"/>
-              </a:ext>
-            </a:extLst>
-          </p:cNvPr>
+          <p:cNvPr id="4" name="Slide Number Placeholder 3"/>
           <p:cNvSpPr>
             <a:spLocks noGrp="1"/>
           </p:cNvSpPr>
@@ -2143,7 +3940,7 @@
     </p:spTree>
     <p:extLst>
       <p:ext uri="{BB962C8B-B14F-4D97-AF65-F5344CB8AC3E}">
-        <p14:creationId xmlns:p14="http://schemas.microsoft.com/office/powerpoint/2010/main" val="3031444757"/>
+        <p14:creationId xmlns:p14="http://schemas.microsoft.com/office/powerpoint/2010/main" val="2472589368"/>
       </p:ext>
     </p:extLst>
   </p:cSld>
@@ -2172,13 +3969,7 @@
       </p:grpSpPr>
       <p:sp>
         <p:nvSpPr>
-          <p:cNvPr id="2" name="Title 1">
-            <a:extLst>
-              <a:ext uri="{FF2B5EF4-FFF2-40B4-BE49-F238E27FC236}">
-                <a16:creationId xmlns:a16="http://schemas.microsoft.com/office/drawing/2014/main" id="{0DB5A418-04FD-419E-9C2E-D90E866A91C5}"/>
-              </a:ext>
-            </a:extLst>
-          </p:cNvPr>
+          <p:cNvPr id="2" name="Title 1"/>
           <p:cNvSpPr>
             <a:spLocks noGrp="1"/>
           </p:cNvSpPr>
@@ -2188,15 +3979,17 @@
         </p:nvSpPr>
         <p:spPr>
           <a:xfrm>
-            <a:off x="839788" y="457200"/>
-            <a:ext cx="3932237" cy="1600200"/>
+            <a:off x="7085012" y="685800"/>
+            <a:ext cx="3657600" cy="1371600"/>
           </a:xfrm>
         </p:spPr>
         <p:txBody>
-          <a:bodyPr anchor="b"/>
+          <a:bodyPr anchor="b">
+            <a:normAutofit/>
+          </a:bodyPr>
           <a:lstStyle>
-            <a:lvl1pPr>
-              <a:defRPr sz="3200"/>
+            <a:lvl1pPr algn="l">
+              <a:defRPr sz="2400" b="0"/>
             </a:lvl1pPr>
           </a:lstStyle>
           <a:p>
@@ -2204,19 +3997,13 @@
               <a:rPr lang="en-US"/>
               <a:t>Click to edit Master title style</a:t>
             </a:r>
-            <a:endParaRPr lang="en-CA"/>
-          </a:p>
-        </p:txBody>
-      </p:sp>
-      <p:sp>
-        <p:nvSpPr>
-          <p:cNvPr id="3" name="Content Placeholder 2">
-            <a:extLst>
-              <a:ext uri="{FF2B5EF4-FFF2-40B4-BE49-F238E27FC236}">
-                <a16:creationId xmlns:a16="http://schemas.microsoft.com/office/drawing/2014/main" id="{0F3B711A-7448-479B-BF31-2777814070E3}"/>
-              </a:ext>
-            </a:extLst>
-          </p:cNvPr>
+            <a:endParaRPr lang="en-US" dirty="0"/>
+          </a:p>
+        </p:txBody>
+      </p:sp>
+      <p:sp>
+        <p:nvSpPr>
+          <p:cNvPr id="3" name="Content Placeholder 2"/>
           <p:cNvSpPr>
             <a:spLocks noGrp="1"/>
           </p:cNvSpPr>
@@ -2226,41 +4013,15 @@
         </p:nvSpPr>
         <p:spPr>
           <a:xfrm>
-            <a:off x="5183188" y="987425"/>
-            <a:ext cx="6172200" cy="4873625"/>
+            <a:off x="684212" y="685800"/>
+            <a:ext cx="5943601" cy="5308600"/>
           </a:xfrm>
         </p:spPr>
         <p:txBody>
-          <a:bodyPr/>
-          <a:lstStyle>
-            <a:lvl1pPr>
-              <a:defRPr sz="3200"/>
-            </a:lvl1pPr>
-            <a:lvl2pPr>
-              <a:defRPr sz="2800"/>
-            </a:lvl2pPr>
-            <a:lvl3pPr>
-              <a:defRPr sz="2400"/>
-            </a:lvl3pPr>
-            <a:lvl4pPr>
-              <a:defRPr sz="2000"/>
-            </a:lvl4pPr>
-            <a:lvl5pPr>
-              <a:defRPr sz="2000"/>
-            </a:lvl5pPr>
-            <a:lvl6pPr>
-              <a:defRPr sz="2000"/>
-            </a:lvl6pPr>
-            <a:lvl7pPr>
-              <a:defRPr sz="2000"/>
-            </a:lvl7pPr>
-            <a:lvl8pPr>
-              <a:defRPr sz="2000"/>
-            </a:lvl8pPr>
-            <a:lvl9pPr>
-              <a:defRPr sz="2000"/>
-            </a:lvl9pPr>
-          </a:lstStyle>
+          <a:bodyPr anchor="ctr">
+            <a:normAutofit/>
+          </a:bodyPr>
+          <a:lstStyle/>
           <a:p>
             <a:pPr lvl="0"/>
             <a:r>
@@ -2295,19 +4056,13 @@
               <a:rPr lang="en-US"/>
               <a:t>Fifth level</a:t>
             </a:r>
-            <a:endParaRPr lang="en-CA"/>
-          </a:p>
-        </p:txBody>
-      </p:sp>
-      <p:sp>
-        <p:nvSpPr>
-          <p:cNvPr id="4" name="Text Placeholder 3">
-            <a:extLst>
-              <a:ext uri="{FF2B5EF4-FFF2-40B4-BE49-F238E27FC236}">
-                <a16:creationId xmlns:a16="http://schemas.microsoft.com/office/drawing/2014/main" id="{DB5AEB17-84D0-4B6D-A8E3-058F9B69613C}"/>
-              </a:ext>
-            </a:extLst>
-          </p:cNvPr>
+            <a:endParaRPr lang="en-US" dirty="0"/>
+          </a:p>
+        </p:txBody>
+      </p:sp>
+      <p:sp>
+        <p:nvSpPr>
+          <p:cNvPr id="4" name="Text Placeholder 3"/>
           <p:cNvSpPr>
             <a:spLocks noGrp="1"/>
           </p:cNvSpPr>
@@ -2317,12 +4072,14 @@
         </p:nvSpPr>
         <p:spPr>
           <a:xfrm>
-            <a:off x="839788" y="2057400"/>
-            <a:ext cx="3932237" cy="3811588"/>
+            <a:off x="7085012" y="2209799"/>
+            <a:ext cx="3657600" cy="2091267"/>
           </a:xfrm>
         </p:spPr>
         <p:txBody>
-          <a:bodyPr/>
+          <a:bodyPr anchor="t">
+            <a:normAutofit/>
+          </a:bodyPr>
           <a:lstStyle>
             <a:lvl1pPr marL="0" indent="0">
               <a:buNone/>
@@ -2330,35 +4087,35 @@
             </a:lvl1pPr>
             <a:lvl2pPr marL="457200" indent="0">
               <a:buNone/>
-              <a:defRPr sz="1400"/>
+              <a:defRPr sz="1200"/>
             </a:lvl2pPr>
             <a:lvl3pPr marL="914400" indent="0">
               <a:buNone/>
-              <a:defRPr sz="1200"/>
+              <a:defRPr sz="1000"/>
             </a:lvl3pPr>
             <a:lvl4pPr marL="1371600" indent="0">
               <a:buNone/>
-              <a:defRPr sz="1000"/>
+              <a:defRPr sz="900"/>
             </a:lvl4pPr>
             <a:lvl5pPr marL="1828800" indent="0">
               <a:buNone/>
-              <a:defRPr sz="1000"/>
+              <a:defRPr sz="900"/>
             </a:lvl5pPr>
             <a:lvl6pPr marL="2286000" indent="0">
               <a:buNone/>
-              <a:defRPr sz="1000"/>
+              <a:defRPr sz="900"/>
             </a:lvl6pPr>
             <a:lvl7pPr marL="2743200" indent="0">
               <a:buNone/>
-              <a:defRPr sz="1000"/>
+              <a:defRPr sz="900"/>
             </a:lvl7pPr>
             <a:lvl8pPr marL="3200400" indent="0">
               <a:buNone/>
-              <a:defRPr sz="1000"/>
+              <a:defRPr sz="900"/>
             </a:lvl8pPr>
             <a:lvl9pPr marL="3657600" indent="0">
               <a:buNone/>
-              <a:defRPr sz="1000"/>
+              <a:defRPr sz="900"/>
             </a:lvl9pPr>
           </a:lstStyle>
           <a:p>
@@ -2372,13 +4129,7 @@
       </p:sp>
       <p:sp>
         <p:nvSpPr>
-          <p:cNvPr id="5" name="Date Placeholder 4">
-            <a:extLst>
-              <a:ext uri="{FF2B5EF4-FFF2-40B4-BE49-F238E27FC236}">
-                <a16:creationId xmlns:a16="http://schemas.microsoft.com/office/drawing/2014/main" id="{6956C2BF-1B2F-4BA9-B0B1-623518894A1E}"/>
-              </a:ext>
-            </a:extLst>
-          </p:cNvPr>
+          <p:cNvPr id="5" name="Date Placeholder 4"/>
           <p:cNvSpPr>
             <a:spLocks noGrp="1"/>
           </p:cNvSpPr>
@@ -2401,13 +4152,7 @@
       </p:sp>
       <p:sp>
         <p:nvSpPr>
-          <p:cNvPr id="6" name="Footer Placeholder 5">
-            <a:extLst>
-              <a:ext uri="{FF2B5EF4-FFF2-40B4-BE49-F238E27FC236}">
-                <a16:creationId xmlns:a16="http://schemas.microsoft.com/office/drawing/2014/main" id="{8E8AE992-BA87-47A7-B5B2-0A720B798115}"/>
-              </a:ext>
-            </a:extLst>
-          </p:cNvPr>
+          <p:cNvPr id="6" name="Footer Placeholder 5"/>
           <p:cNvSpPr>
             <a:spLocks noGrp="1"/>
           </p:cNvSpPr>
@@ -2426,13 +4171,7 @@
       </p:sp>
       <p:sp>
         <p:nvSpPr>
-          <p:cNvPr id="7" name="Slide Number Placeholder 6">
-            <a:extLst>
-              <a:ext uri="{FF2B5EF4-FFF2-40B4-BE49-F238E27FC236}">
-                <a16:creationId xmlns:a16="http://schemas.microsoft.com/office/drawing/2014/main" id="{1BF7720C-622A-4D35-B846-ABF6A75274FE}"/>
-              </a:ext>
-            </a:extLst>
-          </p:cNvPr>
+          <p:cNvPr id="7" name="Slide Number Placeholder 6"/>
           <p:cNvSpPr>
             <a:spLocks noGrp="1"/>
           </p:cNvSpPr>
@@ -2456,7 +4195,7 @@
     </p:spTree>
     <p:extLst>
       <p:ext uri="{BB962C8B-B14F-4D97-AF65-F5344CB8AC3E}">
-        <p14:creationId xmlns:p14="http://schemas.microsoft.com/office/powerpoint/2010/main" val="3800677023"/>
+        <p14:creationId xmlns:p14="http://schemas.microsoft.com/office/powerpoint/2010/main" val="2429321907"/>
       </p:ext>
     </p:extLst>
   </p:cSld>
@@ -2485,13 +4224,7 @@
       </p:grpSpPr>
       <p:sp>
         <p:nvSpPr>
-          <p:cNvPr id="2" name="Title 1">
-            <a:extLst>
-              <a:ext uri="{FF2B5EF4-FFF2-40B4-BE49-F238E27FC236}">
-                <a16:creationId xmlns:a16="http://schemas.microsoft.com/office/drawing/2014/main" id="{C7358BC3-762B-45DC-988E-F4283A78794E}"/>
-              </a:ext>
-            </a:extLst>
-          </p:cNvPr>
+          <p:cNvPr id="2" name="Title 1"/>
           <p:cNvSpPr>
             <a:spLocks noGrp="1"/>
           </p:cNvSpPr>
@@ -2501,15 +4234,17 @@
         </p:nvSpPr>
         <p:spPr>
           <a:xfrm>
-            <a:off x="839788" y="457200"/>
-            <a:ext cx="3932237" cy="1600200"/>
+            <a:off x="4722812" y="1447800"/>
+            <a:ext cx="6019800" cy="1143000"/>
           </a:xfrm>
         </p:spPr>
         <p:txBody>
-          <a:bodyPr anchor="b"/>
+          <a:bodyPr anchor="b">
+            <a:normAutofit/>
+          </a:bodyPr>
           <a:lstStyle>
-            <a:lvl1pPr>
-              <a:defRPr sz="3200"/>
+            <a:lvl1pPr algn="l">
+              <a:defRPr sz="2800" b="0"/>
             </a:lvl1pPr>
           </a:lstStyle>
           <a:p>
@@ -2517,21 +4252,15 @@
               <a:rPr lang="en-US"/>
               <a:t>Click to edit Master title style</a:t>
             </a:r>
-            <a:endParaRPr lang="en-CA"/>
-          </a:p>
-        </p:txBody>
-      </p:sp>
-      <p:sp>
-        <p:nvSpPr>
-          <p:cNvPr id="3" name="Picture Placeholder 2">
-            <a:extLst>
-              <a:ext uri="{FF2B5EF4-FFF2-40B4-BE49-F238E27FC236}">
-                <a16:creationId xmlns:a16="http://schemas.microsoft.com/office/drawing/2014/main" id="{AD103146-3801-4DA5-954D-92E1690419A6}"/>
-              </a:ext>
-            </a:extLst>
-          </p:cNvPr>
-          <p:cNvSpPr>
-            <a:spLocks noGrp="1"/>
+            <a:endParaRPr lang="en-US" dirty="0"/>
+          </a:p>
+        </p:txBody>
+      </p:sp>
+      <p:sp>
+        <p:nvSpPr>
+          <p:cNvPr id="14" name="Picture Placeholder 2"/>
+          <p:cNvSpPr>
+            <a:spLocks noGrp="1" noChangeAspect="1"/>
           </p:cNvSpPr>
           <p:nvPr>
             <p:ph type="pic" idx="1"/>
@@ -2539,118 +4268,140 @@
         </p:nvSpPr>
         <p:spPr>
           <a:xfrm>
-            <a:off x="5183188" y="987425"/>
-            <a:ext cx="6172200" cy="4873625"/>
+            <a:off x="989012" y="914400"/>
+            <a:ext cx="3280974" cy="4572000"/>
           </a:xfrm>
+          <a:prstGeom prst="snip2DiagRect">
+            <a:avLst>
+              <a:gd name="adj1" fmla="val 10815"/>
+              <a:gd name="adj2" fmla="val 0"/>
+            </a:avLst>
+          </a:prstGeom>
+          <a:ln w="15875">
+            <a:solidFill>
+              <a:schemeClr val="tx1">
+                <a:alpha val="40000"/>
+              </a:schemeClr>
+            </a:solidFill>
+          </a:ln>
+          <a:effectLst>
+            <a:innerShdw blurRad="57150" dist="38100" dir="14460000">
+              <a:srgbClr val="000000">
+                <a:alpha val="70000"/>
+              </a:srgbClr>
+            </a:innerShdw>
+          </a:effectLst>
         </p:spPr>
         <p:txBody>
-          <a:bodyPr/>
+          <a:bodyPr anchor="t">
+            <a:normAutofit/>
+          </a:bodyPr>
           <a:lstStyle>
-            <a:lvl1pPr marL="0" indent="0">
-              <a:buNone/>
-              <a:defRPr sz="3200"/>
-            </a:lvl1pPr>
-            <a:lvl2pPr marL="457200" indent="0">
-              <a:buNone/>
-              <a:defRPr sz="2800"/>
-            </a:lvl2pPr>
-            <a:lvl3pPr marL="914400" indent="0">
-              <a:buNone/>
-              <a:defRPr sz="2400"/>
-            </a:lvl3pPr>
-            <a:lvl4pPr marL="1371600" indent="0">
-              <a:buNone/>
-              <a:defRPr sz="2000"/>
-            </a:lvl4pPr>
-            <a:lvl5pPr marL="1828800" indent="0">
-              <a:buNone/>
-              <a:defRPr sz="2000"/>
-            </a:lvl5pPr>
-            <a:lvl6pPr marL="2286000" indent="0">
-              <a:buNone/>
-              <a:defRPr sz="2000"/>
-            </a:lvl6pPr>
-            <a:lvl7pPr marL="2743200" indent="0">
-              <a:buNone/>
-              <a:defRPr sz="2000"/>
-            </a:lvl7pPr>
-            <a:lvl8pPr marL="3200400" indent="0">
-              <a:buNone/>
-              <a:defRPr sz="2000"/>
-            </a:lvl8pPr>
-            <a:lvl9pPr marL="3657600" indent="0">
-              <a:buNone/>
-              <a:defRPr sz="2000"/>
-            </a:lvl9pPr>
-          </a:lstStyle>
-          <a:p>
-            <a:endParaRPr lang="en-CA"/>
-          </a:p>
-        </p:txBody>
-      </p:sp>
-      <p:sp>
-        <p:nvSpPr>
-          <p:cNvPr id="4" name="Text Placeholder 3">
-            <a:extLst>
-              <a:ext uri="{FF2B5EF4-FFF2-40B4-BE49-F238E27FC236}">
-                <a16:creationId xmlns:a16="http://schemas.microsoft.com/office/drawing/2014/main" id="{96856C57-DE33-488C-A4D5-1BE0367D11A6}"/>
-              </a:ext>
-            </a:extLst>
-          </p:cNvPr>
-          <p:cNvSpPr>
-            <a:spLocks noGrp="1"/>
-          </p:cNvSpPr>
-          <p:nvPr>
-            <p:ph type="body" sz="half" idx="2"/>
-          </p:nvPr>
-        </p:nvSpPr>
-        <p:spPr>
-          <a:xfrm>
-            <a:off x="839788" y="2057400"/>
-            <a:ext cx="3932237" cy="3811588"/>
-          </a:xfrm>
-        </p:spPr>
-        <p:txBody>
-          <a:bodyPr/>
-          <a:lstStyle>
-            <a:lvl1pPr marL="0" indent="0">
+            <a:lvl1pPr marL="0" indent="0" algn="ctr">
               <a:buNone/>
               <a:defRPr sz="1600"/>
             </a:lvl1pPr>
             <a:lvl2pPr marL="457200" indent="0">
               <a:buNone/>
-              <a:defRPr sz="1400"/>
+              <a:defRPr sz="1600"/>
             </a:lvl2pPr>
             <a:lvl3pPr marL="914400" indent="0">
               <a:buNone/>
-              <a:defRPr sz="1200"/>
+              <a:defRPr sz="1600"/>
             </a:lvl3pPr>
             <a:lvl4pPr marL="1371600" indent="0">
               <a:buNone/>
-              <a:defRPr sz="1000"/>
+              <a:defRPr sz="1600"/>
             </a:lvl4pPr>
             <a:lvl5pPr marL="1828800" indent="0">
               <a:buNone/>
-              <a:defRPr sz="1000"/>
+              <a:defRPr sz="1600"/>
             </a:lvl5pPr>
             <a:lvl6pPr marL="2286000" indent="0">
               <a:buNone/>
-              <a:defRPr sz="1000"/>
+              <a:defRPr sz="1600"/>
             </a:lvl6pPr>
             <a:lvl7pPr marL="2743200" indent="0">
               <a:buNone/>
-              <a:defRPr sz="1000"/>
+              <a:defRPr sz="1600"/>
             </a:lvl7pPr>
             <a:lvl8pPr marL="3200400" indent="0">
               <a:buNone/>
-              <a:defRPr sz="1000"/>
+              <a:defRPr sz="1600"/>
             </a:lvl8pPr>
             <a:lvl9pPr marL="3657600" indent="0">
               <a:buNone/>
-              <a:defRPr sz="1000"/>
+              <a:defRPr sz="1600"/>
             </a:lvl9pPr>
           </a:lstStyle>
           <a:p>
+            <a:r>
+              <a:rPr lang="en-US"/>
+              <a:t>Click icon to add picture</a:t>
+            </a:r>
+            <a:endParaRPr lang="en-US" dirty="0"/>
+          </a:p>
+        </p:txBody>
+      </p:sp>
+      <p:sp>
+        <p:nvSpPr>
+          <p:cNvPr id="4" name="Text Placeholder 3"/>
+          <p:cNvSpPr>
+            <a:spLocks noGrp="1"/>
+          </p:cNvSpPr>
+          <p:nvPr>
+            <p:ph type="body" sz="half" idx="2"/>
+          </p:nvPr>
+        </p:nvSpPr>
+        <p:spPr>
+          <a:xfrm>
+            <a:off x="4722812" y="2777066"/>
+            <a:ext cx="6021388" cy="2048933"/>
+          </a:xfrm>
+        </p:spPr>
+        <p:txBody>
+          <a:bodyPr anchor="t">
+            <a:normAutofit/>
+          </a:bodyPr>
+          <a:lstStyle>
+            <a:lvl1pPr marL="0" indent="0">
+              <a:buNone/>
+              <a:defRPr sz="1800"/>
+            </a:lvl1pPr>
+            <a:lvl2pPr marL="457200" indent="0">
+              <a:buNone/>
+              <a:defRPr sz="1200"/>
+            </a:lvl2pPr>
+            <a:lvl3pPr marL="914400" indent="0">
+              <a:buNone/>
+              <a:defRPr sz="1000"/>
+            </a:lvl3pPr>
+            <a:lvl4pPr marL="1371600" indent="0">
+              <a:buNone/>
+              <a:defRPr sz="900"/>
+            </a:lvl4pPr>
+            <a:lvl5pPr marL="1828800" indent="0">
+              <a:buNone/>
+              <a:defRPr sz="900"/>
+            </a:lvl5pPr>
+            <a:lvl6pPr marL="2286000" indent="0">
+              <a:buNone/>
+              <a:defRPr sz="900"/>
+            </a:lvl6pPr>
+            <a:lvl7pPr marL="2743200" indent="0">
+              <a:buNone/>
+              <a:defRPr sz="900"/>
+            </a:lvl7pPr>
+            <a:lvl8pPr marL="3200400" indent="0">
+              <a:buNone/>
+              <a:defRPr sz="900"/>
+            </a:lvl8pPr>
+            <a:lvl9pPr marL="3657600" indent="0">
+              <a:buNone/>
+              <a:defRPr sz="900"/>
+            </a:lvl9pPr>
+          </a:lstStyle>
+          <a:p>
             <a:pPr lvl="0"/>
             <a:r>
               <a:rPr lang="en-US"/>
@@ -2661,13 +4412,7 @@
       </p:sp>
       <p:sp>
         <p:nvSpPr>
-          <p:cNvPr id="5" name="Date Placeholder 4">
-            <a:extLst>
-              <a:ext uri="{FF2B5EF4-FFF2-40B4-BE49-F238E27FC236}">
-                <a16:creationId xmlns:a16="http://schemas.microsoft.com/office/drawing/2014/main" id="{947901CA-4C01-4F5E-B4F1-7FEAD7F234F5}"/>
-              </a:ext>
-            </a:extLst>
-          </p:cNvPr>
+          <p:cNvPr id="5" name="Date Placeholder 4"/>
           <p:cNvSpPr>
             <a:spLocks noGrp="1"/>
           </p:cNvSpPr>
@@ -2690,13 +4435,7 @@
       </p:sp>
       <p:sp>
         <p:nvSpPr>
-          <p:cNvPr id="6" name="Footer Placeholder 5">
-            <a:extLst>
-              <a:ext uri="{FF2B5EF4-FFF2-40B4-BE49-F238E27FC236}">
-                <a16:creationId xmlns:a16="http://schemas.microsoft.com/office/drawing/2014/main" id="{A8083CFF-1DA0-45EF-9F0C-D096D0DF3675}"/>
-              </a:ext>
-            </a:extLst>
-          </p:cNvPr>
+          <p:cNvPr id="6" name="Footer Placeholder 5"/>
           <p:cNvSpPr>
             <a:spLocks noGrp="1"/>
           </p:cNvSpPr>
@@ -2715,13 +4454,7 @@
       </p:sp>
       <p:sp>
         <p:nvSpPr>
-          <p:cNvPr id="7" name="Slide Number Placeholder 6">
-            <a:extLst>
-              <a:ext uri="{FF2B5EF4-FFF2-40B4-BE49-F238E27FC236}">
-                <a16:creationId xmlns:a16="http://schemas.microsoft.com/office/drawing/2014/main" id="{AE28C74E-B8C8-4BAA-B643-BB0E0CB5C0EF}"/>
-              </a:ext>
-            </a:extLst>
-          </p:cNvPr>
+          <p:cNvPr id="7" name="Slide Number Placeholder 6"/>
           <p:cNvSpPr>
             <a:spLocks noGrp="1"/>
           </p:cNvSpPr>
@@ -2745,7 +4478,7 @@
     </p:spTree>
     <p:extLst>
       <p:ext uri="{BB962C8B-B14F-4D97-AF65-F5344CB8AC3E}">
-        <p14:creationId xmlns:p14="http://schemas.microsoft.com/office/powerpoint/2010/main" val="1321317635"/>
+        <p14:creationId xmlns:p14="http://schemas.microsoft.com/office/powerpoint/2010/main" val="2138309339"/>
       </p:ext>
     </p:extLst>
   </p:cSld>
@@ -2759,8 +4492,8 @@
 <p:sldMaster xmlns:a="http://schemas.openxmlformats.org/drawingml/2006/main" xmlns:r="http://schemas.openxmlformats.org/officeDocument/2006/relationships" xmlns:p="http://schemas.openxmlformats.org/presentationml/2006/main">
   <p:cSld>
     <p:bg>
-      <p:bgRef idx="1001">
-        <a:schemeClr val="bg1"/>
+      <p:bgRef idx="1002">
+        <a:schemeClr val="bg2"/>
       </p:bgRef>
     </p:bg>
     <p:spTree>
@@ -2777,15 +4510,199 @@
           <a:chExt cx="0" cy="0"/>
         </a:xfrm>
       </p:grpSpPr>
-      <p:sp>
-        <p:nvSpPr>
-          <p:cNvPr id="2" name="Title Placeholder 1">
-            <a:extLst>
-              <a:ext uri="{FF2B5EF4-FFF2-40B4-BE49-F238E27FC236}">
-                <a16:creationId xmlns:a16="http://schemas.microsoft.com/office/drawing/2014/main" id="{C9223BCC-C234-424F-8B3E-BFDABA2D6B4F}"/>
-              </a:ext>
-            </a:extLst>
-          </p:cNvPr>
+      <p:grpSp>
+        <p:nvGrpSpPr>
+          <p:cNvPr id="7" name="Group 6"/>
+          <p:cNvGrpSpPr/>
+          <p:nvPr/>
+        </p:nvGrpSpPr>
+        <p:grpSpPr>
+          <a:xfrm>
+            <a:off x="9206969" y="2963333"/>
+            <a:ext cx="2981858" cy="3208867"/>
+            <a:chOff x="9206969" y="2963333"/>
+            <a:chExt cx="2981858" cy="3208867"/>
+          </a:xfrm>
+        </p:grpSpPr>
+        <p:cxnSp>
+          <p:nvCxnSpPr>
+            <p:cNvPr id="8" name="Straight Connector 7"/>
+            <p:cNvCxnSpPr/>
+            <p:nvPr/>
+          </p:nvCxnSpPr>
+          <p:spPr>
+            <a:xfrm flipH="1">
+              <a:off x="11276012" y="2963333"/>
+              <a:ext cx="912814" cy="912812"/>
+            </a:xfrm>
+            <a:prstGeom prst="line">
+              <a:avLst/>
+            </a:prstGeom>
+            <a:ln w="9525">
+              <a:solidFill>
+                <a:schemeClr val="tx1"/>
+              </a:solidFill>
+            </a:ln>
+          </p:spPr>
+          <p:style>
+            <a:lnRef idx="2">
+              <a:schemeClr val="accent1"/>
+            </a:lnRef>
+            <a:fillRef idx="0">
+              <a:schemeClr val="accent1"/>
+            </a:fillRef>
+            <a:effectRef idx="1">
+              <a:schemeClr val="accent1"/>
+            </a:effectRef>
+            <a:fontRef idx="minor">
+              <a:schemeClr val="tx1"/>
+            </a:fontRef>
+          </p:style>
+        </p:cxnSp>
+        <p:cxnSp>
+          <p:nvCxnSpPr>
+            <p:cNvPr id="9" name="Straight Connector 8"/>
+            <p:cNvCxnSpPr/>
+            <p:nvPr/>
+          </p:nvCxnSpPr>
+          <p:spPr>
+            <a:xfrm flipH="1">
+              <a:off x="9206969" y="3190344"/>
+              <a:ext cx="2981857" cy="2981856"/>
+            </a:xfrm>
+            <a:prstGeom prst="line">
+              <a:avLst/>
+            </a:prstGeom>
+            <a:ln w="9525">
+              <a:solidFill>
+                <a:schemeClr val="tx1"/>
+              </a:solidFill>
+            </a:ln>
+          </p:spPr>
+          <p:style>
+            <a:lnRef idx="2">
+              <a:schemeClr val="accent1"/>
+            </a:lnRef>
+            <a:fillRef idx="0">
+              <a:schemeClr val="accent1"/>
+            </a:fillRef>
+            <a:effectRef idx="1">
+              <a:schemeClr val="accent1"/>
+            </a:effectRef>
+            <a:fontRef idx="minor">
+              <a:schemeClr val="tx1"/>
+            </a:fontRef>
+          </p:style>
+        </p:cxnSp>
+        <p:cxnSp>
+          <p:nvCxnSpPr>
+            <p:cNvPr id="10" name="Straight Connector 9"/>
+            <p:cNvCxnSpPr/>
+            <p:nvPr/>
+          </p:nvCxnSpPr>
+          <p:spPr>
+            <a:xfrm flipH="1">
+              <a:off x="10292292" y="3285067"/>
+              <a:ext cx="1896534" cy="1896533"/>
+            </a:xfrm>
+            <a:prstGeom prst="line">
+              <a:avLst/>
+            </a:prstGeom>
+            <a:ln w="9525">
+              <a:solidFill>
+                <a:schemeClr val="tx1"/>
+              </a:solidFill>
+            </a:ln>
+          </p:spPr>
+          <p:style>
+            <a:lnRef idx="2">
+              <a:schemeClr val="accent1"/>
+            </a:lnRef>
+            <a:fillRef idx="0">
+              <a:schemeClr val="accent1"/>
+            </a:fillRef>
+            <a:effectRef idx="1">
+              <a:schemeClr val="accent1"/>
+            </a:effectRef>
+            <a:fontRef idx="minor">
+              <a:schemeClr val="tx1"/>
+            </a:fontRef>
+          </p:style>
+        </p:cxnSp>
+        <p:cxnSp>
+          <p:nvCxnSpPr>
+            <p:cNvPr id="11" name="Straight Connector 10"/>
+            <p:cNvCxnSpPr/>
+            <p:nvPr/>
+          </p:nvCxnSpPr>
+          <p:spPr>
+            <a:xfrm flipH="1">
+              <a:off x="10443103" y="3131080"/>
+              <a:ext cx="1745722" cy="1745720"/>
+            </a:xfrm>
+            <a:prstGeom prst="line">
+              <a:avLst/>
+            </a:prstGeom>
+            <a:ln w="28575">
+              <a:solidFill>
+                <a:schemeClr val="tx1"/>
+              </a:solidFill>
+            </a:ln>
+          </p:spPr>
+          <p:style>
+            <a:lnRef idx="2">
+              <a:schemeClr val="accent1"/>
+            </a:lnRef>
+            <a:fillRef idx="0">
+              <a:schemeClr val="accent1"/>
+            </a:fillRef>
+            <a:effectRef idx="1">
+              <a:schemeClr val="accent1"/>
+            </a:effectRef>
+            <a:fontRef idx="minor">
+              <a:schemeClr val="tx1"/>
+            </a:fontRef>
+          </p:style>
+        </p:cxnSp>
+        <p:cxnSp>
+          <p:nvCxnSpPr>
+            <p:cNvPr id="12" name="Straight Connector 11"/>
+            <p:cNvCxnSpPr/>
+            <p:nvPr/>
+          </p:nvCxnSpPr>
+          <p:spPr>
+            <a:xfrm flipH="1">
+              <a:off x="10918826" y="3683001"/>
+              <a:ext cx="1270001" cy="1269999"/>
+            </a:xfrm>
+            <a:prstGeom prst="line">
+              <a:avLst/>
+            </a:prstGeom>
+            <a:ln w="28575">
+              <a:solidFill>
+                <a:schemeClr val="tx1"/>
+              </a:solidFill>
+            </a:ln>
+          </p:spPr>
+          <p:style>
+            <a:lnRef idx="2">
+              <a:schemeClr val="accent1"/>
+            </a:lnRef>
+            <a:fillRef idx="0">
+              <a:schemeClr val="accent1"/>
+            </a:fillRef>
+            <a:effectRef idx="1">
+              <a:schemeClr val="accent1"/>
+            </a:effectRef>
+            <a:fontRef idx="minor">
+              <a:schemeClr val="tx1"/>
+            </a:fontRef>
+          </p:style>
+        </p:cxnSp>
+      </p:grpSp>
+      <p:sp>
+        <p:nvSpPr>
+          <p:cNvPr id="2" name="Title Placeholder 1"/>
           <p:cNvSpPr>
             <a:spLocks noGrp="1"/>
           </p:cNvSpPr>
@@ -2795,8 +4712,42 @@
         </p:nvSpPr>
         <p:spPr>
           <a:xfrm>
-            <a:off x="838200" y="365125"/>
-            <a:ext cx="10515600" cy="1325563"/>
+            <a:off x="684212" y="4487332"/>
+            <a:ext cx="8534400" cy="1507067"/>
+          </a:xfrm>
+          <a:prstGeom prst="rect">
+            <a:avLst/>
+          </a:prstGeom>
+          <a:effectLst/>
+        </p:spPr>
+        <p:txBody>
+          <a:bodyPr vert="horz" lIns="91440" tIns="45720" rIns="91440" bIns="45720" rtlCol="0" anchor="ctr">
+            <a:normAutofit/>
+          </a:bodyPr>
+          <a:lstStyle/>
+          <a:p>
+            <a:r>
+              <a:rPr lang="en-US"/>
+              <a:t>Click to edit Master title style</a:t>
+            </a:r>
+            <a:endParaRPr lang="en-US" dirty="0"/>
+          </a:p>
+        </p:txBody>
+      </p:sp>
+      <p:sp>
+        <p:nvSpPr>
+          <p:cNvPr id="3" name="Text Placeholder 2"/>
+          <p:cNvSpPr>
+            <a:spLocks noGrp="1"/>
+          </p:cNvSpPr>
+          <p:nvPr>
+            <p:ph type="body" idx="1"/>
+          </p:nvPr>
+        </p:nvSpPr>
+        <p:spPr>
+          <a:xfrm>
+            <a:off x="684212" y="685800"/>
+            <a:ext cx="8534400" cy="3615267"/>
           </a:xfrm>
           <a:prstGeom prst="rect">
             <a:avLst/>
@@ -2808,207 +4759,156 @@
           </a:bodyPr>
           <a:lstStyle/>
           <a:p>
-            <a:r>
-              <a:rPr lang="en-US"/>
-              <a:t>Click to edit Master title style</a:t>
-            </a:r>
-            <a:endParaRPr lang="en-CA"/>
-          </a:p>
-        </p:txBody>
-      </p:sp>
-      <p:sp>
-        <p:nvSpPr>
-          <p:cNvPr id="3" name="Text Placeholder 2">
-            <a:extLst>
-              <a:ext uri="{FF2B5EF4-FFF2-40B4-BE49-F238E27FC236}">
-                <a16:creationId xmlns:a16="http://schemas.microsoft.com/office/drawing/2014/main" id="{0B3988F2-36FF-4707-BE49-68338D6E1FAA}"/>
-              </a:ext>
-            </a:extLst>
-          </p:cNvPr>
-          <p:cNvSpPr>
-            <a:spLocks noGrp="1"/>
-          </p:cNvSpPr>
-          <p:nvPr>
-            <p:ph type="body" idx="1"/>
+            <a:pPr lvl="0"/>
+            <a:r>
+              <a:rPr lang="en-US"/>
+              <a:t>Click to edit Master text styles</a:t>
+            </a:r>
+          </a:p>
+          <a:p>
+            <a:pPr lvl="1"/>
+            <a:r>
+              <a:rPr lang="en-US"/>
+              <a:t>Second level</a:t>
+            </a:r>
+          </a:p>
+          <a:p>
+            <a:pPr lvl="2"/>
+            <a:r>
+              <a:rPr lang="en-US"/>
+              <a:t>Third level</a:t>
+            </a:r>
+          </a:p>
+          <a:p>
+            <a:pPr lvl="3"/>
+            <a:r>
+              <a:rPr lang="en-US"/>
+              <a:t>Fourth level</a:t>
+            </a:r>
+          </a:p>
+          <a:p>
+            <a:pPr lvl="4"/>
+            <a:r>
+              <a:rPr lang="en-US"/>
+              <a:t>Fifth level</a:t>
+            </a:r>
+            <a:endParaRPr lang="en-US" dirty="0"/>
+          </a:p>
+        </p:txBody>
+      </p:sp>
+      <p:sp>
+        <p:nvSpPr>
+          <p:cNvPr id="4" name="Date Placeholder 3"/>
+          <p:cNvSpPr>
+            <a:spLocks noGrp="1"/>
+          </p:cNvSpPr>
+          <p:nvPr>
+            <p:ph type="dt" sz="half" idx="2"/>
           </p:nvPr>
         </p:nvSpPr>
         <p:spPr>
           <a:xfrm>
-            <a:off x="838200" y="1825625"/>
-            <a:ext cx="10515600" cy="4351338"/>
+            <a:off x="9904412" y="6172200"/>
+            <a:ext cx="1600200" cy="365125"/>
           </a:xfrm>
           <a:prstGeom prst="rect">
             <a:avLst/>
           </a:prstGeom>
         </p:spPr>
         <p:txBody>
-          <a:bodyPr vert="horz" lIns="91440" tIns="45720" rIns="91440" bIns="45720" rtlCol="0">
-            <a:normAutofit/>
-          </a:bodyPr>
-          <a:lstStyle/>
-          <a:p>
-            <a:pPr lvl="0"/>
-            <a:r>
-              <a:rPr lang="en-US"/>
-              <a:t>Click to edit Master text styles</a:t>
-            </a:r>
-          </a:p>
-          <a:p>
-            <a:pPr lvl="1"/>
-            <a:r>
-              <a:rPr lang="en-US"/>
-              <a:t>Second level</a:t>
-            </a:r>
-          </a:p>
-          <a:p>
-            <a:pPr lvl="2"/>
-            <a:r>
-              <a:rPr lang="en-US"/>
-              <a:t>Third level</a:t>
-            </a:r>
-          </a:p>
-          <a:p>
-            <a:pPr lvl="3"/>
-            <a:r>
-              <a:rPr lang="en-US"/>
-              <a:t>Fourth level</a:t>
-            </a:r>
-          </a:p>
-          <a:p>
-            <a:pPr lvl="4"/>
-            <a:r>
-              <a:rPr lang="en-US"/>
-              <a:t>Fifth level</a:t>
-            </a:r>
+          <a:bodyPr vert="horz" lIns="91440" tIns="45720" rIns="91440" bIns="45720" rtlCol="0" anchor="t"/>
+          <a:lstStyle>
+            <a:lvl1pPr algn="r">
+              <a:defRPr sz="1000" b="0" i="0">
+                <a:solidFill>
+                  <a:schemeClr val="bg2">
+                    <a:lumMod val="50000"/>
+                  </a:schemeClr>
+                </a:solidFill>
+                <a:effectLst/>
+                <a:latin typeface="+mn-lt"/>
+              </a:defRPr>
+            </a:lvl1pPr>
+          </a:lstStyle>
+          <a:p>
+            <a:fld id="{9FE723E2-BC0F-4A2F-84D1-E095482B85E6}" type="datetimeFigureOut">
+              <a:rPr lang="en-CA" smtClean="0"/>
+              <a:t>2020-04-15</a:t>
+            </a:fld>
             <a:endParaRPr lang="en-CA"/>
           </a:p>
         </p:txBody>
       </p:sp>
       <p:sp>
         <p:nvSpPr>
-          <p:cNvPr id="4" name="Date Placeholder 3">
-            <a:extLst>
-              <a:ext uri="{FF2B5EF4-FFF2-40B4-BE49-F238E27FC236}">
-                <a16:creationId xmlns:a16="http://schemas.microsoft.com/office/drawing/2014/main" id="{05C9842D-6B48-4DCE-8607-C8B2147FF42F}"/>
-              </a:ext>
-            </a:extLst>
-          </p:cNvPr>
-          <p:cNvSpPr>
-            <a:spLocks noGrp="1"/>
-          </p:cNvSpPr>
-          <p:nvPr>
-            <p:ph type="dt" sz="half" idx="2"/>
+          <p:cNvPr id="5" name="Footer Placeholder 4"/>
+          <p:cNvSpPr>
+            <a:spLocks noGrp="1"/>
+          </p:cNvSpPr>
+          <p:nvPr>
+            <p:ph type="ftr" sz="quarter" idx="3"/>
           </p:nvPr>
         </p:nvSpPr>
         <p:spPr>
           <a:xfrm>
-            <a:off x="838200" y="6356350"/>
-            <a:ext cx="2743200" cy="365125"/>
+            <a:off x="684212" y="6172200"/>
+            <a:ext cx="7543800" cy="365125"/>
           </a:xfrm>
           <a:prstGeom prst="rect">
             <a:avLst/>
           </a:prstGeom>
         </p:spPr>
         <p:txBody>
-          <a:bodyPr vert="horz" lIns="91440" tIns="45720" rIns="91440" bIns="45720" rtlCol="0" anchor="ctr"/>
+          <a:bodyPr vert="horz" lIns="91440" tIns="45720" rIns="91440" bIns="45720" rtlCol="0" anchor="t"/>
           <a:lstStyle>
             <a:lvl1pPr algn="l">
-              <a:defRPr sz="1200">
-                <a:solidFill>
-                  <a:schemeClr val="tx1">
-                    <a:tint val="75000"/>
-                  </a:schemeClr>
-                </a:solidFill>
+              <a:defRPr sz="1000" b="0" i="0">
+                <a:solidFill>
+                  <a:schemeClr val="bg2">
+                    <a:lumMod val="50000"/>
+                  </a:schemeClr>
+                </a:solidFill>
+                <a:effectLst/>
+                <a:latin typeface="+mn-lt"/>
               </a:defRPr>
             </a:lvl1pPr>
           </a:lstStyle>
           <a:p>
-            <a:fld id="{9FE723E2-BC0F-4A2F-84D1-E095482B85E6}" type="datetimeFigureOut">
-              <a:rPr lang="en-CA" smtClean="0"/>
-              <a:t>2020-04-15</a:t>
-            </a:fld>
             <a:endParaRPr lang="en-CA"/>
           </a:p>
         </p:txBody>
       </p:sp>
       <p:sp>
         <p:nvSpPr>
-          <p:cNvPr id="5" name="Footer Placeholder 4">
-            <a:extLst>
-              <a:ext uri="{FF2B5EF4-FFF2-40B4-BE49-F238E27FC236}">
-                <a16:creationId xmlns:a16="http://schemas.microsoft.com/office/drawing/2014/main" id="{982AC7EC-C72C-47A9-95CB-2372433EBDEF}"/>
-              </a:ext>
-            </a:extLst>
-          </p:cNvPr>
-          <p:cNvSpPr>
-            <a:spLocks noGrp="1"/>
-          </p:cNvSpPr>
-          <p:nvPr>
-            <p:ph type="ftr" sz="quarter" idx="3"/>
+          <p:cNvPr id="6" name="Slide Number Placeholder 5"/>
+          <p:cNvSpPr>
+            <a:spLocks noGrp="1"/>
+          </p:cNvSpPr>
+          <p:nvPr>
+            <p:ph type="sldNum" sz="quarter" idx="4"/>
           </p:nvPr>
         </p:nvSpPr>
         <p:spPr>
           <a:xfrm>
-            <a:off x="4038600" y="6356350"/>
-            <a:ext cx="4114800" cy="365125"/>
+            <a:off x="10363200" y="5578475"/>
+            <a:ext cx="1142245" cy="669925"/>
           </a:xfrm>
           <a:prstGeom prst="rect">
             <a:avLst/>
           </a:prstGeom>
         </p:spPr>
         <p:txBody>
-          <a:bodyPr vert="horz" lIns="91440" tIns="45720" rIns="91440" bIns="45720" rtlCol="0" anchor="ctr"/>
-          <a:lstStyle>
-            <a:lvl1pPr algn="ctr">
-              <a:defRPr sz="1200">
-                <a:solidFill>
-                  <a:schemeClr val="tx1">
-                    <a:tint val="75000"/>
-                  </a:schemeClr>
-                </a:solidFill>
-              </a:defRPr>
-            </a:lvl1pPr>
-          </a:lstStyle>
-          <a:p>
-            <a:endParaRPr lang="en-CA"/>
-          </a:p>
-        </p:txBody>
-      </p:sp>
-      <p:sp>
-        <p:nvSpPr>
-          <p:cNvPr id="6" name="Slide Number Placeholder 5">
-            <a:extLst>
-              <a:ext uri="{FF2B5EF4-FFF2-40B4-BE49-F238E27FC236}">
-                <a16:creationId xmlns:a16="http://schemas.microsoft.com/office/drawing/2014/main" id="{6B22CD19-2F1A-44B1-B830-B05A2843FC54}"/>
-              </a:ext>
-            </a:extLst>
-          </p:cNvPr>
-          <p:cNvSpPr>
-            <a:spLocks noGrp="1"/>
-          </p:cNvSpPr>
-          <p:nvPr>
-            <p:ph type="sldNum" sz="quarter" idx="4"/>
-          </p:nvPr>
-        </p:nvSpPr>
-        <p:spPr>
-          <a:xfrm>
-            <a:off x="8610600" y="6356350"/>
-            <a:ext cx="2743200" cy="365125"/>
-          </a:xfrm>
-          <a:prstGeom prst="rect">
-            <a:avLst/>
-          </a:prstGeom>
-        </p:spPr>
-        <p:txBody>
-          <a:bodyPr vert="horz" lIns="91440" tIns="45720" rIns="91440" bIns="45720" rtlCol="0" anchor="ctr"/>
+          <a:bodyPr vert="horz" lIns="91440" tIns="45720" rIns="91440" bIns="45720" rtlCol="0" anchor="b"/>
           <a:lstStyle>
             <a:lvl1pPr algn="r">
-              <a:defRPr sz="1200">
-                <a:solidFill>
-                  <a:schemeClr val="tx1">
-                    <a:tint val="75000"/>
-                  </a:schemeClr>
-                </a:solidFill>
+              <a:defRPr sz="3200" b="0" i="0">
+                <a:solidFill>
+                  <a:schemeClr val="bg2">
+                    <a:lumMod val="50000"/>
+                  </a:schemeClr>
+                </a:solidFill>
+                <a:effectLst/>
+                <a:latin typeface="+mn-lt"/>
               </a:defRPr>
             </a:lvl1pPr>
           </a:lstStyle>
@@ -3024,202 +4924,328 @@
     </p:spTree>
     <p:extLst>
       <p:ext uri="{BB962C8B-B14F-4D97-AF65-F5344CB8AC3E}">
-        <p14:creationId xmlns:p14="http://schemas.microsoft.com/office/powerpoint/2010/main" val="1856702618"/>
+        <p14:creationId xmlns:p14="http://schemas.microsoft.com/office/powerpoint/2010/main" val="3190842458"/>
       </p:ext>
     </p:extLst>
   </p:cSld>
   <p:clrMap bg1="dk1" tx1="lt1" bg2="dk2" tx2="lt2" accent1="accent1" accent2="accent2" accent3="accent3" accent4="accent4" accent5="accent5" accent6="accent6" hlink="hlink" folHlink="folHlink"/>
   <p:sldLayoutIdLst>
-    <p:sldLayoutId id="2147483649" r:id="rId1"/>
-    <p:sldLayoutId id="2147483650" r:id="rId2"/>
-    <p:sldLayoutId id="2147483651" r:id="rId3"/>
-    <p:sldLayoutId id="2147483652" r:id="rId4"/>
-    <p:sldLayoutId id="2147483653" r:id="rId5"/>
-    <p:sldLayoutId id="2147483654" r:id="rId6"/>
-    <p:sldLayoutId id="2147483655" r:id="rId7"/>
-    <p:sldLayoutId id="2147483656" r:id="rId8"/>
-    <p:sldLayoutId id="2147483657" r:id="rId9"/>
-    <p:sldLayoutId id="2147483658" r:id="rId10"/>
-    <p:sldLayoutId id="2147483659" r:id="rId11"/>
+    <p:sldLayoutId id="2147483679" r:id="rId1"/>
+    <p:sldLayoutId id="2147483680" r:id="rId2"/>
+    <p:sldLayoutId id="2147483681" r:id="rId3"/>
+    <p:sldLayoutId id="2147483682" r:id="rId4"/>
+    <p:sldLayoutId id="2147483683" r:id="rId5"/>
+    <p:sldLayoutId id="2147483684" r:id="rId6"/>
+    <p:sldLayoutId id="2147483685" r:id="rId7"/>
+    <p:sldLayoutId id="2147483686" r:id="rId8"/>
+    <p:sldLayoutId id="2147483687" r:id="rId9"/>
+    <p:sldLayoutId id="2147483688" r:id="rId10"/>
+    <p:sldLayoutId id="2147483689" r:id="rId11"/>
+    <p:sldLayoutId id="2147483690" r:id="rId12"/>
+    <p:sldLayoutId id="2147483691" r:id="rId13"/>
+    <p:sldLayoutId id="2147483692" r:id="rId14"/>
+    <p:sldLayoutId id="2147483693" r:id="rId15"/>
+    <p:sldLayoutId id="2147483694" r:id="rId16"/>
+    <p:sldLayoutId id="2147483695" r:id="rId17"/>
   </p:sldLayoutIdLst>
   <p:txStyles>
     <p:titleStyle>
-      <a:lvl1pPr algn="l" defTabSz="914400" rtl="0" eaLnBrk="1" latinLnBrk="0" hangingPunct="1">
-        <a:lnSpc>
-          <a:spcPct val="90000"/>
-        </a:lnSpc>
+      <a:lvl1pPr algn="l" defTabSz="457200" rtl="0" eaLnBrk="1" latinLnBrk="0" hangingPunct="1">
         <a:spcBef>
           <a:spcPct val="0"/>
         </a:spcBef>
         <a:buNone/>
-        <a:defRPr sz="4400" kern="1200">
+        <a:defRPr sz="3600" kern="1200" cap="all">
+          <a:ln w="3175" cmpd="sng">
+            <a:noFill/>
+          </a:ln>
           <a:solidFill>
             <a:schemeClr val="tx1"/>
           </a:solidFill>
+          <a:effectLst/>
           <a:latin typeface="+mj-lt"/>
           <a:ea typeface="+mj-ea"/>
           <a:cs typeface="+mj-cs"/>
         </a:defRPr>
       </a:lvl1pPr>
+      <a:lvl2pPr eaLnBrk="1" hangingPunct="1">
+        <a:defRPr>
+          <a:solidFill>
+            <a:schemeClr val="tx2"/>
+          </a:solidFill>
+        </a:defRPr>
+      </a:lvl2pPr>
+      <a:lvl3pPr eaLnBrk="1" hangingPunct="1">
+        <a:defRPr>
+          <a:solidFill>
+            <a:schemeClr val="tx2"/>
+          </a:solidFill>
+        </a:defRPr>
+      </a:lvl3pPr>
+      <a:lvl4pPr eaLnBrk="1" hangingPunct="1">
+        <a:defRPr>
+          <a:solidFill>
+            <a:schemeClr val="tx2"/>
+          </a:solidFill>
+        </a:defRPr>
+      </a:lvl4pPr>
+      <a:lvl5pPr eaLnBrk="1" hangingPunct="1">
+        <a:defRPr>
+          <a:solidFill>
+            <a:schemeClr val="tx2"/>
+          </a:solidFill>
+        </a:defRPr>
+      </a:lvl5pPr>
+      <a:lvl6pPr eaLnBrk="1" hangingPunct="1">
+        <a:defRPr>
+          <a:solidFill>
+            <a:schemeClr val="tx2"/>
+          </a:solidFill>
+        </a:defRPr>
+      </a:lvl6pPr>
+      <a:lvl7pPr eaLnBrk="1" hangingPunct="1">
+        <a:defRPr>
+          <a:solidFill>
+            <a:schemeClr val="tx2"/>
+          </a:solidFill>
+        </a:defRPr>
+      </a:lvl7pPr>
+      <a:lvl8pPr eaLnBrk="1" hangingPunct="1">
+        <a:defRPr>
+          <a:solidFill>
+            <a:schemeClr val="tx2"/>
+          </a:solidFill>
+        </a:defRPr>
+      </a:lvl8pPr>
+      <a:lvl9pPr eaLnBrk="1" hangingPunct="1">
+        <a:defRPr>
+          <a:solidFill>
+            <a:schemeClr val="tx2"/>
+          </a:solidFill>
+        </a:defRPr>
+      </a:lvl9pPr>
     </p:titleStyle>
     <p:bodyStyle>
-      <a:lvl1pPr marL="228600" indent="-228600" algn="l" defTabSz="914400" rtl="0" eaLnBrk="1" latinLnBrk="0" hangingPunct="1">
-        <a:lnSpc>
-          <a:spcPct val="90000"/>
-        </a:lnSpc>
+      <a:lvl1pPr marL="285750" indent="-285750" algn="l" defTabSz="457200" rtl="0" eaLnBrk="1" latinLnBrk="0" hangingPunct="1">
         <a:spcBef>
-          <a:spcPts val="1000"/>
+          <a:spcPct val="20000"/>
         </a:spcBef>
-        <a:buFont typeface="Arial" panose="020B0604020202020204" pitchFamily="34" charset="0"/>
-        <a:buChar char="•"/>
-        <a:defRPr sz="2800" kern="1200">
+        <a:spcAft>
+          <a:spcPts val="600"/>
+        </a:spcAft>
+        <a:buClr>
+          <a:schemeClr val="tx1"/>
+        </a:buClr>
+        <a:buSzPct val="80000"/>
+        <a:buFont typeface="Wingdings 3" panose="05040102010807070707" pitchFamily="18" charset="2"/>
+        <a:buChar char=""/>
+        <a:defRPr sz="2000" kern="1200" cap="none">
           <a:solidFill>
-            <a:schemeClr val="tx1"/>
+            <a:schemeClr val="bg2">
+              <a:lumMod val="75000"/>
+            </a:schemeClr>
           </a:solidFill>
+          <a:effectLst/>
           <a:latin typeface="+mn-lt"/>
           <a:ea typeface="+mn-ea"/>
           <a:cs typeface="+mn-cs"/>
         </a:defRPr>
       </a:lvl1pPr>
-      <a:lvl2pPr marL="685800" indent="-228600" algn="l" defTabSz="914400" rtl="0" eaLnBrk="1" latinLnBrk="0" hangingPunct="1">
-        <a:lnSpc>
-          <a:spcPct val="90000"/>
-        </a:lnSpc>
+      <a:lvl2pPr marL="742950" indent="-285750" algn="l" defTabSz="457200" rtl="0" eaLnBrk="1" latinLnBrk="0" hangingPunct="1">
         <a:spcBef>
-          <a:spcPts val="500"/>
+          <a:spcPct val="20000"/>
         </a:spcBef>
-        <a:buFont typeface="Arial" panose="020B0604020202020204" pitchFamily="34" charset="0"/>
-        <a:buChar char="•"/>
-        <a:defRPr sz="2400" kern="1200">
+        <a:spcAft>
+          <a:spcPts val="600"/>
+        </a:spcAft>
+        <a:buClr>
+          <a:schemeClr val="tx1"/>
+        </a:buClr>
+        <a:buSzPct val="80000"/>
+        <a:buFont typeface="Wingdings 3" panose="05040102010807070707" pitchFamily="18" charset="2"/>
+        <a:buChar char=""/>
+        <a:defRPr sz="1800" kern="1200" cap="none">
           <a:solidFill>
-            <a:schemeClr val="tx1"/>
+            <a:schemeClr val="bg2">
+              <a:lumMod val="75000"/>
+            </a:schemeClr>
           </a:solidFill>
+          <a:effectLst/>
           <a:latin typeface="+mn-lt"/>
           <a:ea typeface="+mn-ea"/>
           <a:cs typeface="+mn-cs"/>
         </a:defRPr>
       </a:lvl2pPr>
-      <a:lvl3pPr marL="1143000" indent="-228600" algn="l" defTabSz="914400" rtl="0" eaLnBrk="1" latinLnBrk="0" hangingPunct="1">
-        <a:lnSpc>
-          <a:spcPct val="90000"/>
-        </a:lnSpc>
+      <a:lvl3pPr marL="1200150" indent="-285750" algn="l" defTabSz="457200" rtl="0" eaLnBrk="1" latinLnBrk="0" hangingPunct="1">
         <a:spcBef>
-          <a:spcPts val="500"/>
+          <a:spcPct val="20000"/>
         </a:spcBef>
-        <a:buFont typeface="Arial" panose="020B0604020202020204" pitchFamily="34" charset="0"/>
-        <a:buChar char="•"/>
-        <a:defRPr sz="2000" kern="1200">
+        <a:spcAft>
+          <a:spcPts val="600"/>
+        </a:spcAft>
+        <a:buClr>
+          <a:schemeClr val="tx1"/>
+        </a:buClr>
+        <a:buSzPct val="80000"/>
+        <a:buFont typeface="Wingdings 3" panose="05040102010807070707" pitchFamily="18" charset="2"/>
+        <a:buChar char=""/>
+        <a:defRPr sz="1600" kern="1200" cap="none">
           <a:solidFill>
-            <a:schemeClr val="tx1"/>
+            <a:schemeClr val="bg2">
+              <a:lumMod val="75000"/>
+            </a:schemeClr>
           </a:solidFill>
+          <a:effectLst/>
           <a:latin typeface="+mn-lt"/>
           <a:ea typeface="+mn-ea"/>
           <a:cs typeface="+mn-cs"/>
         </a:defRPr>
       </a:lvl3pPr>
-      <a:lvl4pPr marL="1600200" indent="-228600" algn="l" defTabSz="914400" rtl="0" eaLnBrk="1" latinLnBrk="0" hangingPunct="1">
-        <a:lnSpc>
-          <a:spcPct val="90000"/>
-        </a:lnSpc>
+      <a:lvl4pPr marL="1543050" indent="-171450" algn="l" defTabSz="457200" rtl="0" eaLnBrk="1" latinLnBrk="0" hangingPunct="1">
         <a:spcBef>
-          <a:spcPts val="500"/>
+          <a:spcPct val="20000"/>
         </a:spcBef>
-        <a:buFont typeface="Arial" panose="020B0604020202020204" pitchFamily="34" charset="0"/>
-        <a:buChar char="•"/>
-        <a:defRPr sz="1800" kern="1200">
+        <a:spcAft>
+          <a:spcPts val="600"/>
+        </a:spcAft>
+        <a:buClr>
+          <a:schemeClr val="tx1"/>
+        </a:buClr>
+        <a:buSzPct val="80000"/>
+        <a:buFont typeface="Wingdings 3" panose="05040102010807070707" pitchFamily="18" charset="2"/>
+        <a:buChar char=""/>
+        <a:defRPr sz="1400" kern="1200" cap="none">
           <a:solidFill>
-            <a:schemeClr val="tx1"/>
+            <a:schemeClr val="bg2">
+              <a:lumMod val="75000"/>
+            </a:schemeClr>
           </a:solidFill>
+          <a:effectLst/>
           <a:latin typeface="+mn-lt"/>
           <a:ea typeface="+mn-ea"/>
           <a:cs typeface="+mn-cs"/>
         </a:defRPr>
       </a:lvl4pPr>
-      <a:lvl5pPr marL="2057400" indent="-228600" algn="l" defTabSz="914400" rtl="0" eaLnBrk="1" latinLnBrk="0" hangingPunct="1">
-        <a:lnSpc>
-          <a:spcPct val="90000"/>
-        </a:lnSpc>
+      <a:lvl5pPr marL="2000250" indent="-171450" algn="l" defTabSz="457200" rtl="0" eaLnBrk="1" latinLnBrk="0" hangingPunct="1">
         <a:spcBef>
-          <a:spcPts val="500"/>
+          <a:spcPct val="20000"/>
         </a:spcBef>
-        <a:buFont typeface="Arial" panose="020B0604020202020204" pitchFamily="34" charset="0"/>
-        <a:buChar char="•"/>
-        <a:defRPr sz="1800" kern="1200">
+        <a:spcAft>
+          <a:spcPts val="600"/>
+        </a:spcAft>
+        <a:buClr>
+          <a:schemeClr val="tx1"/>
+        </a:buClr>
+        <a:buSzPct val="80000"/>
+        <a:buFont typeface="Wingdings 3" panose="05040102010807070707" pitchFamily="18" charset="2"/>
+        <a:buChar char=""/>
+        <a:defRPr sz="1400" kern="1200" cap="none">
           <a:solidFill>
-            <a:schemeClr val="tx1"/>
+            <a:schemeClr val="bg2">
+              <a:lumMod val="75000"/>
+            </a:schemeClr>
           </a:solidFill>
+          <a:effectLst/>
           <a:latin typeface="+mn-lt"/>
           <a:ea typeface="+mn-ea"/>
           <a:cs typeface="+mn-cs"/>
         </a:defRPr>
       </a:lvl5pPr>
-      <a:lvl6pPr marL="2514600" indent="-228600" algn="l" defTabSz="914400" rtl="0" eaLnBrk="1" latinLnBrk="0" hangingPunct="1">
-        <a:lnSpc>
-          <a:spcPct val="90000"/>
-        </a:lnSpc>
+      <a:lvl6pPr marL="2514600" indent="-228600" algn="l" defTabSz="457200" rtl="0" eaLnBrk="1" latinLnBrk="0" hangingPunct="1">
         <a:spcBef>
-          <a:spcPts val="500"/>
+          <a:spcPct val="20000"/>
         </a:spcBef>
-        <a:buFont typeface="Arial" panose="020B0604020202020204" pitchFamily="34" charset="0"/>
-        <a:buChar char="•"/>
-        <a:defRPr sz="1800" kern="1200">
+        <a:spcAft>
+          <a:spcPts val="600"/>
+        </a:spcAft>
+        <a:buClr>
+          <a:schemeClr val="tx1"/>
+        </a:buClr>
+        <a:buSzPct val="80000"/>
+        <a:buFont typeface="Wingdings 3" panose="05040102010807070707" pitchFamily="18" charset="2"/>
+        <a:buChar char=""/>
+        <a:defRPr sz="1400" kern="1200" cap="none">
           <a:solidFill>
-            <a:schemeClr val="tx1"/>
+            <a:schemeClr val="bg2">
+              <a:lumMod val="75000"/>
+            </a:schemeClr>
           </a:solidFill>
+          <a:effectLst/>
           <a:latin typeface="+mn-lt"/>
           <a:ea typeface="+mn-ea"/>
           <a:cs typeface="+mn-cs"/>
         </a:defRPr>
       </a:lvl6pPr>
-      <a:lvl7pPr marL="2971800" indent="-228600" algn="l" defTabSz="914400" rtl="0" eaLnBrk="1" latinLnBrk="0" hangingPunct="1">
-        <a:lnSpc>
-          <a:spcPct val="90000"/>
-        </a:lnSpc>
+      <a:lvl7pPr marL="2971800" indent="-228600" algn="l" defTabSz="457200" rtl="0" eaLnBrk="1" latinLnBrk="0" hangingPunct="1">
         <a:spcBef>
-          <a:spcPts val="500"/>
+          <a:spcPct val="20000"/>
         </a:spcBef>
-        <a:buFont typeface="Arial" panose="020B0604020202020204" pitchFamily="34" charset="0"/>
-        <a:buChar char="•"/>
-        <a:defRPr sz="1800" kern="1200">
+        <a:spcAft>
+          <a:spcPts val="600"/>
+        </a:spcAft>
+        <a:buClr>
+          <a:schemeClr val="tx1"/>
+        </a:buClr>
+        <a:buSzPct val="80000"/>
+        <a:buFont typeface="Wingdings 3" panose="05040102010807070707" pitchFamily="18" charset="2"/>
+        <a:buChar char=""/>
+        <a:defRPr sz="1400" kern="1200" cap="none">
           <a:solidFill>
-            <a:schemeClr val="tx1"/>
+            <a:schemeClr val="bg2">
+              <a:lumMod val="75000"/>
+            </a:schemeClr>
           </a:solidFill>
+          <a:effectLst/>
           <a:latin typeface="+mn-lt"/>
           <a:ea typeface="+mn-ea"/>
           <a:cs typeface="+mn-cs"/>
         </a:defRPr>
       </a:lvl7pPr>
-      <a:lvl8pPr marL="3429000" indent="-228600" algn="l" defTabSz="914400" rtl="0" eaLnBrk="1" latinLnBrk="0" hangingPunct="1">
-        <a:lnSpc>
-          <a:spcPct val="90000"/>
-        </a:lnSpc>
+      <a:lvl8pPr marL="3429000" indent="-228600" algn="l" defTabSz="457200" rtl="0" eaLnBrk="1" latinLnBrk="0" hangingPunct="1">
         <a:spcBef>
-          <a:spcPts val="500"/>
+          <a:spcPct val="20000"/>
         </a:spcBef>
-        <a:buFont typeface="Arial" panose="020B0604020202020204" pitchFamily="34" charset="0"/>
-        <a:buChar char="•"/>
-        <a:defRPr sz="1800" kern="1200">
+        <a:spcAft>
+          <a:spcPts val="600"/>
+        </a:spcAft>
+        <a:buClr>
+          <a:schemeClr val="tx1"/>
+        </a:buClr>
+        <a:buSzPct val="80000"/>
+        <a:buFont typeface="Wingdings 3" panose="05040102010807070707" pitchFamily="18" charset="2"/>
+        <a:buChar char=""/>
+        <a:defRPr sz="1400" kern="1200" cap="none">
           <a:solidFill>
-            <a:schemeClr val="tx1"/>
+            <a:schemeClr val="bg2">
+              <a:lumMod val="75000"/>
+            </a:schemeClr>
           </a:solidFill>
+          <a:effectLst/>
           <a:latin typeface="+mn-lt"/>
           <a:ea typeface="+mn-ea"/>
           <a:cs typeface="+mn-cs"/>
         </a:defRPr>
       </a:lvl8pPr>
-      <a:lvl9pPr marL="3886200" indent="-228600" algn="l" defTabSz="914400" rtl="0" eaLnBrk="1" latinLnBrk="0" hangingPunct="1">
-        <a:lnSpc>
-          <a:spcPct val="90000"/>
-        </a:lnSpc>
+      <a:lvl9pPr marL="3886200" indent="-228600" algn="l" defTabSz="457200" rtl="0" eaLnBrk="1" latinLnBrk="0" hangingPunct="1">
         <a:spcBef>
-          <a:spcPts val="500"/>
+          <a:spcPct val="20000"/>
         </a:spcBef>
-        <a:buFont typeface="Arial" panose="020B0604020202020204" pitchFamily="34" charset="0"/>
-        <a:buChar char="•"/>
-        <a:defRPr sz="1800" kern="1200">
+        <a:spcAft>
+          <a:spcPts val="600"/>
+        </a:spcAft>
+        <a:buClr>
+          <a:schemeClr val="tx1"/>
+        </a:buClr>
+        <a:buSzPct val="80000"/>
+        <a:buFont typeface="Wingdings 3" panose="05040102010807070707" pitchFamily="18" charset="2"/>
+        <a:buChar char=""/>
+        <a:defRPr sz="1400" kern="1200" cap="none">
           <a:solidFill>
-            <a:schemeClr val="tx1"/>
+            <a:schemeClr val="bg2">
+              <a:lumMod val="75000"/>
+            </a:schemeClr>
           </a:solidFill>
+          <a:effectLst/>
           <a:latin typeface="+mn-lt"/>
           <a:ea typeface="+mn-ea"/>
           <a:cs typeface="+mn-cs"/>
@@ -3230,7 +5256,7 @@
       <a:defPPr>
         <a:defRPr lang="en-US"/>
       </a:defPPr>
-      <a:lvl1pPr marL="0" algn="l" defTabSz="914400" rtl="0" eaLnBrk="1" latinLnBrk="0" hangingPunct="1">
+      <a:lvl1pPr marL="0" algn="l" defTabSz="457200" rtl="0" eaLnBrk="1" latinLnBrk="0" hangingPunct="1">
         <a:defRPr sz="1800" kern="1200">
           <a:solidFill>
             <a:schemeClr val="tx1"/>
@@ -3240,7 +5266,7 @@
           <a:cs typeface="+mn-cs"/>
         </a:defRPr>
       </a:lvl1pPr>
-      <a:lvl2pPr marL="457200" algn="l" defTabSz="914400" rtl="0" eaLnBrk="1" latinLnBrk="0" hangingPunct="1">
+      <a:lvl2pPr marL="457200" algn="l" defTabSz="457200" rtl="0" eaLnBrk="1" latinLnBrk="0" hangingPunct="1">
         <a:defRPr sz="1800" kern="1200">
           <a:solidFill>
             <a:schemeClr val="tx1"/>
@@ -3250,7 +5276,7 @@
           <a:cs typeface="+mn-cs"/>
         </a:defRPr>
       </a:lvl2pPr>
-      <a:lvl3pPr marL="914400" algn="l" defTabSz="914400" rtl="0" eaLnBrk="1" latinLnBrk="0" hangingPunct="1">
+      <a:lvl3pPr marL="914400" algn="l" defTabSz="457200" rtl="0" eaLnBrk="1" latinLnBrk="0" hangingPunct="1">
         <a:defRPr sz="1800" kern="1200">
           <a:solidFill>
             <a:schemeClr val="tx1"/>
@@ -3260,7 +5286,7 @@
           <a:cs typeface="+mn-cs"/>
         </a:defRPr>
       </a:lvl3pPr>
-      <a:lvl4pPr marL="1371600" algn="l" defTabSz="914400" rtl="0" eaLnBrk="1" latinLnBrk="0" hangingPunct="1">
+      <a:lvl4pPr marL="1371600" algn="l" defTabSz="457200" rtl="0" eaLnBrk="1" latinLnBrk="0" hangingPunct="1">
         <a:defRPr sz="1800" kern="1200">
           <a:solidFill>
             <a:schemeClr val="tx1"/>
@@ -3270,7 +5296,7 @@
           <a:cs typeface="+mn-cs"/>
         </a:defRPr>
       </a:lvl4pPr>
-      <a:lvl5pPr marL="1828800" algn="l" defTabSz="914400" rtl="0" eaLnBrk="1" latinLnBrk="0" hangingPunct="1">
+      <a:lvl5pPr marL="1828800" algn="l" defTabSz="457200" rtl="0" eaLnBrk="1" latinLnBrk="0" hangingPunct="1">
         <a:defRPr sz="1800" kern="1200">
           <a:solidFill>
             <a:schemeClr val="tx1"/>
@@ -3280,7 +5306,7 @@
           <a:cs typeface="+mn-cs"/>
         </a:defRPr>
       </a:lvl5pPr>
-      <a:lvl6pPr marL="2286000" algn="l" defTabSz="914400" rtl="0" eaLnBrk="1" latinLnBrk="0" hangingPunct="1">
+      <a:lvl6pPr marL="2286000" algn="l" defTabSz="457200" rtl="0" eaLnBrk="1" latinLnBrk="0" hangingPunct="1">
         <a:defRPr sz="1800" kern="1200">
           <a:solidFill>
             <a:schemeClr val="tx1"/>
@@ -3290,7 +5316,7 @@
           <a:cs typeface="+mn-cs"/>
         </a:defRPr>
       </a:lvl6pPr>
-      <a:lvl7pPr marL="2743200" algn="l" defTabSz="914400" rtl="0" eaLnBrk="1" latinLnBrk="0" hangingPunct="1">
+      <a:lvl7pPr marL="2743200" algn="l" defTabSz="457200" rtl="0" eaLnBrk="1" latinLnBrk="0" hangingPunct="1">
         <a:defRPr sz="1800" kern="1200">
           <a:solidFill>
             <a:schemeClr val="tx1"/>
@@ -3300,7 +5326,7 @@
           <a:cs typeface="+mn-cs"/>
         </a:defRPr>
       </a:lvl7pPr>
-      <a:lvl8pPr marL="3200400" algn="l" defTabSz="914400" rtl="0" eaLnBrk="1" latinLnBrk="0" hangingPunct="1">
+      <a:lvl8pPr marL="3200400" algn="l" defTabSz="457200" rtl="0" eaLnBrk="1" latinLnBrk="0" hangingPunct="1">
         <a:defRPr sz="1800" kern="1200">
           <a:solidFill>
             <a:schemeClr val="tx1"/>
@@ -3310,7 +5336,7 @@
           <a:cs typeface="+mn-cs"/>
         </a:defRPr>
       </a:lvl8pPr>
-      <a:lvl9pPr marL="3657600" algn="l" defTabSz="914400" rtl="0" eaLnBrk="1" latinLnBrk="0" hangingPunct="1">
+      <a:lvl9pPr marL="3657600" algn="l" defTabSz="457200" rtl="0" eaLnBrk="1" latinLnBrk="0" hangingPunct="1">
         <a:defRPr sz="1800" kern="1200">
           <a:solidFill>
             <a:schemeClr val="tx1"/>
@@ -3328,20 +5354,6 @@
 <file path=ppt/slides/slide1.xml><?xml version="1.0" encoding="utf-8"?>
 <p:sld xmlns:a="http://schemas.openxmlformats.org/drawingml/2006/main" xmlns:r="http://schemas.openxmlformats.org/officeDocument/2006/relationships" xmlns:p="http://schemas.openxmlformats.org/presentationml/2006/main">
   <p:cSld>
-    <p:bg>
-      <p:bgPr>
-        <a:blipFill dpi="0" rotWithShape="1">
-          <a:blip r:embed="rId2">
-            <a:lum/>
-          </a:blip>
-          <a:srcRect/>
-          <a:stretch>
-            <a:fillRect/>
-          </a:stretch>
-        </a:blipFill>
-        <a:effectLst/>
-      </p:bgPr>
-    </p:bg>
     <p:spTree>
       <p:nvGrpSpPr>
         <p:cNvPr id="1" name=""/>
@@ -3374,18 +5386,65 @@
         </p:nvSpPr>
         <p:spPr>
           <a:xfrm>
-            <a:off x="885630" y="74029"/>
-            <a:ext cx="10420739" cy="1325563"/>
+            <a:off x="510073" y="216805"/>
+            <a:ext cx="11171853" cy="1219199"/>
           </a:xfrm>
         </p:spPr>
         <p:txBody>
-          <a:bodyPr/>
-          <a:lstStyle/>
-          <a:p>
-            <a:r>
-              <a:rPr lang="en-CA" dirty="0"/>
+          <a:bodyPr>
+            <a:normAutofit/>
+          </a:bodyPr>
+          <a:lstStyle/>
+          <a:p>
+            <a:pPr algn="ctr"/>
+            <a:r>
+              <a:rPr lang="en-CA" b="1" dirty="0">
+                <a:effectLst>
+                  <a:glow rad="139700">
+                    <a:schemeClr val="tx1">
+                      <a:lumMod val="50000"/>
+                      <a:alpha val="40000"/>
+                    </a:schemeClr>
+                  </a:glow>
+                </a:effectLst>
+              </a:rPr>
               <a:t>Magnetosphere Online Seminar Series</a:t>
             </a:r>
+            <a:br>
+              <a:rPr lang="en-CA" dirty="0">
+                <a:effectLst>
+                  <a:glow rad="139700">
+                    <a:schemeClr val="tx1">
+                      <a:lumMod val="50000"/>
+                      <a:alpha val="40000"/>
+                    </a:schemeClr>
+                  </a:glow>
+                </a:effectLst>
+              </a:rPr>
+            </a:br>
+            <a:r>
+              <a:rPr lang="en-CA" sz="1800" dirty="0">
+                <a:effectLst>
+                  <a:glow rad="139700">
+                    <a:schemeClr val="tx1">
+                      <a:lumMod val="50000"/>
+                      <a:alpha val="40000"/>
+                    </a:schemeClr>
+                  </a:glow>
+                </a:effectLst>
+              </a:rPr>
+              <a:t>technical difficulties? Email: magnetosphere.seminars@gmail.com</a:t>
+            </a:r>
+            <a:endParaRPr lang="en-CA" dirty="0">
+              <a:effectLst>
+                <a:glow rad="139700">
+                  <a:schemeClr val="tx1">
+                    <a:lumMod val="50000"/>
+                    <a:alpha val="40000"/>
+                  </a:schemeClr>
+                </a:glow>
+              </a:effectLst>
+            </a:endParaRPr>
           </a:p>
         </p:txBody>
       </p:sp>
@@ -3407,8 +5466,8 @@
         </p:nvSpPr>
         <p:spPr>
           <a:xfrm>
-            <a:off x="4292082" y="1219200"/>
-            <a:ext cx="7389845" cy="5264645"/>
+            <a:off x="1013492" y="1554430"/>
+            <a:ext cx="10165015" cy="5005859"/>
           </a:xfrm>
         </p:spPr>
         <p:txBody>
@@ -3418,8 +5477,12 @@
           <a:lstStyle/>
           <a:p>
             <a:r>
-              <a:rPr lang="en-CA" sz="3200" dirty="0"/>
-              <a:t>Please note that this presentation and the question/answer period will be </a:t>
+              <a:rPr lang="en-CA" sz="3200" b="1" dirty="0">
+                <a:solidFill>
+                  <a:schemeClr val="tx1"/>
+                </a:solidFill>
+              </a:rPr>
+              <a:t>This presentation and the question and answer period will be </a:t>
             </a:r>
             <a:r>
               <a:rPr lang="en-CA" sz="3200" b="1" dirty="0">
@@ -3430,127 +5493,85 @@
               <a:t>recorded</a:t>
             </a:r>
             <a:r>
-              <a:rPr lang="en-CA" sz="3200" dirty="0"/>
+              <a:rPr lang="en-CA" sz="3200" b="1" dirty="0">
+                <a:solidFill>
+                  <a:schemeClr val="tx1"/>
+                </a:solidFill>
+              </a:rPr>
               <a:t> and posted online.</a:t>
             </a:r>
           </a:p>
           <a:p>
             <a:r>
-              <a:rPr lang="en-CA" sz="3200" dirty="0"/>
-              <a:t>All participants, except for the speaker, will be muted. </a:t>
-            </a:r>
-          </a:p>
-          <a:p>
-            <a:r>
-              <a:rPr lang="en-CA" sz="3200" dirty="0"/>
+              <a:rPr lang="en-CA" sz="3200" b="1" dirty="0">
+                <a:solidFill>
+                  <a:schemeClr val="tx1"/>
+                </a:solidFill>
+              </a:rPr>
               <a:t>Questions can be asked in the chat or at the end of the talk.</a:t>
             </a:r>
           </a:p>
           <a:p>
             <a:r>
-              <a:rPr lang="en-CA" sz="3200" dirty="0"/>
-              <a:t>Enjoy!</a:t>
-            </a:r>
-          </a:p>
-          <a:p>
-            <a:pPr marL="0" indent="0">
+              <a:rPr lang="en-CA" sz="3200" b="1" dirty="0">
+                <a:solidFill>
+                  <a:schemeClr val="tx1"/>
+                </a:solidFill>
+              </a:rPr>
+              <a:t>Be sure to have the latest version of Zoom</a:t>
+            </a:r>
+          </a:p>
+          <a:p>
+            <a:r>
+              <a:rPr lang="en-CA" sz="3200" b="1" dirty="0">
+                <a:solidFill>
+                  <a:schemeClr val="tx1"/>
+                </a:solidFill>
+              </a:rPr>
+              <a:t>Suggestions for topics/speakers? </a:t>
+            </a:r>
+          </a:p>
+          <a:p>
+            <a:pPr marL="457200" lvl="1" indent="0">
               <a:buNone/>
             </a:pPr>
             <a:r>
-              <a:rPr lang="en-CA" dirty="0"/>
-              <a:t>website: https://msolss.github.io/MagSeminars/</a:t>
-            </a:r>
-          </a:p>
-          <a:p>
-            <a:pPr marL="0" indent="0">
+              <a:rPr lang="en-CA" sz="2800" b="1" dirty="0">
+                <a:solidFill>
+                  <a:schemeClr val="tx1"/>
+                </a:solidFill>
+              </a:rPr>
+              <a:t>Contact us at:</a:t>
+            </a:r>
+          </a:p>
+          <a:p>
+            <a:pPr marL="457200" lvl="1" indent="0">
               <a:buNone/>
             </a:pPr>
             <a:r>
-              <a:rPr lang="en-CA" dirty="0"/>
-              <a:t>contact: magnetosphere.seminars@gmail.com</a:t>
-            </a:r>
-          </a:p>
-        </p:txBody>
-      </p:sp>
-      <p:pic>
-        <p:nvPicPr>
-          <p:cNvPr id="6" name="Picture 5" descr="A close up of a logo&#10;&#10;Description automatically generated">
-            <a:extLst>
-              <a:ext uri="{FF2B5EF4-FFF2-40B4-BE49-F238E27FC236}">
-                <a16:creationId xmlns:a16="http://schemas.microsoft.com/office/drawing/2014/main" id="{8AAB573D-1D40-4568-BEE7-F4B0E10A97BC}"/>
-              </a:ext>
-            </a:extLst>
-          </p:cNvPr>
-          <p:cNvPicPr>
-            <a:picLocks noChangeAspect="1"/>
-          </p:cNvPicPr>
-          <p:nvPr/>
-        </p:nvPicPr>
-        <p:blipFill>
-          <a:blip r:embed="rId3">
-            <a:extLst>
-              <a:ext uri="{28A0092B-C50C-407E-A947-70E740481C1C}">
-                <a14:useLocalDpi xmlns:a14="http://schemas.microsoft.com/office/drawing/2010/main" val="0"/>
-              </a:ext>
-            </a:extLst>
-          </a:blip>
-          <a:stretch>
-            <a:fillRect/>
-          </a:stretch>
-        </p:blipFill>
-        <p:spPr>
-          <a:xfrm>
-            <a:off x="2273179" y="5534541"/>
-            <a:ext cx="1522743" cy="648012"/>
-          </a:xfrm>
-          <a:prstGeom prst="rect">
-            <a:avLst/>
-          </a:prstGeom>
-          <a:effectLst>
-            <a:glow rad="139700">
-              <a:schemeClr val="tx1">
-                <a:alpha val="60000"/>
-              </a:schemeClr>
-            </a:glow>
-          </a:effectLst>
-        </p:spPr>
-      </p:pic>
-      <p:pic>
-        <p:nvPicPr>
-          <p:cNvPr id="9" name="Picture 8" descr="A drawing of a cartoon character&#10;&#10;Description automatically generated">
-            <a:extLst>
-              <a:ext uri="{FF2B5EF4-FFF2-40B4-BE49-F238E27FC236}">
-                <a16:creationId xmlns:a16="http://schemas.microsoft.com/office/drawing/2014/main" id="{C6BE557D-F2E7-4C54-BAFE-E5B8B201D850}"/>
-              </a:ext>
-            </a:extLst>
-          </p:cNvPr>
-          <p:cNvPicPr>
-            <a:picLocks noChangeAspect="1"/>
-          </p:cNvPicPr>
-          <p:nvPr/>
-        </p:nvPicPr>
-        <p:blipFill>
-          <a:blip r:embed="rId4">
-            <a:extLst>
-              <a:ext uri="{28A0092B-C50C-407E-A947-70E740481C1C}">
-                <a14:useLocalDpi xmlns:a14="http://schemas.microsoft.com/office/drawing/2010/main" val="0"/>
-              </a:ext>
-            </a:extLst>
-          </a:blip>
-          <a:stretch>
-            <a:fillRect/>
-          </a:stretch>
-        </p:blipFill>
-        <p:spPr>
-          <a:xfrm>
-            <a:off x="510073" y="5233248"/>
-            <a:ext cx="1266946" cy="1250598"/>
-          </a:xfrm>
-          <a:prstGeom prst="rect">
-            <a:avLst/>
-          </a:prstGeom>
-        </p:spPr>
-      </p:pic>
+              <a:rPr lang="en-CA" dirty="0">
+                <a:solidFill>
+                  <a:schemeClr val="tx1"/>
+                </a:solidFill>
+              </a:rPr>
+              <a:t>https://msolss.github.io/MagSeminars/</a:t>
+            </a:r>
+          </a:p>
+          <a:p>
+            <a:pPr marL="457200" lvl="1" indent="0">
+              <a:buNone/>
+            </a:pPr>
+            <a:r>
+              <a:rPr lang="en-CA" dirty="0">
+                <a:solidFill>
+                  <a:schemeClr val="tx1"/>
+                </a:solidFill>
+              </a:rPr>
+              <a:t>magnetosphere.seminars@gmail.com</a:t>
+            </a:r>
+          </a:p>
+        </p:txBody>
+      </p:sp>
     </p:spTree>
     <p:extLst>
       <p:ext uri="{BB962C8B-B14F-4D97-AF65-F5344CB8AC3E}">
@@ -3565,9 +5586,9 @@
 </file>
 
 <file path=ppt/theme/theme1.xml><?xml version="1.0" encoding="utf-8"?>
-<a:theme xmlns:a="http://schemas.openxmlformats.org/drawingml/2006/main" name="Office Theme">
+<a:theme xmlns:a="http://schemas.openxmlformats.org/drawingml/2006/main" name="Slice">
   <a:themeElements>
-    <a:clrScheme name="Yellow">
+    <a:clrScheme name="Slice">
       <a:dk1>
         <a:sysClr val="windowText" lastClr="000000"/>
       </a:dk1>
@@ -3575,49 +5596,109 @@
         <a:sysClr val="window" lastClr="FFFFFF"/>
       </a:lt1>
       <a:dk2>
-        <a:srgbClr val="39302A"/>
+        <a:srgbClr val="146194"/>
       </a:dk2>
       <a:lt2>
-        <a:srgbClr val="E5DEDB"/>
+        <a:srgbClr val="76DBF4"/>
       </a:lt2>
       <a:accent1>
-        <a:srgbClr val="FFCA08"/>
+        <a:srgbClr val="052F61"/>
       </a:accent1>
       <a:accent2>
-        <a:srgbClr val="F8931D"/>
+        <a:srgbClr val="A50E82"/>
       </a:accent2>
       <a:accent3>
-        <a:srgbClr val="CE8D3E"/>
+        <a:srgbClr val="14967C"/>
       </a:accent3>
       <a:accent4>
-        <a:srgbClr val="EC7016"/>
+        <a:srgbClr val="6A9E1F"/>
       </a:accent4>
       <a:accent5>
-        <a:srgbClr val="E64823"/>
+        <a:srgbClr val="E87D37"/>
       </a:accent5>
       <a:accent6>
-        <a:srgbClr val="9C6A6A"/>
+        <a:srgbClr val="C62324"/>
       </a:accent6>
       <a:hlink>
-        <a:srgbClr val="2998E3"/>
+        <a:srgbClr val="0D2E46"/>
       </a:hlink>
       <a:folHlink>
-        <a:srgbClr val="7F723D"/>
+        <a:srgbClr val="356A95"/>
       </a:folHlink>
     </a:clrScheme>
-    <a:fontScheme name="Custom 1">
+    <a:fontScheme name="Slice">
       <a:majorFont>
-        <a:latin typeface="Gill Sans MT"/>
+        <a:latin typeface="Century Gothic" panose="020B0502020202020204"/>
         <a:ea typeface=""/>
         <a:cs typeface=""/>
+        <a:font script="Jpan" typeface="メイリオ"/>
+        <a:font script="Hang" typeface="HY중고딕"/>
+        <a:font script="Hans" typeface="幼圆"/>
+        <a:font script="Hant" typeface="微軟正黑體"/>
+        <a:font script="Arab" typeface="Tahoma"/>
+        <a:font script="Hebr" typeface="Gisha"/>
+        <a:font script="Thai" typeface="DilleniaUPC"/>
+        <a:font script="Ethi" typeface="Nyala"/>
+        <a:font script="Beng" typeface="Vrinda"/>
+        <a:font script="Gujr" typeface="Shruti"/>
+        <a:font script="Khmr" typeface="DaunPenh"/>
+        <a:font script="Knda" typeface="Tunga"/>
+        <a:font script="Guru" typeface="Raavi"/>
+        <a:font script="Cans" typeface="Euphemia"/>
+        <a:font script="Cher" typeface="Plantagenet Cherokee"/>
+        <a:font script="Yiii" typeface="Microsoft Yi Baiti"/>
+        <a:font script="Tibt" typeface="Microsoft Himalaya"/>
+        <a:font script="Thaa" typeface="MV Boli"/>
+        <a:font script="Deva" typeface="Mangal"/>
+        <a:font script="Telu" typeface="Gautami"/>
+        <a:font script="Taml" typeface="Latha"/>
+        <a:font script="Syrc" typeface="Estrangelo Edessa"/>
+        <a:font script="Orya" typeface="Kalinga"/>
+        <a:font script="Mlym" typeface="Kartika"/>
+        <a:font script="Laoo" typeface="DokChampa"/>
+        <a:font script="Sinh" typeface="Iskoola Pota"/>
+        <a:font script="Mong" typeface="Mongolian Baiti"/>
+        <a:font script="Viet" typeface="Tahoma"/>
+        <a:font script="Uigh" typeface="Microsoft Uighur"/>
+        <a:font script="Geor" typeface="Sylfaen"/>
       </a:majorFont>
       <a:minorFont>
-        <a:latin typeface="Gill Sans MT"/>
+        <a:latin typeface="Century Gothic" panose="020B0502020202020204"/>
         <a:ea typeface=""/>
         <a:cs typeface=""/>
+        <a:font script="Jpan" typeface="メイリオ"/>
+        <a:font script="Hang" typeface="HY중고딕"/>
+        <a:font script="Hans" typeface="幼圆"/>
+        <a:font script="Hant" typeface="微軟正黑體"/>
+        <a:font script="Arab" typeface="Tahoma"/>
+        <a:font script="Hebr" typeface="Gisha"/>
+        <a:font script="Thai" typeface="DilleniaUPC"/>
+        <a:font script="Ethi" typeface="Nyala"/>
+        <a:font script="Beng" typeface="Vrinda"/>
+        <a:font script="Gujr" typeface="Shruti"/>
+        <a:font script="Khmr" typeface="DaunPenh"/>
+        <a:font script="Knda" typeface="Tunga"/>
+        <a:font script="Guru" typeface="Raavi"/>
+        <a:font script="Cans" typeface="Euphemia"/>
+        <a:font script="Cher" typeface="Plantagenet Cherokee"/>
+        <a:font script="Yiii" typeface="Microsoft Yi Baiti"/>
+        <a:font script="Tibt" typeface="Microsoft Himalaya"/>
+        <a:font script="Thaa" typeface="MV Boli"/>
+        <a:font script="Deva" typeface="Mangal"/>
+        <a:font script="Telu" typeface="Gautami"/>
+        <a:font script="Taml" typeface="Latha"/>
+        <a:font script="Syrc" typeface="Estrangelo Edessa"/>
+        <a:font script="Orya" typeface="Kalinga"/>
+        <a:font script="Mlym" typeface="Kartika"/>
+        <a:font script="Laoo" typeface="DokChampa"/>
+        <a:font script="Sinh" typeface="Iskoola Pota"/>
+        <a:font script="Mong" typeface="Mongolian Baiti"/>
+        <a:font script="Viet" typeface="Tahoma"/>
+        <a:font script="Uigh" typeface="Microsoft Uighur"/>
+        <a:font script="Geor" typeface="Sylfaen"/>
       </a:minorFont>
     </a:fontScheme>
-    <a:fmtScheme name="Office">
+    <a:fmtScheme name="Slice">
       <a:fillStyleLst>
         <a:solidFill>
           <a:schemeClr val="phClr"/>
@@ -3626,23 +5707,16 @@
           <a:gsLst>
             <a:gs pos="0">
               <a:schemeClr val="phClr">
+                <a:tint val="62000"/>
+                <a:hueMod val="94000"/>
+                <a:satMod val="140000"/>
                 <a:lumMod val="110000"/>
-                <a:satMod val="105000"/>
-                <a:tint val="67000"/>
-              </a:schemeClr>
-            </a:gs>
-            <a:gs pos="50000">
-              <a:schemeClr val="phClr">
-                <a:lumMod val="105000"/>
-                <a:satMod val="103000"/>
-                <a:tint val="73000"/>
               </a:schemeClr>
             </a:gs>
             <a:gs pos="100000">
               <a:schemeClr val="phClr">
-                <a:lumMod val="105000"/>
-                <a:satMod val="109000"/>
-                <a:tint val="81000"/>
+                <a:tint val="84000"/>
+                <a:satMod val="160000"/>
               </a:schemeClr>
             </a:gs>
           </a:gsLst>
@@ -3652,23 +5726,16 @@
           <a:gsLst>
             <a:gs pos="0">
               <a:schemeClr val="phClr">
-                <a:satMod val="103000"/>
-                <a:lumMod val="102000"/>
-                <a:tint val="94000"/>
-              </a:schemeClr>
-            </a:gs>
-            <a:gs pos="50000">
-              <a:schemeClr val="phClr">
-                <a:satMod val="110000"/>
-                <a:lumMod val="100000"/>
-                <a:shade val="100000"/>
+                <a:tint val="98000"/>
+                <a:hueMod val="94000"/>
+                <a:satMod val="130000"/>
+                <a:lumMod val="128000"/>
               </a:schemeClr>
             </a:gs>
             <a:gs pos="100000">
               <a:schemeClr val="phClr">
-                <a:lumMod val="99000"/>
-                <a:satMod val="120000"/>
-                <a:shade val="78000"/>
+                <a:shade val="94000"/>
+                <a:lumMod val="88000"/>
               </a:schemeClr>
             </a:gs>
           </a:gsLst>
@@ -3676,26 +5743,29 @@
         </a:gradFill>
       </a:fillStyleLst>
       <a:lnStyleLst>
-        <a:ln w="6350" cap="flat" cmpd="sng" algn="ctr">
+        <a:ln w="9525" cap="rnd" cmpd="sng" algn="ctr">
+          <a:solidFill>
+            <a:schemeClr val="phClr">
+              <a:tint val="76000"/>
+              <a:alpha val="60000"/>
+              <a:hueMod val="94000"/>
+            </a:schemeClr>
+          </a:solidFill>
+          <a:prstDash val="solid"/>
+        </a:ln>
+        <a:ln w="15875" cap="rnd" cmpd="sng" algn="ctr">
+          <a:solidFill>
+            <a:schemeClr val="phClr">
+              <a:hueMod val="94000"/>
+            </a:schemeClr>
+          </a:solidFill>
+          <a:prstDash val="solid"/>
+        </a:ln>
+        <a:ln w="28575" cap="rnd" cmpd="sng" algn="ctr">
           <a:solidFill>
             <a:schemeClr val="phClr"/>
           </a:solidFill>
           <a:prstDash val="solid"/>
-          <a:miter lim="800000"/>
-        </a:ln>
-        <a:ln w="12700" cap="flat" cmpd="sng" algn="ctr">
-          <a:solidFill>
-            <a:schemeClr val="phClr"/>
-          </a:solidFill>
-          <a:prstDash val="solid"/>
-          <a:miter lim="800000"/>
-        </a:ln>
-        <a:ln w="19050" cap="flat" cmpd="sng" algn="ctr">
-          <a:solidFill>
-            <a:schemeClr val="phClr"/>
-          </a:solidFill>
-          <a:prstDash val="solid"/>
-          <a:miter lim="800000"/>
         </a:ln>
       </a:lnStyleLst>
       <a:effectStyleLst>
@@ -3703,54 +5773,78 @@
           <a:effectLst/>
         </a:effectStyle>
         <a:effectStyle>
-          <a:effectLst/>
+          <a:effectLst>
+            <a:innerShdw blurRad="25400" dist="12700" dir="13500000">
+              <a:srgbClr val="000000">
+                <a:alpha val="45000"/>
+              </a:srgbClr>
+            </a:innerShdw>
+          </a:effectLst>
         </a:effectStyle>
         <a:effectStyle>
           <a:effectLst>
-            <a:outerShdw blurRad="57150" dist="19050" dir="5400000" algn="ctr" rotWithShape="0">
+            <a:outerShdw blurRad="50800" dist="38100" dir="5400000" rotWithShape="0">
               <a:srgbClr val="000000">
-                <a:alpha val="63000"/>
+                <a:alpha val="46000"/>
               </a:srgbClr>
             </a:outerShdw>
           </a:effectLst>
+          <a:scene3d>
+            <a:camera prst="orthographicFront">
+              <a:rot lat="0" lon="0" rev="0"/>
+            </a:camera>
+            <a:lightRig rig="threePt" dir="t"/>
+          </a:scene3d>
+          <a:sp3d prstMaterial="plastic">
+            <a:bevelT w="25400" h="25400"/>
+          </a:sp3d>
         </a:effectStyle>
       </a:effectStyleLst>
       <a:bgFillStyleLst>
         <a:solidFill>
           <a:schemeClr val="phClr"/>
         </a:solidFill>
-        <a:solidFill>
-          <a:schemeClr val="phClr">
-            <a:tint val="95000"/>
-            <a:satMod val="170000"/>
-          </a:schemeClr>
-        </a:solidFill>
+        <a:gradFill rotWithShape="1">
+          <a:gsLst>
+            <a:gs pos="10000">
+              <a:schemeClr val="phClr">
+                <a:tint val="97000"/>
+                <a:hueMod val="92000"/>
+                <a:satMod val="169000"/>
+                <a:lumMod val="164000"/>
+              </a:schemeClr>
+            </a:gs>
+            <a:gs pos="100000">
+              <a:schemeClr val="phClr">
+                <a:shade val="96000"/>
+                <a:satMod val="120000"/>
+                <a:lumMod val="90000"/>
+              </a:schemeClr>
+            </a:gs>
+          </a:gsLst>
+          <a:lin ang="6120000" scaled="1"/>
+        </a:gradFill>
         <a:gradFill rotWithShape="1">
           <a:gsLst>
             <a:gs pos="0">
               <a:schemeClr val="phClr">
-                <a:tint val="93000"/>
-                <a:satMod val="150000"/>
-                <a:shade val="98000"/>
-                <a:lumMod val="102000"/>
-              </a:schemeClr>
-            </a:gs>
-            <a:gs pos="50000">
-              <a:schemeClr val="phClr">
-                <a:tint val="98000"/>
-                <a:satMod val="130000"/>
-                <a:shade val="90000"/>
-                <a:lumMod val="103000"/>
+                <a:tint val="97000"/>
+                <a:hueMod val="92000"/>
+                <a:satMod val="169000"/>
+                <a:lumMod val="164000"/>
               </a:schemeClr>
             </a:gs>
             <a:gs pos="100000">
               <a:schemeClr val="phClr">
-                <a:shade val="63000"/>
+                <a:shade val="96000"/>
                 <a:satMod val="120000"/>
+                <a:lumMod val="90000"/>
               </a:schemeClr>
             </a:gs>
           </a:gsLst>
-          <a:lin ang="5400000" scaled="0"/>
+          <a:path path="circle">
+            <a:fillToRect b="100000"/>
+          </a:path>
         </a:gradFill>
       </a:bgFillStyleLst>
     </a:fmtScheme>
@@ -3759,7 +5853,7 @@
   <a:extraClrSchemeLst/>
   <a:extLst>
     <a:ext uri="{05A4C25C-085E-4340-85A3-A5531E510DB2}">
-      <thm15:themeFamily xmlns:thm15="http://schemas.microsoft.com/office/thememl/2012/main" name="Office Theme" id="{62F939B6-93AF-4DB8-9C6B-D6C7DFDC589F}" vid="{4A3C46E8-61CC-4603-A589-7422A47A8E4A}"/>
+      <thm15:themeFamily xmlns:thm15="http://schemas.microsoft.com/office/thememl/2012/main" name="Slice" id="{0507925B-6AC9-4358-8E18-C330545D08F8}" vid="{13FEC7C6-62A9-40C4-99D2-581AACACAA2F}"/>
     </a:ext>
   </a:extLst>
 </a:theme>

--- a/MSOSS_title.pptx
+++ b/MSOSS_title.pptx
@@ -2,7 +2,7 @@
 <file path=ppt/presentation.xml><?xml version="1.0" encoding="utf-8"?>
 <p:presentation xmlns:a="http://schemas.openxmlformats.org/drawingml/2006/main" xmlns:r="http://schemas.openxmlformats.org/officeDocument/2006/relationships" xmlns:p="http://schemas.openxmlformats.org/presentationml/2006/main" saveSubsetFonts="1">
   <p:sldMasterIdLst>
-    <p:sldMasterId id="2147483678" r:id="rId1"/>
+    <p:sldMasterId id="2147483696" r:id="rId1"/>
   </p:sldMasterIdLst>
   <p:sldIdLst>
     <p:sldId id="256" r:id="rId2"/>
@@ -113,7 +113,7 @@
 </file>
 
 <file path=ppt/slideLayouts/slideLayout1.xml><?xml version="1.0" encoding="utf-8"?>
-<p:sldLayout xmlns:a="http://schemas.openxmlformats.org/drawingml/2006/main" xmlns:r="http://schemas.openxmlformats.org/officeDocument/2006/relationships" xmlns:p="http://schemas.openxmlformats.org/presentationml/2006/main" showMasterSp="0" type="title" preserve="1">
+<p:sldLayout xmlns:a="http://schemas.openxmlformats.org/drawingml/2006/main" xmlns:r="http://schemas.openxmlformats.org/officeDocument/2006/relationships" xmlns:p="http://schemas.openxmlformats.org/presentationml/2006/main" type="title" preserve="1">
   <p:cSld name="Title Slide">
     <p:spTree>
       <p:nvGrpSpPr>
@@ -141,19 +141,15 @@
         </p:nvSpPr>
         <p:spPr>
           <a:xfrm>
-            <a:off x="684212" y="685799"/>
-            <a:ext cx="8001000" cy="2971801"/>
+            <a:off x="1154955" y="1447800"/>
+            <a:ext cx="8825658" cy="3329581"/>
           </a:xfrm>
         </p:spPr>
         <p:txBody>
-          <a:bodyPr anchor="b">
-            <a:normAutofit/>
-          </a:bodyPr>
+          <a:bodyPr anchor="b"/>
           <a:lstStyle>
-            <a:lvl1pPr algn="l">
-              <a:defRPr sz="4800">
-                <a:effectLst/>
-              </a:defRPr>
+            <a:lvl1pPr>
+              <a:defRPr sz="7200"/>
             </a:lvl1pPr>
           </a:lstStyle>
           <a:p>
@@ -177,21 +173,20 @@
         </p:nvSpPr>
         <p:spPr>
           <a:xfrm>
-            <a:off x="684212" y="3843867"/>
-            <a:ext cx="6400800" cy="1947333"/>
+            <a:off x="1154955" y="4777380"/>
+            <a:ext cx="8825658" cy="861420"/>
           </a:xfrm>
         </p:spPr>
         <p:txBody>
-          <a:bodyPr anchor="t">
-            <a:normAutofit/>
-          </a:bodyPr>
+          <a:bodyPr anchor="t"/>
           <a:lstStyle>
             <a:lvl1pPr marL="0" indent="0" algn="l">
               <a:buNone/>
-              <a:defRPr sz="2100">
+              <a:defRPr cap="all">
                 <a:solidFill>
                   <a:schemeClr val="bg2">
-                    <a:lumMod val="75000"/>
+                    <a:lumMod val="40000"/>
+                    <a:lumOff val="60000"/>
                   </a:schemeClr>
                 </a:solidFill>
               </a:defRPr>
@@ -303,7 +298,7 @@
           <a:p>
             <a:fld id="{9FE723E2-BC0F-4A2F-84D1-E095482B85E6}" type="datetimeFigureOut">
               <a:rPr lang="en-CA" smtClean="0"/>
-              <a:t>2020-04-15</a:t>
+              <a:t>2020-04-24</a:t>
             </a:fld>
             <a:endParaRPr lang="en-CA"/>
           </a:p>
@@ -351,185 +346,10 @@
           </a:p>
         </p:txBody>
       </p:sp>
-      <p:cxnSp>
-        <p:nvCxnSpPr>
-          <p:cNvPr id="16" name="Straight Connector 15"/>
-          <p:cNvCxnSpPr/>
-          <p:nvPr/>
-        </p:nvCxnSpPr>
-        <p:spPr>
-          <a:xfrm flipH="1">
-            <a:off x="8228012" y="8467"/>
-            <a:ext cx="3810000" cy="3810000"/>
-          </a:xfrm>
-          <a:prstGeom prst="line">
-            <a:avLst/>
-          </a:prstGeom>
-          <a:ln w="12700">
-            <a:solidFill>
-              <a:schemeClr val="tx1"/>
-            </a:solidFill>
-          </a:ln>
-        </p:spPr>
-        <p:style>
-          <a:lnRef idx="2">
-            <a:schemeClr val="accent1"/>
-          </a:lnRef>
-          <a:fillRef idx="0">
-            <a:schemeClr val="accent1"/>
-          </a:fillRef>
-          <a:effectRef idx="1">
-            <a:schemeClr val="accent1"/>
-          </a:effectRef>
-          <a:fontRef idx="minor">
-            <a:schemeClr val="tx1"/>
-          </a:fontRef>
-        </p:style>
-      </p:cxnSp>
-      <p:cxnSp>
-        <p:nvCxnSpPr>
-          <p:cNvPr id="17" name="Straight Connector 16"/>
-          <p:cNvCxnSpPr/>
-          <p:nvPr/>
-        </p:nvCxnSpPr>
-        <p:spPr>
-          <a:xfrm flipH="1">
-            <a:off x="6108170" y="91545"/>
-            <a:ext cx="6080655" cy="6080655"/>
-          </a:xfrm>
-          <a:prstGeom prst="line">
-            <a:avLst/>
-          </a:prstGeom>
-          <a:ln w="12700">
-            <a:solidFill>
-              <a:schemeClr val="tx1"/>
-            </a:solidFill>
-          </a:ln>
-        </p:spPr>
-        <p:style>
-          <a:lnRef idx="2">
-            <a:schemeClr val="accent1"/>
-          </a:lnRef>
-          <a:fillRef idx="0">
-            <a:schemeClr val="accent1"/>
-          </a:fillRef>
-          <a:effectRef idx="1">
-            <a:schemeClr val="accent1"/>
-          </a:effectRef>
-          <a:fontRef idx="minor">
-            <a:schemeClr val="tx1"/>
-          </a:fontRef>
-        </p:style>
-      </p:cxnSp>
-      <p:cxnSp>
-        <p:nvCxnSpPr>
-          <p:cNvPr id="19" name="Straight Connector 18"/>
-          <p:cNvCxnSpPr/>
-          <p:nvPr/>
-        </p:nvCxnSpPr>
-        <p:spPr>
-          <a:xfrm flipH="1">
-            <a:off x="7235825" y="228600"/>
-            <a:ext cx="4953000" cy="4953000"/>
-          </a:xfrm>
-          <a:prstGeom prst="line">
-            <a:avLst/>
-          </a:prstGeom>
-          <a:ln w="12700">
-            <a:solidFill>
-              <a:schemeClr val="tx1"/>
-            </a:solidFill>
-          </a:ln>
-        </p:spPr>
-        <p:style>
-          <a:lnRef idx="2">
-            <a:schemeClr val="accent1"/>
-          </a:lnRef>
-          <a:fillRef idx="0">
-            <a:schemeClr val="accent1"/>
-          </a:fillRef>
-          <a:effectRef idx="1">
-            <a:schemeClr val="accent1"/>
-          </a:effectRef>
-          <a:fontRef idx="minor">
-            <a:schemeClr val="tx1"/>
-          </a:fontRef>
-        </p:style>
-      </p:cxnSp>
-      <p:cxnSp>
-        <p:nvCxnSpPr>
-          <p:cNvPr id="21" name="Straight Connector 20"/>
-          <p:cNvCxnSpPr/>
-          <p:nvPr/>
-        </p:nvCxnSpPr>
-        <p:spPr>
-          <a:xfrm flipH="1">
-            <a:off x="7335837" y="32278"/>
-            <a:ext cx="4852989" cy="4852989"/>
-          </a:xfrm>
-          <a:prstGeom prst="line">
-            <a:avLst/>
-          </a:prstGeom>
-          <a:ln w="31750">
-            <a:solidFill>
-              <a:schemeClr val="tx1"/>
-            </a:solidFill>
-          </a:ln>
-        </p:spPr>
-        <p:style>
-          <a:lnRef idx="2">
-            <a:schemeClr val="accent1"/>
-          </a:lnRef>
-          <a:fillRef idx="0">
-            <a:schemeClr val="accent1"/>
-          </a:fillRef>
-          <a:effectRef idx="1">
-            <a:schemeClr val="accent1"/>
-          </a:effectRef>
-          <a:fontRef idx="minor">
-            <a:schemeClr val="tx1"/>
-          </a:fontRef>
-        </p:style>
-      </p:cxnSp>
-      <p:cxnSp>
-        <p:nvCxnSpPr>
-          <p:cNvPr id="23" name="Straight Connector 22"/>
-          <p:cNvCxnSpPr/>
-          <p:nvPr/>
-        </p:nvCxnSpPr>
-        <p:spPr>
-          <a:xfrm flipH="1">
-            <a:off x="7845426" y="609601"/>
-            <a:ext cx="4343399" cy="4343399"/>
-          </a:xfrm>
-          <a:prstGeom prst="line">
-            <a:avLst/>
-          </a:prstGeom>
-          <a:ln w="31750">
-            <a:solidFill>
-              <a:schemeClr val="tx1"/>
-            </a:solidFill>
-          </a:ln>
-        </p:spPr>
-        <p:style>
-          <a:lnRef idx="2">
-            <a:schemeClr val="accent1"/>
-          </a:lnRef>
-          <a:fillRef idx="0">
-            <a:schemeClr val="accent1"/>
-          </a:fillRef>
-          <a:effectRef idx="1">
-            <a:schemeClr val="accent1"/>
-          </a:effectRef>
-          <a:fontRef idx="minor">
-            <a:schemeClr val="tx1"/>
-          </a:fontRef>
-        </p:style>
-      </p:cxnSp>
     </p:spTree>
     <p:extLst>
       <p:ext uri="{BB962C8B-B14F-4D97-AF65-F5344CB8AC3E}">
-        <p14:creationId xmlns:p14="http://schemas.microsoft.com/office/powerpoint/2010/main" val="1911936383"/>
+        <p14:creationId xmlns:p14="http://schemas.microsoft.com/office/powerpoint/2010/main" val="1943022137"/>
       </p:ext>
     </p:extLst>
   </p:cSld>
@@ -566,53 +386,56 @@
             <p:ph type="title"/>
           </p:nvPr>
         </p:nvSpPr>
-        <p:spPr/>
-        <p:txBody>
-          <a:bodyPr/>
-          <a:lstStyle/>
-          <a:p>
-            <a:r>
-              <a:rPr lang="en-US"/>
-              <a:t>Click to edit Master title style</a:t>
-            </a:r>
-            <a:endParaRPr lang="en-US" dirty="0"/>
-          </a:p>
-        </p:txBody>
-      </p:sp>
-      <p:sp>
-        <p:nvSpPr>
-          <p:cNvPr id="17" name="Picture Placeholder 2"/>
-          <p:cNvSpPr>
-            <a:spLocks noGrp="1" noChangeAspect="1"/>
-          </p:cNvSpPr>
-          <p:nvPr>
-            <p:ph type="pic" idx="13"/>
-          </p:nvPr>
-        </p:nvSpPr>
         <p:spPr>
           <a:xfrm>
-            <a:off x="685800" y="533400"/>
-            <a:ext cx="10818812" cy="3124200"/>
+            <a:off x="1154956" y="4800587"/>
+            <a:ext cx="8825657" cy="566738"/>
           </a:xfrm>
-          <a:prstGeom prst="snip2DiagRect">
+        </p:spPr>
+        <p:txBody>
+          <a:bodyPr anchor="b">
+            <a:normAutofit/>
+          </a:bodyPr>
+          <a:lstStyle>
+            <a:lvl1pPr algn="l">
+              <a:defRPr sz="2400" b="0"/>
+            </a:lvl1pPr>
+          </a:lstStyle>
+          <a:p>
+            <a:r>
+              <a:rPr lang="en-US"/>
+              <a:t>Click to edit Master title style</a:t>
+            </a:r>
+            <a:endParaRPr lang="en-US" dirty="0"/>
+          </a:p>
+        </p:txBody>
+      </p:sp>
+      <p:sp>
+        <p:nvSpPr>
+          <p:cNvPr id="3" name="Picture Placeholder 2"/>
+          <p:cNvSpPr>
+            <a:spLocks noGrp="1" noChangeAspect="1"/>
+          </p:cNvSpPr>
+          <p:nvPr>
+            <p:ph type="pic" idx="1"/>
+          </p:nvPr>
+        </p:nvSpPr>
+        <p:spPr>
+          <a:xfrm>
+            <a:off x="1154955" y="685800"/>
+            <a:ext cx="8825658" cy="3640666"/>
+          </a:xfrm>
+          <a:prstGeom prst="roundRect">
             <a:avLst>
-              <a:gd name="adj1" fmla="val 10815"/>
-              <a:gd name="adj2" fmla="val 0"/>
+              <a:gd name="adj" fmla="val 1858"/>
             </a:avLst>
           </a:prstGeom>
-          <a:ln w="15875">
-            <a:solidFill>
-              <a:schemeClr val="tx1">
-                <a:alpha val="40000"/>
-              </a:schemeClr>
-            </a:solidFill>
-          </a:ln>
           <a:effectLst>
-            <a:innerShdw blurRad="57150" dist="38100" dir="14460000">
+            <a:outerShdw blurRad="50800" dist="50800" dir="5400000" algn="tl" rotWithShape="0">
               <a:srgbClr val="000000">
-                <a:alpha val="70000"/>
+                <a:alpha val="43000"/>
               </a:srgbClr>
-            </a:innerShdw>
+            </a:outerShdw>
           </a:effectLst>
         </p:spPr>
         <p:txBody>
@@ -668,50 +491,61 @@
       </p:sp>
       <p:sp>
         <p:nvSpPr>
-          <p:cNvPr id="16" name="Text Placeholder 9"/>
-          <p:cNvSpPr>
-            <a:spLocks noGrp="1"/>
-          </p:cNvSpPr>
-          <p:nvPr>
-            <p:ph type="body" sz="quarter" idx="14"/>
+          <p:cNvPr id="4" name="Text Placeholder 3"/>
+          <p:cNvSpPr>
+            <a:spLocks noGrp="1"/>
+          </p:cNvSpPr>
+          <p:nvPr>
+            <p:ph type="body" sz="half" idx="2"/>
           </p:nvPr>
         </p:nvSpPr>
         <p:spPr>
           <a:xfrm>
-            <a:off x="914402" y="3843867"/>
-            <a:ext cx="8304210" cy="457200"/>
+            <a:off x="1154956" y="5367325"/>
+            <a:ext cx="8825656" cy="493712"/>
           </a:xfrm>
         </p:spPr>
         <p:txBody>
-          <a:bodyPr anchor="t">
+          <a:bodyPr>
             <a:normAutofit/>
           </a:bodyPr>
           <a:lstStyle>
             <a:lvl1pPr marL="0" indent="0">
-              <a:buFontTx/>
-              <a:buNone/>
-              <a:defRPr sz="1600"/>
+              <a:buNone/>
+              <a:defRPr sz="1200"/>
             </a:lvl1pPr>
             <a:lvl2pPr marL="457200" indent="0">
-              <a:buFontTx/>
-              <a:buNone/>
-              <a:defRPr/>
+              <a:buNone/>
+              <a:defRPr sz="1200"/>
             </a:lvl2pPr>
             <a:lvl3pPr marL="914400" indent="0">
-              <a:buFontTx/>
-              <a:buNone/>
-              <a:defRPr/>
+              <a:buNone/>
+              <a:defRPr sz="1000"/>
             </a:lvl3pPr>
             <a:lvl4pPr marL="1371600" indent="0">
-              <a:buFontTx/>
-              <a:buNone/>
-              <a:defRPr/>
+              <a:buNone/>
+              <a:defRPr sz="900"/>
             </a:lvl4pPr>
             <a:lvl5pPr marL="1828800" indent="0">
-              <a:buFontTx/>
-              <a:buNone/>
-              <a:defRPr/>
+              <a:buNone/>
+              <a:defRPr sz="900"/>
             </a:lvl5pPr>
+            <a:lvl6pPr marL="2286000" indent="0">
+              <a:buNone/>
+              <a:defRPr sz="900"/>
+            </a:lvl6pPr>
+            <a:lvl7pPr marL="2743200" indent="0">
+              <a:buNone/>
+              <a:defRPr sz="900"/>
+            </a:lvl7pPr>
+            <a:lvl8pPr marL="3200400" indent="0">
+              <a:buNone/>
+              <a:defRPr sz="900"/>
+            </a:lvl8pPr>
+            <a:lvl9pPr marL="3657600" indent="0">
+              <a:buNone/>
+              <a:defRPr sz="900"/>
+            </a:lvl9pPr>
           </a:lstStyle>
           <a:p>
             <a:pPr lvl="0"/>
@@ -724,7 +558,7 @@
       </p:sp>
       <p:sp>
         <p:nvSpPr>
-          <p:cNvPr id="3" name="Date Placeholder 2"/>
+          <p:cNvPr id="5" name="Date Placeholder 4"/>
           <p:cNvSpPr>
             <a:spLocks noGrp="1"/>
           </p:cNvSpPr>
@@ -739,7 +573,7 @@
           <a:p>
             <a:fld id="{9FE723E2-BC0F-4A2F-84D1-E095482B85E6}" type="datetimeFigureOut">
               <a:rPr lang="en-CA" smtClean="0"/>
-              <a:t>2020-04-15</a:t>
+              <a:t>2020-04-24</a:t>
             </a:fld>
             <a:endParaRPr lang="en-CA"/>
           </a:p>
@@ -747,7 +581,7 @@
       </p:sp>
       <p:sp>
         <p:nvSpPr>
-          <p:cNvPr id="4" name="Footer Placeholder 3"/>
+          <p:cNvPr id="6" name="Footer Placeholder 5"/>
           <p:cNvSpPr>
             <a:spLocks noGrp="1"/>
           </p:cNvSpPr>
@@ -766,7 +600,7 @@
       </p:sp>
       <p:sp>
         <p:nvSpPr>
-          <p:cNvPr id="5" name="Slide Number Placeholder 4"/>
+          <p:cNvPr id="7" name="Slide Number Placeholder 6"/>
           <p:cNvSpPr>
             <a:spLocks noGrp="1"/>
           </p:cNvSpPr>
@@ -790,7 +624,7 @@
     </p:spTree>
     <p:extLst>
       <p:ext uri="{BB962C8B-B14F-4D97-AF65-F5344CB8AC3E}">
-        <p14:creationId xmlns:p14="http://schemas.microsoft.com/office/powerpoint/2010/main" val="673411256"/>
+        <p14:creationId xmlns:p14="http://schemas.microsoft.com/office/powerpoint/2010/main" val="1973473948"/>
       </p:ext>
     </p:extLst>
   </p:cSld>
@@ -829,8 +663,40 @@
         </p:nvSpPr>
         <p:spPr>
           <a:xfrm>
-            <a:off x="684213" y="685800"/>
-            <a:ext cx="10058400" cy="2743200"/>
+            <a:off x="1154954" y="1447800"/>
+            <a:ext cx="8825659" cy="1981200"/>
+          </a:xfrm>
+        </p:spPr>
+        <p:txBody>
+          <a:bodyPr/>
+          <a:lstStyle>
+            <a:lvl1pPr>
+              <a:defRPr sz="4800"/>
+            </a:lvl1pPr>
+          </a:lstStyle>
+          <a:p>
+            <a:r>
+              <a:rPr lang="en-US"/>
+              <a:t>Click to edit Master title style</a:t>
+            </a:r>
+            <a:endParaRPr lang="en-US" dirty="0"/>
+          </a:p>
+        </p:txBody>
+      </p:sp>
+      <p:sp>
+        <p:nvSpPr>
+          <p:cNvPr id="8" name="Text Placeholder 3"/>
+          <p:cNvSpPr>
+            <a:spLocks noGrp="1"/>
+          </p:cNvSpPr>
+          <p:nvPr>
+            <p:ph type="body" sz="half" idx="2"/>
+          </p:nvPr>
+        </p:nvSpPr>
+        <p:spPr>
+          <a:xfrm>
+            <a:off x="1154954" y="3657600"/>
+            <a:ext cx="8825659" cy="2362200"/>
           </a:xfrm>
         </p:spPr>
         <p:txBody>
@@ -838,129 +704,41 @@
             <a:normAutofit/>
           </a:bodyPr>
           <a:lstStyle>
-            <a:lvl1pPr algn="l">
-              <a:defRPr sz="3200" b="0" cap="all"/>
-            </a:lvl1pPr>
-          </a:lstStyle>
-          <a:p>
-            <a:r>
-              <a:rPr lang="en-US"/>
-              <a:t>Click to edit Master title style</a:t>
-            </a:r>
-            <a:endParaRPr lang="en-US" dirty="0"/>
-          </a:p>
-        </p:txBody>
-      </p:sp>
-      <p:sp>
-        <p:nvSpPr>
-          <p:cNvPr id="3" name="Text Placeholder 2"/>
-          <p:cNvSpPr>
-            <a:spLocks noGrp="1"/>
-          </p:cNvSpPr>
-          <p:nvPr>
-            <p:ph type="body" idx="1"/>
-          </p:nvPr>
-        </p:nvSpPr>
-        <p:spPr>
-          <a:xfrm>
-            <a:off x="684212" y="4114800"/>
-            <a:ext cx="8535988" cy="1879600"/>
-          </a:xfrm>
-        </p:spPr>
-        <p:txBody>
-          <a:bodyPr anchor="ctr">
-            <a:normAutofit/>
-          </a:bodyPr>
-          <a:lstStyle>
-            <a:lvl1pPr marL="0" indent="0" algn="l">
-              <a:buNone/>
-              <a:defRPr sz="2000">
-                <a:solidFill>
-                  <a:schemeClr val="bg2">
-                    <a:lumMod val="75000"/>
-                  </a:schemeClr>
-                </a:solidFill>
-              </a:defRPr>
+            <a:lvl1pPr marL="0" indent="0">
+              <a:buNone/>
+              <a:defRPr sz="1800"/>
             </a:lvl1pPr>
             <a:lvl2pPr marL="457200" indent="0">
               <a:buNone/>
-              <a:defRPr sz="1800">
-                <a:solidFill>
-                  <a:schemeClr val="tx1">
-                    <a:tint val="75000"/>
-                  </a:schemeClr>
-                </a:solidFill>
-              </a:defRPr>
+              <a:defRPr sz="1200"/>
             </a:lvl2pPr>
             <a:lvl3pPr marL="914400" indent="0">
               <a:buNone/>
-              <a:defRPr sz="1600">
-                <a:solidFill>
-                  <a:schemeClr val="tx1">
-                    <a:tint val="75000"/>
-                  </a:schemeClr>
-                </a:solidFill>
-              </a:defRPr>
+              <a:defRPr sz="1000"/>
             </a:lvl3pPr>
             <a:lvl4pPr marL="1371600" indent="0">
               <a:buNone/>
-              <a:defRPr sz="1400">
-                <a:solidFill>
-                  <a:schemeClr val="tx1">
-                    <a:tint val="75000"/>
-                  </a:schemeClr>
-                </a:solidFill>
-              </a:defRPr>
+              <a:defRPr sz="900"/>
             </a:lvl4pPr>
             <a:lvl5pPr marL="1828800" indent="0">
               <a:buNone/>
-              <a:defRPr sz="1400">
-                <a:solidFill>
-                  <a:schemeClr val="tx1">
-                    <a:tint val="75000"/>
-                  </a:schemeClr>
-                </a:solidFill>
-              </a:defRPr>
+              <a:defRPr sz="900"/>
             </a:lvl5pPr>
             <a:lvl6pPr marL="2286000" indent="0">
               <a:buNone/>
-              <a:defRPr sz="1400">
-                <a:solidFill>
-                  <a:schemeClr val="tx1">
-                    <a:tint val="75000"/>
-                  </a:schemeClr>
-                </a:solidFill>
-              </a:defRPr>
+              <a:defRPr sz="900"/>
             </a:lvl6pPr>
             <a:lvl7pPr marL="2743200" indent="0">
               <a:buNone/>
-              <a:defRPr sz="1400">
-                <a:solidFill>
-                  <a:schemeClr val="tx1">
-                    <a:tint val="75000"/>
-                  </a:schemeClr>
-                </a:solidFill>
-              </a:defRPr>
+              <a:defRPr sz="900"/>
             </a:lvl7pPr>
             <a:lvl8pPr marL="3200400" indent="0">
               <a:buNone/>
-              <a:defRPr sz="1400">
-                <a:solidFill>
-                  <a:schemeClr val="tx1">
-                    <a:tint val="75000"/>
-                  </a:schemeClr>
-                </a:solidFill>
-              </a:defRPr>
+              <a:defRPr sz="900"/>
             </a:lvl8pPr>
             <a:lvl9pPr marL="3657600" indent="0">
               <a:buNone/>
-              <a:defRPr sz="1400">
-                <a:solidFill>
-                  <a:schemeClr val="tx1">
-                    <a:tint val="75000"/>
-                  </a:schemeClr>
-                </a:solidFill>
-              </a:defRPr>
+              <a:defRPr sz="900"/>
             </a:lvl9pPr>
           </a:lstStyle>
           <a:p>
@@ -989,7 +767,7 @@
           <a:p>
             <a:fld id="{9FE723E2-BC0F-4A2F-84D1-E095482B85E6}" type="datetimeFigureOut">
               <a:rPr lang="en-CA" smtClean="0"/>
-              <a:t>2020-04-15</a:t>
+              <a:t>2020-04-24</a:t>
             </a:fld>
             <a:endParaRPr lang="en-CA"/>
           </a:p>
@@ -1040,7 +818,7 @@
     </p:spTree>
     <p:extLst>
       <p:ext uri="{BB962C8B-B14F-4D97-AF65-F5344CB8AC3E}">
-        <p14:creationId xmlns:p14="http://schemas.microsoft.com/office/powerpoint/2010/main" val="3536638740"/>
+        <p14:creationId xmlns:p14="http://schemas.microsoft.com/office/powerpoint/2010/main" val="3402467126"/>
       </p:ext>
     </p:extLst>
   </p:cSld>
@@ -1079,8 +857,119 @@
         </p:nvSpPr>
         <p:spPr>
           <a:xfrm>
-            <a:off x="1141411" y="685800"/>
-            <a:ext cx="9144001" cy="2743200"/>
+            <a:off x="1574801" y="1447800"/>
+            <a:ext cx="7999315" cy="2323374"/>
+          </a:xfrm>
+        </p:spPr>
+        <p:txBody>
+          <a:bodyPr/>
+          <a:lstStyle>
+            <a:lvl1pPr>
+              <a:defRPr sz="4800"/>
+            </a:lvl1pPr>
+          </a:lstStyle>
+          <a:p>
+            <a:r>
+              <a:rPr lang="en-US"/>
+              <a:t>Click to edit Master title style</a:t>
+            </a:r>
+            <a:endParaRPr lang="en-US" dirty="0"/>
+          </a:p>
+        </p:txBody>
+      </p:sp>
+      <p:sp>
+        <p:nvSpPr>
+          <p:cNvPr id="11" name="Text Placeholder 3"/>
+          <p:cNvSpPr>
+            <a:spLocks noGrp="1"/>
+          </p:cNvSpPr>
+          <p:nvPr>
+            <p:ph type="body" sz="half" idx="14"/>
+          </p:nvPr>
+        </p:nvSpPr>
+        <p:spPr>
+          <a:xfrm>
+            <a:off x="1930400" y="3771174"/>
+            <a:ext cx="7279649" cy="342174"/>
+          </a:xfrm>
+        </p:spPr>
+        <p:txBody>
+          <a:bodyPr vert="horz" lIns="91440" tIns="45720" rIns="91440" bIns="45720" rtlCol="0" anchor="t">
+            <a:normAutofit/>
+          </a:bodyPr>
+          <a:lstStyle>
+            <a:lvl1pPr marL="0" indent="0">
+              <a:buNone/>
+              <a:defRPr lang="en-US" sz="1400" b="0" i="0" kern="1200" cap="small" dirty="0">
+                <a:solidFill>
+                  <a:schemeClr val="bg2">
+                    <a:lumMod val="40000"/>
+                    <a:lumOff val="60000"/>
+                  </a:schemeClr>
+                </a:solidFill>
+                <a:latin typeface="+mj-lt"/>
+                <a:ea typeface="+mj-ea"/>
+                <a:cs typeface="+mj-cs"/>
+              </a:defRPr>
+            </a:lvl1pPr>
+            <a:lvl2pPr marL="457200" indent="0">
+              <a:buNone/>
+              <a:defRPr sz="1200"/>
+            </a:lvl2pPr>
+            <a:lvl3pPr marL="914400" indent="0">
+              <a:buNone/>
+              <a:defRPr sz="1000"/>
+            </a:lvl3pPr>
+            <a:lvl4pPr marL="1371600" indent="0">
+              <a:buNone/>
+              <a:defRPr sz="900"/>
+            </a:lvl4pPr>
+            <a:lvl5pPr marL="1828800" indent="0">
+              <a:buNone/>
+              <a:defRPr sz="900"/>
+            </a:lvl5pPr>
+            <a:lvl6pPr marL="2286000" indent="0">
+              <a:buNone/>
+              <a:defRPr sz="900"/>
+            </a:lvl6pPr>
+            <a:lvl7pPr marL="2743200" indent="0">
+              <a:buNone/>
+              <a:defRPr sz="900"/>
+            </a:lvl7pPr>
+            <a:lvl8pPr marL="3200400" indent="0">
+              <a:buNone/>
+              <a:defRPr sz="900"/>
+            </a:lvl8pPr>
+            <a:lvl9pPr marL="3657600" indent="0">
+              <a:buNone/>
+              <a:defRPr sz="900"/>
+            </a:lvl9pPr>
+          </a:lstStyle>
+          <a:p>
+            <a:pPr marL="0" lvl="0" indent="0">
+              <a:buNone/>
+            </a:pPr>
+            <a:r>
+              <a:rPr lang="en-US"/>
+              <a:t>Click to edit Master text styles</a:t>
+            </a:r>
+          </a:p>
+        </p:txBody>
+      </p:sp>
+      <p:sp>
+        <p:nvSpPr>
+          <p:cNvPr id="10" name="Text Placeholder 3"/>
+          <p:cNvSpPr>
+            <a:spLocks noGrp="1"/>
+          </p:cNvSpPr>
+          <p:nvPr>
+            <p:ph type="body" sz="half" idx="2"/>
+          </p:nvPr>
+        </p:nvSpPr>
+        <p:spPr>
+          <a:xfrm>
+            <a:off x="1154954" y="4350657"/>
+            <a:ext cx="8825659" cy="1676400"/>
           </a:xfrm>
         </p:spPr>
         <p:txBody>
@@ -1088,187 +977,41 @@
             <a:normAutofit/>
           </a:bodyPr>
           <a:lstStyle>
-            <a:lvl1pPr algn="l">
-              <a:defRPr sz="3200" b="0" cap="all">
-                <a:solidFill>
-                  <a:schemeClr val="tx1"/>
-                </a:solidFill>
-              </a:defRPr>
-            </a:lvl1pPr>
-          </a:lstStyle>
-          <a:p>
-            <a:r>
-              <a:rPr lang="en-US"/>
-              <a:t>Click to edit Master title style</a:t>
-            </a:r>
-            <a:endParaRPr lang="en-US" dirty="0"/>
-          </a:p>
-        </p:txBody>
-      </p:sp>
-      <p:sp>
-        <p:nvSpPr>
-          <p:cNvPr id="10" name="Text Placeholder 9"/>
-          <p:cNvSpPr>
-            <a:spLocks noGrp="1"/>
-          </p:cNvSpPr>
-          <p:nvPr>
-            <p:ph type="body" sz="quarter" idx="13"/>
-          </p:nvPr>
-        </p:nvSpPr>
-        <p:spPr>
-          <a:xfrm>
-            <a:off x="1446212" y="3429000"/>
-            <a:ext cx="8534400" cy="381000"/>
-          </a:xfrm>
-        </p:spPr>
-        <p:txBody>
-          <a:bodyPr anchor="ctr"/>
-          <a:lstStyle>
             <a:lvl1pPr marL="0" indent="0">
-              <a:buFontTx/>
-              <a:buNone/>
-              <a:defRPr/>
+              <a:buNone/>
+              <a:defRPr sz="1800"/>
             </a:lvl1pPr>
             <a:lvl2pPr marL="457200" indent="0">
-              <a:buFontTx/>
-              <a:buNone/>
-              <a:defRPr/>
+              <a:buNone/>
+              <a:defRPr sz="1200"/>
             </a:lvl2pPr>
             <a:lvl3pPr marL="914400" indent="0">
-              <a:buFontTx/>
-              <a:buNone/>
-              <a:defRPr/>
+              <a:buNone/>
+              <a:defRPr sz="1000"/>
             </a:lvl3pPr>
             <a:lvl4pPr marL="1371600" indent="0">
-              <a:buFontTx/>
-              <a:buNone/>
-              <a:defRPr/>
+              <a:buNone/>
+              <a:defRPr sz="900"/>
             </a:lvl4pPr>
             <a:lvl5pPr marL="1828800" indent="0">
-              <a:buFontTx/>
-              <a:buNone/>
-              <a:defRPr/>
-            </a:lvl5pPr>
-          </a:lstStyle>
-          <a:p>
-            <a:pPr lvl="0"/>
-            <a:r>
-              <a:rPr lang="en-US"/>
-              <a:t>Click to edit Master text styles</a:t>
-            </a:r>
-          </a:p>
-        </p:txBody>
-      </p:sp>
-      <p:sp>
-        <p:nvSpPr>
-          <p:cNvPr id="3" name="Text Placeholder 2"/>
-          <p:cNvSpPr>
-            <a:spLocks noGrp="1"/>
-          </p:cNvSpPr>
-          <p:nvPr>
-            <p:ph type="body" idx="1"/>
-          </p:nvPr>
-        </p:nvSpPr>
-        <p:spPr>
-          <a:xfrm>
-            <a:off x="684213" y="4301067"/>
-            <a:ext cx="8534400" cy="1684865"/>
-          </a:xfrm>
-        </p:spPr>
-        <p:txBody>
-          <a:bodyPr anchor="ctr">
-            <a:normAutofit/>
-          </a:bodyPr>
-          <a:lstStyle>
-            <a:lvl1pPr marL="0" indent="0" algn="l">
-              <a:buNone/>
-              <a:defRPr sz="2000">
-                <a:solidFill>
-                  <a:schemeClr val="bg2">
-                    <a:lumMod val="75000"/>
-                  </a:schemeClr>
-                </a:solidFill>
-              </a:defRPr>
-            </a:lvl1pPr>
-            <a:lvl2pPr marL="457200" indent="0">
-              <a:buNone/>
-              <a:defRPr sz="1800">
-                <a:solidFill>
-                  <a:schemeClr val="tx1">
-                    <a:tint val="75000"/>
-                  </a:schemeClr>
-                </a:solidFill>
-              </a:defRPr>
-            </a:lvl2pPr>
-            <a:lvl3pPr marL="914400" indent="0">
-              <a:buNone/>
-              <a:defRPr sz="1600">
-                <a:solidFill>
-                  <a:schemeClr val="tx1">
-                    <a:tint val="75000"/>
-                  </a:schemeClr>
-                </a:solidFill>
-              </a:defRPr>
-            </a:lvl3pPr>
-            <a:lvl4pPr marL="1371600" indent="0">
-              <a:buNone/>
-              <a:defRPr sz="1400">
-                <a:solidFill>
-                  <a:schemeClr val="tx1">
-                    <a:tint val="75000"/>
-                  </a:schemeClr>
-                </a:solidFill>
-              </a:defRPr>
-            </a:lvl4pPr>
-            <a:lvl5pPr marL="1828800" indent="0">
-              <a:buNone/>
-              <a:defRPr sz="1400">
-                <a:solidFill>
-                  <a:schemeClr val="tx1">
-                    <a:tint val="75000"/>
-                  </a:schemeClr>
-                </a:solidFill>
-              </a:defRPr>
+              <a:buNone/>
+              <a:defRPr sz="900"/>
             </a:lvl5pPr>
             <a:lvl6pPr marL="2286000" indent="0">
               <a:buNone/>
-              <a:defRPr sz="1400">
-                <a:solidFill>
-                  <a:schemeClr val="tx1">
-                    <a:tint val="75000"/>
-                  </a:schemeClr>
-                </a:solidFill>
-              </a:defRPr>
+              <a:defRPr sz="900"/>
             </a:lvl6pPr>
             <a:lvl7pPr marL="2743200" indent="0">
               <a:buNone/>
-              <a:defRPr sz="1400">
-                <a:solidFill>
-                  <a:schemeClr val="tx1">
-                    <a:tint val="75000"/>
-                  </a:schemeClr>
-                </a:solidFill>
-              </a:defRPr>
+              <a:defRPr sz="900"/>
             </a:lvl7pPr>
             <a:lvl8pPr marL="3200400" indent="0">
               <a:buNone/>
-              <a:defRPr sz="1400">
-                <a:solidFill>
-                  <a:schemeClr val="tx1">
-                    <a:tint val="75000"/>
-                  </a:schemeClr>
-                </a:solidFill>
-              </a:defRPr>
+              <a:defRPr sz="900"/>
             </a:lvl8pPr>
             <a:lvl9pPr marL="3657600" indent="0">
               <a:buNone/>
-              <a:defRPr sz="1400">
-                <a:solidFill>
-                  <a:schemeClr val="tx1">
-                    <a:tint val="75000"/>
-                  </a:schemeClr>
-                </a:solidFill>
-              </a:defRPr>
+              <a:defRPr sz="900"/>
             </a:lvl9pPr>
           </a:lstStyle>
           <a:p>
@@ -1297,7 +1040,7 @@
           <a:p>
             <a:fld id="{9FE723E2-BC0F-4A2F-84D1-E095482B85E6}" type="datetimeFigureOut">
               <a:rPr lang="en-CA" smtClean="0"/>
-              <a:t>2020-04-15</a:t>
+              <a:t>2020-04-24</a:t>
             </a:fld>
             <a:endParaRPr lang="en-CA"/>
           </a:p>
@@ -1347,33 +1090,46 @@
       </p:sp>
       <p:sp>
         <p:nvSpPr>
-          <p:cNvPr id="14" name="TextBox 13"/>
+          <p:cNvPr id="12" name="TextBox 11"/>
           <p:cNvSpPr txBox="1"/>
           <p:nvPr/>
         </p:nvSpPr>
         <p:spPr>
           <a:xfrm>
-            <a:off x="531812" y="812222"/>
-            <a:ext cx="609600" cy="584776"/>
+            <a:off x="898295" y="971253"/>
+            <a:ext cx="801912" cy="1969770"/>
           </a:xfrm>
           <a:prstGeom prst="rect">
             <a:avLst/>
           </a:prstGeom>
+          <a:noFill/>
         </p:spPr>
         <p:txBody>
-          <a:bodyPr vert="horz" lIns="91440" tIns="45720" rIns="91440" bIns="45720" rtlCol="0" anchor="ctr">
-            <a:noAutofit/>
+          <a:bodyPr wrap="square" rtlCol="0">
+            <a:spAutoFit/>
           </a:bodyPr>
-          <a:lstStyle/>
+          <a:lstStyle>
+            <a:defPPr>
+              <a:defRPr lang="en-US"/>
+            </a:defPPr>
+            <a:lvl1pPr algn="r">
+              <a:defRPr sz="12200" b="0" i="0">
+                <a:solidFill>
+                  <a:schemeClr val="bg2">
+                    <a:lumMod val="40000"/>
+                    <a:lumOff val="60000"/>
+                  </a:schemeClr>
+                </a:solidFill>
+                <a:latin typeface="Arial"/>
+                <a:ea typeface="+mj-ea"/>
+                <a:cs typeface="+mj-cs"/>
+              </a:defRPr>
+            </a:lvl1pPr>
+          </a:lstStyle>
           <a:p>
             <a:pPr lvl="0"/>
             <a:r>
-              <a:rPr lang="en-US" sz="8000" dirty="0">
-                <a:solidFill>
-                  <a:schemeClr val="tx1"/>
-                </a:solidFill>
-                <a:effectLst/>
-              </a:rPr>
+              <a:rPr lang="en-US" dirty="0"/>
               <a:t>“</a:t>
             </a:r>
           </a:p>
@@ -1387,27 +1143,40 @@
         </p:nvSpPr>
         <p:spPr>
           <a:xfrm>
-            <a:off x="10285412" y="2768601"/>
-            <a:ext cx="609600" cy="584776"/>
+            <a:off x="9330490" y="2613787"/>
+            <a:ext cx="801912" cy="1969770"/>
           </a:xfrm>
           <a:prstGeom prst="rect">
             <a:avLst/>
           </a:prstGeom>
+          <a:noFill/>
         </p:spPr>
         <p:txBody>
-          <a:bodyPr vert="horz" lIns="91440" tIns="45720" rIns="91440" bIns="45720" rtlCol="0" anchor="ctr">
-            <a:noAutofit/>
+          <a:bodyPr wrap="square" rtlCol="0">
+            <a:spAutoFit/>
           </a:bodyPr>
-          <a:lstStyle/>
-          <a:p>
-            <a:pPr lvl="0" algn="r"/>
-            <a:r>
-              <a:rPr lang="en-US" sz="8000" dirty="0">
+          <a:lstStyle>
+            <a:defPPr>
+              <a:defRPr lang="en-US"/>
+            </a:defPPr>
+            <a:lvl1pPr algn="r">
+              <a:defRPr sz="12200" b="0" i="0">
                 <a:solidFill>
-                  <a:schemeClr val="tx1"/>
+                  <a:schemeClr val="bg2">
+                    <a:lumMod val="40000"/>
+                    <a:lumOff val="60000"/>
+                  </a:schemeClr>
                 </a:solidFill>
-                <a:effectLst/>
-              </a:rPr>
+                <a:latin typeface="Arial"/>
+                <a:ea typeface="+mj-ea"/>
+                <a:cs typeface="+mj-cs"/>
+              </a:defRPr>
+            </a:lvl1pPr>
+          </a:lstStyle>
+          <a:p>
+            <a:pPr lvl="0"/>
+            <a:r>
+              <a:rPr lang="en-US" dirty="0"/>
               <a:t>”</a:t>
             </a:r>
           </a:p>
@@ -1416,7 +1185,7 @@
     </p:spTree>
     <p:extLst>
       <p:ext uri="{BB962C8B-B14F-4D97-AF65-F5344CB8AC3E}">
-        <p14:creationId xmlns:p14="http://schemas.microsoft.com/office/powerpoint/2010/main" val="3136765569"/>
+        <p14:creationId xmlns:p14="http://schemas.microsoft.com/office/powerpoint/2010/main" val="2578819007"/>
       </p:ext>
     </p:extLst>
   </p:cSld>
@@ -1455,17 +1224,15 @@
         </p:nvSpPr>
         <p:spPr>
           <a:xfrm>
-            <a:off x="684212" y="3429000"/>
-            <a:ext cx="8534400" cy="1697400"/>
+            <a:off x="1154954" y="3124201"/>
+            <a:ext cx="8825660" cy="1653180"/>
           </a:xfrm>
         </p:spPr>
         <p:txBody>
-          <a:bodyPr anchor="b">
-            <a:normAutofit/>
-          </a:bodyPr>
+          <a:bodyPr anchor="b"/>
           <a:lstStyle>
             <a:lvl1pPr algn="l">
-              <a:defRPr sz="3200" b="0" cap="all"/>
+              <a:defRPr sz="4000" b="0" cap="none"/>
             </a:lvl1pPr>
           </a:lstStyle>
           <a:p>
@@ -1489,21 +1256,20 @@
         </p:nvSpPr>
         <p:spPr>
           <a:xfrm>
-            <a:off x="684211" y="5132981"/>
-            <a:ext cx="8535990" cy="860400"/>
+            <a:off x="1154954" y="4777381"/>
+            <a:ext cx="8825659" cy="860400"/>
           </a:xfrm>
         </p:spPr>
         <p:txBody>
-          <a:bodyPr anchor="t">
-            <a:normAutofit/>
-          </a:bodyPr>
+          <a:bodyPr anchor="t"/>
           <a:lstStyle>
             <a:lvl1pPr marL="0" indent="0" algn="l">
               <a:buNone/>
-              <a:defRPr sz="2000">
+              <a:defRPr sz="2000" cap="none">
                 <a:solidFill>
                   <a:schemeClr val="bg2">
-                    <a:lumMod val="75000"/>
+                    <a:lumMod val="40000"/>
+                    <a:lumOff val="60000"/>
                   </a:schemeClr>
                 </a:solidFill>
               </a:defRPr>
@@ -1615,7 +1381,7 @@
           <a:p>
             <a:fld id="{9FE723E2-BC0F-4A2F-84D1-E095482B85E6}" type="datetimeFigureOut">
               <a:rPr lang="en-CA" smtClean="0"/>
-              <a:t>2020-04-15</a:t>
+              <a:t>2020-04-24</a:t>
             </a:fld>
             <a:endParaRPr lang="en-CA"/>
           </a:p>
@@ -1666,7 +1432,7 @@
     </p:spTree>
     <p:extLst>
       <p:ext uri="{BB962C8B-B14F-4D97-AF65-F5344CB8AC3E}">
-        <p14:creationId xmlns:p14="http://schemas.microsoft.com/office/powerpoint/2010/main" val="1595641591"/>
+        <p14:creationId xmlns:p14="http://schemas.microsoft.com/office/powerpoint/2010/main" val="985739598"/>
       </p:ext>
     </p:extLst>
   </p:cSld>
@@ -1678,7 +1444,7 @@
 
 <file path=ppt/slideLayouts/slideLayout14.xml><?xml version="1.0" encoding="utf-8"?>
 <p:sldLayout xmlns:a="http://schemas.openxmlformats.org/drawingml/2006/main" xmlns:r="http://schemas.openxmlformats.org/officeDocument/2006/relationships" xmlns:p="http://schemas.openxmlformats.org/presentationml/2006/main" preserve="1">
-  <p:cSld name="Quote Name Card">
+  <p:cSld name="3 Column">
     <p:spTree>
       <p:nvGrpSpPr>
         <p:cNvPr id="1" name=""/>
@@ -1703,192 +1469,368 @@
             <p:ph type="title"/>
           </p:nvPr>
         </p:nvSpPr>
+        <p:spPr/>
+        <p:txBody>
+          <a:bodyPr/>
+          <a:lstStyle>
+            <a:lvl1pPr>
+              <a:defRPr sz="4200"/>
+            </a:lvl1pPr>
+          </a:lstStyle>
+          <a:p>
+            <a:r>
+              <a:rPr lang="en-US"/>
+              <a:t>Click to edit Master title style</a:t>
+            </a:r>
+            <a:endParaRPr lang="en-US" dirty="0"/>
+          </a:p>
+        </p:txBody>
+      </p:sp>
+      <p:sp>
+        <p:nvSpPr>
+          <p:cNvPr id="3" name="Text Placeholder 2"/>
+          <p:cNvSpPr>
+            <a:spLocks noGrp="1"/>
+          </p:cNvSpPr>
+          <p:nvPr>
+            <p:ph type="body" idx="1"/>
+          </p:nvPr>
+        </p:nvSpPr>
         <p:spPr>
           <a:xfrm>
-            <a:off x="1141413" y="685800"/>
-            <a:ext cx="9144000" cy="2743200"/>
+            <a:off x="632947" y="1981200"/>
+            <a:ext cx="2946866" cy="576262"/>
           </a:xfrm>
         </p:spPr>
         <p:txBody>
-          <a:bodyPr anchor="ctr">
-            <a:normAutofit/>
+          <a:bodyPr anchor="b">
+            <a:noAutofit/>
           </a:bodyPr>
           <a:lstStyle>
-            <a:lvl1pPr algn="l">
-              <a:defRPr sz="3200" b="0" cap="all">
-                <a:solidFill>
-                  <a:schemeClr val="tx1"/>
-                </a:solidFill>
-              </a:defRPr>
-            </a:lvl1pPr>
-          </a:lstStyle>
-          <a:p>
-            <a:r>
-              <a:rPr lang="en-US"/>
-              <a:t>Click to edit Master title style</a:t>
-            </a:r>
-            <a:endParaRPr lang="en-US" dirty="0"/>
-          </a:p>
-        </p:txBody>
-      </p:sp>
-      <p:sp>
-        <p:nvSpPr>
-          <p:cNvPr id="10" name="Text Placeholder 9"/>
-          <p:cNvSpPr>
-            <a:spLocks noGrp="1"/>
-          </p:cNvSpPr>
-          <p:nvPr>
-            <p:ph type="body" sz="quarter" idx="13"/>
-          </p:nvPr>
-        </p:nvSpPr>
-        <p:spPr>
-          <a:xfrm>
-            <a:off x="684212" y="3928534"/>
-            <a:ext cx="8534401" cy="1049866"/>
-          </a:xfrm>
-        </p:spPr>
-        <p:txBody>
-          <a:bodyPr vert="horz" lIns="91440" tIns="45720" rIns="91440" bIns="45720" rtlCol="0" anchor="b">
-            <a:normAutofit/>
-          </a:bodyPr>
-          <a:lstStyle>
-            <a:lvl1pPr>
-              <a:buNone/>
-              <a:defRPr lang="en-US" sz="2400" b="0" cap="all" dirty="0">
-                <a:ln w="3175" cmpd="sng">
-                  <a:noFill/>
-                </a:ln>
-                <a:solidFill>
-                  <a:schemeClr val="tx1"/>
-                </a:solidFill>
-                <a:effectLst/>
-              </a:defRPr>
-            </a:lvl1pPr>
-          </a:lstStyle>
-          <a:p>
-            <a:pPr marL="0" lvl="0">
-              <a:spcBef>
-                <a:spcPct val="0"/>
-              </a:spcBef>
-              <a:buNone/>
-            </a:pPr>
-            <a:r>
-              <a:rPr lang="en-US"/>
-              <a:t>Click to edit Master text styles</a:t>
-            </a:r>
-          </a:p>
-        </p:txBody>
-      </p:sp>
-      <p:sp>
-        <p:nvSpPr>
-          <p:cNvPr id="3" name="Text Placeholder 2"/>
-          <p:cNvSpPr>
-            <a:spLocks noGrp="1"/>
-          </p:cNvSpPr>
-          <p:nvPr>
-            <p:ph type="body" idx="1"/>
-          </p:nvPr>
-        </p:nvSpPr>
-        <p:spPr>
-          <a:xfrm>
-            <a:off x="684211" y="4978400"/>
-            <a:ext cx="8534401" cy="1016000"/>
-          </a:xfrm>
-        </p:spPr>
-        <p:txBody>
-          <a:bodyPr anchor="t">
-            <a:normAutofit/>
-          </a:bodyPr>
-          <a:lstStyle>
-            <a:lvl1pPr marL="0" indent="0" algn="l">
-              <a:buNone/>
-              <a:defRPr sz="1800">
+            <a:lvl1pPr marL="0" indent="0">
+              <a:buNone/>
+              <a:defRPr sz="2400" b="0">
                 <a:solidFill>
                   <a:schemeClr val="bg2">
-                    <a:lumMod val="75000"/>
+                    <a:lumMod val="40000"/>
+                    <a:lumOff val="60000"/>
                   </a:schemeClr>
                 </a:solidFill>
               </a:defRPr>
             </a:lvl1pPr>
             <a:lvl2pPr marL="457200" indent="0">
               <a:buNone/>
-              <a:defRPr sz="1800">
+              <a:defRPr sz="2000" b="1"/>
+            </a:lvl2pPr>
+            <a:lvl3pPr marL="914400" indent="0">
+              <a:buNone/>
+              <a:defRPr sz="1800" b="1"/>
+            </a:lvl3pPr>
+            <a:lvl4pPr marL="1371600" indent="0">
+              <a:buNone/>
+              <a:defRPr sz="1600" b="1"/>
+            </a:lvl4pPr>
+            <a:lvl5pPr marL="1828800" indent="0">
+              <a:buNone/>
+              <a:defRPr sz="1600" b="1"/>
+            </a:lvl5pPr>
+            <a:lvl6pPr marL="2286000" indent="0">
+              <a:buNone/>
+              <a:defRPr sz="1600" b="1"/>
+            </a:lvl6pPr>
+            <a:lvl7pPr marL="2743200" indent="0">
+              <a:buNone/>
+              <a:defRPr sz="1600" b="1"/>
+            </a:lvl7pPr>
+            <a:lvl8pPr marL="3200400" indent="0">
+              <a:buNone/>
+              <a:defRPr sz="1600" b="1"/>
+            </a:lvl8pPr>
+            <a:lvl9pPr marL="3657600" indent="0">
+              <a:buNone/>
+              <a:defRPr sz="1600" b="1"/>
+            </a:lvl9pPr>
+          </a:lstStyle>
+          <a:p>
+            <a:pPr lvl="0"/>
+            <a:r>
+              <a:rPr lang="en-US"/>
+              <a:t>Click to edit Master text styles</a:t>
+            </a:r>
+          </a:p>
+        </p:txBody>
+      </p:sp>
+      <p:sp>
+        <p:nvSpPr>
+          <p:cNvPr id="16" name="Text Placeholder 3"/>
+          <p:cNvSpPr>
+            <a:spLocks noGrp="1"/>
+          </p:cNvSpPr>
+          <p:nvPr>
+            <p:ph type="body" sz="half" idx="15"/>
+          </p:nvPr>
+        </p:nvSpPr>
+        <p:spPr>
+          <a:xfrm>
+            <a:off x="652463" y="2667000"/>
+            <a:ext cx="2927350" cy="3589338"/>
+          </a:xfrm>
+        </p:spPr>
+        <p:txBody>
+          <a:bodyPr anchor="t">
+            <a:normAutofit/>
+          </a:bodyPr>
+          <a:lstStyle>
+            <a:lvl1pPr marL="0" indent="0">
+              <a:buNone/>
+              <a:defRPr sz="1400"/>
+            </a:lvl1pPr>
+            <a:lvl2pPr marL="457200" indent="0">
+              <a:buNone/>
+              <a:defRPr sz="1200"/>
+            </a:lvl2pPr>
+            <a:lvl3pPr marL="914400" indent="0">
+              <a:buNone/>
+              <a:defRPr sz="1000"/>
+            </a:lvl3pPr>
+            <a:lvl4pPr marL="1371600" indent="0">
+              <a:buNone/>
+              <a:defRPr sz="900"/>
+            </a:lvl4pPr>
+            <a:lvl5pPr marL="1828800" indent="0">
+              <a:buNone/>
+              <a:defRPr sz="900"/>
+            </a:lvl5pPr>
+            <a:lvl6pPr marL="2286000" indent="0">
+              <a:buNone/>
+              <a:defRPr sz="900"/>
+            </a:lvl6pPr>
+            <a:lvl7pPr marL="2743200" indent="0">
+              <a:buNone/>
+              <a:defRPr sz="900"/>
+            </a:lvl7pPr>
+            <a:lvl8pPr marL="3200400" indent="0">
+              <a:buNone/>
+              <a:defRPr sz="900"/>
+            </a:lvl8pPr>
+            <a:lvl9pPr marL="3657600" indent="0">
+              <a:buNone/>
+              <a:defRPr sz="900"/>
+            </a:lvl9pPr>
+          </a:lstStyle>
+          <a:p>
+            <a:pPr lvl="0"/>
+            <a:r>
+              <a:rPr lang="en-US"/>
+              <a:t>Click to edit Master text styles</a:t>
+            </a:r>
+          </a:p>
+        </p:txBody>
+      </p:sp>
+      <p:sp>
+        <p:nvSpPr>
+          <p:cNvPr id="5" name="Text Placeholder 4"/>
+          <p:cNvSpPr>
+            <a:spLocks noGrp="1"/>
+          </p:cNvSpPr>
+          <p:nvPr>
+            <p:ph type="body" sz="quarter" idx="3"/>
+          </p:nvPr>
+        </p:nvSpPr>
+        <p:spPr>
+          <a:xfrm>
+            <a:off x="3883659" y="1981200"/>
+            <a:ext cx="2936241" cy="576262"/>
+          </a:xfrm>
+        </p:spPr>
+        <p:txBody>
+          <a:bodyPr anchor="b">
+            <a:noAutofit/>
+          </a:bodyPr>
+          <a:lstStyle>
+            <a:lvl1pPr marL="0" indent="0">
+              <a:buNone/>
+              <a:defRPr sz="2400" b="0">
                 <a:solidFill>
-                  <a:schemeClr val="tx1">
-                    <a:tint val="75000"/>
+                  <a:schemeClr val="bg2">
+                    <a:lumMod val="40000"/>
+                    <a:lumOff val="60000"/>
                   </a:schemeClr>
                 </a:solidFill>
               </a:defRPr>
+            </a:lvl1pPr>
+            <a:lvl2pPr marL="457200" indent="0">
+              <a:buNone/>
+              <a:defRPr sz="2000" b="1"/>
             </a:lvl2pPr>
             <a:lvl3pPr marL="914400" indent="0">
               <a:buNone/>
-              <a:defRPr sz="1600">
+              <a:defRPr sz="1800" b="1"/>
+            </a:lvl3pPr>
+            <a:lvl4pPr marL="1371600" indent="0">
+              <a:buNone/>
+              <a:defRPr sz="1600" b="1"/>
+            </a:lvl4pPr>
+            <a:lvl5pPr marL="1828800" indent="0">
+              <a:buNone/>
+              <a:defRPr sz="1600" b="1"/>
+            </a:lvl5pPr>
+            <a:lvl6pPr marL="2286000" indent="0">
+              <a:buNone/>
+              <a:defRPr sz="1600" b="1"/>
+            </a:lvl6pPr>
+            <a:lvl7pPr marL="2743200" indent="0">
+              <a:buNone/>
+              <a:defRPr sz="1600" b="1"/>
+            </a:lvl7pPr>
+            <a:lvl8pPr marL="3200400" indent="0">
+              <a:buNone/>
+              <a:defRPr sz="1600" b="1"/>
+            </a:lvl8pPr>
+            <a:lvl9pPr marL="3657600" indent="0">
+              <a:buNone/>
+              <a:defRPr sz="1600" b="1"/>
+            </a:lvl9pPr>
+          </a:lstStyle>
+          <a:p>
+            <a:pPr lvl="0"/>
+            <a:r>
+              <a:rPr lang="en-US"/>
+              <a:t>Click to edit Master text styles</a:t>
+            </a:r>
+          </a:p>
+        </p:txBody>
+      </p:sp>
+      <p:sp>
+        <p:nvSpPr>
+          <p:cNvPr id="19" name="Text Placeholder 3"/>
+          <p:cNvSpPr>
+            <a:spLocks noGrp="1"/>
+          </p:cNvSpPr>
+          <p:nvPr>
+            <p:ph type="body" sz="half" idx="16"/>
+          </p:nvPr>
+        </p:nvSpPr>
+        <p:spPr>
+          <a:xfrm>
+            <a:off x="3873106" y="2667000"/>
+            <a:ext cx="2946794" cy="3589338"/>
+          </a:xfrm>
+        </p:spPr>
+        <p:txBody>
+          <a:bodyPr anchor="t">
+            <a:normAutofit/>
+          </a:bodyPr>
+          <a:lstStyle>
+            <a:lvl1pPr marL="0" indent="0">
+              <a:buNone/>
+              <a:defRPr sz="1400"/>
+            </a:lvl1pPr>
+            <a:lvl2pPr marL="457200" indent="0">
+              <a:buNone/>
+              <a:defRPr sz="1200"/>
+            </a:lvl2pPr>
+            <a:lvl3pPr marL="914400" indent="0">
+              <a:buNone/>
+              <a:defRPr sz="1000"/>
+            </a:lvl3pPr>
+            <a:lvl4pPr marL="1371600" indent="0">
+              <a:buNone/>
+              <a:defRPr sz="900"/>
+            </a:lvl4pPr>
+            <a:lvl5pPr marL="1828800" indent="0">
+              <a:buNone/>
+              <a:defRPr sz="900"/>
+            </a:lvl5pPr>
+            <a:lvl6pPr marL="2286000" indent="0">
+              <a:buNone/>
+              <a:defRPr sz="900"/>
+            </a:lvl6pPr>
+            <a:lvl7pPr marL="2743200" indent="0">
+              <a:buNone/>
+              <a:defRPr sz="900"/>
+            </a:lvl7pPr>
+            <a:lvl8pPr marL="3200400" indent="0">
+              <a:buNone/>
+              <a:defRPr sz="900"/>
+            </a:lvl8pPr>
+            <a:lvl9pPr marL="3657600" indent="0">
+              <a:buNone/>
+              <a:defRPr sz="900"/>
+            </a:lvl9pPr>
+          </a:lstStyle>
+          <a:p>
+            <a:pPr lvl="0"/>
+            <a:r>
+              <a:rPr lang="en-US"/>
+              <a:t>Click to edit Master text styles</a:t>
+            </a:r>
+          </a:p>
+        </p:txBody>
+      </p:sp>
+      <p:sp>
+        <p:nvSpPr>
+          <p:cNvPr id="14" name="Text Placeholder 4"/>
+          <p:cNvSpPr>
+            <a:spLocks noGrp="1"/>
+          </p:cNvSpPr>
+          <p:nvPr>
+            <p:ph type="body" sz="quarter" idx="13"/>
+          </p:nvPr>
+        </p:nvSpPr>
+        <p:spPr>
+          <a:xfrm>
+            <a:off x="7124700" y="1981200"/>
+            <a:ext cx="2932113" cy="576262"/>
+          </a:xfrm>
+        </p:spPr>
+        <p:txBody>
+          <a:bodyPr anchor="b">
+            <a:noAutofit/>
+          </a:bodyPr>
+          <a:lstStyle>
+            <a:lvl1pPr marL="0" indent="0">
+              <a:buNone/>
+              <a:defRPr sz="2400" b="0">
                 <a:solidFill>
-                  <a:schemeClr val="tx1">
-                    <a:tint val="75000"/>
+                  <a:schemeClr val="bg2">
+                    <a:lumMod val="40000"/>
+                    <a:lumOff val="60000"/>
                   </a:schemeClr>
                 </a:solidFill>
               </a:defRPr>
+            </a:lvl1pPr>
+            <a:lvl2pPr marL="457200" indent="0">
+              <a:buNone/>
+              <a:defRPr sz="2000" b="1"/>
+            </a:lvl2pPr>
+            <a:lvl3pPr marL="914400" indent="0">
+              <a:buNone/>
+              <a:defRPr sz="1800" b="1"/>
             </a:lvl3pPr>
             <a:lvl4pPr marL="1371600" indent="0">
               <a:buNone/>
-              <a:defRPr sz="1400">
-                <a:solidFill>
-                  <a:schemeClr val="tx1">
-                    <a:tint val="75000"/>
-                  </a:schemeClr>
-                </a:solidFill>
-              </a:defRPr>
+              <a:defRPr sz="1600" b="1"/>
             </a:lvl4pPr>
             <a:lvl5pPr marL="1828800" indent="0">
               <a:buNone/>
-              <a:defRPr sz="1400">
-                <a:solidFill>
-                  <a:schemeClr val="tx1">
-                    <a:tint val="75000"/>
-                  </a:schemeClr>
-                </a:solidFill>
-              </a:defRPr>
+              <a:defRPr sz="1600" b="1"/>
             </a:lvl5pPr>
             <a:lvl6pPr marL="2286000" indent="0">
               <a:buNone/>
-              <a:defRPr sz="1400">
-                <a:solidFill>
-                  <a:schemeClr val="tx1">
-                    <a:tint val="75000"/>
-                  </a:schemeClr>
-                </a:solidFill>
-              </a:defRPr>
+              <a:defRPr sz="1600" b="1"/>
             </a:lvl6pPr>
             <a:lvl7pPr marL="2743200" indent="0">
               <a:buNone/>
-              <a:defRPr sz="1400">
-                <a:solidFill>
-                  <a:schemeClr val="tx1">
-                    <a:tint val="75000"/>
-                  </a:schemeClr>
-                </a:solidFill>
-              </a:defRPr>
+              <a:defRPr sz="1600" b="1"/>
             </a:lvl7pPr>
             <a:lvl8pPr marL="3200400" indent="0">
               <a:buNone/>
-              <a:defRPr sz="1400">
-                <a:solidFill>
-                  <a:schemeClr val="tx1">
-                    <a:tint val="75000"/>
-                  </a:schemeClr>
-                </a:solidFill>
-              </a:defRPr>
+              <a:defRPr sz="1600" b="1"/>
             </a:lvl8pPr>
             <a:lvl9pPr marL="3657600" indent="0">
               <a:buNone/>
-              <a:defRPr sz="1400">
-                <a:solidFill>
-                  <a:schemeClr val="tx1">
-                    <a:tint val="75000"/>
-                  </a:schemeClr>
-                </a:solidFill>
-              </a:defRPr>
+              <a:defRPr sz="1600" b="1"/>
             </a:lvl9pPr>
           </a:lstStyle>
           <a:p>
@@ -1902,7 +1844,152 @@
       </p:sp>
       <p:sp>
         <p:nvSpPr>
-          <p:cNvPr id="4" name="Date Placeholder 3"/>
+          <p:cNvPr id="20" name="Text Placeholder 3"/>
+          <p:cNvSpPr>
+            <a:spLocks noGrp="1"/>
+          </p:cNvSpPr>
+          <p:nvPr>
+            <p:ph type="body" sz="half" idx="17"/>
+          </p:nvPr>
+        </p:nvSpPr>
+        <p:spPr>
+          <a:xfrm>
+            <a:off x="7124700" y="2667000"/>
+            <a:ext cx="2932113" cy="3589338"/>
+          </a:xfrm>
+        </p:spPr>
+        <p:txBody>
+          <a:bodyPr anchor="t">
+            <a:normAutofit/>
+          </a:bodyPr>
+          <a:lstStyle>
+            <a:lvl1pPr marL="0" indent="0">
+              <a:buNone/>
+              <a:defRPr sz="1400"/>
+            </a:lvl1pPr>
+            <a:lvl2pPr marL="457200" indent="0">
+              <a:buNone/>
+              <a:defRPr sz="1200"/>
+            </a:lvl2pPr>
+            <a:lvl3pPr marL="914400" indent="0">
+              <a:buNone/>
+              <a:defRPr sz="1000"/>
+            </a:lvl3pPr>
+            <a:lvl4pPr marL="1371600" indent="0">
+              <a:buNone/>
+              <a:defRPr sz="900"/>
+            </a:lvl4pPr>
+            <a:lvl5pPr marL="1828800" indent="0">
+              <a:buNone/>
+              <a:defRPr sz="900"/>
+            </a:lvl5pPr>
+            <a:lvl6pPr marL="2286000" indent="0">
+              <a:buNone/>
+              <a:defRPr sz="900"/>
+            </a:lvl6pPr>
+            <a:lvl7pPr marL="2743200" indent="0">
+              <a:buNone/>
+              <a:defRPr sz="900"/>
+            </a:lvl7pPr>
+            <a:lvl8pPr marL="3200400" indent="0">
+              <a:buNone/>
+              <a:defRPr sz="900"/>
+            </a:lvl8pPr>
+            <a:lvl9pPr marL="3657600" indent="0">
+              <a:buNone/>
+              <a:defRPr sz="900"/>
+            </a:lvl9pPr>
+          </a:lstStyle>
+          <a:p>
+            <a:pPr lvl="0"/>
+            <a:r>
+              <a:rPr lang="en-US"/>
+              <a:t>Click to edit Master text styles</a:t>
+            </a:r>
+          </a:p>
+        </p:txBody>
+      </p:sp>
+      <p:cxnSp>
+        <p:nvCxnSpPr>
+          <p:cNvPr id="17" name="Straight Connector 16"/>
+          <p:cNvCxnSpPr/>
+          <p:nvPr/>
+        </p:nvCxnSpPr>
+        <p:spPr>
+          <a:xfrm>
+            <a:off x="3726142" y="2133600"/>
+            <a:ext cx="0" cy="3962400"/>
+          </a:xfrm>
+          <a:prstGeom prst="line">
+            <a:avLst/>
+          </a:prstGeom>
+          <a:ln w="12700" cmpd="sng">
+            <a:solidFill>
+              <a:schemeClr val="bg2">
+                <a:lumMod val="40000"/>
+                <a:lumOff val="60000"/>
+                <a:alpha val="40000"/>
+              </a:schemeClr>
+            </a:solidFill>
+          </a:ln>
+        </p:spPr>
+        <p:style>
+          <a:lnRef idx="2">
+            <a:schemeClr val="accent1"/>
+          </a:lnRef>
+          <a:fillRef idx="0">
+            <a:schemeClr val="accent1"/>
+          </a:fillRef>
+          <a:effectRef idx="1">
+            <a:schemeClr val="accent1"/>
+          </a:effectRef>
+          <a:fontRef idx="minor">
+            <a:schemeClr val="tx1"/>
+          </a:fontRef>
+        </p:style>
+      </p:cxnSp>
+      <p:cxnSp>
+        <p:nvCxnSpPr>
+          <p:cNvPr id="18" name="Straight Connector 17"/>
+          <p:cNvCxnSpPr/>
+          <p:nvPr/>
+        </p:nvCxnSpPr>
+        <p:spPr>
+          <a:xfrm>
+            <a:off x="6962227" y="2133600"/>
+            <a:ext cx="0" cy="3966882"/>
+          </a:xfrm>
+          <a:prstGeom prst="line">
+            <a:avLst/>
+          </a:prstGeom>
+          <a:ln w="12700" cmpd="sng">
+            <a:solidFill>
+              <a:schemeClr val="bg2">
+                <a:lumMod val="40000"/>
+                <a:lumOff val="60000"/>
+                <a:alpha val="40000"/>
+              </a:schemeClr>
+            </a:solidFill>
+          </a:ln>
+        </p:spPr>
+        <p:style>
+          <a:lnRef idx="2">
+            <a:schemeClr val="accent1"/>
+          </a:lnRef>
+          <a:fillRef idx="0">
+            <a:schemeClr val="accent1"/>
+          </a:fillRef>
+          <a:effectRef idx="1">
+            <a:schemeClr val="accent1"/>
+          </a:effectRef>
+          <a:fontRef idx="minor">
+            <a:schemeClr val="tx1"/>
+          </a:fontRef>
+        </p:style>
+      </p:cxnSp>
+      <p:sp>
+        <p:nvSpPr>
+          <p:cNvPr id="7" name="Date Placeholder 3"/>
           <p:cNvSpPr>
             <a:spLocks noGrp="1"/>
           </p:cNvSpPr>
@@ -1917,7 +2004,7 @@
           <a:p>
             <a:fld id="{9FE723E2-BC0F-4A2F-84D1-E095482B85E6}" type="datetimeFigureOut">
               <a:rPr lang="en-CA" smtClean="0"/>
-              <a:t>2020-04-15</a:t>
+              <a:t>2020-04-24</a:t>
             </a:fld>
             <a:endParaRPr lang="en-CA"/>
           </a:p>
@@ -1925,7 +2012,7 @@
       </p:sp>
       <p:sp>
         <p:nvSpPr>
-          <p:cNvPr id="5" name="Footer Placeholder 4"/>
+          <p:cNvPr id="4" name="Footer Placeholder 4"/>
           <p:cNvSpPr>
             <a:spLocks noGrp="1"/>
           </p:cNvSpPr>
@@ -1965,78 +2052,10 @@
           </a:p>
         </p:txBody>
       </p:sp>
-      <p:sp>
-        <p:nvSpPr>
-          <p:cNvPr id="11" name="TextBox 10"/>
-          <p:cNvSpPr txBox="1"/>
-          <p:nvPr/>
-        </p:nvSpPr>
-        <p:spPr>
-          <a:xfrm>
-            <a:off x="531812" y="812222"/>
-            <a:ext cx="609600" cy="584776"/>
-          </a:xfrm>
-          <a:prstGeom prst="rect">
-            <a:avLst/>
-          </a:prstGeom>
-        </p:spPr>
-        <p:txBody>
-          <a:bodyPr vert="horz" lIns="91440" tIns="45720" rIns="91440" bIns="45720" rtlCol="0" anchor="ctr">
-            <a:noAutofit/>
-          </a:bodyPr>
-          <a:lstStyle/>
-          <a:p>
-            <a:pPr lvl="0"/>
-            <a:r>
-              <a:rPr lang="en-US" sz="8000" dirty="0">
-                <a:solidFill>
-                  <a:schemeClr val="tx1"/>
-                </a:solidFill>
-                <a:effectLst/>
-              </a:rPr>
-              <a:t>“</a:t>
-            </a:r>
-          </a:p>
-        </p:txBody>
-      </p:sp>
-      <p:sp>
-        <p:nvSpPr>
-          <p:cNvPr id="12" name="TextBox 11"/>
-          <p:cNvSpPr txBox="1"/>
-          <p:nvPr/>
-        </p:nvSpPr>
-        <p:spPr>
-          <a:xfrm>
-            <a:off x="10285412" y="2768601"/>
-            <a:ext cx="609600" cy="584776"/>
-          </a:xfrm>
-          <a:prstGeom prst="rect">
-            <a:avLst/>
-          </a:prstGeom>
-        </p:spPr>
-        <p:txBody>
-          <a:bodyPr vert="horz" lIns="91440" tIns="45720" rIns="91440" bIns="45720" rtlCol="0" anchor="ctr">
-            <a:noAutofit/>
-          </a:bodyPr>
-          <a:lstStyle/>
-          <a:p>
-            <a:pPr lvl="0" algn="r"/>
-            <a:r>
-              <a:rPr lang="en-US" sz="8000" dirty="0">
-                <a:solidFill>
-                  <a:schemeClr val="tx1"/>
-                </a:solidFill>
-                <a:effectLst/>
-              </a:rPr>
-              <a:t>”</a:t>
-            </a:r>
-          </a:p>
-        </p:txBody>
-      </p:sp>
     </p:spTree>
     <p:extLst>
       <p:ext uri="{BB962C8B-B14F-4D97-AF65-F5344CB8AC3E}">
-        <p14:creationId xmlns:p14="http://schemas.microsoft.com/office/powerpoint/2010/main" val="985763741"/>
+        <p14:creationId xmlns:p14="http://schemas.microsoft.com/office/powerpoint/2010/main" val="3694438774"/>
       </p:ext>
     </p:extLst>
   </p:cSld>
@@ -2048,7 +2067,7 @@
 
 <file path=ppt/slideLayouts/slideLayout15.xml><?xml version="1.0" encoding="utf-8"?>
 <p:sldLayout xmlns:a="http://schemas.openxmlformats.org/drawingml/2006/main" xmlns:r="http://schemas.openxmlformats.org/officeDocument/2006/relationships" xmlns:p="http://schemas.openxmlformats.org/presentationml/2006/main" preserve="1">
-  <p:cSld name="True or False">
+  <p:cSld name="3 Picture Column">
     <p:spTree>
       <p:nvGrpSpPr>
         <p:cNvPr id="1" name=""/>
@@ -2073,189 +2092,526 @@
             <p:ph type="title"/>
           </p:nvPr>
         </p:nvSpPr>
+        <p:spPr/>
+        <p:txBody>
+          <a:bodyPr/>
+          <a:lstStyle>
+            <a:lvl1pPr>
+              <a:defRPr sz="4200"/>
+            </a:lvl1pPr>
+          </a:lstStyle>
+          <a:p>
+            <a:r>
+              <a:rPr lang="en-US"/>
+              <a:t>Click to edit Master title style</a:t>
+            </a:r>
+            <a:endParaRPr lang="en-US" dirty="0"/>
+          </a:p>
+        </p:txBody>
+      </p:sp>
+      <p:sp>
+        <p:nvSpPr>
+          <p:cNvPr id="3" name="Text Placeholder 2"/>
+          <p:cNvSpPr>
+            <a:spLocks noGrp="1"/>
+          </p:cNvSpPr>
+          <p:nvPr>
+            <p:ph type="body" idx="1"/>
+          </p:nvPr>
+        </p:nvSpPr>
         <p:spPr>
           <a:xfrm>
-            <a:off x="684213" y="685800"/>
-            <a:ext cx="10058400" cy="2743200"/>
+            <a:off x="652463" y="4250949"/>
+            <a:ext cx="2940050" cy="576262"/>
           </a:xfrm>
         </p:spPr>
         <p:txBody>
-          <a:bodyPr vert="horz" lIns="91440" tIns="45720" rIns="91440" bIns="45720" rtlCol="0" anchor="ctr">
-            <a:normAutofit/>
+          <a:bodyPr anchor="b">
+            <a:noAutofit/>
           </a:bodyPr>
           <a:lstStyle>
-            <a:lvl1pPr>
-              <a:defRPr lang="en-US" b="0" dirty="0"/>
-            </a:lvl1pPr>
-          </a:lstStyle>
-          <a:p>
-            <a:pPr marL="0" lvl="0"/>
-            <a:r>
-              <a:rPr lang="en-US"/>
-              <a:t>Click to edit Master title style</a:t>
-            </a:r>
-            <a:endParaRPr lang="en-US" dirty="0"/>
-          </a:p>
-        </p:txBody>
-      </p:sp>
-      <p:sp>
-        <p:nvSpPr>
-          <p:cNvPr id="10" name="Text Placeholder 9"/>
-          <p:cNvSpPr>
-            <a:spLocks noGrp="1"/>
-          </p:cNvSpPr>
-          <p:nvPr>
-            <p:ph type="body" sz="quarter" idx="13"/>
-          </p:nvPr>
-        </p:nvSpPr>
-        <p:spPr>
-          <a:xfrm>
-            <a:off x="684212" y="3928534"/>
-            <a:ext cx="8534400" cy="838200"/>
-          </a:xfrm>
-        </p:spPr>
-        <p:txBody>
-          <a:bodyPr vert="horz" lIns="91440" tIns="45720" rIns="91440" bIns="45720" rtlCol="0" anchor="b">
-            <a:normAutofit/>
-          </a:bodyPr>
-          <a:lstStyle>
-            <a:lvl1pPr>
-              <a:buNone/>
-              <a:defRPr lang="en-US" sz="2400" b="0" cap="all" dirty="0">
-                <a:ln w="3175" cmpd="sng">
-                  <a:noFill/>
-                </a:ln>
-                <a:solidFill>
-                  <a:schemeClr val="tx1"/>
-                </a:solidFill>
-                <a:effectLst/>
-              </a:defRPr>
-            </a:lvl1pPr>
-          </a:lstStyle>
-          <a:p>
-            <a:pPr marL="0" lvl="0">
-              <a:spcBef>
-                <a:spcPct val="0"/>
-              </a:spcBef>
-              <a:buNone/>
-            </a:pPr>
-            <a:r>
-              <a:rPr lang="en-US"/>
-              <a:t>Click to edit Master text styles</a:t>
-            </a:r>
-          </a:p>
-        </p:txBody>
-      </p:sp>
-      <p:sp>
-        <p:nvSpPr>
-          <p:cNvPr id="3" name="Text Placeholder 2"/>
-          <p:cNvSpPr>
-            <a:spLocks noGrp="1"/>
-          </p:cNvSpPr>
-          <p:nvPr>
-            <p:ph type="body" idx="1"/>
-          </p:nvPr>
-        </p:nvSpPr>
-        <p:spPr>
-          <a:xfrm>
-            <a:off x="684211" y="4766732"/>
-            <a:ext cx="8534401" cy="1227667"/>
-          </a:xfrm>
-        </p:spPr>
-        <p:txBody>
-          <a:bodyPr anchor="t">
-            <a:normAutofit/>
-          </a:bodyPr>
-          <a:lstStyle>
-            <a:lvl1pPr marL="0" indent="0" algn="l">
-              <a:buNone/>
-              <a:defRPr sz="1800">
+            <a:lvl1pPr marL="0" indent="0">
+              <a:buNone/>
+              <a:defRPr sz="2400" b="0">
                 <a:solidFill>
                   <a:schemeClr val="bg2">
-                    <a:lumMod val="75000"/>
+                    <a:lumMod val="40000"/>
+                    <a:lumOff val="60000"/>
                   </a:schemeClr>
                 </a:solidFill>
               </a:defRPr>
             </a:lvl1pPr>
             <a:lvl2pPr marL="457200" indent="0">
               <a:buNone/>
-              <a:defRPr sz="1800">
+              <a:defRPr sz="2000" b="1"/>
+            </a:lvl2pPr>
+            <a:lvl3pPr marL="914400" indent="0">
+              <a:buNone/>
+              <a:defRPr sz="1800" b="1"/>
+            </a:lvl3pPr>
+            <a:lvl4pPr marL="1371600" indent="0">
+              <a:buNone/>
+              <a:defRPr sz="1600" b="1"/>
+            </a:lvl4pPr>
+            <a:lvl5pPr marL="1828800" indent="0">
+              <a:buNone/>
+              <a:defRPr sz="1600" b="1"/>
+            </a:lvl5pPr>
+            <a:lvl6pPr marL="2286000" indent="0">
+              <a:buNone/>
+              <a:defRPr sz="1600" b="1"/>
+            </a:lvl6pPr>
+            <a:lvl7pPr marL="2743200" indent="0">
+              <a:buNone/>
+              <a:defRPr sz="1600" b="1"/>
+            </a:lvl7pPr>
+            <a:lvl8pPr marL="3200400" indent="0">
+              <a:buNone/>
+              <a:defRPr sz="1600" b="1"/>
+            </a:lvl8pPr>
+            <a:lvl9pPr marL="3657600" indent="0">
+              <a:buNone/>
+              <a:defRPr sz="1600" b="1"/>
+            </a:lvl9pPr>
+          </a:lstStyle>
+          <a:p>
+            <a:pPr lvl="0"/>
+            <a:r>
+              <a:rPr lang="en-US"/>
+              <a:t>Click to edit Master text styles</a:t>
+            </a:r>
+          </a:p>
+        </p:txBody>
+      </p:sp>
+      <p:sp>
+        <p:nvSpPr>
+          <p:cNvPr id="29" name="Picture Placeholder 2"/>
+          <p:cNvSpPr>
+            <a:spLocks noGrp="1" noChangeAspect="1"/>
+          </p:cNvSpPr>
+          <p:nvPr>
+            <p:ph type="pic" idx="15"/>
+          </p:nvPr>
+        </p:nvSpPr>
+        <p:spPr>
+          <a:xfrm>
+            <a:off x="652463" y="2209800"/>
+            <a:ext cx="2940050" cy="1524000"/>
+          </a:xfrm>
+          <a:prstGeom prst="roundRect">
+            <a:avLst>
+              <a:gd name="adj" fmla="val 1858"/>
+            </a:avLst>
+          </a:prstGeom>
+          <a:effectLst>
+            <a:outerShdw blurRad="50800" dist="50800" dir="5400000" algn="tl" rotWithShape="0">
+              <a:srgbClr val="000000">
+                <a:alpha val="43000"/>
+              </a:srgbClr>
+            </a:outerShdw>
+          </a:effectLst>
+        </p:spPr>
+        <p:txBody>
+          <a:bodyPr anchor="t">
+            <a:normAutofit/>
+          </a:bodyPr>
+          <a:lstStyle>
+            <a:lvl1pPr marL="0" indent="0" algn="ctr">
+              <a:buNone/>
+              <a:defRPr sz="1600"/>
+            </a:lvl1pPr>
+            <a:lvl2pPr marL="457200" indent="0">
+              <a:buNone/>
+              <a:defRPr sz="1600"/>
+            </a:lvl2pPr>
+            <a:lvl3pPr marL="914400" indent="0">
+              <a:buNone/>
+              <a:defRPr sz="1600"/>
+            </a:lvl3pPr>
+            <a:lvl4pPr marL="1371600" indent="0">
+              <a:buNone/>
+              <a:defRPr sz="1600"/>
+            </a:lvl4pPr>
+            <a:lvl5pPr marL="1828800" indent="0">
+              <a:buNone/>
+              <a:defRPr sz="1600"/>
+            </a:lvl5pPr>
+            <a:lvl6pPr marL="2286000" indent="0">
+              <a:buNone/>
+              <a:defRPr sz="1600"/>
+            </a:lvl6pPr>
+            <a:lvl7pPr marL="2743200" indent="0">
+              <a:buNone/>
+              <a:defRPr sz="1600"/>
+            </a:lvl7pPr>
+            <a:lvl8pPr marL="3200400" indent="0">
+              <a:buNone/>
+              <a:defRPr sz="1600"/>
+            </a:lvl8pPr>
+            <a:lvl9pPr marL="3657600" indent="0">
+              <a:buNone/>
+              <a:defRPr sz="1600"/>
+            </a:lvl9pPr>
+          </a:lstStyle>
+          <a:p>
+            <a:r>
+              <a:rPr lang="en-US"/>
+              <a:t>Click icon to add picture</a:t>
+            </a:r>
+            <a:endParaRPr lang="en-US" dirty="0"/>
+          </a:p>
+        </p:txBody>
+      </p:sp>
+      <p:sp>
+        <p:nvSpPr>
+          <p:cNvPr id="22" name="Text Placeholder 3"/>
+          <p:cNvSpPr>
+            <a:spLocks noGrp="1"/>
+          </p:cNvSpPr>
+          <p:nvPr>
+            <p:ph type="body" sz="half" idx="18"/>
+          </p:nvPr>
+        </p:nvSpPr>
+        <p:spPr>
+          <a:xfrm>
+            <a:off x="652463" y="4827211"/>
+            <a:ext cx="2940050" cy="659189"/>
+          </a:xfrm>
+        </p:spPr>
+        <p:txBody>
+          <a:bodyPr anchor="t">
+            <a:normAutofit/>
+          </a:bodyPr>
+          <a:lstStyle>
+            <a:lvl1pPr marL="0" indent="0">
+              <a:buNone/>
+              <a:defRPr sz="1400"/>
+            </a:lvl1pPr>
+            <a:lvl2pPr marL="457200" indent="0">
+              <a:buNone/>
+              <a:defRPr sz="1200"/>
+            </a:lvl2pPr>
+            <a:lvl3pPr marL="914400" indent="0">
+              <a:buNone/>
+              <a:defRPr sz="1000"/>
+            </a:lvl3pPr>
+            <a:lvl4pPr marL="1371600" indent="0">
+              <a:buNone/>
+              <a:defRPr sz="900"/>
+            </a:lvl4pPr>
+            <a:lvl5pPr marL="1828800" indent="0">
+              <a:buNone/>
+              <a:defRPr sz="900"/>
+            </a:lvl5pPr>
+            <a:lvl6pPr marL="2286000" indent="0">
+              <a:buNone/>
+              <a:defRPr sz="900"/>
+            </a:lvl6pPr>
+            <a:lvl7pPr marL="2743200" indent="0">
+              <a:buNone/>
+              <a:defRPr sz="900"/>
+            </a:lvl7pPr>
+            <a:lvl8pPr marL="3200400" indent="0">
+              <a:buNone/>
+              <a:defRPr sz="900"/>
+            </a:lvl8pPr>
+            <a:lvl9pPr marL="3657600" indent="0">
+              <a:buNone/>
+              <a:defRPr sz="900"/>
+            </a:lvl9pPr>
+          </a:lstStyle>
+          <a:p>
+            <a:pPr lvl="0"/>
+            <a:r>
+              <a:rPr lang="en-US"/>
+              <a:t>Click to edit Master text styles</a:t>
+            </a:r>
+          </a:p>
+        </p:txBody>
+      </p:sp>
+      <p:sp>
+        <p:nvSpPr>
+          <p:cNvPr id="5" name="Text Placeholder 4"/>
+          <p:cNvSpPr>
+            <a:spLocks noGrp="1"/>
+          </p:cNvSpPr>
+          <p:nvPr>
+            <p:ph type="body" sz="quarter" idx="3"/>
+          </p:nvPr>
+        </p:nvSpPr>
+        <p:spPr>
+          <a:xfrm>
+            <a:off x="3889375" y="4250949"/>
+            <a:ext cx="2930525" cy="576262"/>
+          </a:xfrm>
+        </p:spPr>
+        <p:txBody>
+          <a:bodyPr anchor="b">
+            <a:noAutofit/>
+          </a:bodyPr>
+          <a:lstStyle>
+            <a:lvl1pPr marL="0" indent="0">
+              <a:buNone/>
+              <a:defRPr sz="2400" b="0">
                 <a:solidFill>
-                  <a:schemeClr val="tx1">
-                    <a:tint val="75000"/>
+                  <a:schemeClr val="bg2">
+                    <a:lumMod val="40000"/>
+                    <a:lumOff val="60000"/>
                   </a:schemeClr>
                 </a:solidFill>
               </a:defRPr>
+            </a:lvl1pPr>
+            <a:lvl2pPr marL="457200" indent="0">
+              <a:buNone/>
+              <a:defRPr sz="2000" b="1"/>
             </a:lvl2pPr>
             <a:lvl3pPr marL="914400" indent="0">
               <a:buNone/>
-              <a:defRPr sz="1600">
+              <a:defRPr sz="1800" b="1"/>
+            </a:lvl3pPr>
+            <a:lvl4pPr marL="1371600" indent="0">
+              <a:buNone/>
+              <a:defRPr sz="1600" b="1"/>
+            </a:lvl4pPr>
+            <a:lvl5pPr marL="1828800" indent="0">
+              <a:buNone/>
+              <a:defRPr sz="1600" b="1"/>
+            </a:lvl5pPr>
+            <a:lvl6pPr marL="2286000" indent="0">
+              <a:buNone/>
+              <a:defRPr sz="1600" b="1"/>
+            </a:lvl6pPr>
+            <a:lvl7pPr marL="2743200" indent="0">
+              <a:buNone/>
+              <a:defRPr sz="1600" b="1"/>
+            </a:lvl7pPr>
+            <a:lvl8pPr marL="3200400" indent="0">
+              <a:buNone/>
+              <a:defRPr sz="1600" b="1"/>
+            </a:lvl8pPr>
+            <a:lvl9pPr marL="3657600" indent="0">
+              <a:buNone/>
+              <a:defRPr sz="1600" b="1"/>
+            </a:lvl9pPr>
+          </a:lstStyle>
+          <a:p>
+            <a:pPr lvl="0"/>
+            <a:r>
+              <a:rPr lang="en-US"/>
+              <a:t>Click to edit Master text styles</a:t>
+            </a:r>
+          </a:p>
+        </p:txBody>
+      </p:sp>
+      <p:sp>
+        <p:nvSpPr>
+          <p:cNvPr id="30" name="Picture Placeholder 2"/>
+          <p:cNvSpPr>
+            <a:spLocks noGrp="1" noChangeAspect="1"/>
+          </p:cNvSpPr>
+          <p:nvPr>
+            <p:ph type="pic" idx="21"/>
+          </p:nvPr>
+        </p:nvSpPr>
+        <p:spPr>
+          <a:xfrm>
+            <a:off x="3889374" y="2209800"/>
+            <a:ext cx="2930525" cy="1524000"/>
+          </a:xfrm>
+          <a:prstGeom prst="roundRect">
+            <a:avLst>
+              <a:gd name="adj" fmla="val 1858"/>
+            </a:avLst>
+          </a:prstGeom>
+          <a:effectLst>
+            <a:outerShdw blurRad="50800" dist="50800" dir="5400000" algn="tl" rotWithShape="0">
+              <a:srgbClr val="000000">
+                <a:alpha val="43000"/>
+              </a:srgbClr>
+            </a:outerShdw>
+          </a:effectLst>
+        </p:spPr>
+        <p:txBody>
+          <a:bodyPr anchor="t">
+            <a:normAutofit/>
+          </a:bodyPr>
+          <a:lstStyle>
+            <a:lvl1pPr marL="0" indent="0" algn="ctr">
+              <a:buNone/>
+              <a:defRPr sz="1600"/>
+            </a:lvl1pPr>
+            <a:lvl2pPr marL="457200" indent="0">
+              <a:buNone/>
+              <a:defRPr sz="1600"/>
+            </a:lvl2pPr>
+            <a:lvl3pPr marL="914400" indent="0">
+              <a:buNone/>
+              <a:defRPr sz="1600"/>
+            </a:lvl3pPr>
+            <a:lvl4pPr marL="1371600" indent="0">
+              <a:buNone/>
+              <a:defRPr sz="1600"/>
+            </a:lvl4pPr>
+            <a:lvl5pPr marL="1828800" indent="0">
+              <a:buNone/>
+              <a:defRPr sz="1600"/>
+            </a:lvl5pPr>
+            <a:lvl6pPr marL="2286000" indent="0">
+              <a:buNone/>
+              <a:defRPr sz="1600"/>
+            </a:lvl6pPr>
+            <a:lvl7pPr marL="2743200" indent="0">
+              <a:buNone/>
+              <a:defRPr sz="1600"/>
+            </a:lvl7pPr>
+            <a:lvl8pPr marL="3200400" indent="0">
+              <a:buNone/>
+              <a:defRPr sz="1600"/>
+            </a:lvl8pPr>
+            <a:lvl9pPr marL="3657600" indent="0">
+              <a:buNone/>
+              <a:defRPr sz="1600"/>
+            </a:lvl9pPr>
+          </a:lstStyle>
+          <a:p>
+            <a:r>
+              <a:rPr lang="en-US"/>
+              <a:t>Click icon to add picture</a:t>
+            </a:r>
+            <a:endParaRPr lang="en-US" dirty="0"/>
+          </a:p>
+        </p:txBody>
+      </p:sp>
+      <p:sp>
+        <p:nvSpPr>
+          <p:cNvPr id="23" name="Text Placeholder 3"/>
+          <p:cNvSpPr>
+            <a:spLocks noGrp="1"/>
+          </p:cNvSpPr>
+          <p:nvPr>
+            <p:ph type="body" sz="half" idx="19"/>
+          </p:nvPr>
+        </p:nvSpPr>
+        <p:spPr>
+          <a:xfrm>
+            <a:off x="3888022" y="4827210"/>
+            <a:ext cx="2934406" cy="659189"/>
+          </a:xfrm>
+        </p:spPr>
+        <p:txBody>
+          <a:bodyPr anchor="t">
+            <a:normAutofit/>
+          </a:bodyPr>
+          <a:lstStyle>
+            <a:lvl1pPr marL="0" indent="0">
+              <a:buNone/>
+              <a:defRPr sz="1400"/>
+            </a:lvl1pPr>
+            <a:lvl2pPr marL="457200" indent="0">
+              <a:buNone/>
+              <a:defRPr sz="1200"/>
+            </a:lvl2pPr>
+            <a:lvl3pPr marL="914400" indent="0">
+              <a:buNone/>
+              <a:defRPr sz="1000"/>
+            </a:lvl3pPr>
+            <a:lvl4pPr marL="1371600" indent="0">
+              <a:buNone/>
+              <a:defRPr sz="900"/>
+            </a:lvl4pPr>
+            <a:lvl5pPr marL="1828800" indent="0">
+              <a:buNone/>
+              <a:defRPr sz="900"/>
+            </a:lvl5pPr>
+            <a:lvl6pPr marL="2286000" indent="0">
+              <a:buNone/>
+              <a:defRPr sz="900"/>
+            </a:lvl6pPr>
+            <a:lvl7pPr marL="2743200" indent="0">
+              <a:buNone/>
+              <a:defRPr sz="900"/>
+            </a:lvl7pPr>
+            <a:lvl8pPr marL="3200400" indent="0">
+              <a:buNone/>
+              <a:defRPr sz="900"/>
+            </a:lvl8pPr>
+            <a:lvl9pPr marL="3657600" indent="0">
+              <a:buNone/>
+              <a:defRPr sz="900"/>
+            </a:lvl9pPr>
+          </a:lstStyle>
+          <a:p>
+            <a:pPr lvl="0"/>
+            <a:r>
+              <a:rPr lang="en-US"/>
+              <a:t>Click to edit Master text styles</a:t>
+            </a:r>
+          </a:p>
+        </p:txBody>
+      </p:sp>
+      <p:sp>
+        <p:nvSpPr>
+          <p:cNvPr id="14" name="Text Placeholder 4"/>
+          <p:cNvSpPr>
+            <a:spLocks noGrp="1"/>
+          </p:cNvSpPr>
+          <p:nvPr>
+            <p:ph type="body" sz="quarter" idx="13"/>
+          </p:nvPr>
+        </p:nvSpPr>
+        <p:spPr>
+          <a:xfrm>
+            <a:off x="7124700" y="4250949"/>
+            <a:ext cx="2932113" cy="576262"/>
+          </a:xfrm>
+        </p:spPr>
+        <p:txBody>
+          <a:bodyPr anchor="b">
+            <a:noAutofit/>
+          </a:bodyPr>
+          <a:lstStyle>
+            <a:lvl1pPr marL="0" indent="0">
+              <a:buNone/>
+              <a:defRPr sz="2400" b="0">
                 <a:solidFill>
-                  <a:schemeClr val="tx1">
-                    <a:tint val="75000"/>
+                  <a:schemeClr val="bg2">
+                    <a:lumMod val="40000"/>
+                    <a:lumOff val="60000"/>
                   </a:schemeClr>
                 </a:solidFill>
               </a:defRPr>
+            </a:lvl1pPr>
+            <a:lvl2pPr marL="457200" indent="0">
+              <a:buNone/>
+              <a:defRPr sz="2000" b="1"/>
+            </a:lvl2pPr>
+            <a:lvl3pPr marL="914400" indent="0">
+              <a:buNone/>
+              <a:defRPr sz="1800" b="1"/>
             </a:lvl3pPr>
             <a:lvl4pPr marL="1371600" indent="0">
               <a:buNone/>
-              <a:defRPr sz="1400">
-                <a:solidFill>
-                  <a:schemeClr val="tx1">
-                    <a:tint val="75000"/>
-                  </a:schemeClr>
-                </a:solidFill>
-              </a:defRPr>
+              <a:defRPr sz="1600" b="1"/>
             </a:lvl4pPr>
             <a:lvl5pPr marL="1828800" indent="0">
               <a:buNone/>
-              <a:defRPr sz="1400">
-                <a:solidFill>
-                  <a:schemeClr val="tx1">
-                    <a:tint val="75000"/>
-                  </a:schemeClr>
-                </a:solidFill>
-              </a:defRPr>
+              <a:defRPr sz="1600" b="1"/>
             </a:lvl5pPr>
             <a:lvl6pPr marL="2286000" indent="0">
               <a:buNone/>
-              <a:defRPr sz="1400">
-                <a:solidFill>
-                  <a:schemeClr val="tx1">
-                    <a:tint val="75000"/>
-                  </a:schemeClr>
-                </a:solidFill>
-              </a:defRPr>
+              <a:defRPr sz="1600" b="1"/>
             </a:lvl6pPr>
             <a:lvl7pPr marL="2743200" indent="0">
               <a:buNone/>
-              <a:defRPr sz="1400">
-                <a:solidFill>
-                  <a:schemeClr val="tx1">
-                    <a:tint val="75000"/>
-                  </a:schemeClr>
-                </a:solidFill>
-              </a:defRPr>
+              <a:defRPr sz="1600" b="1"/>
             </a:lvl7pPr>
             <a:lvl8pPr marL="3200400" indent="0">
               <a:buNone/>
-              <a:defRPr sz="1400">
-                <a:solidFill>
-                  <a:schemeClr val="tx1">
-                    <a:tint val="75000"/>
-                  </a:schemeClr>
-                </a:solidFill>
-              </a:defRPr>
+              <a:defRPr sz="1600" b="1"/>
             </a:lvl8pPr>
             <a:lvl9pPr marL="3657600" indent="0">
               <a:buNone/>
-              <a:defRPr sz="1400">
-                <a:solidFill>
-                  <a:schemeClr val="tx1">
-                    <a:tint val="75000"/>
-                  </a:schemeClr>
-                </a:solidFill>
-              </a:defRPr>
+              <a:defRPr sz="1600" b="1"/>
             </a:lvl9pPr>
           </a:lstStyle>
           <a:p>
@@ -2269,7 +2625,231 @@
       </p:sp>
       <p:sp>
         <p:nvSpPr>
-          <p:cNvPr id="4" name="Date Placeholder 3"/>
+          <p:cNvPr id="31" name="Picture Placeholder 2"/>
+          <p:cNvSpPr>
+            <a:spLocks noGrp="1" noChangeAspect="1"/>
+          </p:cNvSpPr>
+          <p:nvPr>
+            <p:ph type="pic" idx="22"/>
+          </p:nvPr>
+        </p:nvSpPr>
+        <p:spPr>
+          <a:xfrm>
+            <a:off x="7124699" y="2209800"/>
+            <a:ext cx="2932113" cy="1524000"/>
+          </a:xfrm>
+          <a:prstGeom prst="roundRect">
+            <a:avLst>
+              <a:gd name="adj" fmla="val 1858"/>
+            </a:avLst>
+          </a:prstGeom>
+          <a:effectLst>
+            <a:outerShdw blurRad="50800" dist="50800" dir="5400000" algn="tl" rotWithShape="0">
+              <a:srgbClr val="000000">
+                <a:alpha val="43000"/>
+              </a:srgbClr>
+            </a:outerShdw>
+          </a:effectLst>
+        </p:spPr>
+        <p:txBody>
+          <a:bodyPr anchor="t">
+            <a:normAutofit/>
+          </a:bodyPr>
+          <a:lstStyle>
+            <a:lvl1pPr marL="0" indent="0" algn="ctr">
+              <a:buNone/>
+              <a:defRPr sz="1600"/>
+            </a:lvl1pPr>
+            <a:lvl2pPr marL="457200" indent="0">
+              <a:buNone/>
+              <a:defRPr sz="1600"/>
+            </a:lvl2pPr>
+            <a:lvl3pPr marL="914400" indent="0">
+              <a:buNone/>
+              <a:defRPr sz="1600"/>
+            </a:lvl3pPr>
+            <a:lvl4pPr marL="1371600" indent="0">
+              <a:buNone/>
+              <a:defRPr sz="1600"/>
+            </a:lvl4pPr>
+            <a:lvl5pPr marL="1828800" indent="0">
+              <a:buNone/>
+              <a:defRPr sz="1600"/>
+            </a:lvl5pPr>
+            <a:lvl6pPr marL="2286000" indent="0">
+              <a:buNone/>
+              <a:defRPr sz="1600"/>
+            </a:lvl6pPr>
+            <a:lvl7pPr marL="2743200" indent="0">
+              <a:buNone/>
+              <a:defRPr sz="1600"/>
+            </a:lvl7pPr>
+            <a:lvl8pPr marL="3200400" indent="0">
+              <a:buNone/>
+              <a:defRPr sz="1600"/>
+            </a:lvl8pPr>
+            <a:lvl9pPr marL="3657600" indent="0">
+              <a:buNone/>
+              <a:defRPr sz="1600"/>
+            </a:lvl9pPr>
+          </a:lstStyle>
+          <a:p>
+            <a:r>
+              <a:rPr lang="en-US"/>
+              <a:t>Click icon to add picture</a:t>
+            </a:r>
+            <a:endParaRPr lang="en-US" dirty="0"/>
+          </a:p>
+        </p:txBody>
+      </p:sp>
+      <p:sp>
+        <p:nvSpPr>
+          <p:cNvPr id="24" name="Text Placeholder 3"/>
+          <p:cNvSpPr>
+            <a:spLocks noGrp="1"/>
+          </p:cNvSpPr>
+          <p:nvPr>
+            <p:ph type="body" sz="half" idx="20"/>
+          </p:nvPr>
+        </p:nvSpPr>
+        <p:spPr>
+          <a:xfrm>
+            <a:off x="7124575" y="4827208"/>
+            <a:ext cx="2935997" cy="659189"/>
+          </a:xfrm>
+        </p:spPr>
+        <p:txBody>
+          <a:bodyPr anchor="t">
+            <a:normAutofit/>
+          </a:bodyPr>
+          <a:lstStyle>
+            <a:lvl1pPr marL="0" indent="0">
+              <a:buNone/>
+              <a:defRPr sz="1400"/>
+            </a:lvl1pPr>
+            <a:lvl2pPr marL="457200" indent="0">
+              <a:buNone/>
+              <a:defRPr sz="1200"/>
+            </a:lvl2pPr>
+            <a:lvl3pPr marL="914400" indent="0">
+              <a:buNone/>
+              <a:defRPr sz="1000"/>
+            </a:lvl3pPr>
+            <a:lvl4pPr marL="1371600" indent="0">
+              <a:buNone/>
+              <a:defRPr sz="900"/>
+            </a:lvl4pPr>
+            <a:lvl5pPr marL="1828800" indent="0">
+              <a:buNone/>
+              <a:defRPr sz="900"/>
+            </a:lvl5pPr>
+            <a:lvl6pPr marL="2286000" indent="0">
+              <a:buNone/>
+              <a:defRPr sz="900"/>
+            </a:lvl6pPr>
+            <a:lvl7pPr marL="2743200" indent="0">
+              <a:buNone/>
+              <a:defRPr sz="900"/>
+            </a:lvl7pPr>
+            <a:lvl8pPr marL="3200400" indent="0">
+              <a:buNone/>
+              <a:defRPr sz="900"/>
+            </a:lvl8pPr>
+            <a:lvl9pPr marL="3657600" indent="0">
+              <a:buNone/>
+              <a:defRPr sz="900"/>
+            </a:lvl9pPr>
+          </a:lstStyle>
+          <a:p>
+            <a:pPr lvl="0"/>
+            <a:r>
+              <a:rPr lang="en-US"/>
+              <a:t>Click to edit Master text styles</a:t>
+            </a:r>
+          </a:p>
+        </p:txBody>
+      </p:sp>
+      <p:cxnSp>
+        <p:nvCxnSpPr>
+          <p:cNvPr id="19" name="Straight Connector 18"/>
+          <p:cNvCxnSpPr/>
+          <p:nvPr/>
+        </p:nvCxnSpPr>
+        <p:spPr>
+          <a:xfrm>
+            <a:off x="3726142" y="2133600"/>
+            <a:ext cx="0" cy="3962400"/>
+          </a:xfrm>
+          <a:prstGeom prst="line">
+            <a:avLst/>
+          </a:prstGeom>
+          <a:ln w="12700" cmpd="sng">
+            <a:solidFill>
+              <a:schemeClr val="bg2">
+                <a:lumMod val="40000"/>
+                <a:lumOff val="60000"/>
+                <a:alpha val="40000"/>
+              </a:schemeClr>
+            </a:solidFill>
+          </a:ln>
+        </p:spPr>
+        <p:style>
+          <a:lnRef idx="2">
+            <a:schemeClr val="accent1"/>
+          </a:lnRef>
+          <a:fillRef idx="0">
+            <a:schemeClr val="accent1"/>
+          </a:fillRef>
+          <a:effectRef idx="1">
+            <a:schemeClr val="accent1"/>
+          </a:effectRef>
+          <a:fontRef idx="minor">
+            <a:schemeClr val="tx1"/>
+          </a:fontRef>
+        </p:style>
+      </p:cxnSp>
+      <p:cxnSp>
+        <p:nvCxnSpPr>
+          <p:cNvPr id="20" name="Straight Connector 19"/>
+          <p:cNvCxnSpPr/>
+          <p:nvPr/>
+        </p:nvCxnSpPr>
+        <p:spPr>
+          <a:xfrm>
+            <a:off x="6962227" y="2133600"/>
+            <a:ext cx="0" cy="3966882"/>
+          </a:xfrm>
+          <a:prstGeom prst="line">
+            <a:avLst/>
+          </a:prstGeom>
+          <a:ln w="12700" cmpd="sng">
+            <a:solidFill>
+              <a:schemeClr val="bg2">
+                <a:lumMod val="40000"/>
+                <a:lumOff val="60000"/>
+                <a:alpha val="40000"/>
+              </a:schemeClr>
+            </a:solidFill>
+          </a:ln>
+        </p:spPr>
+        <p:style>
+          <a:lnRef idx="2">
+            <a:schemeClr val="accent1"/>
+          </a:lnRef>
+          <a:fillRef idx="0">
+            <a:schemeClr val="accent1"/>
+          </a:fillRef>
+          <a:effectRef idx="1">
+            <a:schemeClr val="accent1"/>
+          </a:effectRef>
+          <a:fontRef idx="minor">
+            <a:schemeClr val="tx1"/>
+          </a:fontRef>
+        </p:style>
+      </p:cxnSp>
+      <p:sp>
+        <p:nvSpPr>
+          <p:cNvPr id="7" name="Date Placeholder 3"/>
           <p:cNvSpPr>
             <a:spLocks noGrp="1"/>
           </p:cNvSpPr>
@@ -2284,7 +2864,7 @@
           <a:p>
             <a:fld id="{9FE723E2-BC0F-4A2F-84D1-E095482B85E6}" type="datetimeFigureOut">
               <a:rPr lang="en-CA" smtClean="0"/>
-              <a:t>2020-04-15</a:t>
+              <a:t>2020-04-24</a:t>
             </a:fld>
             <a:endParaRPr lang="en-CA"/>
           </a:p>
@@ -2292,7 +2872,7 @@
       </p:sp>
       <p:sp>
         <p:nvSpPr>
-          <p:cNvPr id="5" name="Footer Placeholder 4"/>
+          <p:cNvPr id="4" name="Footer Placeholder 4"/>
           <p:cNvSpPr>
             <a:spLocks noGrp="1"/>
           </p:cNvSpPr>
@@ -2335,7 +2915,7 @@
     </p:spTree>
     <p:extLst>
       <p:ext uri="{BB962C8B-B14F-4D97-AF65-F5344CB8AC3E}">
-        <p14:creationId xmlns:p14="http://schemas.microsoft.com/office/powerpoint/2010/main" val="592202481"/>
+        <p14:creationId xmlns:p14="http://schemas.microsoft.com/office/powerpoint/2010/main" val="2309308422"/>
       </p:ext>
     </p:extLst>
   </p:cSld>
@@ -2375,11 +2955,7 @@
         <p:spPr/>
         <p:txBody>
           <a:bodyPr/>
-          <a:lstStyle>
-            <a:lvl1pPr algn="l">
-              <a:defRPr/>
-            </a:lvl1pPr>
-          </a:lstStyle>
+          <a:lstStyle/>
           <a:p>
             <a:r>
               <a:rPr lang="en-US"/>
@@ -2401,7 +2977,7 @@
         </p:nvSpPr>
         <p:spPr/>
         <p:txBody>
-          <a:bodyPr vert="eaVert" anchor="t"/>
+          <a:bodyPr vert="eaVert" anchor="t" anchorCtr="0"/>
           <a:lstStyle/>
           <a:p>
             <a:pPr lvl="0"/>
@@ -2458,7 +3034,7 @@
           <a:p>
             <a:fld id="{9FE723E2-BC0F-4A2F-84D1-E095482B85E6}" type="datetimeFigureOut">
               <a:rPr lang="en-CA" smtClean="0"/>
-              <a:t>2020-04-15</a:t>
+              <a:t>2020-04-24</a:t>
             </a:fld>
             <a:endParaRPr lang="en-CA"/>
           </a:p>
@@ -2509,7 +3085,7 @@
     </p:spTree>
     <p:extLst>
       <p:ext uri="{BB962C8B-B14F-4D97-AF65-F5344CB8AC3E}">
-        <p14:creationId xmlns:p14="http://schemas.microsoft.com/office/powerpoint/2010/main" val="2108829035"/>
+        <p14:creationId xmlns:p14="http://schemas.microsoft.com/office/powerpoint/2010/main" val="3483106839"/>
       </p:ext>
     </p:extLst>
   </p:cSld>
@@ -2548,42 +3124,42 @@
         </p:nvSpPr>
         <p:spPr>
           <a:xfrm>
-            <a:off x="8685212" y="685800"/>
-            <a:ext cx="2057400" cy="4572000"/>
+            <a:off x="8304212" y="430213"/>
+            <a:ext cx="1752601" cy="5826125"/>
           </a:xfrm>
         </p:spPr>
         <p:txBody>
+          <a:bodyPr vert="eaVert" anchor="b" anchorCtr="0"/>
+          <a:lstStyle/>
+          <a:p>
+            <a:r>
+              <a:rPr lang="en-US"/>
+              <a:t>Click to edit Master title style</a:t>
+            </a:r>
+            <a:endParaRPr lang="en-US" dirty="0"/>
+          </a:p>
+        </p:txBody>
+      </p:sp>
+      <p:sp>
+        <p:nvSpPr>
+          <p:cNvPr id="3" name="Vertical Text Placeholder 2"/>
+          <p:cNvSpPr>
+            <a:spLocks noGrp="1"/>
+          </p:cNvSpPr>
+          <p:nvPr>
+            <p:ph type="body" orient="vert" idx="1"/>
+          </p:nvPr>
+        </p:nvSpPr>
+        <p:spPr>
+          <a:xfrm>
+            <a:off x="652463" y="887414"/>
+            <a:ext cx="7423149" cy="5368924"/>
+          </a:xfrm>
+        </p:spPr>
+        <p:txBody>
           <a:bodyPr vert="eaVert"/>
           <a:lstStyle/>
           <a:p>
-            <a:r>
-              <a:rPr lang="en-US"/>
-              <a:t>Click to edit Master title style</a:t>
-            </a:r>
-            <a:endParaRPr lang="en-US" dirty="0"/>
-          </a:p>
-        </p:txBody>
-      </p:sp>
-      <p:sp>
-        <p:nvSpPr>
-          <p:cNvPr id="3" name="Vertical Text Placeholder 2"/>
-          <p:cNvSpPr>
-            <a:spLocks noGrp="1"/>
-          </p:cNvSpPr>
-          <p:nvPr>
-            <p:ph type="body" orient="vert" idx="1"/>
-          </p:nvPr>
-        </p:nvSpPr>
-        <p:spPr>
-          <a:xfrm>
-            <a:off x="685800" y="685800"/>
-            <a:ext cx="7823200" cy="5308600"/>
-          </a:xfrm>
-        </p:spPr>
-        <p:txBody>
-          <a:bodyPr vert="eaVert" anchor="t"/>
-          <a:lstStyle/>
-          <a:p>
             <a:pPr lvl="0"/>
             <a:r>
               <a:rPr lang="en-US"/>
@@ -2638,7 +3214,7 @@
           <a:p>
             <a:fld id="{9FE723E2-BC0F-4A2F-84D1-E095482B85E6}" type="datetimeFigureOut">
               <a:rPr lang="en-CA" smtClean="0"/>
-              <a:t>2020-04-15</a:t>
+              <a:t>2020-04-24</a:t>
             </a:fld>
             <a:endParaRPr lang="en-CA"/>
           </a:p>
@@ -2689,7 +3265,7 @@
     </p:spTree>
     <p:extLst>
       <p:ext uri="{BB962C8B-B14F-4D97-AF65-F5344CB8AC3E}">
-        <p14:creationId xmlns:p14="http://schemas.microsoft.com/office/powerpoint/2010/main" val="826634048"/>
+        <p14:creationId xmlns:p14="http://schemas.microsoft.com/office/powerpoint/2010/main" val="2521786686"/>
       </p:ext>
     </p:extLst>
   </p:cSld>
@@ -2751,64 +3327,64 @@
         </p:nvSpPr>
         <p:spPr/>
         <p:txBody>
-          <a:bodyPr anchor="ctr"/>
-          <a:lstStyle/>
-          <a:p>
-            <a:pPr lvl="0"/>
-            <a:r>
-              <a:rPr lang="en-US"/>
-              <a:t>Click to edit Master text styles</a:t>
-            </a:r>
-          </a:p>
-          <a:p>
-            <a:pPr lvl="1"/>
-            <a:r>
-              <a:rPr lang="en-US"/>
-              <a:t>Second level</a:t>
-            </a:r>
-          </a:p>
-          <a:p>
-            <a:pPr lvl="2"/>
-            <a:r>
-              <a:rPr lang="en-US"/>
-              <a:t>Third level</a:t>
-            </a:r>
-          </a:p>
-          <a:p>
-            <a:pPr lvl="3"/>
-            <a:r>
-              <a:rPr lang="en-US"/>
-              <a:t>Fourth level</a:t>
-            </a:r>
-          </a:p>
-          <a:p>
-            <a:pPr lvl="4"/>
-            <a:r>
-              <a:rPr lang="en-US"/>
-              <a:t>Fifth level</a:t>
-            </a:r>
-            <a:endParaRPr lang="en-US" dirty="0"/>
-          </a:p>
-        </p:txBody>
-      </p:sp>
-      <p:sp>
-        <p:nvSpPr>
-          <p:cNvPr id="4" name="Date Placeholder 3"/>
-          <p:cNvSpPr>
-            <a:spLocks noGrp="1"/>
-          </p:cNvSpPr>
-          <p:nvPr>
-            <p:ph type="dt" sz="half" idx="10"/>
-          </p:nvPr>
-        </p:nvSpPr>
-        <p:spPr/>
-        <p:txBody>
           <a:bodyPr/>
           <a:lstStyle/>
           <a:p>
+            <a:pPr lvl="0"/>
+            <a:r>
+              <a:rPr lang="en-US"/>
+              <a:t>Click to edit Master text styles</a:t>
+            </a:r>
+          </a:p>
+          <a:p>
+            <a:pPr lvl="1"/>
+            <a:r>
+              <a:rPr lang="en-US"/>
+              <a:t>Second level</a:t>
+            </a:r>
+          </a:p>
+          <a:p>
+            <a:pPr lvl="2"/>
+            <a:r>
+              <a:rPr lang="en-US"/>
+              <a:t>Third level</a:t>
+            </a:r>
+          </a:p>
+          <a:p>
+            <a:pPr lvl="3"/>
+            <a:r>
+              <a:rPr lang="en-US"/>
+              <a:t>Fourth level</a:t>
+            </a:r>
+          </a:p>
+          <a:p>
+            <a:pPr lvl="4"/>
+            <a:r>
+              <a:rPr lang="en-US"/>
+              <a:t>Fifth level</a:t>
+            </a:r>
+            <a:endParaRPr lang="en-US" dirty="0"/>
+          </a:p>
+        </p:txBody>
+      </p:sp>
+      <p:sp>
+        <p:nvSpPr>
+          <p:cNvPr id="7" name="Date Placeholder 3"/>
+          <p:cNvSpPr>
+            <a:spLocks noGrp="1"/>
+          </p:cNvSpPr>
+          <p:nvPr>
+            <p:ph type="dt" sz="half" idx="10"/>
+          </p:nvPr>
+        </p:nvSpPr>
+        <p:spPr/>
+        <p:txBody>
+          <a:bodyPr/>
+          <a:lstStyle/>
+          <a:p>
             <a:fld id="{9FE723E2-BC0F-4A2F-84D1-E095482B85E6}" type="datetimeFigureOut">
               <a:rPr lang="en-CA" smtClean="0"/>
-              <a:t>2020-04-15</a:t>
+              <a:t>2020-04-24</a:t>
             </a:fld>
             <a:endParaRPr lang="en-CA"/>
           </a:p>
@@ -2859,7 +3435,7 @@
     </p:spTree>
     <p:extLst>
       <p:ext uri="{BB962C8B-B14F-4D97-AF65-F5344CB8AC3E}">
-        <p14:creationId xmlns:p14="http://schemas.microsoft.com/office/powerpoint/2010/main" val="1577705980"/>
+        <p14:creationId xmlns:p14="http://schemas.microsoft.com/office/powerpoint/2010/main" val="2498319570"/>
       </p:ext>
     </p:extLst>
   </p:cSld>
@@ -2898,17 +3474,15 @@
         </p:nvSpPr>
         <p:spPr>
           <a:xfrm>
-            <a:off x="684211" y="2006600"/>
-            <a:ext cx="8534401" cy="2281600"/>
+            <a:off x="1154956" y="2861733"/>
+            <a:ext cx="8825657" cy="1915647"/>
           </a:xfrm>
         </p:spPr>
         <p:txBody>
-          <a:bodyPr anchor="b">
-            <a:normAutofit/>
-          </a:bodyPr>
+          <a:bodyPr anchor="b"/>
           <a:lstStyle>
             <a:lvl1pPr algn="l">
-              <a:defRPr sz="3600" b="0" cap="all"/>
+              <a:defRPr sz="4000" b="0" cap="none"/>
             </a:lvl1pPr>
           </a:lstStyle>
           <a:p>
@@ -2932,21 +3506,20 @@
         </p:nvSpPr>
         <p:spPr>
           <a:xfrm>
-            <a:off x="684213" y="4495800"/>
-            <a:ext cx="8534400" cy="1498600"/>
+            <a:off x="1154955" y="4777381"/>
+            <a:ext cx="8825658" cy="860400"/>
           </a:xfrm>
         </p:spPr>
         <p:txBody>
-          <a:bodyPr anchor="t">
-            <a:normAutofit/>
-          </a:bodyPr>
+          <a:bodyPr anchor="t"/>
           <a:lstStyle>
             <a:lvl1pPr marL="0" indent="0" algn="l">
               <a:buNone/>
-              <a:defRPr sz="1800">
+              <a:defRPr sz="2000" cap="all">
                 <a:solidFill>
                   <a:schemeClr val="bg2">
-                    <a:lumMod val="75000"/>
+                    <a:lumMod val="40000"/>
+                    <a:lumOff val="60000"/>
                   </a:schemeClr>
                 </a:solidFill>
               </a:defRPr>
@@ -3058,7 +3631,7 @@
           <a:p>
             <a:fld id="{9FE723E2-BC0F-4A2F-84D1-E095482B85E6}" type="datetimeFigureOut">
               <a:rPr lang="en-CA" smtClean="0"/>
-              <a:t>2020-04-15</a:t>
+              <a:t>2020-04-24</a:t>
             </a:fld>
             <a:endParaRPr lang="en-CA"/>
           </a:p>
@@ -3109,7 +3682,7 @@
     </p:spTree>
     <p:extLst>
       <p:ext uri="{BB962C8B-B14F-4D97-AF65-F5344CB8AC3E}">
-        <p14:creationId xmlns:p14="http://schemas.microsoft.com/office/powerpoint/2010/main" val="1129245903"/>
+        <p14:creationId xmlns:p14="http://schemas.microsoft.com/office/powerpoint/2010/main" val="2775626279"/>
       </p:ext>
     </p:extLst>
   </p:cSld>
@@ -3171,15 +3744,43 @@
         </p:nvSpPr>
         <p:spPr>
           <a:xfrm>
-            <a:off x="684211" y="685800"/>
-            <a:ext cx="4937655" cy="3615267"/>
+            <a:off x="1103312" y="2060575"/>
+            <a:ext cx="4396339" cy="4195763"/>
           </a:xfrm>
         </p:spPr>
         <p:txBody>
           <a:bodyPr>
             <a:normAutofit/>
           </a:bodyPr>
-          <a:lstStyle/>
+          <a:lstStyle>
+            <a:lvl1pPr>
+              <a:defRPr sz="1800"/>
+            </a:lvl1pPr>
+            <a:lvl2pPr>
+              <a:defRPr sz="1600"/>
+            </a:lvl2pPr>
+            <a:lvl3pPr>
+              <a:defRPr sz="1400"/>
+            </a:lvl3pPr>
+            <a:lvl4pPr>
+              <a:defRPr sz="1200"/>
+            </a:lvl4pPr>
+            <a:lvl5pPr>
+              <a:defRPr sz="1200"/>
+            </a:lvl5pPr>
+            <a:lvl6pPr>
+              <a:defRPr sz="1200"/>
+            </a:lvl6pPr>
+            <a:lvl7pPr>
+              <a:defRPr sz="1200"/>
+            </a:lvl7pPr>
+            <a:lvl8pPr>
+              <a:defRPr sz="1200"/>
+            </a:lvl8pPr>
+            <a:lvl9pPr>
+              <a:defRPr sz="1200"/>
+            </a:lvl9pPr>
+          </a:lstStyle>
           <a:p>
             <a:pPr lvl="0"/>
             <a:r>
@@ -3230,15 +3831,43 @@
         </p:nvSpPr>
         <p:spPr>
           <a:xfrm>
-            <a:off x="5808133" y="685801"/>
-            <a:ext cx="4934479" cy="3615266"/>
+            <a:off x="5654493" y="2056092"/>
+            <a:ext cx="4396341" cy="4200245"/>
           </a:xfrm>
         </p:spPr>
         <p:txBody>
           <a:bodyPr>
             <a:normAutofit/>
           </a:bodyPr>
-          <a:lstStyle/>
+          <a:lstStyle>
+            <a:lvl1pPr>
+              <a:defRPr sz="1800"/>
+            </a:lvl1pPr>
+            <a:lvl2pPr>
+              <a:defRPr sz="1600"/>
+            </a:lvl2pPr>
+            <a:lvl3pPr>
+              <a:defRPr sz="1400"/>
+            </a:lvl3pPr>
+            <a:lvl4pPr>
+              <a:defRPr sz="1200"/>
+            </a:lvl4pPr>
+            <a:lvl5pPr>
+              <a:defRPr sz="1200"/>
+            </a:lvl5pPr>
+            <a:lvl6pPr>
+              <a:defRPr sz="1200"/>
+            </a:lvl6pPr>
+            <a:lvl7pPr>
+              <a:defRPr sz="1200"/>
+            </a:lvl7pPr>
+            <a:lvl8pPr>
+              <a:defRPr sz="1200"/>
+            </a:lvl8pPr>
+            <a:lvl9pPr>
+              <a:defRPr sz="1200"/>
+            </a:lvl9pPr>
+          </a:lstStyle>
           <a:p>
             <a:pPr lvl="0"/>
             <a:r>
@@ -3294,7 +3923,7 @@
           <a:p>
             <a:fld id="{9FE723E2-BC0F-4A2F-84D1-E095482B85E6}" type="datetimeFigureOut">
               <a:rPr lang="en-CA" smtClean="0"/>
-              <a:t>2020-04-15</a:t>
+              <a:t>2020-04-24</a:t>
             </a:fld>
             <a:endParaRPr lang="en-CA"/>
           </a:p>
@@ -3345,7 +3974,7 @@
     </p:spTree>
     <p:extLst>
       <p:ext uri="{BB962C8B-B14F-4D97-AF65-F5344CB8AC3E}">
-        <p14:creationId xmlns:p14="http://schemas.microsoft.com/office/powerpoint/2010/main" val="432680841"/>
+        <p14:creationId xmlns:p14="http://schemas.microsoft.com/office/powerpoint/2010/main" val="1841641928"/>
       </p:ext>
     </p:extLst>
   </p:cSld>
@@ -3411,8 +4040,8 @@
         </p:nvSpPr>
         <p:spPr>
           <a:xfrm>
-            <a:off x="972080" y="685800"/>
-            <a:ext cx="4649787" cy="576262"/>
+            <a:off x="1103313" y="1905000"/>
+            <a:ext cx="4396338" cy="576262"/>
           </a:xfrm>
         </p:spPr>
         <p:txBody>
@@ -3422,9 +4051,12 @@
           <a:lstStyle>
             <a:lvl1pPr marL="0" indent="0">
               <a:buNone/>
-              <a:defRPr sz="2800" b="0">
+              <a:defRPr sz="2400" b="0">
                 <a:solidFill>
-                  <a:schemeClr val="tx1"/>
+                  <a:schemeClr val="bg2">
+                    <a:lumMod val="40000"/>
+                    <a:lumOff val="60000"/>
+                  </a:schemeClr>
                 </a:solidFill>
               </a:defRPr>
             </a:lvl1pPr>
@@ -3482,15 +4114,43 @@
         </p:nvSpPr>
         <p:spPr>
           <a:xfrm>
-            <a:off x="684211" y="1270529"/>
-            <a:ext cx="4937655" cy="3030538"/>
+            <a:off x="1103312" y="2514600"/>
+            <a:ext cx="4396339" cy="3741738"/>
           </a:xfrm>
         </p:spPr>
         <p:txBody>
-          <a:bodyPr anchor="t">
+          <a:bodyPr>
             <a:normAutofit/>
           </a:bodyPr>
-          <a:lstStyle/>
+          <a:lstStyle>
+            <a:lvl1pPr>
+              <a:defRPr sz="1800"/>
+            </a:lvl1pPr>
+            <a:lvl2pPr>
+              <a:defRPr sz="1600"/>
+            </a:lvl2pPr>
+            <a:lvl3pPr>
+              <a:defRPr sz="1400"/>
+            </a:lvl3pPr>
+            <a:lvl4pPr>
+              <a:defRPr sz="1200"/>
+            </a:lvl4pPr>
+            <a:lvl5pPr>
+              <a:defRPr sz="1200"/>
+            </a:lvl5pPr>
+            <a:lvl6pPr>
+              <a:defRPr sz="1200"/>
+            </a:lvl6pPr>
+            <a:lvl7pPr>
+              <a:defRPr sz="1200"/>
+            </a:lvl7pPr>
+            <a:lvl8pPr>
+              <a:defRPr sz="1200"/>
+            </a:lvl8pPr>
+            <a:lvl9pPr>
+              <a:defRPr sz="1200"/>
+            </a:lvl9pPr>
+          </a:lstStyle>
           <a:p>
             <a:pPr lvl="0"/>
             <a:r>
@@ -3541,8 +4201,8 @@
         </p:nvSpPr>
         <p:spPr>
           <a:xfrm>
-            <a:off x="6079066" y="685800"/>
-            <a:ext cx="4665134" cy="576262"/>
+            <a:off x="5654495" y="1905000"/>
+            <a:ext cx="4396339" cy="576262"/>
           </a:xfrm>
         </p:spPr>
         <p:txBody>
@@ -3552,9 +4212,12 @@
           <a:lstStyle>
             <a:lvl1pPr marL="0" indent="0">
               <a:buNone/>
-              <a:defRPr sz="2800" b="0">
+              <a:defRPr sz="2400" b="0">
                 <a:solidFill>
-                  <a:schemeClr val="tx1"/>
+                  <a:schemeClr val="bg2">
+                    <a:lumMod val="40000"/>
+                    <a:lumOff val="60000"/>
+                  </a:schemeClr>
                 </a:solidFill>
               </a:defRPr>
             </a:lvl1pPr>
@@ -3612,15 +4275,43 @@
         </p:nvSpPr>
         <p:spPr>
           <a:xfrm>
-            <a:off x="5806545" y="1262062"/>
-            <a:ext cx="4929188" cy="3030538"/>
+            <a:off x="5654495" y="2514600"/>
+            <a:ext cx="4396339" cy="3741738"/>
           </a:xfrm>
         </p:spPr>
         <p:txBody>
-          <a:bodyPr anchor="t">
+          <a:bodyPr>
             <a:normAutofit/>
           </a:bodyPr>
-          <a:lstStyle/>
+          <a:lstStyle>
+            <a:lvl1pPr>
+              <a:defRPr sz="1800"/>
+            </a:lvl1pPr>
+            <a:lvl2pPr>
+              <a:defRPr sz="1600"/>
+            </a:lvl2pPr>
+            <a:lvl3pPr>
+              <a:defRPr sz="1400"/>
+            </a:lvl3pPr>
+            <a:lvl4pPr>
+              <a:defRPr sz="1200"/>
+            </a:lvl4pPr>
+            <a:lvl5pPr>
+              <a:defRPr sz="1200"/>
+            </a:lvl5pPr>
+            <a:lvl6pPr>
+              <a:defRPr sz="1200"/>
+            </a:lvl6pPr>
+            <a:lvl7pPr>
+              <a:defRPr sz="1200"/>
+            </a:lvl7pPr>
+            <a:lvl8pPr>
+              <a:defRPr sz="1200"/>
+            </a:lvl8pPr>
+            <a:lvl9pPr>
+              <a:defRPr sz="1200"/>
+            </a:lvl9pPr>
+          </a:lstStyle>
           <a:p>
             <a:pPr lvl="0"/>
             <a:r>
@@ -3676,7 +4367,7 @@
           <a:p>
             <a:fld id="{9FE723E2-BC0F-4A2F-84D1-E095482B85E6}" type="datetimeFigureOut">
               <a:rPr lang="en-CA" smtClean="0"/>
-              <a:t>2020-04-15</a:t>
+              <a:t>2020-04-24</a:t>
             </a:fld>
             <a:endParaRPr lang="en-CA"/>
           </a:p>
@@ -3727,7 +4418,7 @@
     </p:spTree>
     <p:extLst>
       <p:ext uri="{BB962C8B-B14F-4D97-AF65-F5344CB8AC3E}">
-        <p14:creationId xmlns:p14="http://schemas.microsoft.com/office/powerpoint/2010/main" val="4180848149"/>
+        <p14:creationId xmlns:p14="http://schemas.microsoft.com/office/powerpoint/2010/main" val="3317915112"/>
       </p:ext>
     </p:extLst>
   </p:cSld>
@@ -3779,7 +4470,7 @@
       </p:sp>
       <p:sp>
         <p:nvSpPr>
-          <p:cNvPr id="3" name="Date Placeholder 2"/>
+          <p:cNvPr id="7" name="Date Placeholder 2"/>
           <p:cNvSpPr>
             <a:spLocks noGrp="1"/>
           </p:cNvSpPr>
@@ -3794,7 +4485,7 @@
           <a:p>
             <a:fld id="{9FE723E2-BC0F-4A2F-84D1-E095482B85E6}" type="datetimeFigureOut">
               <a:rPr lang="en-CA" smtClean="0"/>
-              <a:t>2020-04-15</a:t>
+              <a:t>2020-04-24</a:t>
             </a:fld>
             <a:endParaRPr lang="en-CA"/>
           </a:p>
@@ -3802,7 +4493,7 @@
       </p:sp>
       <p:sp>
         <p:nvSpPr>
-          <p:cNvPr id="4" name="Footer Placeholder 3"/>
+          <p:cNvPr id="5" name="Footer Placeholder 3"/>
           <p:cNvSpPr>
             <a:spLocks noGrp="1"/>
           </p:cNvSpPr>
@@ -3821,7 +4512,7 @@
       </p:sp>
       <p:sp>
         <p:nvSpPr>
-          <p:cNvPr id="5" name="Slide Number Placeholder 4"/>
+          <p:cNvPr id="6" name="Slide Number Placeholder 4"/>
           <p:cNvSpPr>
             <a:spLocks noGrp="1"/>
           </p:cNvSpPr>
@@ -3845,7 +4536,7 @@
     </p:spTree>
     <p:extLst>
       <p:ext uri="{BB962C8B-B14F-4D97-AF65-F5344CB8AC3E}">
-        <p14:creationId xmlns:p14="http://schemas.microsoft.com/office/powerpoint/2010/main" val="872932502"/>
+        <p14:creationId xmlns:p14="http://schemas.microsoft.com/office/powerpoint/2010/main" val="780289105"/>
       </p:ext>
     </p:extLst>
   </p:cSld>
@@ -3874,7 +4565,7 @@
       </p:grpSpPr>
       <p:sp>
         <p:nvSpPr>
-          <p:cNvPr id="2" name="Date Placeholder 1"/>
+          <p:cNvPr id="7" name="Date Placeholder 1"/>
           <p:cNvSpPr>
             <a:spLocks noGrp="1"/>
           </p:cNvSpPr>
@@ -3889,7 +4580,7 @@
           <a:p>
             <a:fld id="{9FE723E2-BC0F-4A2F-84D1-E095482B85E6}" type="datetimeFigureOut">
               <a:rPr lang="en-CA" smtClean="0"/>
-              <a:t>2020-04-15</a:t>
+              <a:t>2020-04-24</a:t>
             </a:fld>
             <a:endParaRPr lang="en-CA"/>
           </a:p>
@@ -3897,7 +4588,7 @@
       </p:sp>
       <p:sp>
         <p:nvSpPr>
-          <p:cNvPr id="3" name="Footer Placeholder 2"/>
+          <p:cNvPr id="5" name="Footer Placeholder 2"/>
           <p:cNvSpPr>
             <a:spLocks noGrp="1"/>
           </p:cNvSpPr>
@@ -3916,7 +4607,7 @@
       </p:sp>
       <p:sp>
         <p:nvSpPr>
-          <p:cNvPr id="4" name="Slide Number Placeholder 3"/>
+          <p:cNvPr id="6" name="Slide Number Placeholder 3"/>
           <p:cNvSpPr>
             <a:spLocks noGrp="1"/>
           </p:cNvSpPr>
@@ -3940,7 +4631,7 @@
     </p:spTree>
     <p:extLst>
       <p:ext uri="{BB962C8B-B14F-4D97-AF65-F5344CB8AC3E}">
-        <p14:creationId xmlns:p14="http://schemas.microsoft.com/office/powerpoint/2010/main" val="2472589368"/>
+        <p14:creationId xmlns:p14="http://schemas.microsoft.com/office/powerpoint/2010/main" val="2727496901"/>
       </p:ext>
     </p:extLst>
   </p:cSld>
@@ -3979,14 +4670,12 @@
         </p:nvSpPr>
         <p:spPr>
           <a:xfrm>
-            <a:off x="7085012" y="685800"/>
-            <a:ext cx="3657600" cy="1371600"/>
+            <a:off x="1154953" y="1447800"/>
+            <a:ext cx="3401064" cy="1447800"/>
           </a:xfrm>
         </p:spPr>
         <p:txBody>
-          <a:bodyPr anchor="b">
-            <a:normAutofit/>
-          </a:bodyPr>
+          <a:bodyPr anchor="b"/>
           <a:lstStyle>
             <a:lvl1pPr algn="l">
               <a:defRPr sz="2400" b="0"/>
@@ -4013,15 +4702,43 @@
         </p:nvSpPr>
         <p:spPr>
           <a:xfrm>
-            <a:off x="684212" y="685800"/>
-            <a:ext cx="5943601" cy="5308600"/>
+            <a:off x="4784616" y="1447800"/>
+            <a:ext cx="5195997" cy="4572000"/>
           </a:xfrm>
         </p:spPr>
         <p:txBody>
           <a:bodyPr anchor="ctr">
             <a:normAutofit/>
           </a:bodyPr>
-          <a:lstStyle/>
+          <a:lstStyle>
+            <a:lvl1pPr>
+              <a:defRPr sz="2000"/>
+            </a:lvl1pPr>
+            <a:lvl2pPr>
+              <a:defRPr sz="1800"/>
+            </a:lvl2pPr>
+            <a:lvl3pPr>
+              <a:defRPr sz="1600"/>
+            </a:lvl3pPr>
+            <a:lvl4pPr>
+              <a:defRPr sz="1400"/>
+            </a:lvl4pPr>
+            <a:lvl5pPr>
+              <a:defRPr sz="1400"/>
+            </a:lvl5pPr>
+            <a:lvl6pPr>
+              <a:defRPr sz="1400"/>
+            </a:lvl6pPr>
+            <a:lvl7pPr>
+              <a:defRPr sz="1400"/>
+            </a:lvl7pPr>
+            <a:lvl8pPr>
+              <a:defRPr sz="1400"/>
+            </a:lvl8pPr>
+            <a:lvl9pPr>
+              <a:defRPr sz="1400"/>
+            </a:lvl9pPr>
+          </a:lstStyle>
           <a:p>
             <a:pPr lvl="0"/>
             <a:r>
@@ -4072,18 +4789,16 @@
         </p:nvSpPr>
         <p:spPr>
           <a:xfrm>
-            <a:off x="7085012" y="2209799"/>
-            <a:ext cx="3657600" cy="2091267"/>
+            <a:off x="1154953" y="3129280"/>
+            <a:ext cx="3401063" cy="2895599"/>
           </a:xfrm>
         </p:spPr>
         <p:txBody>
-          <a:bodyPr anchor="t">
-            <a:normAutofit/>
-          </a:bodyPr>
+          <a:bodyPr/>
           <a:lstStyle>
             <a:lvl1pPr marL="0" indent="0">
               <a:buNone/>
-              <a:defRPr sz="1600"/>
+              <a:defRPr sz="1400"/>
             </a:lvl1pPr>
             <a:lvl2pPr marL="457200" indent="0">
               <a:buNone/>
@@ -4129,7 +4844,7 @@
       </p:sp>
       <p:sp>
         <p:nvSpPr>
-          <p:cNvPr id="5" name="Date Placeholder 4"/>
+          <p:cNvPr id="7" name="Date Placeholder 4"/>
           <p:cNvSpPr>
             <a:spLocks noGrp="1"/>
           </p:cNvSpPr>
@@ -4144,7 +4859,7 @@
           <a:p>
             <a:fld id="{9FE723E2-BC0F-4A2F-84D1-E095482B85E6}" type="datetimeFigureOut">
               <a:rPr lang="en-CA" smtClean="0"/>
-              <a:t>2020-04-15</a:t>
+              <a:t>2020-04-24</a:t>
             </a:fld>
             <a:endParaRPr lang="en-CA"/>
           </a:p>
@@ -4152,7 +4867,7 @@
       </p:sp>
       <p:sp>
         <p:nvSpPr>
-          <p:cNvPr id="6" name="Footer Placeholder 5"/>
+          <p:cNvPr id="5" name="Footer Placeholder 5"/>
           <p:cNvSpPr>
             <a:spLocks noGrp="1"/>
           </p:cNvSpPr>
@@ -4171,7 +4886,7 @@
       </p:sp>
       <p:sp>
         <p:nvSpPr>
-          <p:cNvPr id="7" name="Slide Number Placeholder 6"/>
+          <p:cNvPr id="6" name="Slide Number Placeholder 6"/>
           <p:cNvSpPr>
             <a:spLocks noGrp="1"/>
           </p:cNvSpPr>
@@ -4195,7 +4910,7 @@
     </p:spTree>
     <p:extLst>
       <p:ext uri="{BB962C8B-B14F-4D97-AF65-F5344CB8AC3E}">
-        <p14:creationId xmlns:p14="http://schemas.microsoft.com/office/powerpoint/2010/main" val="2429321907"/>
+        <p14:creationId xmlns:p14="http://schemas.microsoft.com/office/powerpoint/2010/main" val="1234455886"/>
       </p:ext>
     </p:extLst>
   </p:cSld>
@@ -4234,8 +4949,8 @@
         </p:nvSpPr>
         <p:spPr>
           <a:xfrm>
-            <a:off x="4722812" y="1447800"/>
-            <a:ext cx="6019800" cy="1143000"/>
+            <a:off x="1153907" y="1854192"/>
+            <a:ext cx="5092906" cy="1574808"/>
           </a:xfrm>
         </p:spPr>
         <p:txBody>
@@ -4244,7 +4959,7 @@
           </a:bodyPr>
           <a:lstStyle>
             <a:lvl1pPr algn="l">
-              <a:defRPr sz="2800" b="0"/>
+              <a:defRPr sz="3600" b="0"/>
             </a:lvl1pPr>
           </a:lstStyle>
           <a:p>
@@ -4258,7 +4973,7 @@
       </p:sp>
       <p:sp>
         <p:nvSpPr>
-          <p:cNvPr id="14" name="Picture Placeholder 2"/>
+          <p:cNvPr id="3" name="Picture Placeholder 2"/>
           <p:cNvSpPr>
             <a:spLocks noGrp="1" noChangeAspect="1"/>
           </p:cNvSpPr>
@@ -4268,28 +4983,20 @@
         </p:nvSpPr>
         <p:spPr>
           <a:xfrm>
-            <a:off x="989012" y="914400"/>
-            <a:ext cx="3280974" cy="4572000"/>
+            <a:off x="6949546" y="1143000"/>
+            <a:ext cx="3200400" cy="4572000"/>
           </a:xfrm>
-          <a:prstGeom prst="snip2DiagRect">
+          <a:prstGeom prst="roundRect">
             <a:avLst>
-              <a:gd name="adj1" fmla="val 10815"/>
-              <a:gd name="adj2" fmla="val 0"/>
+              <a:gd name="adj" fmla="val 1858"/>
             </a:avLst>
           </a:prstGeom>
-          <a:ln w="15875">
-            <a:solidFill>
-              <a:schemeClr val="tx1">
-                <a:alpha val="40000"/>
-              </a:schemeClr>
-            </a:solidFill>
-          </a:ln>
           <a:effectLst>
-            <a:innerShdw blurRad="57150" dist="38100" dir="14460000">
+            <a:outerShdw blurRad="50800" dist="50800" dir="5400000" algn="tl" rotWithShape="0">
               <a:srgbClr val="000000">
-                <a:alpha val="70000"/>
+                <a:alpha val="43000"/>
               </a:srgbClr>
-            </a:innerShdw>
+            </a:outerShdw>
           </a:effectLst>
         </p:spPr>
         <p:txBody>
@@ -4355,18 +5062,18 @@
         </p:nvSpPr>
         <p:spPr>
           <a:xfrm>
-            <a:off x="4722812" y="2777066"/>
-            <a:ext cx="6021388" cy="2048933"/>
+            <a:off x="1154954" y="3657600"/>
+            <a:ext cx="5084979" cy="1371600"/>
           </a:xfrm>
         </p:spPr>
         <p:txBody>
-          <a:bodyPr anchor="t">
+          <a:bodyPr>
             <a:normAutofit/>
           </a:bodyPr>
           <a:lstStyle>
             <a:lvl1pPr marL="0" indent="0">
               <a:buNone/>
-              <a:defRPr sz="1800"/>
+              <a:defRPr sz="1400"/>
             </a:lvl1pPr>
             <a:lvl2pPr marL="457200" indent="0">
               <a:buNone/>
@@ -4427,7 +5134,7 @@
           <a:p>
             <a:fld id="{9FE723E2-BC0F-4A2F-84D1-E095482B85E6}" type="datetimeFigureOut">
               <a:rPr lang="en-CA" smtClean="0"/>
-              <a:t>2020-04-15</a:t>
+              <a:t>2020-04-24</a:t>
             </a:fld>
             <a:endParaRPr lang="en-CA"/>
           </a:p>
@@ -4478,7 +5185,7 @@
     </p:spTree>
     <p:extLst>
       <p:ext uri="{BB962C8B-B14F-4D97-AF65-F5344CB8AC3E}">
-        <p14:creationId xmlns:p14="http://schemas.microsoft.com/office/powerpoint/2010/main" val="2138309339"/>
+        <p14:creationId xmlns:p14="http://schemas.microsoft.com/office/powerpoint/2010/main" val="4006162153"/>
       </p:ext>
     </p:extLst>
   </p:cSld>
@@ -4492,7 +5199,7 @@
 <p:sldMaster xmlns:a="http://schemas.openxmlformats.org/drawingml/2006/main" xmlns:r="http://schemas.openxmlformats.org/officeDocument/2006/relationships" xmlns:p="http://schemas.openxmlformats.org/presentationml/2006/main">
   <p:cSld>
     <p:bg>
-      <p:bgRef idx="1002">
+      <p:bgRef idx="1003">
         <a:schemeClr val="bg2"/>
       </p:bgRef>
     </p:bg>
@@ -4510,405 +5217,425 @@
           <a:chExt cx="0" cy="0"/>
         </a:xfrm>
       </p:grpSpPr>
-      <p:grpSp>
-        <p:nvGrpSpPr>
-          <p:cNvPr id="7" name="Group 6"/>
-          <p:cNvGrpSpPr/>
+      <p:pic>
+        <p:nvPicPr>
+          <p:cNvPr id="8" name="Picture 7"/>
+          <p:cNvPicPr>
+            <a:picLocks noChangeAspect="1"/>
+          </p:cNvPicPr>
           <p:nvPr/>
-        </p:nvGrpSpPr>
-        <p:grpSpPr>
-          <a:xfrm>
-            <a:off x="9206969" y="2963333"/>
-            <a:ext cx="2981858" cy="3208867"/>
-            <a:chOff x="9206969" y="2963333"/>
-            <a:chExt cx="2981858" cy="3208867"/>
-          </a:xfrm>
-        </p:grpSpPr>
-        <p:cxnSp>
-          <p:nvCxnSpPr>
-            <p:cNvPr id="8" name="Straight Connector 7"/>
-            <p:cNvCxnSpPr/>
-            <p:nvPr/>
-          </p:nvCxnSpPr>
-          <p:spPr>
-            <a:xfrm flipH="1">
-              <a:off x="11276012" y="2963333"/>
-              <a:ext cx="912814" cy="912812"/>
-            </a:xfrm>
-            <a:prstGeom prst="line">
-              <a:avLst/>
-            </a:prstGeom>
-            <a:ln w="9525">
-              <a:solidFill>
-                <a:schemeClr val="tx1"/>
-              </a:solidFill>
-            </a:ln>
-          </p:spPr>
-          <p:style>
-            <a:lnRef idx="2">
-              <a:schemeClr val="accent1"/>
-            </a:lnRef>
-            <a:fillRef idx="0">
-              <a:schemeClr val="accent1"/>
-            </a:fillRef>
-            <a:effectRef idx="1">
-              <a:schemeClr val="accent1"/>
-            </a:effectRef>
-            <a:fontRef idx="minor">
-              <a:schemeClr val="tx1"/>
-            </a:fontRef>
-          </p:style>
-        </p:cxnSp>
-        <p:cxnSp>
-          <p:nvCxnSpPr>
-            <p:cNvPr id="9" name="Straight Connector 8"/>
-            <p:cNvCxnSpPr/>
-            <p:nvPr/>
-          </p:nvCxnSpPr>
-          <p:spPr>
-            <a:xfrm flipH="1">
-              <a:off x="9206969" y="3190344"/>
-              <a:ext cx="2981857" cy="2981856"/>
-            </a:xfrm>
-            <a:prstGeom prst="line">
-              <a:avLst/>
-            </a:prstGeom>
-            <a:ln w="9525">
-              <a:solidFill>
-                <a:schemeClr val="tx1"/>
-              </a:solidFill>
-            </a:ln>
-          </p:spPr>
-          <p:style>
-            <a:lnRef idx="2">
-              <a:schemeClr val="accent1"/>
-            </a:lnRef>
-            <a:fillRef idx="0">
-              <a:schemeClr val="accent1"/>
-            </a:fillRef>
-            <a:effectRef idx="1">
-              <a:schemeClr val="accent1"/>
-            </a:effectRef>
-            <a:fontRef idx="minor">
-              <a:schemeClr val="tx1"/>
-            </a:fontRef>
-          </p:style>
-        </p:cxnSp>
-        <p:cxnSp>
-          <p:nvCxnSpPr>
-            <p:cNvPr id="10" name="Straight Connector 9"/>
-            <p:cNvCxnSpPr/>
-            <p:nvPr/>
-          </p:nvCxnSpPr>
-          <p:spPr>
-            <a:xfrm flipH="1">
-              <a:off x="10292292" y="3285067"/>
-              <a:ext cx="1896534" cy="1896533"/>
-            </a:xfrm>
-            <a:prstGeom prst="line">
-              <a:avLst/>
-            </a:prstGeom>
-            <a:ln w="9525">
-              <a:solidFill>
-                <a:schemeClr val="tx1"/>
-              </a:solidFill>
-            </a:ln>
-          </p:spPr>
-          <p:style>
-            <a:lnRef idx="2">
-              <a:schemeClr val="accent1"/>
-            </a:lnRef>
-            <a:fillRef idx="0">
-              <a:schemeClr val="accent1"/>
-            </a:fillRef>
-            <a:effectRef idx="1">
-              <a:schemeClr val="accent1"/>
-            </a:effectRef>
-            <a:fontRef idx="minor">
-              <a:schemeClr val="tx1"/>
-            </a:fontRef>
-          </p:style>
-        </p:cxnSp>
-        <p:cxnSp>
-          <p:nvCxnSpPr>
-            <p:cNvPr id="11" name="Straight Connector 10"/>
-            <p:cNvCxnSpPr/>
-            <p:nvPr/>
-          </p:nvCxnSpPr>
-          <p:spPr>
-            <a:xfrm flipH="1">
-              <a:off x="10443103" y="3131080"/>
-              <a:ext cx="1745722" cy="1745720"/>
-            </a:xfrm>
-            <a:prstGeom prst="line">
-              <a:avLst/>
-            </a:prstGeom>
-            <a:ln w="28575">
-              <a:solidFill>
-                <a:schemeClr val="tx1"/>
-              </a:solidFill>
-            </a:ln>
-          </p:spPr>
-          <p:style>
-            <a:lnRef idx="2">
-              <a:schemeClr val="accent1"/>
-            </a:lnRef>
-            <a:fillRef idx="0">
-              <a:schemeClr val="accent1"/>
-            </a:fillRef>
-            <a:effectRef idx="1">
-              <a:schemeClr val="accent1"/>
-            </a:effectRef>
-            <a:fontRef idx="minor">
-              <a:schemeClr val="tx1"/>
-            </a:fontRef>
-          </p:style>
-        </p:cxnSp>
-        <p:cxnSp>
-          <p:nvCxnSpPr>
-            <p:cNvPr id="12" name="Straight Connector 11"/>
-            <p:cNvCxnSpPr/>
-            <p:nvPr/>
-          </p:nvCxnSpPr>
-          <p:spPr>
-            <a:xfrm flipH="1">
-              <a:off x="10918826" y="3683001"/>
-              <a:ext cx="1270001" cy="1269999"/>
-            </a:xfrm>
-            <a:prstGeom prst="line">
-              <a:avLst/>
-            </a:prstGeom>
-            <a:ln w="28575">
-              <a:solidFill>
-                <a:schemeClr val="tx1"/>
-              </a:solidFill>
-            </a:ln>
-          </p:spPr>
-          <p:style>
-            <a:lnRef idx="2">
-              <a:schemeClr val="accent1"/>
-            </a:lnRef>
-            <a:fillRef idx="0">
-              <a:schemeClr val="accent1"/>
-            </a:fillRef>
-            <a:effectRef idx="1">
-              <a:schemeClr val="accent1"/>
-            </a:effectRef>
-            <a:fontRef idx="minor">
-              <a:schemeClr val="tx1"/>
-            </a:fontRef>
-          </p:style>
-        </p:cxnSp>
-      </p:grpSp>
-      <p:sp>
-        <p:nvSpPr>
-          <p:cNvPr id="2" name="Title Placeholder 1"/>
-          <p:cNvSpPr>
-            <a:spLocks noGrp="1"/>
-          </p:cNvSpPr>
-          <p:nvPr>
-            <p:ph type="title"/>
-          </p:nvPr>
-        </p:nvSpPr>
+        </p:nvPicPr>
+        <p:blipFill rotWithShape="1">
+          <a:blip r:embed="rId19">
+            <a:extLst>
+              <a:ext uri="{28A0092B-C50C-407E-A947-70E740481C1C}">
+                <a14:useLocalDpi xmlns:a14="http://schemas.microsoft.com/office/drawing/2010/main" val="0"/>
+              </a:ext>
+            </a:extLst>
+          </a:blip>
+          <a:srcRect l="3613"/>
+          <a:stretch/>
+        </p:blipFill>
         <p:spPr>
           <a:xfrm>
-            <a:off x="684212" y="4487332"/>
-            <a:ext cx="8534400" cy="1507067"/>
-          </a:xfrm>
-          <a:prstGeom prst="rect">
-            <a:avLst/>
-          </a:prstGeom>
-          <a:effectLst/>
-        </p:spPr>
-        <p:txBody>
-          <a:bodyPr vert="horz" lIns="91440" tIns="45720" rIns="91440" bIns="45720" rtlCol="0" anchor="ctr">
-            <a:normAutofit/>
-          </a:bodyPr>
-          <a:lstStyle/>
-          <a:p>
-            <a:r>
-              <a:rPr lang="en-US"/>
-              <a:t>Click to edit Master title style</a:t>
-            </a:r>
-            <a:endParaRPr lang="en-US" dirty="0"/>
-          </a:p>
-        </p:txBody>
-      </p:sp>
-      <p:sp>
-        <p:nvSpPr>
-          <p:cNvPr id="3" name="Text Placeholder 2"/>
-          <p:cNvSpPr>
-            <a:spLocks noGrp="1"/>
-          </p:cNvSpPr>
-          <p:nvPr>
-            <p:ph type="body" idx="1"/>
-          </p:nvPr>
-        </p:nvSpPr>
-        <p:spPr>
-          <a:xfrm>
-            <a:off x="684212" y="685800"/>
-            <a:ext cx="8534400" cy="3615267"/>
+            <a:off x="0" y="2669685"/>
+            <a:ext cx="4037012" cy="4188315"/>
           </a:xfrm>
           <a:prstGeom prst="rect">
             <a:avLst/>
           </a:prstGeom>
         </p:spPr>
-        <p:txBody>
-          <a:bodyPr vert="horz" lIns="91440" tIns="45720" rIns="91440" bIns="45720" rtlCol="0" anchor="ctr">
-            <a:normAutofit/>
-          </a:bodyPr>
-          <a:lstStyle/>
-          <a:p>
-            <a:pPr lvl="0"/>
-            <a:r>
-              <a:rPr lang="en-US"/>
-              <a:t>Click to edit Master text styles</a:t>
-            </a:r>
-          </a:p>
-          <a:p>
-            <a:pPr lvl="1"/>
-            <a:r>
-              <a:rPr lang="en-US"/>
-              <a:t>Second level</a:t>
-            </a:r>
-          </a:p>
-          <a:p>
-            <a:pPr lvl="2"/>
-            <a:r>
-              <a:rPr lang="en-US"/>
-              <a:t>Third level</a:t>
-            </a:r>
-          </a:p>
-          <a:p>
-            <a:pPr lvl="3"/>
-            <a:r>
-              <a:rPr lang="en-US"/>
-              <a:t>Fourth level</a:t>
-            </a:r>
-          </a:p>
-          <a:p>
-            <a:pPr lvl="4"/>
-            <a:r>
-              <a:rPr lang="en-US"/>
-              <a:t>Fifth level</a:t>
-            </a:r>
-            <a:endParaRPr lang="en-US" dirty="0"/>
-          </a:p>
-        </p:txBody>
-      </p:sp>
-      <p:sp>
-        <p:nvSpPr>
-          <p:cNvPr id="4" name="Date Placeholder 3"/>
-          <p:cNvSpPr>
-            <a:spLocks noGrp="1"/>
-          </p:cNvSpPr>
-          <p:nvPr>
-            <p:ph type="dt" sz="half" idx="2"/>
-          </p:nvPr>
-        </p:nvSpPr>
+      </p:pic>
+      <p:pic>
+        <p:nvPicPr>
+          <p:cNvPr id="7" name="Picture 6"/>
+          <p:cNvPicPr>
+            <a:picLocks noChangeAspect="1"/>
+          </p:cNvPicPr>
+          <p:nvPr/>
+        </p:nvPicPr>
+        <p:blipFill rotWithShape="1">
+          <a:blip r:embed="rId20">
+            <a:extLst>
+              <a:ext uri="{28A0092B-C50C-407E-A947-70E740481C1C}">
+                <a14:useLocalDpi xmlns:a14="http://schemas.microsoft.com/office/drawing/2010/main" val="0"/>
+              </a:ext>
+            </a:extLst>
+          </a:blip>
+          <a:srcRect l="35640"/>
+          <a:stretch/>
+        </p:blipFill>
         <p:spPr>
           <a:xfrm>
-            <a:off x="9904412" y="6172200"/>
-            <a:ext cx="1600200" cy="365125"/>
+            <a:off x="0" y="2892347"/>
+            <a:ext cx="1522412" cy="2365453"/>
           </a:xfrm>
           <a:prstGeom prst="rect">
             <a:avLst/>
           </a:prstGeom>
         </p:spPr>
-        <p:txBody>
-          <a:bodyPr vert="horz" lIns="91440" tIns="45720" rIns="91440" bIns="45720" rtlCol="0" anchor="t"/>
-          <a:lstStyle>
-            <a:lvl1pPr algn="r">
-              <a:defRPr sz="1000" b="0" i="0">
-                <a:solidFill>
-                  <a:schemeClr val="bg2">
-                    <a:lumMod val="50000"/>
-                  </a:schemeClr>
-                </a:solidFill>
-                <a:effectLst/>
-                <a:latin typeface="+mn-lt"/>
-              </a:defRPr>
-            </a:lvl1pPr>
-          </a:lstStyle>
-          <a:p>
-            <a:fld id="{9FE723E2-BC0F-4A2F-84D1-E095482B85E6}" type="datetimeFigureOut">
-              <a:rPr lang="en-CA" smtClean="0"/>
-              <a:t>2020-04-15</a:t>
-            </a:fld>
-            <a:endParaRPr lang="en-CA"/>
-          </a:p>
-        </p:txBody>
-      </p:sp>
-      <p:sp>
-        <p:nvSpPr>
-          <p:cNvPr id="5" name="Footer Placeholder 4"/>
-          <p:cNvSpPr>
-            <a:spLocks noGrp="1"/>
-          </p:cNvSpPr>
-          <p:nvPr>
-            <p:ph type="ftr" sz="quarter" idx="3"/>
-          </p:nvPr>
+      </p:pic>
+      <p:sp>
+        <p:nvSpPr>
+          <p:cNvPr id="16" name="Oval 15"/>
+          <p:cNvSpPr/>
+          <p:nvPr/>
         </p:nvSpPr>
         <p:spPr>
           <a:xfrm>
-            <a:off x="684212" y="6172200"/>
-            <a:ext cx="7543800" cy="365125"/>
+            <a:off x="8609012" y="1676400"/>
+            <a:ext cx="2819400" cy="2819400"/>
+          </a:xfrm>
+          <a:prstGeom prst="ellipse">
+            <a:avLst/>
+          </a:prstGeom>
+          <a:gradFill flip="none" rotWithShape="1">
+            <a:gsLst>
+              <a:gs pos="0">
+                <a:schemeClr val="bg2">
+                  <a:lumMod val="60000"/>
+                  <a:lumOff val="40000"/>
+                  <a:alpha val="7000"/>
+                </a:schemeClr>
+              </a:gs>
+              <a:gs pos="69000">
+                <a:schemeClr val="bg2">
+                  <a:lumMod val="60000"/>
+                  <a:lumOff val="40000"/>
+                  <a:alpha val="0"/>
+                </a:schemeClr>
+              </a:gs>
+              <a:gs pos="36000">
+                <a:schemeClr val="bg2">
+                  <a:lumMod val="60000"/>
+                  <a:lumOff val="40000"/>
+                  <a:alpha val="6000"/>
+                </a:schemeClr>
+              </a:gs>
+            </a:gsLst>
+            <a:path path="circle">
+              <a:fillToRect l="50000" t="50000" r="50000" b="50000"/>
+            </a:path>
+            <a:tileRect/>
+          </a:gradFill>
+          <a:ln>
+            <a:noFill/>
+          </a:ln>
+          <a:effectLst/>
+        </p:spPr>
+        <p:style>
+          <a:lnRef idx="1">
+            <a:schemeClr val="accent1"/>
+          </a:lnRef>
+          <a:fillRef idx="3">
+            <a:schemeClr val="accent1"/>
+          </a:fillRef>
+          <a:effectRef idx="2">
+            <a:schemeClr val="accent1"/>
+          </a:effectRef>
+          <a:fontRef idx="minor">
+            <a:schemeClr val="lt1"/>
+          </a:fontRef>
+        </p:style>
+      </p:sp>
+      <p:pic>
+        <p:nvPicPr>
+          <p:cNvPr id="9" name="Picture 8"/>
+          <p:cNvPicPr>
+            <a:picLocks noChangeAspect="1"/>
+          </p:cNvPicPr>
+          <p:nvPr/>
+        </p:nvPicPr>
+        <p:blipFill rotWithShape="1">
+          <a:blip r:embed="rId21">
+            <a:extLst>
+              <a:ext uri="{28A0092B-C50C-407E-A947-70E740481C1C}">
+                <a14:useLocalDpi xmlns:a14="http://schemas.microsoft.com/office/drawing/2010/main" val="0"/>
+              </a:ext>
+            </a:extLst>
+          </a:blip>
+          <a:srcRect t="28813"/>
+          <a:stretch/>
+        </p:blipFill>
+        <p:spPr>
+          <a:xfrm>
+            <a:off x="7999412" y="0"/>
+            <a:ext cx="1603387" cy="1141407"/>
           </a:xfrm>
           <a:prstGeom prst="rect">
             <a:avLst/>
           </a:prstGeom>
         </p:spPr>
-        <p:txBody>
-          <a:bodyPr vert="horz" lIns="91440" tIns="45720" rIns="91440" bIns="45720" rtlCol="0" anchor="t"/>
-          <a:lstStyle>
-            <a:lvl1pPr algn="l">
-              <a:defRPr sz="1000" b="0" i="0">
-                <a:solidFill>
-                  <a:schemeClr val="bg2">
-                    <a:lumMod val="50000"/>
-                  </a:schemeClr>
-                </a:solidFill>
-                <a:effectLst/>
-                <a:latin typeface="+mn-lt"/>
-              </a:defRPr>
-            </a:lvl1pPr>
-          </a:lstStyle>
-          <a:p>
-            <a:endParaRPr lang="en-CA"/>
-          </a:p>
-        </p:txBody>
-      </p:sp>
-      <p:sp>
-        <p:nvSpPr>
-          <p:cNvPr id="6" name="Slide Number Placeholder 5"/>
-          <p:cNvSpPr>
-            <a:spLocks noGrp="1"/>
-          </p:cNvSpPr>
-          <p:nvPr>
-            <p:ph type="sldNum" sz="quarter" idx="4"/>
-          </p:nvPr>
-        </p:nvSpPr>
+      </p:pic>
+      <p:pic>
+        <p:nvPicPr>
+          <p:cNvPr id="10" name="Picture 9"/>
+          <p:cNvPicPr>
+            <a:picLocks noChangeAspect="1"/>
+          </p:cNvPicPr>
+          <p:nvPr/>
+        </p:nvPicPr>
+        <p:blipFill rotWithShape="1">
+          <a:blip r:embed="rId22">
+            <a:extLst>
+              <a:ext uri="{28A0092B-C50C-407E-A947-70E740481C1C}">
+                <a14:useLocalDpi xmlns:a14="http://schemas.microsoft.com/office/drawing/2010/main" val="0"/>
+              </a:ext>
+            </a:extLst>
+          </a:blip>
+          <a:srcRect b="23320"/>
+          <a:stretch/>
+        </p:blipFill>
         <p:spPr>
           <a:xfrm>
-            <a:off x="10363200" y="5578475"/>
-            <a:ext cx="1142245" cy="669925"/>
+            <a:off x="8605878" y="6096000"/>
+            <a:ext cx="993734" cy="762000"/>
           </a:xfrm>
           <a:prstGeom prst="rect">
             <a:avLst/>
           </a:prstGeom>
         </p:spPr>
+      </p:pic>
+      <p:sp>
+        <p:nvSpPr>
+          <p:cNvPr id="14" name="Rectangle 13"/>
+          <p:cNvSpPr/>
+          <p:nvPr/>
+        </p:nvSpPr>
+        <p:spPr>
+          <a:xfrm>
+            <a:off x="10437812" y="0"/>
+            <a:ext cx="685800" cy="1143000"/>
+          </a:xfrm>
+          <a:prstGeom prst="rect">
+            <a:avLst/>
+          </a:prstGeom>
+          <a:solidFill>
+            <a:schemeClr val="accent1"/>
+          </a:solidFill>
+          <a:ln>
+            <a:noFill/>
+          </a:ln>
+        </p:spPr>
+        <p:style>
+          <a:lnRef idx="1">
+            <a:schemeClr val="accent1"/>
+          </a:lnRef>
+          <a:fillRef idx="3">
+            <a:schemeClr val="accent1"/>
+          </a:fillRef>
+          <a:effectRef idx="2">
+            <a:schemeClr val="accent1"/>
+          </a:effectRef>
+          <a:fontRef idx="minor">
+            <a:schemeClr val="lt1"/>
+          </a:fontRef>
+        </p:style>
+      </p:sp>
+      <p:sp>
+        <p:nvSpPr>
+          <p:cNvPr id="2" name="Title Placeholder 1"/>
+          <p:cNvSpPr>
+            <a:spLocks noGrp="1"/>
+          </p:cNvSpPr>
+          <p:nvPr>
+            <p:ph type="title"/>
+          </p:nvPr>
+        </p:nvSpPr>
+        <p:spPr>
+          <a:xfrm>
+            <a:off x="646111" y="452718"/>
+            <a:ext cx="9404723" cy="1400530"/>
+          </a:xfrm>
+          <a:prstGeom prst="rect">
+            <a:avLst/>
+          </a:prstGeom>
+        </p:spPr>
+        <p:txBody>
+          <a:bodyPr vert="horz" lIns="91440" tIns="45720" rIns="91440" bIns="45720" rtlCol="0" anchor="t">
+            <a:noAutofit/>
+          </a:bodyPr>
+          <a:lstStyle/>
+          <a:p>
+            <a:r>
+              <a:rPr lang="en-US"/>
+              <a:t>Click to edit Master title style</a:t>
+            </a:r>
+            <a:endParaRPr lang="en-US" dirty="0"/>
+          </a:p>
+        </p:txBody>
+      </p:sp>
+      <p:sp>
+        <p:nvSpPr>
+          <p:cNvPr id="3" name="Text Placeholder 2"/>
+          <p:cNvSpPr>
+            <a:spLocks noGrp="1"/>
+          </p:cNvSpPr>
+          <p:nvPr>
+            <p:ph type="body" idx="1"/>
+          </p:nvPr>
+        </p:nvSpPr>
+        <p:spPr>
+          <a:xfrm>
+            <a:off x="1103312" y="2052918"/>
+            <a:ext cx="8946541" cy="4195481"/>
+          </a:xfrm>
+          <a:prstGeom prst="rect">
+            <a:avLst/>
+          </a:prstGeom>
+        </p:spPr>
+        <p:txBody>
+          <a:bodyPr vert="horz" lIns="91440" tIns="45720" rIns="91440" bIns="45720" rtlCol="0">
+            <a:normAutofit/>
+          </a:bodyPr>
+          <a:lstStyle/>
+          <a:p>
+            <a:pPr lvl="0"/>
+            <a:r>
+              <a:rPr lang="en-US"/>
+              <a:t>Click to edit Master text styles</a:t>
+            </a:r>
+          </a:p>
+          <a:p>
+            <a:pPr lvl="1"/>
+            <a:r>
+              <a:rPr lang="en-US"/>
+              <a:t>Second level</a:t>
+            </a:r>
+          </a:p>
+          <a:p>
+            <a:pPr lvl="2"/>
+            <a:r>
+              <a:rPr lang="en-US"/>
+              <a:t>Third level</a:t>
+            </a:r>
+          </a:p>
+          <a:p>
+            <a:pPr lvl="3"/>
+            <a:r>
+              <a:rPr lang="en-US"/>
+              <a:t>Fourth level</a:t>
+            </a:r>
+          </a:p>
+          <a:p>
+            <a:pPr lvl="4"/>
+            <a:r>
+              <a:rPr lang="en-US"/>
+              <a:t>Fifth level</a:t>
+            </a:r>
+            <a:endParaRPr lang="en-US" dirty="0"/>
+          </a:p>
+        </p:txBody>
+      </p:sp>
+      <p:sp>
+        <p:nvSpPr>
+          <p:cNvPr id="4" name="Date Placeholder 3"/>
+          <p:cNvSpPr>
+            <a:spLocks noGrp="1"/>
+          </p:cNvSpPr>
+          <p:nvPr>
+            <p:ph type="dt" sz="half" idx="2"/>
+          </p:nvPr>
+        </p:nvSpPr>
+        <p:spPr>
+          <a:xfrm rot="5400000">
+            <a:off x="10155639" y="1790701"/>
+            <a:ext cx="990599" cy="304799"/>
+          </a:xfrm>
+          <a:prstGeom prst="rect">
+            <a:avLst/>
+          </a:prstGeom>
+        </p:spPr>
+        <p:txBody>
+          <a:bodyPr vert="horz" lIns="91440" tIns="45720" rIns="91440" bIns="45720" rtlCol="0" anchor="t"/>
+          <a:lstStyle>
+            <a:lvl1pPr algn="l">
+              <a:defRPr sz="1100" b="0" i="0">
+                <a:solidFill>
+                  <a:schemeClr val="tx1">
+                    <a:tint val="75000"/>
+                    <a:alpha val="60000"/>
+                  </a:schemeClr>
+                </a:solidFill>
+              </a:defRPr>
+            </a:lvl1pPr>
+          </a:lstStyle>
+          <a:p>
+            <a:fld id="{9FE723E2-BC0F-4A2F-84D1-E095482B85E6}" type="datetimeFigureOut">
+              <a:rPr lang="en-CA" smtClean="0"/>
+              <a:t>2020-04-24</a:t>
+            </a:fld>
+            <a:endParaRPr lang="en-CA"/>
+          </a:p>
+        </p:txBody>
+      </p:sp>
+      <p:sp>
+        <p:nvSpPr>
+          <p:cNvPr id="5" name="Footer Placeholder 4"/>
+          <p:cNvSpPr>
+            <a:spLocks noGrp="1"/>
+          </p:cNvSpPr>
+          <p:nvPr>
+            <p:ph type="ftr" sz="quarter" idx="3"/>
+          </p:nvPr>
+        </p:nvSpPr>
+        <p:spPr>
+          <a:xfrm rot="5400000">
+            <a:off x="8951573" y="3225297"/>
+            <a:ext cx="3859795" cy="304801"/>
+          </a:xfrm>
+          <a:prstGeom prst="rect">
+            <a:avLst/>
+          </a:prstGeom>
+        </p:spPr>
         <p:txBody>
           <a:bodyPr vert="horz" lIns="91440" tIns="45720" rIns="91440" bIns="45720" rtlCol="0" anchor="b"/>
           <a:lstStyle>
-            <a:lvl1pPr algn="r">
-              <a:defRPr sz="3200" b="0" i="0">
+            <a:lvl1pPr algn="l">
+              <a:defRPr sz="1100" b="0" i="0">
                 <a:solidFill>
-                  <a:schemeClr val="bg2">
-                    <a:lumMod val="50000"/>
+                  <a:schemeClr val="tx1">
+                    <a:tint val="75000"/>
+                    <a:alpha val="60000"/>
                   </a:schemeClr>
                 </a:solidFill>
-                <a:effectLst/>
-                <a:latin typeface="+mn-lt"/>
+              </a:defRPr>
+            </a:lvl1pPr>
+          </a:lstStyle>
+          <a:p>
+            <a:endParaRPr lang="en-CA"/>
+          </a:p>
+        </p:txBody>
+      </p:sp>
+      <p:sp>
+        <p:nvSpPr>
+          <p:cNvPr id="6" name="Slide Number Placeholder 5"/>
+          <p:cNvSpPr>
+            <a:spLocks noGrp="1"/>
+          </p:cNvSpPr>
+          <p:nvPr>
+            <p:ph type="sldNum" sz="quarter" idx="4"/>
+          </p:nvPr>
+        </p:nvSpPr>
+        <p:spPr bwMode="gray">
+          <a:xfrm>
+            <a:off x="10352540" y="295729"/>
+            <a:ext cx="838199" cy="767687"/>
+          </a:xfrm>
+          <a:prstGeom prst="rect">
+            <a:avLst/>
+          </a:prstGeom>
+        </p:spPr>
+        <p:txBody>
+          <a:bodyPr vert="horz" lIns="91440" tIns="45720" rIns="91440" bIns="45720" rtlCol="0" anchor="b"/>
+          <a:lstStyle>
+            <a:lvl1pPr algn="ctr">
+              <a:defRPr sz="2800" b="0" i="0">
+                <a:solidFill>
+                  <a:schemeClr val="tx1">
+                    <a:tint val="75000"/>
+                  </a:schemeClr>
+                </a:solidFill>
               </a:defRPr>
             </a:lvl1pPr>
           </a:lstStyle>
@@ -4924,29 +5651,29 @@
     </p:spTree>
     <p:extLst>
       <p:ext uri="{BB962C8B-B14F-4D97-AF65-F5344CB8AC3E}">
-        <p14:creationId xmlns:p14="http://schemas.microsoft.com/office/powerpoint/2010/main" val="3190842458"/>
+        <p14:creationId xmlns:p14="http://schemas.microsoft.com/office/powerpoint/2010/main" val="3572858844"/>
       </p:ext>
     </p:extLst>
   </p:cSld>
   <p:clrMap bg1="dk1" tx1="lt1" bg2="dk2" tx2="lt2" accent1="accent1" accent2="accent2" accent3="accent3" accent4="accent4" accent5="accent5" accent6="accent6" hlink="hlink" folHlink="folHlink"/>
   <p:sldLayoutIdLst>
-    <p:sldLayoutId id="2147483679" r:id="rId1"/>
-    <p:sldLayoutId id="2147483680" r:id="rId2"/>
-    <p:sldLayoutId id="2147483681" r:id="rId3"/>
-    <p:sldLayoutId id="2147483682" r:id="rId4"/>
-    <p:sldLayoutId id="2147483683" r:id="rId5"/>
-    <p:sldLayoutId id="2147483684" r:id="rId6"/>
-    <p:sldLayoutId id="2147483685" r:id="rId7"/>
-    <p:sldLayoutId id="2147483686" r:id="rId8"/>
-    <p:sldLayoutId id="2147483687" r:id="rId9"/>
-    <p:sldLayoutId id="2147483688" r:id="rId10"/>
-    <p:sldLayoutId id="2147483689" r:id="rId11"/>
-    <p:sldLayoutId id="2147483690" r:id="rId12"/>
-    <p:sldLayoutId id="2147483691" r:id="rId13"/>
-    <p:sldLayoutId id="2147483692" r:id="rId14"/>
-    <p:sldLayoutId id="2147483693" r:id="rId15"/>
-    <p:sldLayoutId id="2147483694" r:id="rId16"/>
-    <p:sldLayoutId id="2147483695" r:id="rId17"/>
+    <p:sldLayoutId id="2147483697" r:id="rId1"/>
+    <p:sldLayoutId id="2147483698" r:id="rId2"/>
+    <p:sldLayoutId id="2147483699" r:id="rId3"/>
+    <p:sldLayoutId id="2147483700" r:id="rId4"/>
+    <p:sldLayoutId id="2147483701" r:id="rId5"/>
+    <p:sldLayoutId id="2147483702" r:id="rId6"/>
+    <p:sldLayoutId id="2147483703" r:id="rId7"/>
+    <p:sldLayoutId id="2147483704" r:id="rId8"/>
+    <p:sldLayoutId id="2147483705" r:id="rId9"/>
+    <p:sldLayoutId id="2147483706" r:id="rId10"/>
+    <p:sldLayoutId id="2147483707" r:id="rId11"/>
+    <p:sldLayoutId id="2147483708" r:id="rId12"/>
+    <p:sldLayoutId id="2147483709" r:id="rId13"/>
+    <p:sldLayoutId id="2147483710" r:id="rId14"/>
+    <p:sldLayoutId id="2147483711" r:id="rId15"/>
+    <p:sldLayoutId id="2147483712" r:id="rId16"/>
+    <p:sldLayoutId id="2147483713" r:id="rId17"/>
   </p:sldLayoutIdLst>
   <p:txStyles>
     <p:titleStyle>
@@ -4955,14 +5682,10 @@
           <a:spcPct val="0"/>
         </a:spcBef>
         <a:buNone/>
-        <a:defRPr sz="3600" kern="1200" cap="all">
-          <a:ln w="3175" cmpd="sng">
-            <a:noFill/>
-          </a:ln>
+        <a:defRPr sz="4200" b="0" i="0" kern="1200">
           <a:solidFill>
-            <a:schemeClr val="tx1"/>
+            <a:schemeClr val="tx2"/>
           </a:solidFill>
-          <a:effectLst/>
           <a:latin typeface="+mj-lt"/>
           <a:ea typeface="+mj-ea"/>
           <a:cs typeface="+mj-cs"/>
@@ -5026,229 +5749,229 @@
       </a:lvl9pPr>
     </p:titleStyle>
     <p:bodyStyle>
-      <a:lvl1pPr marL="285750" indent="-285750" algn="l" defTabSz="457200" rtl="0" eaLnBrk="1" latinLnBrk="0" hangingPunct="1">
+      <a:lvl1pPr marL="342900" indent="-342900" algn="l" defTabSz="457200" rtl="0" eaLnBrk="1" latinLnBrk="0" hangingPunct="1">
         <a:spcBef>
-          <a:spcPct val="20000"/>
+          <a:spcPts val="1000"/>
         </a:spcBef>
         <a:spcAft>
-          <a:spcPts val="600"/>
+          <a:spcPts val="0"/>
         </a:spcAft>
         <a:buClr>
-          <a:schemeClr val="tx1"/>
+          <a:schemeClr val="bg2">
+            <a:lumMod val="40000"/>
+            <a:lumOff val="60000"/>
+          </a:schemeClr>
         </a:buClr>
         <a:buSzPct val="80000"/>
-        <a:buFont typeface="Wingdings 3" panose="05040102010807070707" pitchFamily="18" charset="2"/>
-        <a:buChar char=""/>
-        <a:defRPr sz="2000" kern="1200" cap="none">
+        <a:buFont typeface="Wingdings 3" charset="2"/>
+        <a:buChar char=""/>
+        <a:defRPr sz="2000" b="0" i="0" kern="1200">
           <a:solidFill>
-            <a:schemeClr val="bg2">
-              <a:lumMod val="75000"/>
-            </a:schemeClr>
+            <a:schemeClr val="tx1"/>
           </a:solidFill>
-          <a:effectLst/>
-          <a:latin typeface="+mn-lt"/>
-          <a:ea typeface="+mn-ea"/>
-          <a:cs typeface="+mn-cs"/>
+          <a:latin typeface="+mj-lt"/>
+          <a:ea typeface="+mj-ea"/>
+          <a:cs typeface="+mj-cs"/>
         </a:defRPr>
       </a:lvl1pPr>
       <a:lvl2pPr marL="742950" indent="-285750" algn="l" defTabSz="457200" rtl="0" eaLnBrk="1" latinLnBrk="0" hangingPunct="1">
         <a:spcBef>
-          <a:spcPct val="20000"/>
+          <a:spcPts val="1000"/>
         </a:spcBef>
         <a:spcAft>
-          <a:spcPts val="600"/>
+          <a:spcPts val="0"/>
         </a:spcAft>
         <a:buClr>
-          <a:schemeClr val="tx1"/>
+          <a:schemeClr val="bg2">
+            <a:lumMod val="40000"/>
+            <a:lumOff val="60000"/>
+          </a:schemeClr>
         </a:buClr>
         <a:buSzPct val="80000"/>
-        <a:buFont typeface="Wingdings 3" panose="05040102010807070707" pitchFamily="18" charset="2"/>
-        <a:buChar char=""/>
-        <a:defRPr sz="1800" kern="1200" cap="none">
+        <a:buFont typeface="Wingdings 3" charset="2"/>
+        <a:buChar char=""/>
+        <a:defRPr sz="1800" b="0" i="0" kern="1200">
           <a:solidFill>
-            <a:schemeClr val="bg2">
-              <a:lumMod val="75000"/>
-            </a:schemeClr>
+            <a:schemeClr val="tx1"/>
           </a:solidFill>
-          <a:effectLst/>
-          <a:latin typeface="+mn-lt"/>
-          <a:ea typeface="+mn-ea"/>
-          <a:cs typeface="+mn-cs"/>
+          <a:latin typeface="+mj-lt"/>
+          <a:ea typeface="+mj-ea"/>
+          <a:cs typeface="+mj-cs"/>
         </a:defRPr>
       </a:lvl2pPr>
-      <a:lvl3pPr marL="1200150" indent="-285750" algn="l" defTabSz="457200" rtl="0" eaLnBrk="1" latinLnBrk="0" hangingPunct="1">
+      <a:lvl3pPr marL="1143000" indent="-228600" algn="l" defTabSz="457200" rtl="0" eaLnBrk="1" latinLnBrk="0" hangingPunct="1">
         <a:spcBef>
-          <a:spcPct val="20000"/>
+          <a:spcPts val="1000"/>
         </a:spcBef>
         <a:spcAft>
-          <a:spcPts val="600"/>
+          <a:spcPts val="0"/>
         </a:spcAft>
         <a:buClr>
-          <a:schemeClr val="tx1"/>
+          <a:schemeClr val="bg2">
+            <a:lumMod val="40000"/>
+            <a:lumOff val="60000"/>
+          </a:schemeClr>
         </a:buClr>
         <a:buSzPct val="80000"/>
-        <a:buFont typeface="Wingdings 3" panose="05040102010807070707" pitchFamily="18" charset="2"/>
-        <a:buChar char=""/>
-        <a:defRPr sz="1600" kern="1200" cap="none">
+        <a:buFont typeface="Wingdings 3" charset="2"/>
+        <a:buChar char=""/>
+        <a:defRPr sz="1600" b="0" i="0" kern="1200">
           <a:solidFill>
-            <a:schemeClr val="bg2">
-              <a:lumMod val="75000"/>
-            </a:schemeClr>
+            <a:schemeClr val="tx1"/>
           </a:solidFill>
-          <a:effectLst/>
-          <a:latin typeface="+mn-lt"/>
-          <a:ea typeface="+mn-ea"/>
-          <a:cs typeface="+mn-cs"/>
+          <a:latin typeface="+mj-lt"/>
+          <a:ea typeface="+mj-ea"/>
+          <a:cs typeface="+mj-cs"/>
         </a:defRPr>
       </a:lvl3pPr>
-      <a:lvl4pPr marL="1543050" indent="-171450" algn="l" defTabSz="457200" rtl="0" eaLnBrk="1" latinLnBrk="0" hangingPunct="1">
+      <a:lvl4pPr marL="1600200" indent="-228600" algn="l" defTabSz="457200" rtl="0" eaLnBrk="1" latinLnBrk="0" hangingPunct="1">
         <a:spcBef>
-          <a:spcPct val="20000"/>
+          <a:spcPts val="1000"/>
         </a:spcBef>
         <a:spcAft>
-          <a:spcPts val="600"/>
+          <a:spcPts val="0"/>
         </a:spcAft>
         <a:buClr>
-          <a:schemeClr val="tx1"/>
+          <a:schemeClr val="bg2">
+            <a:lumMod val="40000"/>
+            <a:lumOff val="60000"/>
+          </a:schemeClr>
         </a:buClr>
         <a:buSzPct val="80000"/>
-        <a:buFont typeface="Wingdings 3" panose="05040102010807070707" pitchFamily="18" charset="2"/>
-        <a:buChar char=""/>
-        <a:defRPr sz="1400" kern="1200" cap="none">
+        <a:buFont typeface="Wingdings 3" charset="2"/>
+        <a:buChar char=""/>
+        <a:defRPr sz="1400" b="0" i="0" kern="1200">
           <a:solidFill>
-            <a:schemeClr val="bg2">
-              <a:lumMod val="75000"/>
-            </a:schemeClr>
+            <a:schemeClr val="tx1"/>
           </a:solidFill>
-          <a:effectLst/>
-          <a:latin typeface="+mn-lt"/>
-          <a:ea typeface="+mn-ea"/>
-          <a:cs typeface="+mn-cs"/>
+          <a:latin typeface="+mj-lt"/>
+          <a:ea typeface="+mj-ea"/>
+          <a:cs typeface="+mj-cs"/>
         </a:defRPr>
       </a:lvl4pPr>
-      <a:lvl5pPr marL="2000250" indent="-171450" algn="l" defTabSz="457200" rtl="0" eaLnBrk="1" latinLnBrk="0" hangingPunct="1">
+      <a:lvl5pPr marL="2057400" indent="-228600" algn="l" defTabSz="457200" rtl="0" eaLnBrk="1" latinLnBrk="0" hangingPunct="1">
         <a:spcBef>
-          <a:spcPct val="20000"/>
+          <a:spcPts val="1000"/>
         </a:spcBef>
         <a:spcAft>
-          <a:spcPts val="600"/>
+          <a:spcPts val="0"/>
         </a:spcAft>
         <a:buClr>
-          <a:schemeClr val="tx1"/>
+          <a:schemeClr val="bg2">
+            <a:lumMod val="40000"/>
+            <a:lumOff val="60000"/>
+          </a:schemeClr>
         </a:buClr>
         <a:buSzPct val="80000"/>
-        <a:buFont typeface="Wingdings 3" panose="05040102010807070707" pitchFamily="18" charset="2"/>
-        <a:buChar char=""/>
-        <a:defRPr sz="1400" kern="1200" cap="none">
+        <a:buFont typeface="Wingdings 3" charset="2"/>
+        <a:buChar char=""/>
+        <a:defRPr sz="1400" b="0" i="0" kern="1200">
           <a:solidFill>
-            <a:schemeClr val="bg2">
-              <a:lumMod val="75000"/>
-            </a:schemeClr>
+            <a:schemeClr val="tx1"/>
           </a:solidFill>
-          <a:effectLst/>
-          <a:latin typeface="+mn-lt"/>
-          <a:ea typeface="+mn-ea"/>
-          <a:cs typeface="+mn-cs"/>
+          <a:latin typeface="+mj-lt"/>
+          <a:ea typeface="+mj-ea"/>
+          <a:cs typeface="+mj-cs"/>
         </a:defRPr>
       </a:lvl5pPr>
-      <a:lvl6pPr marL="2514600" indent="-228600" algn="l" defTabSz="457200" rtl="0" eaLnBrk="1" latinLnBrk="0" hangingPunct="1">
+      <a:lvl6pPr marL="2506000" indent="-228600" algn="l" defTabSz="457200" rtl="0" eaLnBrk="1" latinLnBrk="0" hangingPunct="1">
         <a:spcBef>
-          <a:spcPct val="20000"/>
+          <a:spcPts val="1000"/>
         </a:spcBef>
         <a:spcAft>
-          <a:spcPts val="600"/>
+          <a:spcPts val="0"/>
         </a:spcAft>
         <a:buClr>
-          <a:schemeClr val="tx1"/>
+          <a:schemeClr val="bg2">
+            <a:lumMod val="40000"/>
+            <a:lumOff val="60000"/>
+          </a:schemeClr>
         </a:buClr>
         <a:buSzPct val="80000"/>
-        <a:buFont typeface="Wingdings 3" panose="05040102010807070707" pitchFamily="18" charset="2"/>
-        <a:buChar char=""/>
-        <a:defRPr sz="1400" kern="1200" cap="none">
+        <a:buFont typeface="Wingdings 3" charset="2"/>
+        <a:buChar char=""/>
+        <a:defRPr sz="1400" b="0" i="0" kern="1200">
           <a:solidFill>
-            <a:schemeClr val="bg2">
-              <a:lumMod val="75000"/>
-            </a:schemeClr>
+            <a:schemeClr val="tx1"/>
           </a:solidFill>
-          <a:effectLst/>
-          <a:latin typeface="+mn-lt"/>
-          <a:ea typeface="+mn-ea"/>
-          <a:cs typeface="+mn-cs"/>
+          <a:latin typeface="+mj-lt"/>
+          <a:ea typeface="+mj-ea"/>
+          <a:cs typeface="+mj-cs"/>
         </a:defRPr>
       </a:lvl6pPr>
       <a:lvl7pPr marL="2971800" indent="-228600" algn="l" defTabSz="457200" rtl="0" eaLnBrk="1" latinLnBrk="0" hangingPunct="1">
         <a:spcBef>
-          <a:spcPct val="20000"/>
+          <a:spcPts val="1000"/>
         </a:spcBef>
         <a:spcAft>
-          <a:spcPts val="600"/>
+          <a:spcPts val="0"/>
         </a:spcAft>
         <a:buClr>
-          <a:schemeClr val="tx1"/>
+          <a:schemeClr val="bg2">
+            <a:lumMod val="40000"/>
+            <a:lumOff val="60000"/>
+          </a:schemeClr>
         </a:buClr>
         <a:buSzPct val="80000"/>
-        <a:buFont typeface="Wingdings 3" panose="05040102010807070707" pitchFamily="18" charset="2"/>
-        <a:buChar char=""/>
-        <a:defRPr sz="1400" kern="1200" cap="none">
+        <a:buFont typeface="Wingdings 3" charset="2"/>
+        <a:buChar char=""/>
+        <a:defRPr sz="1400" b="0" i="0" kern="1200">
           <a:solidFill>
-            <a:schemeClr val="bg2">
-              <a:lumMod val="75000"/>
-            </a:schemeClr>
+            <a:schemeClr val="tx1"/>
           </a:solidFill>
-          <a:effectLst/>
-          <a:latin typeface="+mn-lt"/>
-          <a:ea typeface="+mn-ea"/>
-          <a:cs typeface="+mn-cs"/>
+          <a:latin typeface="+mj-lt"/>
+          <a:ea typeface="+mj-ea"/>
+          <a:cs typeface="+mj-cs"/>
         </a:defRPr>
       </a:lvl7pPr>
       <a:lvl8pPr marL="3429000" indent="-228600" algn="l" defTabSz="457200" rtl="0" eaLnBrk="1" latinLnBrk="0" hangingPunct="1">
         <a:spcBef>
-          <a:spcPct val="20000"/>
+          <a:spcPts val="1000"/>
         </a:spcBef>
         <a:spcAft>
-          <a:spcPts val="600"/>
+          <a:spcPts val="0"/>
         </a:spcAft>
         <a:buClr>
-          <a:schemeClr val="tx1"/>
+          <a:schemeClr val="bg2">
+            <a:lumMod val="40000"/>
+            <a:lumOff val="60000"/>
+          </a:schemeClr>
         </a:buClr>
         <a:buSzPct val="80000"/>
-        <a:buFont typeface="Wingdings 3" panose="05040102010807070707" pitchFamily="18" charset="2"/>
-        <a:buChar char=""/>
-        <a:defRPr sz="1400" kern="1200" cap="none">
+        <a:buFont typeface="Wingdings 3" charset="2"/>
+        <a:buChar char=""/>
+        <a:defRPr sz="1400" b="0" i="0" kern="1200">
           <a:solidFill>
-            <a:schemeClr val="bg2">
-              <a:lumMod val="75000"/>
-            </a:schemeClr>
+            <a:schemeClr val="tx1"/>
           </a:solidFill>
-          <a:effectLst/>
-          <a:latin typeface="+mn-lt"/>
-          <a:ea typeface="+mn-ea"/>
-          <a:cs typeface="+mn-cs"/>
+          <a:latin typeface="+mj-lt"/>
+          <a:ea typeface="+mj-ea"/>
+          <a:cs typeface="+mj-cs"/>
         </a:defRPr>
       </a:lvl8pPr>
       <a:lvl9pPr marL="3886200" indent="-228600" algn="l" defTabSz="457200" rtl="0" eaLnBrk="1" latinLnBrk="0" hangingPunct="1">
         <a:spcBef>
-          <a:spcPct val="20000"/>
+          <a:spcPts val="1000"/>
         </a:spcBef>
         <a:spcAft>
-          <a:spcPts val="600"/>
+          <a:spcPts val="0"/>
         </a:spcAft>
         <a:buClr>
-          <a:schemeClr val="tx1"/>
+          <a:schemeClr val="bg2">
+            <a:lumMod val="40000"/>
+            <a:lumOff val="60000"/>
+          </a:schemeClr>
         </a:buClr>
         <a:buSzPct val="80000"/>
-        <a:buFont typeface="Wingdings 3" panose="05040102010807070707" pitchFamily="18" charset="2"/>
-        <a:buChar char=""/>
-        <a:defRPr sz="1400" kern="1200" cap="none">
+        <a:buFont typeface="Wingdings 3" charset="2"/>
+        <a:buChar char=""/>
+        <a:defRPr sz="1400" b="0" i="0" kern="1200">
           <a:solidFill>
-            <a:schemeClr val="bg2">
-              <a:lumMod val="75000"/>
-            </a:schemeClr>
+            <a:schemeClr val="tx1"/>
           </a:solidFill>
-          <a:effectLst/>
-          <a:latin typeface="+mn-lt"/>
-          <a:ea typeface="+mn-ea"/>
-          <a:cs typeface="+mn-cs"/>
+          <a:latin typeface="+mj-lt"/>
+          <a:ea typeface="+mj-ea"/>
+          <a:cs typeface="+mj-cs"/>
         </a:defRPr>
       </a:lvl9pPr>
     </p:bodyStyle>
@@ -5386,13 +6109,13 @@
         </p:nvSpPr>
         <p:spPr>
           <a:xfrm>
-            <a:off x="510073" y="216805"/>
-            <a:ext cx="11171853" cy="1219199"/>
+            <a:off x="296780" y="122168"/>
+            <a:ext cx="9786139" cy="991071"/>
           </a:xfrm>
         </p:spPr>
         <p:txBody>
           <a:bodyPr>
-            <a:normAutofit/>
+            <a:normAutofit fontScale="90000"/>
           </a:bodyPr>
           <a:lstStyle/>
           <a:p>
@@ -5433,7 +6156,7 @@
                   </a:glow>
                 </a:effectLst>
               </a:rPr>
-              <a:t>technical difficulties? Email: magnetosphere.seminars@gmail.com</a:t>
+              <a:t>Difficulties? Email: magnetosphere.seminars@gmail.com</a:t>
             </a:r>
             <a:endParaRPr lang="en-CA" dirty="0">
               <a:effectLst>
@@ -5461,18 +6184,18 @@
             <a:spLocks noGrp="1"/>
           </p:cNvSpPr>
           <p:nvPr>
-            <p:ph idx="1"/>
+            <p:ph sz="half" idx="1"/>
           </p:nvPr>
         </p:nvSpPr>
         <p:spPr>
           <a:xfrm>
-            <a:off x="1013492" y="1554430"/>
-            <a:ext cx="10165015" cy="5005859"/>
+            <a:off x="521368" y="1311249"/>
+            <a:ext cx="5406190" cy="5153636"/>
           </a:xfrm>
         </p:spPr>
         <p:txBody>
           <a:bodyPr>
-            <a:normAutofit/>
+            <a:normAutofit fontScale="62500" lnSpcReduction="20000"/>
           </a:bodyPr>
           <a:lstStyle/>
           <a:p>
@@ -5502,13 +6225,37 @@
             </a:r>
           </a:p>
           <a:p>
+            <a:pPr>
+              <a:buClr>
+                <a:srgbClr val="1E5155">
+                  <a:lumMod val="40000"/>
+                  <a:lumOff val="60000"/>
+                </a:srgbClr>
+              </a:buClr>
+            </a:pPr>
             <a:r>
               <a:rPr lang="en-CA" sz="3200" b="1" dirty="0">
                 <a:solidFill>
-                  <a:schemeClr val="tx1"/>
+                  <a:prstClr val="white"/>
                 </a:solidFill>
               </a:rPr>
-              <a:t>Questions can be asked in the chat or at the end of the talk.</a:t>
+              <a:t>Questions should be asked to </a:t>
+            </a:r>
+            <a:r>
+              <a:rPr lang="en-CA" sz="3200" b="1" dirty="0">
+                <a:solidFill>
+                  <a:srgbClr val="FF0000"/>
+                </a:solidFill>
+              </a:rPr>
+              <a:t>David Sibeck</a:t>
+            </a:r>
+            <a:r>
+              <a:rPr lang="en-CA" sz="3200" b="1" dirty="0">
+                <a:solidFill>
+                  <a:prstClr val="white"/>
+                </a:solidFill>
+              </a:rPr>
+              <a:t>. Use the private chat button at the bottom of your screen. He will do his best to get to your question at the end of the seminar.</a:t>
             </a:r>
           </a:p>
           <a:p>
@@ -5549,26 +6296,256 @@
               <a:buNone/>
             </a:pPr>
             <a:r>
-              <a:rPr lang="en-CA" dirty="0">
+              <a:rPr lang="en-CA" sz="2400" b="1" dirty="0">
+                <a:hlinkClick r:id="rId2">
+                  <a:extLst>
+                    <a:ext uri="{A12FA001-AC4F-418D-AE19-62706E023703}">
+                      <ahyp:hlinkClr xmlns:ahyp="http://schemas.microsoft.com/office/drawing/2018/hyperlinkcolor" val="tx"/>
+                    </a:ext>
+                  </a:extLst>
+                </a:hlinkClick>
+              </a:rPr>
+              <a:t>https://msolss.github.io/MagSeminars/contact.html</a:t>
+            </a:r>
+            <a:endParaRPr lang="en-CA" sz="2400" b="1" dirty="0"/>
+          </a:p>
+          <a:p>
+            <a:pPr marL="457200" lvl="1" indent="0">
+              <a:buNone/>
+            </a:pPr>
+            <a:r>
+              <a:rPr lang="en-CA" sz="2200" b="1" dirty="0">
+                <a:hlinkClick r:id="rId3">
+                  <a:extLst>
+                    <a:ext uri="{A12FA001-AC4F-418D-AE19-62706E023703}">
+                      <ahyp:hlinkClr xmlns:ahyp="http://schemas.microsoft.com/office/drawing/2018/hyperlinkcolor" val="tx"/>
+                    </a:ext>
+                  </a:extLst>
+                </a:hlinkClick>
+              </a:rPr>
+              <a:t>magnetosphere.seminars@gmail.com</a:t>
+            </a:r>
+            <a:endParaRPr lang="en-CA" sz="2200" b="1" dirty="0"/>
+          </a:p>
+          <a:p>
+            <a:pPr marL="457200" lvl="1" indent="0">
+              <a:buNone/>
+            </a:pPr>
+            <a:r>
+              <a:rPr lang="en-CA" sz="2700" b="1" dirty="0"/>
+              <a:t>Join the mailing list:</a:t>
+            </a:r>
+          </a:p>
+          <a:p>
+            <a:pPr marL="457200" lvl="1" indent="0">
+              <a:buNone/>
+            </a:pPr>
+            <a:r>
+              <a:rPr lang="en-CA" sz="2400" b="1" dirty="0">
+                <a:hlinkClick r:id="rId4">
+                  <a:extLst>
+                    <a:ext uri="{A12FA001-AC4F-418D-AE19-62706E023703}">
+                      <ahyp:hlinkClr xmlns:ahyp="http://schemas.microsoft.com/office/drawing/2018/hyperlinkcolor" val="tx"/>
+                    </a:ext>
+                  </a:extLst>
+                </a:hlinkClick>
+              </a:rPr>
+              <a:t>https://msolss.github.io/MagSeminars/mail-list.html</a:t>
+            </a:r>
+            <a:endParaRPr lang="en-CA" sz="2200" b="1" dirty="0"/>
+          </a:p>
+        </p:txBody>
+      </p:sp>
+      <p:sp>
+        <p:nvSpPr>
+          <p:cNvPr id="2" name="Content Placeholder 1">
+            <a:extLst>
+              <a:ext uri="{FF2B5EF4-FFF2-40B4-BE49-F238E27FC236}">
+                <a16:creationId xmlns:a16="http://schemas.microsoft.com/office/drawing/2014/main" id="{913C924B-8944-42C1-82A7-3B260956C197}"/>
+              </a:ext>
+            </a:extLst>
+          </p:cNvPr>
+          <p:cNvSpPr>
+            <a:spLocks noGrp="1"/>
+          </p:cNvSpPr>
+          <p:nvPr>
+            <p:ph sz="half" idx="2"/>
+          </p:nvPr>
+        </p:nvSpPr>
+        <p:spPr>
+          <a:xfrm>
+            <a:off x="6152147" y="1305743"/>
+            <a:ext cx="5518485" cy="5159141"/>
+          </a:xfrm>
+        </p:spPr>
+        <p:txBody>
+          <a:bodyPr>
+            <a:normAutofit fontScale="62500" lnSpcReduction="20000"/>
+          </a:bodyPr>
+          <a:lstStyle/>
+          <a:p>
+            <a:pPr lvl="0">
+              <a:buClr>
+                <a:srgbClr val="1E5155">
+                  <a:lumMod val="40000"/>
+                  <a:lumOff val="60000"/>
+                </a:srgbClr>
+              </a:buClr>
+            </a:pPr>
+            <a:r>
+              <a:rPr lang="en-CA" sz="3200" b="1" dirty="0">
                 <a:solidFill>
-                  <a:schemeClr val="tx1"/>
+                  <a:prstClr val="white"/>
                 </a:solidFill>
               </a:rPr>
-              <a:t>https://msolss.github.io/MagSeminars/</a:t>
-            </a:r>
-          </a:p>
-          <a:p>
-            <a:pPr marL="457200" lvl="1" indent="0">
-              <a:buNone/>
+              <a:t>Rules:</a:t>
+            </a:r>
+          </a:p>
+          <a:p>
+            <a:pPr lvl="1">
+              <a:buClr>
+                <a:srgbClr val="1E5155">
+                  <a:lumMod val="40000"/>
+                  <a:lumOff val="60000"/>
+                </a:srgbClr>
+              </a:buClr>
             </a:pPr>
             <a:r>
-              <a:rPr lang="en-CA" dirty="0">
+              <a:rPr lang="en-CA" sz="3000" b="1" dirty="0">
                 <a:solidFill>
-                  <a:schemeClr val="tx1"/>
+                  <a:prstClr val="white"/>
                 </a:solidFill>
               </a:rPr>
-              <a:t>magnetosphere.seminars@gmail.com</a:t>
-            </a:r>
+              <a:t>Please disable your video.</a:t>
+            </a:r>
+          </a:p>
+          <a:p>
+            <a:pPr lvl="1">
+              <a:buClr>
+                <a:srgbClr val="1E5155">
+                  <a:lumMod val="40000"/>
+                  <a:lumOff val="60000"/>
+                </a:srgbClr>
+              </a:buClr>
+            </a:pPr>
+            <a:r>
+              <a:rPr lang="en-CA" sz="3000" b="1" dirty="0">
+                <a:solidFill>
+                  <a:prstClr val="white"/>
+                </a:solidFill>
+              </a:rPr>
+              <a:t>Please remain on mute until the question period.</a:t>
+            </a:r>
+          </a:p>
+          <a:p>
+            <a:pPr lvl="1">
+              <a:buClr>
+                <a:srgbClr val="1E5155">
+                  <a:lumMod val="40000"/>
+                  <a:lumOff val="60000"/>
+                </a:srgbClr>
+              </a:buClr>
+            </a:pPr>
+            <a:r>
+              <a:rPr lang="en-CA" sz="3000" b="1" dirty="0">
+                <a:solidFill>
+                  <a:prstClr val="white"/>
+                </a:solidFill>
+              </a:rPr>
+              <a:t>Do not flood the chat.</a:t>
+            </a:r>
+          </a:p>
+          <a:p>
+            <a:pPr lvl="1">
+              <a:buClr>
+                <a:srgbClr val="1E5155">
+                  <a:lumMod val="40000"/>
+                  <a:lumOff val="60000"/>
+                </a:srgbClr>
+              </a:buClr>
+            </a:pPr>
+            <a:r>
+              <a:rPr lang="en-CA" sz="3000" b="1" dirty="0">
+                <a:solidFill>
+                  <a:prstClr val="white"/>
+                </a:solidFill>
+              </a:rPr>
+              <a:t>Remain courteous.</a:t>
+            </a:r>
+          </a:p>
+          <a:p>
+            <a:pPr lvl="1">
+              <a:buClr>
+                <a:srgbClr val="1E5155">
+                  <a:lumMod val="40000"/>
+                  <a:lumOff val="60000"/>
+                </a:srgbClr>
+              </a:buClr>
+            </a:pPr>
+            <a:endParaRPr lang="en-CA" sz="3000" b="1" dirty="0">
+              <a:solidFill>
+                <a:prstClr val="white"/>
+              </a:solidFill>
+            </a:endParaRPr>
+          </a:p>
+          <a:p>
+            <a:pPr marL="0" lvl="0" indent="0">
+              <a:buClr>
+                <a:srgbClr val="1E5155">
+                  <a:lumMod val="40000"/>
+                  <a:lumOff val="60000"/>
+                </a:srgbClr>
+              </a:buClr>
+              <a:buNone/>
+            </a:pPr>
+            <a:r>
+              <a:rPr lang="en-CA" sz="4200" b="1" dirty="0">
+                <a:solidFill>
+                  <a:prstClr val="white"/>
+                </a:solidFill>
+              </a:rPr>
+              <a:t>Failure to obey the rules may result in you being ejected from the seminar and any future seminars. </a:t>
+            </a:r>
+          </a:p>
+          <a:p>
+            <a:pPr marL="0" lvl="0" indent="0">
+              <a:buClr>
+                <a:srgbClr val="1E5155">
+                  <a:lumMod val="40000"/>
+                  <a:lumOff val="60000"/>
+                </a:srgbClr>
+              </a:buClr>
+              <a:buNone/>
+            </a:pPr>
+            <a:endParaRPr lang="en-CA" sz="4200" b="1" dirty="0">
+              <a:solidFill>
+                <a:prstClr val="white"/>
+              </a:solidFill>
+            </a:endParaRPr>
+          </a:p>
+          <a:p>
+            <a:pPr marL="0" lvl="0" indent="0">
+              <a:buClr>
+                <a:srgbClr val="1E5155">
+                  <a:lumMod val="40000"/>
+                  <a:lumOff val="60000"/>
+                </a:srgbClr>
+              </a:buClr>
+              <a:buNone/>
+            </a:pPr>
+            <a:r>
+              <a:rPr lang="en-CA" sz="2900" b="1" dirty="0">
+                <a:solidFill>
+                  <a:prstClr val="white"/>
+                </a:solidFill>
+              </a:rPr>
+              <a:t>This magnetosphere seminar is hosted by Kyle Murphy, David Sibeck and Marcos Silveira.</a:t>
+            </a:r>
+            <a:endParaRPr lang="en-CA" sz="4200" b="1" dirty="0">
+              <a:solidFill>
+                <a:prstClr val="white"/>
+              </a:solidFill>
+            </a:endParaRPr>
           </a:p>
         </p:txBody>
       </p:sp>
@@ -5586,9 +6563,9 @@
 </file>
 
 <file path=ppt/theme/theme1.xml><?xml version="1.0" encoding="utf-8"?>
-<a:theme xmlns:a="http://schemas.openxmlformats.org/drawingml/2006/main" name="Slice">
+<a:theme xmlns:a="http://schemas.openxmlformats.org/drawingml/2006/main" name="Ion">
   <a:themeElements>
-    <a:clrScheme name="Slice">
+    <a:clrScheme name="Ion">
       <a:dk1>
         <a:sysClr val="windowText" lastClr="000000"/>
       </a:dk1>
@@ -5596,48 +6573,83 @@
         <a:sysClr val="window" lastClr="FFFFFF"/>
       </a:lt1>
       <a:dk2>
-        <a:srgbClr val="146194"/>
+        <a:srgbClr val="1E5155"/>
       </a:dk2>
       <a:lt2>
-        <a:srgbClr val="76DBF4"/>
+        <a:srgbClr val="EBEBEB"/>
       </a:lt2>
       <a:accent1>
-        <a:srgbClr val="052F61"/>
+        <a:srgbClr val="B01513"/>
       </a:accent1>
       <a:accent2>
-        <a:srgbClr val="A50E82"/>
+        <a:srgbClr val="EA6312"/>
       </a:accent2>
       <a:accent3>
-        <a:srgbClr val="14967C"/>
+        <a:srgbClr val="E6B729"/>
       </a:accent3>
       <a:accent4>
-        <a:srgbClr val="6A9E1F"/>
+        <a:srgbClr val="6AAC90"/>
       </a:accent4>
       <a:accent5>
-        <a:srgbClr val="E87D37"/>
+        <a:srgbClr val="54849A"/>
       </a:accent5>
       <a:accent6>
-        <a:srgbClr val="C62324"/>
+        <a:srgbClr val="9E5E9B"/>
       </a:accent6>
       <a:hlink>
-        <a:srgbClr val="0D2E46"/>
+        <a:srgbClr val="58C1BA"/>
       </a:hlink>
       <a:folHlink>
-        <a:srgbClr val="356A95"/>
+        <a:srgbClr val="9DFFCB"/>
       </a:folHlink>
     </a:clrScheme>
-    <a:fontScheme name="Slice">
+    <a:fontScheme name="Ion">
       <a:majorFont>
         <a:latin typeface="Century Gothic" panose="020B0502020202020204"/>
         <a:ea typeface=""/>
         <a:cs typeface=""/>
         <a:font script="Jpan" typeface="メイリオ"/>
-        <a:font script="Hang" typeface="HY중고딕"/>
-        <a:font script="Hans" typeface="幼圆"/>
-        <a:font script="Hant" typeface="微軟正黑體"/>
-        <a:font script="Arab" typeface="Tahoma"/>
-        <a:font script="Hebr" typeface="Gisha"/>
-        <a:font script="Thai" typeface="DilleniaUPC"/>
+        <a:font script="Hang" typeface="맑은 고딕"/>
+        <a:font script="Hans" typeface="宋体"/>
+        <a:font script="Hant" typeface="新細明體"/>
+        <a:font script="Arab" typeface="Times New Roman"/>
+        <a:font script="Hebr" typeface="Times New Roman"/>
+        <a:font script="Thai" typeface="Angsana New"/>
+        <a:font script="Ethi" typeface="Nyala"/>
+        <a:font script="Beng" typeface="Vrinda"/>
+        <a:font script="Gujr" typeface="Shruti"/>
+        <a:font script="Khmr" typeface="MoolBoran"/>
+        <a:font script="Knda" typeface="Tunga"/>
+        <a:font script="Guru" typeface="Raavi"/>
+        <a:font script="Cans" typeface="Euphemia"/>
+        <a:font script="Cher" typeface="Plantagenet Cherokee"/>
+        <a:font script="Yiii" typeface="Microsoft Yi Baiti"/>
+        <a:font script="Tibt" typeface="Microsoft Himalaya"/>
+        <a:font script="Thaa" typeface="MV Boli"/>
+        <a:font script="Deva" typeface="Mangal"/>
+        <a:font script="Telu" typeface="Gautami"/>
+        <a:font script="Taml" typeface="Latha"/>
+        <a:font script="Syrc" typeface="Estrangelo Edessa"/>
+        <a:font script="Orya" typeface="Kalinga"/>
+        <a:font script="Mlym" typeface="Kartika"/>
+        <a:font script="Laoo" typeface="DokChampa"/>
+        <a:font script="Sinh" typeface="Iskoola Pota"/>
+        <a:font script="Mong" typeface="Mongolian Baiti"/>
+        <a:font script="Viet" typeface="Times New Roman"/>
+        <a:font script="Uigh" typeface="Microsoft Uighur"/>
+        <a:font script="Geor" typeface="Sylfaen"/>
+      </a:majorFont>
+      <a:minorFont>
+        <a:latin typeface="Century Gothic" panose="020B0502020202020204"/>
+        <a:ea typeface=""/>
+        <a:cs typeface=""/>
+        <a:font script="Jpan" typeface="メイリオ"/>
+        <a:font script="Hang" typeface="맑은 고딕"/>
+        <a:font script="Hans" typeface="宋体"/>
+        <a:font script="Hant" typeface="新細明體"/>
+        <a:font script="Arab" typeface="Arial"/>
+        <a:font script="Hebr" typeface="Arial"/>
+        <a:font script="Thai" typeface="Cordia New"/>
         <a:font script="Ethi" typeface="Nyala"/>
         <a:font script="Beng" typeface="Vrinda"/>
         <a:font script="Gujr" typeface="Shruti"/>
@@ -5658,47 +6670,12 @@
         <a:font script="Laoo" typeface="DokChampa"/>
         <a:font script="Sinh" typeface="Iskoola Pota"/>
         <a:font script="Mong" typeface="Mongolian Baiti"/>
-        <a:font script="Viet" typeface="Tahoma"/>
-        <a:font script="Uigh" typeface="Microsoft Uighur"/>
-        <a:font script="Geor" typeface="Sylfaen"/>
-      </a:majorFont>
-      <a:minorFont>
-        <a:latin typeface="Century Gothic" panose="020B0502020202020204"/>
-        <a:ea typeface=""/>
-        <a:cs typeface=""/>
-        <a:font script="Jpan" typeface="メイリオ"/>
-        <a:font script="Hang" typeface="HY중고딕"/>
-        <a:font script="Hans" typeface="幼圆"/>
-        <a:font script="Hant" typeface="微軟正黑體"/>
-        <a:font script="Arab" typeface="Tahoma"/>
-        <a:font script="Hebr" typeface="Gisha"/>
-        <a:font script="Thai" typeface="DilleniaUPC"/>
-        <a:font script="Ethi" typeface="Nyala"/>
-        <a:font script="Beng" typeface="Vrinda"/>
-        <a:font script="Gujr" typeface="Shruti"/>
-        <a:font script="Khmr" typeface="DaunPenh"/>
-        <a:font script="Knda" typeface="Tunga"/>
-        <a:font script="Guru" typeface="Raavi"/>
-        <a:font script="Cans" typeface="Euphemia"/>
-        <a:font script="Cher" typeface="Plantagenet Cherokee"/>
-        <a:font script="Yiii" typeface="Microsoft Yi Baiti"/>
-        <a:font script="Tibt" typeface="Microsoft Himalaya"/>
-        <a:font script="Thaa" typeface="MV Boli"/>
-        <a:font script="Deva" typeface="Mangal"/>
-        <a:font script="Telu" typeface="Gautami"/>
-        <a:font script="Taml" typeface="Latha"/>
-        <a:font script="Syrc" typeface="Estrangelo Edessa"/>
-        <a:font script="Orya" typeface="Kalinga"/>
-        <a:font script="Mlym" typeface="Kartika"/>
-        <a:font script="Laoo" typeface="DokChampa"/>
-        <a:font script="Sinh" typeface="Iskoola Pota"/>
-        <a:font script="Mong" typeface="Mongolian Baiti"/>
-        <a:font script="Viet" typeface="Tahoma"/>
+        <a:font script="Viet" typeface="Arial"/>
         <a:font script="Uigh" typeface="Microsoft Uighur"/>
         <a:font script="Geor" typeface="Sylfaen"/>
       </a:minorFont>
     </a:fontScheme>
-    <a:fmtScheme name="Slice">
+    <a:fmtScheme name="Ion">
       <a:fillStyleLst>
         <a:solidFill>
           <a:schemeClr val="phClr"/>
@@ -5707,16 +6684,15 @@
           <a:gsLst>
             <a:gs pos="0">
               <a:schemeClr val="phClr">
-                <a:tint val="62000"/>
-                <a:hueMod val="94000"/>
-                <a:satMod val="140000"/>
-                <a:lumMod val="110000"/>
+                <a:tint val="64000"/>
+                <a:lumMod val="118000"/>
               </a:schemeClr>
             </a:gs>
             <a:gs pos="100000">
               <a:schemeClr val="phClr">
-                <a:tint val="84000"/>
-                <a:satMod val="160000"/>
+                <a:tint val="92000"/>
+                <a:alpha val="100000"/>
+                <a:lumMod val="110000"/>
               </a:schemeClr>
             </a:gs>
           </a:gsLst>
@@ -5727,15 +6703,13 @@
             <a:gs pos="0">
               <a:schemeClr val="phClr">
                 <a:tint val="98000"/>
-                <a:hueMod val="94000"/>
-                <a:satMod val="130000"/>
-                <a:lumMod val="128000"/>
+                <a:lumMod val="114000"/>
               </a:schemeClr>
             </a:gs>
             <a:gs pos="100000">
               <a:schemeClr val="phClr">
-                <a:shade val="94000"/>
-                <a:lumMod val="88000"/>
+                <a:shade val="90000"/>
+                <a:lumMod val="84000"/>
               </a:schemeClr>
             </a:gs>
           </a:gsLst>
@@ -5745,19 +6719,13 @@
       <a:lnStyleLst>
         <a:ln w="9525" cap="rnd" cmpd="sng" algn="ctr">
           <a:solidFill>
-            <a:schemeClr val="phClr">
-              <a:tint val="76000"/>
-              <a:alpha val="60000"/>
-              <a:hueMod val="94000"/>
-            </a:schemeClr>
+            <a:schemeClr val="phClr"/>
           </a:solidFill>
           <a:prstDash val="solid"/>
         </a:ln>
-        <a:ln w="15875" cap="rnd" cmpd="sng" algn="ctr">
+        <a:ln w="19050" cap="rnd" cmpd="sng" algn="ctr">
           <a:solidFill>
-            <a:schemeClr val="phClr">
-              <a:hueMod val="94000"/>
-            </a:schemeClr>
+            <a:schemeClr val="phClr"/>
           </a:solidFill>
           <a:prstDash val="solid"/>
         </a:ln>
@@ -5774,18 +6742,18 @@
         </a:effectStyle>
         <a:effectStyle>
           <a:effectLst>
-            <a:innerShdw blurRad="25400" dist="12700" dir="13500000">
+            <a:outerShdw blurRad="38100" dist="25400" dir="5400000" rotWithShape="0">
               <a:srgbClr val="000000">
                 <a:alpha val="45000"/>
               </a:srgbClr>
-            </a:innerShdw>
+            </a:outerShdw>
           </a:effectLst>
         </a:effectStyle>
         <a:effectStyle>
           <a:effectLst>
-            <a:outerShdw blurRad="50800" dist="38100" dir="5400000" rotWithShape="0">
+            <a:outerShdw blurRad="63500" dist="38100" dir="5400000" rotWithShape="0">
               <a:srgbClr val="000000">
-                <a:alpha val="46000"/>
+                <a:alpha val="60000"/>
               </a:srgbClr>
             </a:outerShdw>
           </a:effectLst>
@@ -5793,10 +6761,10 @@
             <a:camera prst="orthographicFront">
               <a:rot lat="0" lon="0" rev="0"/>
             </a:camera>
-            <a:lightRig rig="threePt" dir="t"/>
+            <a:lightRig rig="threePt" dir="tl"/>
           </a:scene3d>
           <a:sp3d prstMaterial="plastic">
-            <a:bevelT w="25400" h="25400"/>
+            <a:bevelT w="0" h="0"/>
           </a:sp3d>
         </a:effectStyle>
       </a:effectStyleLst>
@@ -5806,46 +6774,47 @@
         </a:solidFill>
         <a:gradFill rotWithShape="1">
           <a:gsLst>
-            <a:gs pos="10000">
+            <a:gs pos="0">
               <a:schemeClr val="phClr">
                 <a:tint val="97000"/>
-                <a:hueMod val="92000"/>
-                <a:satMod val="169000"/>
-                <a:lumMod val="164000"/>
+                <a:hueMod val="88000"/>
+                <a:satMod val="130000"/>
+                <a:lumMod val="124000"/>
               </a:schemeClr>
             </a:gs>
             <a:gs pos="100000">
               <a:schemeClr val="phClr">
-                <a:shade val="96000"/>
-                <a:satMod val="120000"/>
-                <a:lumMod val="90000"/>
-              </a:schemeClr>
-            </a:gs>
-          </a:gsLst>
-          <a:lin ang="6120000" scaled="1"/>
-        </a:gradFill>
-        <a:gradFill rotWithShape="1">
-          <a:gsLst>
-            <a:gs pos="0">
-              <a:schemeClr val="phClr">
-                <a:tint val="97000"/>
-                <a:hueMod val="92000"/>
-                <a:satMod val="169000"/>
-                <a:lumMod val="164000"/>
-              </a:schemeClr>
-            </a:gs>
-            <a:gs pos="100000">
-              <a:schemeClr val="phClr">
-                <a:shade val="96000"/>
-                <a:satMod val="120000"/>
-                <a:lumMod val="90000"/>
+                <a:tint val="96000"/>
+                <a:shade val="88000"/>
+                <a:hueMod val="108000"/>
+                <a:satMod val="164000"/>
+                <a:lumMod val="76000"/>
               </a:schemeClr>
             </a:gs>
           </a:gsLst>
           <a:path path="circle">
-            <a:fillToRect b="100000"/>
+            <a:fillToRect l="45000" t="65000" r="125000" b="100000"/>
           </a:path>
         </a:gradFill>
+        <a:blipFill rotWithShape="1">
+          <a:blip xmlns:r="http://schemas.openxmlformats.org/officeDocument/2006/relationships" r:embed="rId1">
+            <a:duotone>
+              <a:schemeClr val="phClr">
+                <a:shade val="69000"/>
+                <a:hueMod val="108000"/>
+                <a:satMod val="164000"/>
+                <a:lumMod val="74000"/>
+              </a:schemeClr>
+              <a:schemeClr val="phClr">
+                <a:tint val="96000"/>
+                <a:hueMod val="88000"/>
+                <a:satMod val="140000"/>
+                <a:lumMod val="132000"/>
+              </a:schemeClr>
+            </a:duotone>
+          </a:blip>
+          <a:stretch/>
+        </a:blipFill>
       </a:bgFillStyleLst>
     </a:fmtScheme>
   </a:themeElements>
@@ -5853,7 +6822,7 @@
   <a:extraClrSchemeLst/>
   <a:extLst>
     <a:ext uri="{05A4C25C-085E-4340-85A3-A5531E510DB2}">
-      <thm15:themeFamily xmlns:thm15="http://schemas.microsoft.com/office/thememl/2012/main" name="Slice" id="{0507925B-6AC9-4358-8E18-C330545D08F8}" vid="{13FEC7C6-62A9-40C4-99D2-581AACACAA2F}"/>
+      <thm15:themeFamily xmlns:thm15="http://schemas.microsoft.com/office/thememl/2012/main" name="Ion" id="{B8441ADB-2E43-4AF7-B97A-BD870242C6A8}" vid="{292E63A9-BB86-4E3D-B92A-7223C6510D2E}"/>
     </a:ext>
   </a:extLst>
 </a:theme>

--- a/MSOSS_title.pptx
+++ b/MSOSS_title.pptx
@@ -298,7 +298,7 @@
           <a:p>
             <a:fld id="{9FE723E2-BC0F-4A2F-84D1-E095482B85E6}" type="datetimeFigureOut">
               <a:rPr lang="en-CA" smtClean="0"/>
-              <a:t>2020-04-24</a:t>
+              <a:t>2020-04-27</a:t>
             </a:fld>
             <a:endParaRPr lang="en-CA"/>
           </a:p>
@@ -573,7 +573,7 @@
           <a:p>
             <a:fld id="{9FE723E2-BC0F-4A2F-84D1-E095482B85E6}" type="datetimeFigureOut">
               <a:rPr lang="en-CA" smtClean="0"/>
-              <a:t>2020-04-24</a:t>
+              <a:t>2020-04-27</a:t>
             </a:fld>
             <a:endParaRPr lang="en-CA"/>
           </a:p>
@@ -767,7 +767,7 @@
           <a:p>
             <a:fld id="{9FE723E2-BC0F-4A2F-84D1-E095482B85E6}" type="datetimeFigureOut">
               <a:rPr lang="en-CA" smtClean="0"/>
-              <a:t>2020-04-24</a:t>
+              <a:t>2020-04-27</a:t>
             </a:fld>
             <a:endParaRPr lang="en-CA"/>
           </a:p>
@@ -1040,7 +1040,7 @@
           <a:p>
             <a:fld id="{9FE723E2-BC0F-4A2F-84D1-E095482B85E6}" type="datetimeFigureOut">
               <a:rPr lang="en-CA" smtClean="0"/>
-              <a:t>2020-04-24</a:t>
+              <a:t>2020-04-27</a:t>
             </a:fld>
             <a:endParaRPr lang="en-CA"/>
           </a:p>
@@ -1381,7 +1381,7 @@
           <a:p>
             <a:fld id="{9FE723E2-BC0F-4A2F-84D1-E095482B85E6}" type="datetimeFigureOut">
               <a:rPr lang="en-CA" smtClean="0"/>
-              <a:t>2020-04-24</a:t>
+              <a:t>2020-04-27</a:t>
             </a:fld>
             <a:endParaRPr lang="en-CA"/>
           </a:p>
@@ -2004,7 +2004,7 @@
           <a:p>
             <a:fld id="{9FE723E2-BC0F-4A2F-84D1-E095482B85E6}" type="datetimeFigureOut">
               <a:rPr lang="en-CA" smtClean="0"/>
-              <a:t>2020-04-24</a:t>
+              <a:t>2020-04-27</a:t>
             </a:fld>
             <a:endParaRPr lang="en-CA"/>
           </a:p>
@@ -2864,7 +2864,7 @@
           <a:p>
             <a:fld id="{9FE723E2-BC0F-4A2F-84D1-E095482B85E6}" type="datetimeFigureOut">
               <a:rPr lang="en-CA" smtClean="0"/>
-              <a:t>2020-04-24</a:t>
+              <a:t>2020-04-27</a:t>
             </a:fld>
             <a:endParaRPr lang="en-CA"/>
           </a:p>
@@ -3034,7 +3034,7 @@
           <a:p>
             <a:fld id="{9FE723E2-BC0F-4A2F-84D1-E095482B85E6}" type="datetimeFigureOut">
               <a:rPr lang="en-CA" smtClean="0"/>
-              <a:t>2020-04-24</a:t>
+              <a:t>2020-04-27</a:t>
             </a:fld>
             <a:endParaRPr lang="en-CA"/>
           </a:p>
@@ -3214,7 +3214,7 @@
           <a:p>
             <a:fld id="{9FE723E2-BC0F-4A2F-84D1-E095482B85E6}" type="datetimeFigureOut">
               <a:rPr lang="en-CA" smtClean="0"/>
-              <a:t>2020-04-24</a:t>
+              <a:t>2020-04-27</a:t>
             </a:fld>
             <a:endParaRPr lang="en-CA"/>
           </a:p>
@@ -3384,7 +3384,7 @@
           <a:p>
             <a:fld id="{9FE723E2-BC0F-4A2F-84D1-E095482B85E6}" type="datetimeFigureOut">
               <a:rPr lang="en-CA" smtClean="0"/>
-              <a:t>2020-04-24</a:t>
+              <a:t>2020-04-27</a:t>
             </a:fld>
             <a:endParaRPr lang="en-CA"/>
           </a:p>
@@ -3631,7 +3631,7 @@
           <a:p>
             <a:fld id="{9FE723E2-BC0F-4A2F-84D1-E095482B85E6}" type="datetimeFigureOut">
               <a:rPr lang="en-CA" smtClean="0"/>
-              <a:t>2020-04-24</a:t>
+              <a:t>2020-04-27</a:t>
             </a:fld>
             <a:endParaRPr lang="en-CA"/>
           </a:p>
@@ -3923,7 +3923,7 @@
           <a:p>
             <a:fld id="{9FE723E2-BC0F-4A2F-84D1-E095482B85E6}" type="datetimeFigureOut">
               <a:rPr lang="en-CA" smtClean="0"/>
-              <a:t>2020-04-24</a:t>
+              <a:t>2020-04-27</a:t>
             </a:fld>
             <a:endParaRPr lang="en-CA"/>
           </a:p>
@@ -4367,7 +4367,7 @@
           <a:p>
             <a:fld id="{9FE723E2-BC0F-4A2F-84D1-E095482B85E6}" type="datetimeFigureOut">
               <a:rPr lang="en-CA" smtClean="0"/>
-              <a:t>2020-04-24</a:t>
+              <a:t>2020-04-27</a:t>
             </a:fld>
             <a:endParaRPr lang="en-CA"/>
           </a:p>
@@ -4485,7 +4485,7 @@
           <a:p>
             <a:fld id="{9FE723E2-BC0F-4A2F-84D1-E095482B85E6}" type="datetimeFigureOut">
               <a:rPr lang="en-CA" smtClean="0"/>
-              <a:t>2020-04-24</a:t>
+              <a:t>2020-04-27</a:t>
             </a:fld>
             <a:endParaRPr lang="en-CA"/>
           </a:p>
@@ -4580,7 +4580,7 @@
           <a:p>
             <a:fld id="{9FE723E2-BC0F-4A2F-84D1-E095482B85E6}" type="datetimeFigureOut">
               <a:rPr lang="en-CA" smtClean="0"/>
-              <a:t>2020-04-24</a:t>
+              <a:t>2020-04-27</a:t>
             </a:fld>
             <a:endParaRPr lang="en-CA"/>
           </a:p>
@@ -4859,7 +4859,7 @@
           <a:p>
             <a:fld id="{9FE723E2-BC0F-4A2F-84D1-E095482B85E6}" type="datetimeFigureOut">
               <a:rPr lang="en-CA" smtClean="0"/>
-              <a:t>2020-04-24</a:t>
+              <a:t>2020-04-27</a:t>
             </a:fld>
             <a:endParaRPr lang="en-CA"/>
           </a:p>
@@ -5134,7 +5134,7 @@
           <a:p>
             <a:fld id="{9FE723E2-BC0F-4A2F-84D1-E095482B85E6}" type="datetimeFigureOut">
               <a:rPr lang="en-CA" smtClean="0"/>
-              <a:t>2020-04-24</a:t>
+              <a:t>2020-04-27</a:t>
             </a:fld>
             <a:endParaRPr lang="en-CA"/>
           </a:p>
@@ -5563,7 +5563,7 @@
           <a:p>
             <a:fld id="{9FE723E2-BC0F-4A2F-84D1-E095482B85E6}" type="datetimeFigureOut">
               <a:rPr lang="en-CA" smtClean="0"/>
-              <a:t>2020-04-24</a:t>
+              <a:t>2020-04-27</a:t>
             </a:fld>
             <a:endParaRPr lang="en-CA"/>
           </a:p>
@@ -6539,7 +6539,7 @@
                   <a:prstClr val="white"/>
                 </a:solidFill>
               </a:rPr>
-              <a:t>This magnetosphere seminar is hosted by Kyle Murphy, David Sibeck and Marcos Silveira.</a:t>
+              <a:t>This magnetosphere seminar is hosted by Kyle Murphy, David Sibeck, and Marcos Silveira.</a:t>
             </a:r>
             <a:endParaRPr lang="en-CA" sz="4200" b="1" dirty="0">
               <a:solidFill>

--- a/MSOSS_title.pptx
+++ b/MSOSS_title.pptx
@@ -298,7 +298,7 @@
           <a:p>
             <a:fld id="{9FE723E2-BC0F-4A2F-84D1-E095482B85E6}" type="datetimeFigureOut">
               <a:rPr lang="en-CA" smtClean="0"/>
-              <a:t>2020-04-27</a:t>
+              <a:t>2020-05-01</a:t>
             </a:fld>
             <a:endParaRPr lang="en-CA"/>
           </a:p>
@@ -573,7 +573,7 @@
           <a:p>
             <a:fld id="{9FE723E2-BC0F-4A2F-84D1-E095482B85E6}" type="datetimeFigureOut">
               <a:rPr lang="en-CA" smtClean="0"/>
-              <a:t>2020-04-27</a:t>
+              <a:t>2020-05-01</a:t>
             </a:fld>
             <a:endParaRPr lang="en-CA"/>
           </a:p>
@@ -767,7 +767,7 @@
           <a:p>
             <a:fld id="{9FE723E2-BC0F-4A2F-84D1-E095482B85E6}" type="datetimeFigureOut">
               <a:rPr lang="en-CA" smtClean="0"/>
-              <a:t>2020-04-27</a:t>
+              <a:t>2020-05-01</a:t>
             </a:fld>
             <a:endParaRPr lang="en-CA"/>
           </a:p>
@@ -1040,7 +1040,7 @@
           <a:p>
             <a:fld id="{9FE723E2-BC0F-4A2F-84D1-E095482B85E6}" type="datetimeFigureOut">
               <a:rPr lang="en-CA" smtClean="0"/>
-              <a:t>2020-04-27</a:t>
+              <a:t>2020-05-01</a:t>
             </a:fld>
             <a:endParaRPr lang="en-CA"/>
           </a:p>
@@ -1381,7 +1381,7 @@
           <a:p>
             <a:fld id="{9FE723E2-BC0F-4A2F-84D1-E095482B85E6}" type="datetimeFigureOut">
               <a:rPr lang="en-CA" smtClean="0"/>
-              <a:t>2020-04-27</a:t>
+              <a:t>2020-05-01</a:t>
             </a:fld>
             <a:endParaRPr lang="en-CA"/>
           </a:p>
@@ -2004,7 +2004,7 @@
           <a:p>
             <a:fld id="{9FE723E2-BC0F-4A2F-84D1-E095482B85E6}" type="datetimeFigureOut">
               <a:rPr lang="en-CA" smtClean="0"/>
-              <a:t>2020-04-27</a:t>
+              <a:t>2020-05-01</a:t>
             </a:fld>
             <a:endParaRPr lang="en-CA"/>
           </a:p>
@@ -2864,7 +2864,7 @@
           <a:p>
             <a:fld id="{9FE723E2-BC0F-4A2F-84D1-E095482B85E6}" type="datetimeFigureOut">
               <a:rPr lang="en-CA" smtClean="0"/>
-              <a:t>2020-04-27</a:t>
+              <a:t>2020-05-01</a:t>
             </a:fld>
             <a:endParaRPr lang="en-CA"/>
           </a:p>
@@ -3034,7 +3034,7 @@
           <a:p>
             <a:fld id="{9FE723E2-BC0F-4A2F-84D1-E095482B85E6}" type="datetimeFigureOut">
               <a:rPr lang="en-CA" smtClean="0"/>
-              <a:t>2020-04-27</a:t>
+              <a:t>2020-05-01</a:t>
             </a:fld>
             <a:endParaRPr lang="en-CA"/>
           </a:p>
@@ -3214,7 +3214,7 @@
           <a:p>
             <a:fld id="{9FE723E2-BC0F-4A2F-84D1-E095482B85E6}" type="datetimeFigureOut">
               <a:rPr lang="en-CA" smtClean="0"/>
-              <a:t>2020-04-27</a:t>
+              <a:t>2020-05-01</a:t>
             </a:fld>
             <a:endParaRPr lang="en-CA"/>
           </a:p>
@@ -3384,7 +3384,7 @@
           <a:p>
             <a:fld id="{9FE723E2-BC0F-4A2F-84D1-E095482B85E6}" type="datetimeFigureOut">
               <a:rPr lang="en-CA" smtClean="0"/>
-              <a:t>2020-04-27</a:t>
+              <a:t>2020-05-01</a:t>
             </a:fld>
             <a:endParaRPr lang="en-CA"/>
           </a:p>
@@ -3631,7 +3631,7 @@
           <a:p>
             <a:fld id="{9FE723E2-BC0F-4A2F-84D1-E095482B85E6}" type="datetimeFigureOut">
               <a:rPr lang="en-CA" smtClean="0"/>
-              <a:t>2020-04-27</a:t>
+              <a:t>2020-05-01</a:t>
             </a:fld>
             <a:endParaRPr lang="en-CA"/>
           </a:p>
@@ -3923,7 +3923,7 @@
           <a:p>
             <a:fld id="{9FE723E2-BC0F-4A2F-84D1-E095482B85E6}" type="datetimeFigureOut">
               <a:rPr lang="en-CA" smtClean="0"/>
-              <a:t>2020-04-27</a:t>
+              <a:t>2020-05-01</a:t>
             </a:fld>
             <a:endParaRPr lang="en-CA"/>
           </a:p>
@@ -4367,7 +4367,7 @@
           <a:p>
             <a:fld id="{9FE723E2-BC0F-4A2F-84D1-E095482B85E6}" type="datetimeFigureOut">
               <a:rPr lang="en-CA" smtClean="0"/>
-              <a:t>2020-04-27</a:t>
+              <a:t>2020-05-01</a:t>
             </a:fld>
             <a:endParaRPr lang="en-CA"/>
           </a:p>
@@ -4485,7 +4485,7 @@
           <a:p>
             <a:fld id="{9FE723E2-BC0F-4A2F-84D1-E095482B85E6}" type="datetimeFigureOut">
               <a:rPr lang="en-CA" smtClean="0"/>
-              <a:t>2020-04-27</a:t>
+              <a:t>2020-05-01</a:t>
             </a:fld>
             <a:endParaRPr lang="en-CA"/>
           </a:p>
@@ -4580,7 +4580,7 @@
           <a:p>
             <a:fld id="{9FE723E2-BC0F-4A2F-84D1-E095482B85E6}" type="datetimeFigureOut">
               <a:rPr lang="en-CA" smtClean="0"/>
-              <a:t>2020-04-27</a:t>
+              <a:t>2020-05-01</a:t>
             </a:fld>
             <a:endParaRPr lang="en-CA"/>
           </a:p>
@@ -4859,7 +4859,7 @@
           <a:p>
             <a:fld id="{9FE723E2-BC0F-4A2F-84D1-E095482B85E6}" type="datetimeFigureOut">
               <a:rPr lang="en-CA" smtClean="0"/>
-              <a:t>2020-04-27</a:t>
+              <a:t>2020-05-01</a:t>
             </a:fld>
             <a:endParaRPr lang="en-CA"/>
           </a:p>
@@ -5134,7 +5134,7 @@
           <a:p>
             <a:fld id="{9FE723E2-BC0F-4A2F-84D1-E095482B85E6}" type="datetimeFigureOut">
               <a:rPr lang="en-CA" smtClean="0"/>
-              <a:t>2020-04-27</a:t>
+              <a:t>2020-05-01</a:t>
             </a:fld>
             <a:endParaRPr lang="en-CA"/>
           </a:p>
@@ -5563,7 +5563,7 @@
           <a:p>
             <a:fld id="{9FE723E2-BC0F-4A2F-84D1-E095482B85E6}" type="datetimeFigureOut">
               <a:rPr lang="en-CA" smtClean="0"/>
-              <a:t>2020-04-27</a:t>
+              <a:t>2020-05-01</a:t>
             </a:fld>
             <a:endParaRPr lang="en-CA"/>
           </a:p>
@@ -6189,8 +6189,8 @@
         </p:nvSpPr>
         <p:spPr>
           <a:xfrm>
-            <a:off x="521368" y="1311249"/>
-            <a:ext cx="5406190" cy="5153636"/>
+            <a:off x="180870" y="1311249"/>
+            <a:ext cx="5746688" cy="5153636"/>
           </a:xfrm>
         </p:spPr>
         <p:txBody>
@@ -6247,7 +6247,7 @@
                   <a:srgbClr val="FF0000"/>
                 </a:solidFill>
               </a:rPr>
-              <a:t>David Sibeck</a:t>
+              <a:t>Remya</a:t>
             </a:r>
             <a:r>
               <a:rPr lang="en-CA" sz="3200" b="1" dirty="0">
@@ -6255,7 +6255,23 @@
                   <a:prstClr val="white"/>
                 </a:solidFill>
               </a:rPr>
-              <a:t>. Use the private chat button at the bottom of your screen. He will do his best to get to your question at the end of the seminar.</a:t>
+              <a:t>. </a:t>
+            </a:r>
+            <a:r>
+              <a:rPr lang="en-CA" sz="3200" b="1" dirty="0">
+                <a:solidFill>
+                  <a:srgbClr val="FF0000"/>
+                </a:solidFill>
+              </a:rPr>
+              <a:t>Use the chat button at the bottom of your screen</a:t>
+            </a:r>
+            <a:r>
+              <a:rPr lang="en-CA" sz="3200" b="1" dirty="0">
+                <a:solidFill>
+                  <a:prstClr val="white"/>
+                </a:solidFill>
+              </a:rPr>
+              <a:t>. She will do her best to get to your question at the end of the seminar.</a:t>
             </a:r>
           </a:p>
           <a:p>
@@ -6266,6 +6282,16 @@
                 </a:solidFill>
               </a:rPr>
               <a:t>Be sure to have the latest version of Zoom</a:t>
+            </a:r>
+          </a:p>
+          <a:p>
+            <a:r>
+              <a:rPr lang="en-CA" sz="3200" b="1" dirty="0">
+                <a:solidFill>
+                  <a:schemeClr val="tx1"/>
+                </a:solidFill>
+              </a:rPr>
+              <a:t>Join the YouTube Stream on our homepage</a:t>
             </a:r>
           </a:p>
           <a:p>
@@ -6375,7 +6401,7 @@
         <p:spPr>
           <a:xfrm>
             <a:off x="6152147" y="1305743"/>
-            <a:ext cx="5518485" cy="5159141"/>
+            <a:ext cx="5746688" cy="5159141"/>
           </a:xfrm>
         </p:spPr>
         <p:txBody>
@@ -6452,7 +6478,23 @@
                   <a:prstClr val="white"/>
                 </a:solidFill>
               </a:rPr>
-              <a:t>Do not flood the chat.</a:t>
+              <a:t>Do not flood the chat, </a:t>
+            </a:r>
+            <a:r>
+              <a:rPr lang="en-CA" sz="3000" b="1" dirty="0">
+                <a:solidFill>
+                  <a:srgbClr val="FF0000"/>
+                </a:solidFill>
+              </a:rPr>
+              <a:t>use private chat for private discussions</a:t>
+            </a:r>
+            <a:r>
+              <a:rPr lang="en-CA" sz="3000" b="1" dirty="0">
+                <a:solidFill>
+                  <a:prstClr val="white"/>
+                </a:solidFill>
+              </a:rPr>
+              <a:t>.</a:t>
             </a:r>
           </a:p>
           <a:p>
@@ -6539,7 +6581,39 @@
                   <a:prstClr val="white"/>
                 </a:solidFill>
               </a:rPr>
-              <a:t>This magnetosphere seminar is hosted by Kyle Murphy, David Sibeck, and Marcos Silveira.</a:t>
+              <a:t>This magnetosphere seminar is hosted by Kyle Murphy, David Sibeck, Marcos Silveira, Remya Bhanu, and </a:t>
+            </a:r>
+            <a:r>
+              <a:rPr lang="en-CA" sz="2900" b="1" dirty="0" err="1">
+                <a:solidFill>
+                  <a:prstClr val="white"/>
+                </a:solidFill>
+              </a:rPr>
+              <a:t>Nithin</a:t>
+            </a:r>
+            <a:r>
+              <a:rPr lang="en-CA" sz="2900" b="1" dirty="0">
+                <a:solidFill>
+                  <a:prstClr val="white"/>
+                </a:solidFill>
+              </a:rPr>
+              <a:t> </a:t>
+            </a:r>
+            <a:r>
+              <a:rPr lang="en-CA" sz="2900" b="1" dirty="0" err="1">
+                <a:solidFill>
+                  <a:prstClr val="white"/>
+                </a:solidFill>
+              </a:rPr>
+              <a:t>Sivadas</a:t>
+            </a:r>
+            <a:r>
+              <a:rPr lang="en-CA" sz="2900" b="1" dirty="0">
+                <a:solidFill>
+                  <a:prstClr val="white"/>
+                </a:solidFill>
+              </a:rPr>
+              <a:t>.</a:t>
             </a:r>
             <a:endParaRPr lang="en-CA" sz="4200" b="1" dirty="0">
               <a:solidFill>

--- a/MSOSS_title.pptx
+++ b/MSOSS_title.pptx
@@ -298,7 +298,7 @@
           <a:p>
             <a:fld id="{9FE723E2-BC0F-4A2F-84D1-E095482B85E6}" type="datetimeFigureOut">
               <a:rPr lang="en-CA" smtClean="0"/>
-              <a:t>2020-05-01</a:t>
+              <a:t>2020-05-04</a:t>
             </a:fld>
             <a:endParaRPr lang="en-CA"/>
           </a:p>
@@ -573,7 +573,7 @@
           <a:p>
             <a:fld id="{9FE723E2-BC0F-4A2F-84D1-E095482B85E6}" type="datetimeFigureOut">
               <a:rPr lang="en-CA" smtClean="0"/>
-              <a:t>2020-05-01</a:t>
+              <a:t>2020-05-04</a:t>
             </a:fld>
             <a:endParaRPr lang="en-CA"/>
           </a:p>
@@ -767,7 +767,7 @@
           <a:p>
             <a:fld id="{9FE723E2-BC0F-4A2F-84D1-E095482B85E6}" type="datetimeFigureOut">
               <a:rPr lang="en-CA" smtClean="0"/>
-              <a:t>2020-05-01</a:t>
+              <a:t>2020-05-04</a:t>
             </a:fld>
             <a:endParaRPr lang="en-CA"/>
           </a:p>
@@ -1040,7 +1040,7 @@
           <a:p>
             <a:fld id="{9FE723E2-BC0F-4A2F-84D1-E095482B85E6}" type="datetimeFigureOut">
               <a:rPr lang="en-CA" smtClean="0"/>
-              <a:t>2020-05-01</a:t>
+              <a:t>2020-05-04</a:t>
             </a:fld>
             <a:endParaRPr lang="en-CA"/>
           </a:p>
@@ -1381,7 +1381,7 @@
           <a:p>
             <a:fld id="{9FE723E2-BC0F-4A2F-84D1-E095482B85E6}" type="datetimeFigureOut">
               <a:rPr lang="en-CA" smtClean="0"/>
-              <a:t>2020-05-01</a:t>
+              <a:t>2020-05-04</a:t>
             </a:fld>
             <a:endParaRPr lang="en-CA"/>
           </a:p>
@@ -2004,7 +2004,7 @@
           <a:p>
             <a:fld id="{9FE723E2-BC0F-4A2F-84D1-E095482B85E6}" type="datetimeFigureOut">
               <a:rPr lang="en-CA" smtClean="0"/>
-              <a:t>2020-05-01</a:t>
+              <a:t>2020-05-04</a:t>
             </a:fld>
             <a:endParaRPr lang="en-CA"/>
           </a:p>
@@ -2864,7 +2864,7 @@
           <a:p>
             <a:fld id="{9FE723E2-BC0F-4A2F-84D1-E095482B85E6}" type="datetimeFigureOut">
               <a:rPr lang="en-CA" smtClean="0"/>
-              <a:t>2020-05-01</a:t>
+              <a:t>2020-05-04</a:t>
             </a:fld>
             <a:endParaRPr lang="en-CA"/>
           </a:p>
@@ -3034,7 +3034,7 @@
           <a:p>
             <a:fld id="{9FE723E2-BC0F-4A2F-84D1-E095482B85E6}" type="datetimeFigureOut">
               <a:rPr lang="en-CA" smtClean="0"/>
-              <a:t>2020-05-01</a:t>
+              <a:t>2020-05-04</a:t>
             </a:fld>
             <a:endParaRPr lang="en-CA"/>
           </a:p>
@@ -3214,7 +3214,7 @@
           <a:p>
             <a:fld id="{9FE723E2-BC0F-4A2F-84D1-E095482B85E6}" type="datetimeFigureOut">
               <a:rPr lang="en-CA" smtClean="0"/>
-              <a:t>2020-05-01</a:t>
+              <a:t>2020-05-04</a:t>
             </a:fld>
             <a:endParaRPr lang="en-CA"/>
           </a:p>
@@ -3384,7 +3384,7 @@
           <a:p>
             <a:fld id="{9FE723E2-BC0F-4A2F-84D1-E095482B85E6}" type="datetimeFigureOut">
               <a:rPr lang="en-CA" smtClean="0"/>
-              <a:t>2020-05-01</a:t>
+              <a:t>2020-05-04</a:t>
             </a:fld>
             <a:endParaRPr lang="en-CA"/>
           </a:p>
@@ -3631,7 +3631,7 @@
           <a:p>
             <a:fld id="{9FE723E2-BC0F-4A2F-84D1-E095482B85E6}" type="datetimeFigureOut">
               <a:rPr lang="en-CA" smtClean="0"/>
-              <a:t>2020-05-01</a:t>
+              <a:t>2020-05-04</a:t>
             </a:fld>
             <a:endParaRPr lang="en-CA"/>
           </a:p>
@@ -3923,7 +3923,7 @@
           <a:p>
             <a:fld id="{9FE723E2-BC0F-4A2F-84D1-E095482B85E6}" type="datetimeFigureOut">
               <a:rPr lang="en-CA" smtClean="0"/>
-              <a:t>2020-05-01</a:t>
+              <a:t>2020-05-04</a:t>
             </a:fld>
             <a:endParaRPr lang="en-CA"/>
           </a:p>
@@ -4367,7 +4367,7 @@
           <a:p>
             <a:fld id="{9FE723E2-BC0F-4A2F-84D1-E095482B85E6}" type="datetimeFigureOut">
               <a:rPr lang="en-CA" smtClean="0"/>
-              <a:t>2020-05-01</a:t>
+              <a:t>2020-05-04</a:t>
             </a:fld>
             <a:endParaRPr lang="en-CA"/>
           </a:p>
@@ -4485,7 +4485,7 @@
           <a:p>
             <a:fld id="{9FE723E2-BC0F-4A2F-84D1-E095482B85E6}" type="datetimeFigureOut">
               <a:rPr lang="en-CA" smtClean="0"/>
-              <a:t>2020-05-01</a:t>
+              <a:t>2020-05-04</a:t>
             </a:fld>
             <a:endParaRPr lang="en-CA"/>
           </a:p>
@@ -4580,7 +4580,7 @@
           <a:p>
             <a:fld id="{9FE723E2-BC0F-4A2F-84D1-E095482B85E6}" type="datetimeFigureOut">
               <a:rPr lang="en-CA" smtClean="0"/>
-              <a:t>2020-05-01</a:t>
+              <a:t>2020-05-04</a:t>
             </a:fld>
             <a:endParaRPr lang="en-CA"/>
           </a:p>
@@ -4859,7 +4859,7 @@
           <a:p>
             <a:fld id="{9FE723E2-BC0F-4A2F-84D1-E095482B85E6}" type="datetimeFigureOut">
               <a:rPr lang="en-CA" smtClean="0"/>
-              <a:t>2020-05-01</a:t>
+              <a:t>2020-05-04</a:t>
             </a:fld>
             <a:endParaRPr lang="en-CA"/>
           </a:p>
@@ -5134,7 +5134,7 @@
           <a:p>
             <a:fld id="{9FE723E2-BC0F-4A2F-84D1-E095482B85E6}" type="datetimeFigureOut">
               <a:rPr lang="en-CA" smtClean="0"/>
-              <a:t>2020-05-01</a:t>
+              <a:t>2020-05-04</a:t>
             </a:fld>
             <a:endParaRPr lang="en-CA"/>
           </a:p>
@@ -5563,7 +5563,7 @@
           <a:p>
             <a:fld id="{9FE723E2-BC0F-4A2F-84D1-E095482B85E6}" type="datetimeFigureOut">
               <a:rPr lang="en-CA" smtClean="0"/>
-              <a:t>2020-05-01</a:t>
+              <a:t>2020-05-04</a:t>
             </a:fld>
             <a:endParaRPr lang="en-CA"/>
           </a:p>
@@ -6581,7 +6581,7 @@
                   <a:prstClr val="white"/>
                 </a:solidFill>
               </a:rPr>
-              <a:t>This magnetosphere seminar is hosted by Kyle Murphy, David Sibeck, Marcos Silveira, Remya Bhanu, and </a:t>
+              <a:t>This magnetosphere seminar is hosted by Kyle Murphy, David Sibeck, Marcos Silveira, Remya Bhanu, Homayon Aryan, and </a:t>
             </a:r>
             <a:r>
               <a:rPr lang="en-CA" sz="2900" b="1" dirty="0" err="1">

--- a/MSOSS_title.pptx
+++ b/MSOSS_title.pptx
@@ -298,7 +298,7 @@
           <a:p>
             <a:fld id="{9FE723E2-BC0F-4A2F-84D1-E095482B85E6}" type="datetimeFigureOut">
               <a:rPr lang="en-CA" smtClean="0"/>
-              <a:t>2020-05-04</a:t>
+              <a:t>2020-05-11</a:t>
             </a:fld>
             <a:endParaRPr lang="en-CA"/>
           </a:p>
@@ -573,7 +573,7 @@
           <a:p>
             <a:fld id="{9FE723E2-BC0F-4A2F-84D1-E095482B85E6}" type="datetimeFigureOut">
               <a:rPr lang="en-CA" smtClean="0"/>
-              <a:t>2020-05-04</a:t>
+              <a:t>2020-05-11</a:t>
             </a:fld>
             <a:endParaRPr lang="en-CA"/>
           </a:p>
@@ -767,7 +767,7 @@
           <a:p>
             <a:fld id="{9FE723E2-BC0F-4A2F-84D1-E095482B85E6}" type="datetimeFigureOut">
               <a:rPr lang="en-CA" smtClean="0"/>
-              <a:t>2020-05-04</a:t>
+              <a:t>2020-05-11</a:t>
             </a:fld>
             <a:endParaRPr lang="en-CA"/>
           </a:p>
@@ -1040,7 +1040,7 @@
           <a:p>
             <a:fld id="{9FE723E2-BC0F-4A2F-84D1-E095482B85E6}" type="datetimeFigureOut">
               <a:rPr lang="en-CA" smtClean="0"/>
-              <a:t>2020-05-04</a:t>
+              <a:t>2020-05-11</a:t>
             </a:fld>
             <a:endParaRPr lang="en-CA"/>
           </a:p>
@@ -1381,7 +1381,7 @@
           <a:p>
             <a:fld id="{9FE723E2-BC0F-4A2F-84D1-E095482B85E6}" type="datetimeFigureOut">
               <a:rPr lang="en-CA" smtClean="0"/>
-              <a:t>2020-05-04</a:t>
+              <a:t>2020-05-11</a:t>
             </a:fld>
             <a:endParaRPr lang="en-CA"/>
           </a:p>
@@ -2004,7 +2004,7 @@
           <a:p>
             <a:fld id="{9FE723E2-BC0F-4A2F-84D1-E095482B85E6}" type="datetimeFigureOut">
               <a:rPr lang="en-CA" smtClean="0"/>
-              <a:t>2020-05-04</a:t>
+              <a:t>2020-05-11</a:t>
             </a:fld>
             <a:endParaRPr lang="en-CA"/>
           </a:p>
@@ -2864,7 +2864,7 @@
           <a:p>
             <a:fld id="{9FE723E2-BC0F-4A2F-84D1-E095482B85E6}" type="datetimeFigureOut">
               <a:rPr lang="en-CA" smtClean="0"/>
-              <a:t>2020-05-04</a:t>
+              <a:t>2020-05-11</a:t>
             </a:fld>
             <a:endParaRPr lang="en-CA"/>
           </a:p>
@@ -3034,7 +3034,7 @@
           <a:p>
             <a:fld id="{9FE723E2-BC0F-4A2F-84D1-E095482B85E6}" type="datetimeFigureOut">
               <a:rPr lang="en-CA" smtClean="0"/>
-              <a:t>2020-05-04</a:t>
+              <a:t>2020-05-11</a:t>
             </a:fld>
             <a:endParaRPr lang="en-CA"/>
           </a:p>
@@ -3214,7 +3214,7 @@
           <a:p>
             <a:fld id="{9FE723E2-BC0F-4A2F-84D1-E095482B85E6}" type="datetimeFigureOut">
               <a:rPr lang="en-CA" smtClean="0"/>
-              <a:t>2020-05-04</a:t>
+              <a:t>2020-05-11</a:t>
             </a:fld>
             <a:endParaRPr lang="en-CA"/>
           </a:p>
@@ -3384,7 +3384,7 @@
           <a:p>
             <a:fld id="{9FE723E2-BC0F-4A2F-84D1-E095482B85E6}" type="datetimeFigureOut">
               <a:rPr lang="en-CA" smtClean="0"/>
-              <a:t>2020-05-04</a:t>
+              <a:t>2020-05-11</a:t>
             </a:fld>
             <a:endParaRPr lang="en-CA"/>
           </a:p>
@@ -3631,7 +3631,7 @@
           <a:p>
             <a:fld id="{9FE723E2-BC0F-4A2F-84D1-E095482B85E6}" type="datetimeFigureOut">
               <a:rPr lang="en-CA" smtClean="0"/>
-              <a:t>2020-05-04</a:t>
+              <a:t>2020-05-11</a:t>
             </a:fld>
             <a:endParaRPr lang="en-CA"/>
           </a:p>
@@ -3923,7 +3923,7 @@
           <a:p>
             <a:fld id="{9FE723E2-BC0F-4A2F-84D1-E095482B85E6}" type="datetimeFigureOut">
               <a:rPr lang="en-CA" smtClean="0"/>
-              <a:t>2020-05-04</a:t>
+              <a:t>2020-05-11</a:t>
             </a:fld>
             <a:endParaRPr lang="en-CA"/>
           </a:p>
@@ -4367,7 +4367,7 @@
           <a:p>
             <a:fld id="{9FE723E2-BC0F-4A2F-84D1-E095482B85E6}" type="datetimeFigureOut">
               <a:rPr lang="en-CA" smtClean="0"/>
-              <a:t>2020-05-04</a:t>
+              <a:t>2020-05-11</a:t>
             </a:fld>
             <a:endParaRPr lang="en-CA"/>
           </a:p>
@@ -4485,7 +4485,7 @@
           <a:p>
             <a:fld id="{9FE723E2-BC0F-4A2F-84D1-E095482B85E6}" type="datetimeFigureOut">
               <a:rPr lang="en-CA" smtClean="0"/>
-              <a:t>2020-05-04</a:t>
+              <a:t>2020-05-11</a:t>
             </a:fld>
             <a:endParaRPr lang="en-CA"/>
           </a:p>
@@ -4580,7 +4580,7 @@
           <a:p>
             <a:fld id="{9FE723E2-BC0F-4A2F-84D1-E095482B85E6}" type="datetimeFigureOut">
               <a:rPr lang="en-CA" smtClean="0"/>
-              <a:t>2020-05-04</a:t>
+              <a:t>2020-05-11</a:t>
             </a:fld>
             <a:endParaRPr lang="en-CA"/>
           </a:p>
@@ -4859,7 +4859,7 @@
           <a:p>
             <a:fld id="{9FE723E2-BC0F-4A2F-84D1-E095482B85E6}" type="datetimeFigureOut">
               <a:rPr lang="en-CA" smtClean="0"/>
-              <a:t>2020-05-04</a:t>
+              <a:t>2020-05-11</a:t>
             </a:fld>
             <a:endParaRPr lang="en-CA"/>
           </a:p>
@@ -5134,7 +5134,7 @@
           <a:p>
             <a:fld id="{9FE723E2-BC0F-4A2F-84D1-E095482B85E6}" type="datetimeFigureOut">
               <a:rPr lang="en-CA" smtClean="0"/>
-              <a:t>2020-05-04</a:t>
+              <a:t>2020-05-11</a:t>
             </a:fld>
             <a:endParaRPr lang="en-CA"/>
           </a:p>
@@ -5563,7 +5563,7 @@
           <a:p>
             <a:fld id="{9FE723E2-BC0F-4A2F-84D1-E095482B85E6}" type="datetimeFigureOut">
               <a:rPr lang="en-CA" smtClean="0"/>
-              <a:t>2020-05-04</a:t>
+              <a:t>2020-05-11</a:t>
             </a:fld>
             <a:endParaRPr lang="en-CA"/>
           </a:p>
@@ -6247,7 +6247,7 @@
                   <a:srgbClr val="FF0000"/>
                 </a:solidFill>
               </a:rPr>
-              <a:t>Remya</a:t>
+              <a:t>Marcos</a:t>
             </a:r>
             <a:r>
               <a:rPr lang="en-CA" sz="3200" b="1" dirty="0">

--- a/MSOSS_title.pptx
+++ b/MSOSS_title.pptx
@@ -298,7 +298,7 @@
           <a:p>
             <a:fld id="{9FE723E2-BC0F-4A2F-84D1-E095482B85E6}" type="datetimeFigureOut">
               <a:rPr lang="en-CA" smtClean="0"/>
-              <a:t>2020-05-11</a:t>
+              <a:t>2020-05-18</a:t>
             </a:fld>
             <a:endParaRPr lang="en-CA"/>
           </a:p>
@@ -573,7 +573,7 @@
           <a:p>
             <a:fld id="{9FE723E2-BC0F-4A2F-84D1-E095482B85E6}" type="datetimeFigureOut">
               <a:rPr lang="en-CA" smtClean="0"/>
-              <a:t>2020-05-11</a:t>
+              <a:t>2020-05-18</a:t>
             </a:fld>
             <a:endParaRPr lang="en-CA"/>
           </a:p>
@@ -767,7 +767,7 @@
           <a:p>
             <a:fld id="{9FE723E2-BC0F-4A2F-84D1-E095482B85E6}" type="datetimeFigureOut">
               <a:rPr lang="en-CA" smtClean="0"/>
-              <a:t>2020-05-11</a:t>
+              <a:t>2020-05-18</a:t>
             </a:fld>
             <a:endParaRPr lang="en-CA"/>
           </a:p>
@@ -1040,7 +1040,7 @@
           <a:p>
             <a:fld id="{9FE723E2-BC0F-4A2F-84D1-E095482B85E6}" type="datetimeFigureOut">
               <a:rPr lang="en-CA" smtClean="0"/>
-              <a:t>2020-05-11</a:t>
+              <a:t>2020-05-18</a:t>
             </a:fld>
             <a:endParaRPr lang="en-CA"/>
           </a:p>
@@ -1381,7 +1381,7 @@
           <a:p>
             <a:fld id="{9FE723E2-BC0F-4A2F-84D1-E095482B85E6}" type="datetimeFigureOut">
               <a:rPr lang="en-CA" smtClean="0"/>
-              <a:t>2020-05-11</a:t>
+              <a:t>2020-05-18</a:t>
             </a:fld>
             <a:endParaRPr lang="en-CA"/>
           </a:p>
@@ -2004,7 +2004,7 @@
           <a:p>
             <a:fld id="{9FE723E2-BC0F-4A2F-84D1-E095482B85E6}" type="datetimeFigureOut">
               <a:rPr lang="en-CA" smtClean="0"/>
-              <a:t>2020-05-11</a:t>
+              <a:t>2020-05-18</a:t>
             </a:fld>
             <a:endParaRPr lang="en-CA"/>
           </a:p>
@@ -2864,7 +2864,7 @@
           <a:p>
             <a:fld id="{9FE723E2-BC0F-4A2F-84D1-E095482B85E6}" type="datetimeFigureOut">
               <a:rPr lang="en-CA" smtClean="0"/>
-              <a:t>2020-05-11</a:t>
+              <a:t>2020-05-18</a:t>
             </a:fld>
             <a:endParaRPr lang="en-CA"/>
           </a:p>
@@ -3034,7 +3034,7 @@
           <a:p>
             <a:fld id="{9FE723E2-BC0F-4A2F-84D1-E095482B85E6}" type="datetimeFigureOut">
               <a:rPr lang="en-CA" smtClean="0"/>
-              <a:t>2020-05-11</a:t>
+              <a:t>2020-05-18</a:t>
             </a:fld>
             <a:endParaRPr lang="en-CA"/>
           </a:p>
@@ -3214,7 +3214,7 @@
           <a:p>
             <a:fld id="{9FE723E2-BC0F-4A2F-84D1-E095482B85E6}" type="datetimeFigureOut">
               <a:rPr lang="en-CA" smtClean="0"/>
-              <a:t>2020-05-11</a:t>
+              <a:t>2020-05-18</a:t>
             </a:fld>
             <a:endParaRPr lang="en-CA"/>
           </a:p>
@@ -3384,7 +3384,7 @@
           <a:p>
             <a:fld id="{9FE723E2-BC0F-4A2F-84D1-E095482B85E6}" type="datetimeFigureOut">
               <a:rPr lang="en-CA" smtClean="0"/>
-              <a:t>2020-05-11</a:t>
+              <a:t>2020-05-18</a:t>
             </a:fld>
             <a:endParaRPr lang="en-CA"/>
           </a:p>
@@ -3631,7 +3631,7 @@
           <a:p>
             <a:fld id="{9FE723E2-BC0F-4A2F-84D1-E095482B85E6}" type="datetimeFigureOut">
               <a:rPr lang="en-CA" smtClean="0"/>
-              <a:t>2020-05-11</a:t>
+              <a:t>2020-05-18</a:t>
             </a:fld>
             <a:endParaRPr lang="en-CA"/>
           </a:p>
@@ -3923,7 +3923,7 @@
           <a:p>
             <a:fld id="{9FE723E2-BC0F-4A2F-84D1-E095482B85E6}" type="datetimeFigureOut">
               <a:rPr lang="en-CA" smtClean="0"/>
-              <a:t>2020-05-11</a:t>
+              <a:t>2020-05-18</a:t>
             </a:fld>
             <a:endParaRPr lang="en-CA"/>
           </a:p>
@@ -4367,7 +4367,7 @@
           <a:p>
             <a:fld id="{9FE723E2-BC0F-4A2F-84D1-E095482B85E6}" type="datetimeFigureOut">
               <a:rPr lang="en-CA" smtClean="0"/>
-              <a:t>2020-05-11</a:t>
+              <a:t>2020-05-18</a:t>
             </a:fld>
             <a:endParaRPr lang="en-CA"/>
           </a:p>
@@ -4485,7 +4485,7 @@
           <a:p>
             <a:fld id="{9FE723E2-BC0F-4A2F-84D1-E095482B85E6}" type="datetimeFigureOut">
               <a:rPr lang="en-CA" smtClean="0"/>
-              <a:t>2020-05-11</a:t>
+              <a:t>2020-05-18</a:t>
             </a:fld>
             <a:endParaRPr lang="en-CA"/>
           </a:p>
@@ -4580,7 +4580,7 @@
           <a:p>
             <a:fld id="{9FE723E2-BC0F-4A2F-84D1-E095482B85E6}" type="datetimeFigureOut">
               <a:rPr lang="en-CA" smtClean="0"/>
-              <a:t>2020-05-11</a:t>
+              <a:t>2020-05-18</a:t>
             </a:fld>
             <a:endParaRPr lang="en-CA"/>
           </a:p>
@@ -4859,7 +4859,7 @@
           <a:p>
             <a:fld id="{9FE723E2-BC0F-4A2F-84D1-E095482B85E6}" type="datetimeFigureOut">
               <a:rPr lang="en-CA" smtClean="0"/>
-              <a:t>2020-05-11</a:t>
+              <a:t>2020-05-18</a:t>
             </a:fld>
             <a:endParaRPr lang="en-CA"/>
           </a:p>
@@ -5134,7 +5134,7 @@
           <a:p>
             <a:fld id="{9FE723E2-BC0F-4A2F-84D1-E095482B85E6}" type="datetimeFigureOut">
               <a:rPr lang="en-CA" smtClean="0"/>
-              <a:t>2020-05-11</a:t>
+              <a:t>2020-05-18</a:t>
             </a:fld>
             <a:endParaRPr lang="en-CA"/>
           </a:p>
@@ -5563,7 +5563,7 @@
           <a:p>
             <a:fld id="{9FE723E2-BC0F-4A2F-84D1-E095482B85E6}" type="datetimeFigureOut">
               <a:rPr lang="en-CA" smtClean="0"/>
-              <a:t>2020-05-11</a:t>
+              <a:t>2020-05-18</a:t>
             </a:fld>
             <a:endParaRPr lang="en-CA"/>
           </a:p>
@@ -6247,7 +6247,7 @@
                   <a:srgbClr val="FF0000"/>
                 </a:solidFill>
               </a:rPr>
-              <a:t>Marcos</a:t>
+              <a:t>Kyle</a:t>
             </a:r>
             <a:r>
               <a:rPr lang="en-CA" sz="3200" b="1" dirty="0">
@@ -6263,7 +6263,7 @@
                   <a:srgbClr val="FF0000"/>
                 </a:solidFill>
               </a:rPr>
-              <a:t>Use the chat button at the bottom of your screen</a:t>
+              <a:t>Use the chat button at the bottom of your screen (try and keep questions concise)</a:t>
             </a:r>
             <a:r>
               <a:rPr lang="en-CA" sz="3200" b="1" dirty="0">
@@ -6271,7 +6271,7 @@
                   <a:prstClr val="white"/>
                 </a:solidFill>
               </a:rPr>
-              <a:t>. She will do her best to get to your question at the end of the seminar.</a:t>
+              <a:t>. He will do his best to get to your question at the end of the seminar.</a:t>
             </a:r>
           </a:p>
           <a:p>

--- a/MSOSS_title.pptx
+++ b/MSOSS_title.pptx
@@ -298,7 +298,7 @@
           <a:p>
             <a:fld id="{9FE723E2-BC0F-4A2F-84D1-E095482B85E6}" type="datetimeFigureOut">
               <a:rPr lang="en-CA" smtClean="0"/>
-              <a:t>2020-05-18</a:t>
+              <a:t>2020-06-01</a:t>
             </a:fld>
             <a:endParaRPr lang="en-CA"/>
           </a:p>
@@ -573,7 +573,7 @@
           <a:p>
             <a:fld id="{9FE723E2-BC0F-4A2F-84D1-E095482B85E6}" type="datetimeFigureOut">
               <a:rPr lang="en-CA" smtClean="0"/>
-              <a:t>2020-05-18</a:t>
+              <a:t>2020-06-01</a:t>
             </a:fld>
             <a:endParaRPr lang="en-CA"/>
           </a:p>
@@ -767,7 +767,7 @@
           <a:p>
             <a:fld id="{9FE723E2-BC0F-4A2F-84D1-E095482B85E6}" type="datetimeFigureOut">
               <a:rPr lang="en-CA" smtClean="0"/>
-              <a:t>2020-05-18</a:t>
+              <a:t>2020-06-01</a:t>
             </a:fld>
             <a:endParaRPr lang="en-CA"/>
           </a:p>
@@ -1040,7 +1040,7 @@
           <a:p>
             <a:fld id="{9FE723E2-BC0F-4A2F-84D1-E095482B85E6}" type="datetimeFigureOut">
               <a:rPr lang="en-CA" smtClean="0"/>
-              <a:t>2020-05-18</a:t>
+              <a:t>2020-06-01</a:t>
             </a:fld>
             <a:endParaRPr lang="en-CA"/>
           </a:p>
@@ -1381,7 +1381,7 @@
           <a:p>
             <a:fld id="{9FE723E2-BC0F-4A2F-84D1-E095482B85E6}" type="datetimeFigureOut">
               <a:rPr lang="en-CA" smtClean="0"/>
-              <a:t>2020-05-18</a:t>
+              <a:t>2020-06-01</a:t>
             </a:fld>
             <a:endParaRPr lang="en-CA"/>
           </a:p>
@@ -2004,7 +2004,7 @@
           <a:p>
             <a:fld id="{9FE723E2-BC0F-4A2F-84D1-E095482B85E6}" type="datetimeFigureOut">
               <a:rPr lang="en-CA" smtClean="0"/>
-              <a:t>2020-05-18</a:t>
+              <a:t>2020-06-01</a:t>
             </a:fld>
             <a:endParaRPr lang="en-CA"/>
           </a:p>
@@ -2864,7 +2864,7 @@
           <a:p>
             <a:fld id="{9FE723E2-BC0F-4A2F-84D1-E095482B85E6}" type="datetimeFigureOut">
               <a:rPr lang="en-CA" smtClean="0"/>
-              <a:t>2020-05-18</a:t>
+              <a:t>2020-06-01</a:t>
             </a:fld>
             <a:endParaRPr lang="en-CA"/>
           </a:p>
@@ -3034,7 +3034,7 @@
           <a:p>
             <a:fld id="{9FE723E2-BC0F-4A2F-84D1-E095482B85E6}" type="datetimeFigureOut">
               <a:rPr lang="en-CA" smtClean="0"/>
-              <a:t>2020-05-18</a:t>
+              <a:t>2020-06-01</a:t>
             </a:fld>
             <a:endParaRPr lang="en-CA"/>
           </a:p>
@@ -3214,7 +3214,7 @@
           <a:p>
             <a:fld id="{9FE723E2-BC0F-4A2F-84D1-E095482B85E6}" type="datetimeFigureOut">
               <a:rPr lang="en-CA" smtClean="0"/>
-              <a:t>2020-05-18</a:t>
+              <a:t>2020-06-01</a:t>
             </a:fld>
             <a:endParaRPr lang="en-CA"/>
           </a:p>
@@ -3384,7 +3384,7 @@
           <a:p>
             <a:fld id="{9FE723E2-BC0F-4A2F-84D1-E095482B85E6}" type="datetimeFigureOut">
               <a:rPr lang="en-CA" smtClean="0"/>
-              <a:t>2020-05-18</a:t>
+              <a:t>2020-06-01</a:t>
             </a:fld>
             <a:endParaRPr lang="en-CA"/>
           </a:p>
@@ -3631,7 +3631,7 @@
           <a:p>
             <a:fld id="{9FE723E2-BC0F-4A2F-84D1-E095482B85E6}" type="datetimeFigureOut">
               <a:rPr lang="en-CA" smtClean="0"/>
-              <a:t>2020-05-18</a:t>
+              <a:t>2020-06-01</a:t>
             </a:fld>
             <a:endParaRPr lang="en-CA"/>
           </a:p>
@@ -3923,7 +3923,7 @@
           <a:p>
             <a:fld id="{9FE723E2-BC0F-4A2F-84D1-E095482B85E6}" type="datetimeFigureOut">
               <a:rPr lang="en-CA" smtClean="0"/>
-              <a:t>2020-05-18</a:t>
+              <a:t>2020-06-01</a:t>
             </a:fld>
             <a:endParaRPr lang="en-CA"/>
           </a:p>
@@ -4367,7 +4367,7 @@
           <a:p>
             <a:fld id="{9FE723E2-BC0F-4A2F-84D1-E095482B85E6}" type="datetimeFigureOut">
               <a:rPr lang="en-CA" smtClean="0"/>
-              <a:t>2020-05-18</a:t>
+              <a:t>2020-06-01</a:t>
             </a:fld>
             <a:endParaRPr lang="en-CA"/>
           </a:p>
@@ -4485,7 +4485,7 @@
           <a:p>
             <a:fld id="{9FE723E2-BC0F-4A2F-84D1-E095482B85E6}" type="datetimeFigureOut">
               <a:rPr lang="en-CA" smtClean="0"/>
-              <a:t>2020-05-18</a:t>
+              <a:t>2020-06-01</a:t>
             </a:fld>
             <a:endParaRPr lang="en-CA"/>
           </a:p>
@@ -4580,7 +4580,7 @@
           <a:p>
             <a:fld id="{9FE723E2-BC0F-4A2F-84D1-E095482B85E6}" type="datetimeFigureOut">
               <a:rPr lang="en-CA" smtClean="0"/>
-              <a:t>2020-05-18</a:t>
+              <a:t>2020-06-01</a:t>
             </a:fld>
             <a:endParaRPr lang="en-CA"/>
           </a:p>
@@ -4859,7 +4859,7 @@
           <a:p>
             <a:fld id="{9FE723E2-BC0F-4A2F-84D1-E095482B85E6}" type="datetimeFigureOut">
               <a:rPr lang="en-CA" smtClean="0"/>
-              <a:t>2020-05-18</a:t>
+              <a:t>2020-06-01</a:t>
             </a:fld>
             <a:endParaRPr lang="en-CA"/>
           </a:p>
@@ -5134,7 +5134,7 @@
           <a:p>
             <a:fld id="{9FE723E2-BC0F-4A2F-84D1-E095482B85E6}" type="datetimeFigureOut">
               <a:rPr lang="en-CA" smtClean="0"/>
-              <a:t>2020-05-18</a:t>
+              <a:t>2020-06-01</a:t>
             </a:fld>
             <a:endParaRPr lang="en-CA"/>
           </a:p>
@@ -5563,7 +5563,7 @@
           <a:p>
             <a:fld id="{9FE723E2-BC0F-4A2F-84D1-E095482B85E6}" type="datetimeFigureOut">
               <a:rPr lang="en-CA" smtClean="0"/>
-              <a:t>2020-05-18</a:t>
+              <a:t>2020-06-01</a:t>
             </a:fld>
             <a:endParaRPr lang="en-CA"/>
           </a:p>
@@ -6242,12 +6242,12 @@
               <a:t>Questions should be asked to </a:t>
             </a:r>
             <a:r>
-              <a:rPr lang="en-CA" sz="3200" b="1" dirty="0">
+              <a:rPr lang="en-CA" sz="3200" b="1" dirty="0" err="1">
                 <a:solidFill>
                   <a:srgbClr val="FF0000"/>
                 </a:solidFill>
               </a:rPr>
-              <a:t>Kyle</a:t>
+              <a:t>Nithin</a:t>
             </a:r>
             <a:r>
               <a:rPr lang="en-CA" sz="3200" b="1" dirty="0">

--- a/MSOSS_title.pptx
+++ b/MSOSS_title.pptx
@@ -298,7 +298,7 @@
           <a:p>
             <a:fld id="{9FE723E2-BC0F-4A2F-84D1-E095482B85E6}" type="datetimeFigureOut">
               <a:rPr lang="en-CA" smtClean="0"/>
-              <a:t>2020-06-01</a:t>
+              <a:t>2020-06-08</a:t>
             </a:fld>
             <a:endParaRPr lang="en-CA"/>
           </a:p>
@@ -573,7 +573,7 @@
           <a:p>
             <a:fld id="{9FE723E2-BC0F-4A2F-84D1-E095482B85E6}" type="datetimeFigureOut">
               <a:rPr lang="en-CA" smtClean="0"/>
-              <a:t>2020-06-01</a:t>
+              <a:t>2020-06-08</a:t>
             </a:fld>
             <a:endParaRPr lang="en-CA"/>
           </a:p>
@@ -767,7 +767,7 @@
           <a:p>
             <a:fld id="{9FE723E2-BC0F-4A2F-84D1-E095482B85E6}" type="datetimeFigureOut">
               <a:rPr lang="en-CA" smtClean="0"/>
-              <a:t>2020-06-01</a:t>
+              <a:t>2020-06-08</a:t>
             </a:fld>
             <a:endParaRPr lang="en-CA"/>
           </a:p>
@@ -1040,7 +1040,7 @@
           <a:p>
             <a:fld id="{9FE723E2-BC0F-4A2F-84D1-E095482B85E6}" type="datetimeFigureOut">
               <a:rPr lang="en-CA" smtClean="0"/>
-              <a:t>2020-06-01</a:t>
+              <a:t>2020-06-08</a:t>
             </a:fld>
             <a:endParaRPr lang="en-CA"/>
           </a:p>
@@ -1381,7 +1381,7 @@
           <a:p>
             <a:fld id="{9FE723E2-BC0F-4A2F-84D1-E095482B85E6}" type="datetimeFigureOut">
               <a:rPr lang="en-CA" smtClean="0"/>
-              <a:t>2020-06-01</a:t>
+              <a:t>2020-06-08</a:t>
             </a:fld>
             <a:endParaRPr lang="en-CA"/>
           </a:p>
@@ -2004,7 +2004,7 @@
           <a:p>
             <a:fld id="{9FE723E2-BC0F-4A2F-84D1-E095482B85E6}" type="datetimeFigureOut">
               <a:rPr lang="en-CA" smtClean="0"/>
-              <a:t>2020-06-01</a:t>
+              <a:t>2020-06-08</a:t>
             </a:fld>
             <a:endParaRPr lang="en-CA"/>
           </a:p>
@@ -2864,7 +2864,7 @@
           <a:p>
             <a:fld id="{9FE723E2-BC0F-4A2F-84D1-E095482B85E6}" type="datetimeFigureOut">
               <a:rPr lang="en-CA" smtClean="0"/>
-              <a:t>2020-06-01</a:t>
+              <a:t>2020-06-08</a:t>
             </a:fld>
             <a:endParaRPr lang="en-CA"/>
           </a:p>
@@ -3034,7 +3034,7 @@
           <a:p>
             <a:fld id="{9FE723E2-BC0F-4A2F-84D1-E095482B85E6}" type="datetimeFigureOut">
               <a:rPr lang="en-CA" smtClean="0"/>
-              <a:t>2020-06-01</a:t>
+              <a:t>2020-06-08</a:t>
             </a:fld>
             <a:endParaRPr lang="en-CA"/>
           </a:p>
@@ -3214,7 +3214,7 @@
           <a:p>
             <a:fld id="{9FE723E2-BC0F-4A2F-84D1-E095482B85E6}" type="datetimeFigureOut">
               <a:rPr lang="en-CA" smtClean="0"/>
-              <a:t>2020-06-01</a:t>
+              <a:t>2020-06-08</a:t>
             </a:fld>
             <a:endParaRPr lang="en-CA"/>
           </a:p>
@@ -3384,7 +3384,7 @@
           <a:p>
             <a:fld id="{9FE723E2-BC0F-4A2F-84D1-E095482B85E6}" type="datetimeFigureOut">
               <a:rPr lang="en-CA" smtClean="0"/>
-              <a:t>2020-06-01</a:t>
+              <a:t>2020-06-08</a:t>
             </a:fld>
             <a:endParaRPr lang="en-CA"/>
           </a:p>
@@ -3631,7 +3631,7 @@
           <a:p>
             <a:fld id="{9FE723E2-BC0F-4A2F-84D1-E095482B85E6}" type="datetimeFigureOut">
               <a:rPr lang="en-CA" smtClean="0"/>
-              <a:t>2020-06-01</a:t>
+              <a:t>2020-06-08</a:t>
             </a:fld>
             <a:endParaRPr lang="en-CA"/>
           </a:p>
@@ -3923,7 +3923,7 @@
           <a:p>
             <a:fld id="{9FE723E2-BC0F-4A2F-84D1-E095482B85E6}" type="datetimeFigureOut">
               <a:rPr lang="en-CA" smtClean="0"/>
-              <a:t>2020-06-01</a:t>
+              <a:t>2020-06-08</a:t>
             </a:fld>
             <a:endParaRPr lang="en-CA"/>
           </a:p>
@@ -4367,7 +4367,7 @@
           <a:p>
             <a:fld id="{9FE723E2-BC0F-4A2F-84D1-E095482B85E6}" type="datetimeFigureOut">
               <a:rPr lang="en-CA" smtClean="0"/>
-              <a:t>2020-06-01</a:t>
+              <a:t>2020-06-08</a:t>
             </a:fld>
             <a:endParaRPr lang="en-CA"/>
           </a:p>
@@ -4485,7 +4485,7 @@
           <a:p>
             <a:fld id="{9FE723E2-BC0F-4A2F-84D1-E095482B85E6}" type="datetimeFigureOut">
               <a:rPr lang="en-CA" smtClean="0"/>
-              <a:t>2020-06-01</a:t>
+              <a:t>2020-06-08</a:t>
             </a:fld>
             <a:endParaRPr lang="en-CA"/>
           </a:p>
@@ -4580,7 +4580,7 @@
           <a:p>
             <a:fld id="{9FE723E2-BC0F-4A2F-84D1-E095482B85E6}" type="datetimeFigureOut">
               <a:rPr lang="en-CA" smtClean="0"/>
-              <a:t>2020-06-01</a:t>
+              <a:t>2020-06-08</a:t>
             </a:fld>
             <a:endParaRPr lang="en-CA"/>
           </a:p>
@@ -4859,7 +4859,7 @@
           <a:p>
             <a:fld id="{9FE723E2-BC0F-4A2F-84D1-E095482B85E6}" type="datetimeFigureOut">
               <a:rPr lang="en-CA" smtClean="0"/>
-              <a:t>2020-06-01</a:t>
+              <a:t>2020-06-08</a:t>
             </a:fld>
             <a:endParaRPr lang="en-CA"/>
           </a:p>
@@ -5134,7 +5134,7 @@
           <a:p>
             <a:fld id="{9FE723E2-BC0F-4A2F-84D1-E095482B85E6}" type="datetimeFigureOut">
               <a:rPr lang="en-CA" smtClean="0"/>
-              <a:t>2020-06-01</a:t>
+              <a:t>2020-06-08</a:t>
             </a:fld>
             <a:endParaRPr lang="en-CA"/>
           </a:p>
@@ -5563,7 +5563,7 @@
           <a:p>
             <a:fld id="{9FE723E2-BC0F-4A2F-84D1-E095482B85E6}" type="datetimeFigureOut">
               <a:rPr lang="en-CA" smtClean="0"/>
-              <a:t>2020-06-01</a:t>
+              <a:t>2020-06-08</a:t>
             </a:fld>
             <a:endParaRPr lang="en-CA"/>
           </a:p>
@@ -6242,12 +6242,12 @@
               <a:t>Questions should be asked to </a:t>
             </a:r>
             <a:r>
-              <a:rPr lang="en-CA" sz="3200" b="1" dirty="0" err="1">
+              <a:rPr lang="en-CA" sz="3200" b="1" dirty="0">
                 <a:solidFill>
                   <a:srgbClr val="FF0000"/>
                 </a:solidFill>
               </a:rPr>
-              <a:t>Nithin</a:t>
+              <a:t>Homayon</a:t>
             </a:r>
             <a:r>
               <a:rPr lang="en-CA" sz="3200" b="1" dirty="0">

--- a/MSOSS_title.pptx
+++ b/MSOSS_title.pptx
@@ -298,7 +298,7 @@
           <a:p>
             <a:fld id="{9FE723E2-BC0F-4A2F-84D1-E095482B85E6}" type="datetimeFigureOut">
               <a:rPr lang="en-CA" smtClean="0"/>
-              <a:t>2020-06-08</a:t>
+              <a:t>2020-06-15</a:t>
             </a:fld>
             <a:endParaRPr lang="en-CA"/>
           </a:p>
@@ -573,7 +573,7 @@
           <a:p>
             <a:fld id="{9FE723E2-BC0F-4A2F-84D1-E095482B85E6}" type="datetimeFigureOut">
               <a:rPr lang="en-CA" smtClean="0"/>
-              <a:t>2020-06-08</a:t>
+              <a:t>2020-06-15</a:t>
             </a:fld>
             <a:endParaRPr lang="en-CA"/>
           </a:p>
@@ -767,7 +767,7 @@
           <a:p>
             <a:fld id="{9FE723E2-BC0F-4A2F-84D1-E095482B85E6}" type="datetimeFigureOut">
               <a:rPr lang="en-CA" smtClean="0"/>
-              <a:t>2020-06-08</a:t>
+              <a:t>2020-06-15</a:t>
             </a:fld>
             <a:endParaRPr lang="en-CA"/>
           </a:p>
@@ -1040,7 +1040,7 @@
           <a:p>
             <a:fld id="{9FE723E2-BC0F-4A2F-84D1-E095482B85E6}" type="datetimeFigureOut">
               <a:rPr lang="en-CA" smtClean="0"/>
-              <a:t>2020-06-08</a:t>
+              <a:t>2020-06-15</a:t>
             </a:fld>
             <a:endParaRPr lang="en-CA"/>
           </a:p>
@@ -1381,7 +1381,7 @@
           <a:p>
             <a:fld id="{9FE723E2-BC0F-4A2F-84D1-E095482B85E6}" type="datetimeFigureOut">
               <a:rPr lang="en-CA" smtClean="0"/>
-              <a:t>2020-06-08</a:t>
+              <a:t>2020-06-15</a:t>
             </a:fld>
             <a:endParaRPr lang="en-CA"/>
           </a:p>
@@ -2004,7 +2004,7 @@
           <a:p>
             <a:fld id="{9FE723E2-BC0F-4A2F-84D1-E095482B85E6}" type="datetimeFigureOut">
               <a:rPr lang="en-CA" smtClean="0"/>
-              <a:t>2020-06-08</a:t>
+              <a:t>2020-06-15</a:t>
             </a:fld>
             <a:endParaRPr lang="en-CA"/>
           </a:p>
@@ -2864,7 +2864,7 @@
           <a:p>
             <a:fld id="{9FE723E2-BC0F-4A2F-84D1-E095482B85E6}" type="datetimeFigureOut">
               <a:rPr lang="en-CA" smtClean="0"/>
-              <a:t>2020-06-08</a:t>
+              <a:t>2020-06-15</a:t>
             </a:fld>
             <a:endParaRPr lang="en-CA"/>
           </a:p>
@@ -3034,7 +3034,7 @@
           <a:p>
             <a:fld id="{9FE723E2-BC0F-4A2F-84D1-E095482B85E6}" type="datetimeFigureOut">
               <a:rPr lang="en-CA" smtClean="0"/>
-              <a:t>2020-06-08</a:t>
+              <a:t>2020-06-15</a:t>
             </a:fld>
             <a:endParaRPr lang="en-CA"/>
           </a:p>
@@ -3214,7 +3214,7 @@
           <a:p>
             <a:fld id="{9FE723E2-BC0F-4A2F-84D1-E095482B85E6}" type="datetimeFigureOut">
               <a:rPr lang="en-CA" smtClean="0"/>
-              <a:t>2020-06-08</a:t>
+              <a:t>2020-06-15</a:t>
             </a:fld>
             <a:endParaRPr lang="en-CA"/>
           </a:p>
@@ -3384,7 +3384,7 @@
           <a:p>
             <a:fld id="{9FE723E2-BC0F-4A2F-84D1-E095482B85E6}" type="datetimeFigureOut">
               <a:rPr lang="en-CA" smtClean="0"/>
-              <a:t>2020-06-08</a:t>
+              <a:t>2020-06-15</a:t>
             </a:fld>
             <a:endParaRPr lang="en-CA"/>
           </a:p>
@@ -3631,7 +3631,7 @@
           <a:p>
             <a:fld id="{9FE723E2-BC0F-4A2F-84D1-E095482B85E6}" type="datetimeFigureOut">
               <a:rPr lang="en-CA" smtClean="0"/>
-              <a:t>2020-06-08</a:t>
+              <a:t>2020-06-15</a:t>
             </a:fld>
             <a:endParaRPr lang="en-CA"/>
           </a:p>
@@ -3923,7 +3923,7 @@
           <a:p>
             <a:fld id="{9FE723E2-BC0F-4A2F-84D1-E095482B85E6}" type="datetimeFigureOut">
               <a:rPr lang="en-CA" smtClean="0"/>
-              <a:t>2020-06-08</a:t>
+              <a:t>2020-06-15</a:t>
             </a:fld>
             <a:endParaRPr lang="en-CA"/>
           </a:p>
@@ -4367,7 +4367,7 @@
           <a:p>
             <a:fld id="{9FE723E2-BC0F-4A2F-84D1-E095482B85E6}" type="datetimeFigureOut">
               <a:rPr lang="en-CA" smtClean="0"/>
-              <a:t>2020-06-08</a:t>
+              <a:t>2020-06-15</a:t>
             </a:fld>
             <a:endParaRPr lang="en-CA"/>
           </a:p>
@@ -4485,7 +4485,7 @@
           <a:p>
             <a:fld id="{9FE723E2-BC0F-4A2F-84D1-E095482B85E6}" type="datetimeFigureOut">
               <a:rPr lang="en-CA" smtClean="0"/>
-              <a:t>2020-06-08</a:t>
+              <a:t>2020-06-15</a:t>
             </a:fld>
             <a:endParaRPr lang="en-CA"/>
           </a:p>
@@ -4580,7 +4580,7 @@
           <a:p>
             <a:fld id="{9FE723E2-BC0F-4A2F-84D1-E095482B85E6}" type="datetimeFigureOut">
               <a:rPr lang="en-CA" smtClean="0"/>
-              <a:t>2020-06-08</a:t>
+              <a:t>2020-06-15</a:t>
             </a:fld>
             <a:endParaRPr lang="en-CA"/>
           </a:p>
@@ -4859,7 +4859,7 @@
           <a:p>
             <a:fld id="{9FE723E2-BC0F-4A2F-84D1-E095482B85E6}" type="datetimeFigureOut">
               <a:rPr lang="en-CA" smtClean="0"/>
-              <a:t>2020-06-08</a:t>
+              <a:t>2020-06-15</a:t>
             </a:fld>
             <a:endParaRPr lang="en-CA"/>
           </a:p>
@@ -5134,7 +5134,7 @@
           <a:p>
             <a:fld id="{9FE723E2-BC0F-4A2F-84D1-E095482B85E6}" type="datetimeFigureOut">
               <a:rPr lang="en-CA" smtClean="0"/>
-              <a:t>2020-06-08</a:t>
+              <a:t>2020-06-15</a:t>
             </a:fld>
             <a:endParaRPr lang="en-CA"/>
           </a:p>
@@ -5563,7 +5563,7 @@
           <a:p>
             <a:fld id="{9FE723E2-BC0F-4A2F-84D1-E095482B85E6}" type="datetimeFigureOut">
               <a:rPr lang="en-CA" smtClean="0"/>
-              <a:t>2020-06-08</a:t>
+              <a:t>2020-06-15</a:t>
             </a:fld>
             <a:endParaRPr lang="en-CA"/>
           </a:p>
@@ -6239,18 +6239,26 @@
                   <a:prstClr val="white"/>
                 </a:solidFill>
               </a:rPr>
-              <a:t>Questions should be asked to </a:t>
-            </a:r>
-            <a:r>
-              <a:rPr lang="en-CA" sz="3200" b="1" dirty="0">
+              <a:t>Questions should be asked </a:t>
+            </a:r>
+            <a:r>
+              <a:rPr lang="en-CA" sz="3200" b="1">
+                <a:solidFill>
+                  <a:prstClr val="white"/>
+                </a:solidFill>
+              </a:rPr>
+              <a:t>to </a:t>
+            </a:r>
+            <a:r>
+              <a:rPr lang="en-CA" sz="3200" b="1">
                 <a:solidFill>
                   <a:srgbClr val="FF0000"/>
                 </a:solidFill>
               </a:rPr>
-              <a:t>Homayon</a:t>
-            </a:r>
-            <a:r>
-              <a:rPr lang="en-CA" sz="3200" b="1" dirty="0">
+              <a:t>David</a:t>
+            </a:r>
+            <a:r>
+              <a:rPr lang="en-CA" sz="3200" b="1">
                 <a:solidFill>
                   <a:prstClr val="white"/>
                 </a:solidFill>

--- a/MSOSS_title.pptx
+++ b/MSOSS_title.pptx
@@ -298,7 +298,7 @@
           <a:p>
             <a:fld id="{9FE723E2-BC0F-4A2F-84D1-E095482B85E6}" type="datetimeFigureOut">
               <a:rPr lang="en-CA" smtClean="0"/>
-              <a:t>2020-06-15</a:t>
+              <a:t>2020-06-29</a:t>
             </a:fld>
             <a:endParaRPr lang="en-CA"/>
           </a:p>
@@ -573,7 +573,7 @@
           <a:p>
             <a:fld id="{9FE723E2-BC0F-4A2F-84D1-E095482B85E6}" type="datetimeFigureOut">
               <a:rPr lang="en-CA" smtClean="0"/>
-              <a:t>2020-06-15</a:t>
+              <a:t>2020-06-29</a:t>
             </a:fld>
             <a:endParaRPr lang="en-CA"/>
           </a:p>
@@ -767,7 +767,7 @@
           <a:p>
             <a:fld id="{9FE723E2-BC0F-4A2F-84D1-E095482B85E6}" type="datetimeFigureOut">
               <a:rPr lang="en-CA" smtClean="0"/>
-              <a:t>2020-06-15</a:t>
+              <a:t>2020-06-29</a:t>
             </a:fld>
             <a:endParaRPr lang="en-CA"/>
           </a:p>
@@ -1040,7 +1040,7 @@
           <a:p>
             <a:fld id="{9FE723E2-BC0F-4A2F-84D1-E095482B85E6}" type="datetimeFigureOut">
               <a:rPr lang="en-CA" smtClean="0"/>
-              <a:t>2020-06-15</a:t>
+              <a:t>2020-06-29</a:t>
             </a:fld>
             <a:endParaRPr lang="en-CA"/>
           </a:p>
@@ -1381,7 +1381,7 @@
           <a:p>
             <a:fld id="{9FE723E2-BC0F-4A2F-84D1-E095482B85E6}" type="datetimeFigureOut">
               <a:rPr lang="en-CA" smtClean="0"/>
-              <a:t>2020-06-15</a:t>
+              <a:t>2020-06-29</a:t>
             </a:fld>
             <a:endParaRPr lang="en-CA"/>
           </a:p>
@@ -2004,7 +2004,7 @@
           <a:p>
             <a:fld id="{9FE723E2-BC0F-4A2F-84D1-E095482B85E6}" type="datetimeFigureOut">
               <a:rPr lang="en-CA" smtClean="0"/>
-              <a:t>2020-06-15</a:t>
+              <a:t>2020-06-29</a:t>
             </a:fld>
             <a:endParaRPr lang="en-CA"/>
           </a:p>
@@ -2864,7 +2864,7 @@
           <a:p>
             <a:fld id="{9FE723E2-BC0F-4A2F-84D1-E095482B85E6}" type="datetimeFigureOut">
               <a:rPr lang="en-CA" smtClean="0"/>
-              <a:t>2020-06-15</a:t>
+              <a:t>2020-06-29</a:t>
             </a:fld>
             <a:endParaRPr lang="en-CA"/>
           </a:p>
@@ -3034,7 +3034,7 @@
           <a:p>
             <a:fld id="{9FE723E2-BC0F-4A2F-84D1-E095482B85E6}" type="datetimeFigureOut">
               <a:rPr lang="en-CA" smtClean="0"/>
-              <a:t>2020-06-15</a:t>
+              <a:t>2020-06-29</a:t>
             </a:fld>
             <a:endParaRPr lang="en-CA"/>
           </a:p>
@@ -3214,7 +3214,7 @@
           <a:p>
             <a:fld id="{9FE723E2-BC0F-4A2F-84D1-E095482B85E6}" type="datetimeFigureOut">
               <a:rPr lang="en-CA" smtClean="0"/>
-              <a:t>2020-06-15</a:t>
+              <a:t>2020-06-29</a:t>
             </a:fld>
             <a:endParaRPr lang="en-CA"/>
           </a:p>
@@ -3384,7 +3384,7 @@
           <a:p>
             <a:fld id="{9FE723E2-BC0F-4A2F-84D1-E095482B85E6}" type="datetimeFigureOut">
               <a:rPr lang="en-CA" smtClean="0"/>
-              <a:t>2020-06-15</a:t>
+              <a:t>2020-06-29</a:t>
             </a:fld>
             <a:endParaRPr lang="en-CA"/>
           </a:p>
@@ -3631,7 +3631,7 @@
           <a:p>
             <a:fld id="{9FE723E2-BC0F-4A2F-84D1-E095482B85E6}" type="datetimeFigureOut">
               <a:rPr lang="en-CA" smtClean="0"/>
-              <a:t>2020-06-15</a:t>
+              <a:t>2020-06-29</a:t>
             </a:fld>
             <a:endParaRPr lang="en-CA"/>
           </a:p>
@@ -3923,7 +3923,7 @@
           <a:p>
             <a:fld id="{9FE723E2-BC0F-4A2F-84D1-E095482B85E6}" type="datetimeFigureOut">
               <a:rPr lang="en-CA" smtClean="0"/>
-              <a:t>2020-06-15</a:t>
+              <a:t>2020-06-29</a:t>
             </a:fld>
             <a:endParaRPr lang="en-CA"/>
           </a:p>
@@ -4367,7 +4367,7 @@
           <a:p>
             <a:fld id="{9FE723E2-BC0F-4A2F-84D1-E095482B85E6}" type="datetimeFigureOut">
               <a:rPr lang="en-CA" smtClean="0"/>
-              <a:t>2020-06-15</a:t>
+              <a:t>2020-06-29</a:t>
             </a:fld>
             <a:endParaRPr lang="en-CA"/>
           </a:p>
@@ -4485,7 +4485,7 @@
           <a:p>
             <a:fld id="{9FE723E2-BC0F-4A2F-84D1-E095482B85E6}" type="datetimeFigureOut">
               <a:rPr lang="en-CA" smtClean="0"/>
-              <a:t>2020-06-15</a:t>
+              <a:t>2020-06-29</a:t>
             </a:fld>
             <a:endParaRPr lang="en-CA"/>
           </a:p>
@@ -4580,7 +4580,7 @@
           <a:p>
             <a:fld id="{9FE723E2-BC0F-4A2F-84D1-E095482B85E6}" type="datetimeFigureOut">
               <a:rPr lang="en-CA" smtClean="0"/>
-              <a:t>2020-06-15</a:t>
+              <a:t>2020-06-29</a:t>
             </a:fld>
             <a:endParaRPr lang="en-CA"/>
           </a:p>
@@ -4859,7 +4859,7 @@
           <a:p>
             <a:fld id="{9FE723E2-BC0F-4A2F-84D1-E095482B85E6}" type="datetimeFigureOut">
               <a:rPr lang="en-CA" smtClean="0"/>
-              <a:t>2020-06-15</a:t>
+              <a:t>2020-06-29</a:t>
             </a:fld>
             <a:endParaRPr lang="en-CA"/>
           </a:p>
@@ -5134,7 +5134,7 @@
           <a:p>
             <a:fld id="{9FE723E2-BC0F-4A2F-84D1-E095482B85E6}" type="datetimeFigureOut">
               <a:rPr lang="en-CA" smtClean="0"/>
-              <a:t>2020-06-15</a:t>
+              <a:t>2020-06-29</a:t>
             </a:fld>
             <a:endParaRPr lang="en-CA"/>
           </a:p>
@@ -5563,7 +5563,7 @@
           <a:p>
             <a:fld id="{9FE723E2-BC0F-4A2F-84D1-E095482B85E6}" type="datetimeFigureOut">
               <a:rPr lang="en-CA" smtClean="0"/>
-              <a:t>2020-06-15</a:t>
+              <a:t>2020-06-29</a:t>
             </a:fld>
             <a:endParaRPr lang="en-CA"/>
           </a:p>
@@ -6239,26 +6239,18 @@
                   <a:prstClr val="white"/>
                 </a:solidFill>
               </a:rPr>
-              <a:t>Questions should be asked </a:t>
-            </a:r>
-            <a:r>
-              <a:rPr lang="en-CA" sz="3200" b="1">
-                <a:solidFill>
-                  <a:prstClr val="white"/>
-                </a:solidFill>
-              </a:rPr>
-              <a:t>to </a:t>
-            </a:r>
-            <a:r>
-              <a:rPr lang="en-CA" sz="3200" b="1">
+              <a:t>Questions should be asked to </a:t>
+            </a:r>
+            <a:r>
+              <a:rPr lang="en-CA" sz="3200" b="1" dirty="0">
                 <a:solidFill>
                   <a:srgbClr val="FF0000"/>
                 </a:solidFill>
               </a:rPr>
-              <a:t>David</a:t>
-            </a:r>
-            <a:r>
-              <a:rPr lang="en-CA" sz="3200" b="1">
+              <a:t>Remya</a:t>
+            </a:r>
+            <a:r>
+              <a:rPr lang="en-CA" sz="3200" b="1" dirty="0">
                 <a:solidFill>
                   <a:prstClr val="white"/>
                 </a:solidFill>

--- a/MSOSS_title.pptx
+++ b/MSOSS_title.pptx
@@ -298,7 +298,7 @@
           <a:p>
             <a:fld id="{9FE723E2-BC0F-4A2F-84D1-E095482B85E6}" type="datetimeFigureOut">
               <a:rPr lang="en-CA" smtClean="0"/>
-              <a:t>2020-06-29</a:t>
+              <a:t>2020-07-06</a:t>
             </a:fld>
             <a:endParaRPr lang="en-CA"/>
           </a:p>
@@ -573,7 +573,7 @@
           <a:p>
             <a:fld id="{9FE723E2-BC0F-4A2F-84D1-E095482B85E6}" type="datetimeFigureOut">
               <a:rPr lang="en-CA" smtClean="0"/>
-              <a:t>2020-06-29</a:t>
+              <a:t>2020-07-06</a:t>
             </a:fld>
             <a:endParaRPr lang="en-CA"/>
           </a:p>
@@ -767,7 +767,7 @@
           <a:p>
             <a:fld id="{9FE723E2-BC0F-4A2F-84D1-E095482B85E6}" type="datetimeFigureOut">
               <a:rPr lang="en-CA" smtClean="0"/>
-              <a:t>2020-06-29</a:t>
+              <a:t>2020-07-06</a:t>
             </a:fld>
             <a:endParaRPr lang="en-CA"/>
           </a:p>
@@ -1040,7 +1040,7 @@
           <a:p>
             <a:fld id="{9FE723E2-BC0F-4A2F-84D1-E095482B85E6}" type="datetimeFigureOut">
               <a:rPr lang="en-CA" smtClean="0"/>
-              <a:t>2020-06-29</a:t>
+              <a:t>2020-07-06</a:t>
             </a:fld>
             <a:endParaRPr lang="en-CA"/>
           </a:p>
@@ -1381,7 +1381,7 @@
           <a:p>
             <a:fld id="{9FE723E2-BC0F-4A2F-84D1-E095482B85E6}" type="datetimeFigureOut">
               <a:rPr lang="en-CA" smtClean="0"/>
-              <a:t>2020-06-29</a:t>
+              <a:t>2020-07-06</a:t>
             </a:fld>
             <a:endParaRPr lang="en-CA"/>
           </a:p>
@@ -2004,7 +2004,7 @@
           <a:p>
             <a:fld id="{9FE723E2-BC0F-4A2F-84D1-E095482B85E6}" type="datetimeFigureOut">
               <a:rPr lang="en-CA" smtClean="0"/>
-              <a:t>2020-06-29</a:t>
+              <a:t>2020-07-06</a:t>
             </a:fld>
             <a:endParaRPr lang="en-CA"/>
           </a:p>
@@ -2864,7 +2864,7 @@
           <a:p>
             <a:fld id="{9FE723E2-BC0F-4A2F-84D1-E095482B85E6}" type="datetimeFigureOut">
               <a:rPr lang="en-CA" smtClean="0"/>
-              <a:t>2020-06-29</a:t>
+              <a:t>2020-07-06</a:t>
             </a:fld>
             <a:endParaRPr lang="en-CA"/>
           </a:p>
@@ -3034,7 +3034,7 @@
           <a:p>
             <a:fld id="{9FE723E2-BC0F-4A2F-84D1-E095482B85E6}" type="datetimeFigureOut">
               <a:rPr lang="en-CA" smtClean="0"/>
-              <a:t>2020-06-29</a:t>
+              <a:t>2020-07-06</a:t>
             </a:fld>
             <a:endParaRPr lang="en-CA"/>
           </a:p>
@@ -3214,7 +3214,7 @@
           <a:p>
             <a:fld id="{9FE723E2-BC0F-4A2F-84D1-E095482B85E6}" type="datetimeFigureOut">
               <a:rPr lang="en-CA" smtClean="0"/>
-              <a:t>2020-06-29</a:t>
+              <a:t>2020-07-06</a:t>
             </a:fld>
             <a:endParaRPr lang="en-CA"/>
           </a:p>
@@ -3384,7 +3384,7 @@
           <a:p>
             <a:fld id="{9FE723E2-BC0F-4A2F-84D1-E095482B85E6}" type="datetimeFigureOut">
               <a:rPr lang="en-CA" smtClean="0"/>
-              <a:t>2020-06-29</a:t>
+              <a:t>2020-07-06</a:t>
             </a:fld>
             <a:endParaRPr lang="en-CA"/>
           </a:p>
@@ -3631,7 +3631,7 @@
           <a:p>
             <a:fld id="{9FE723E2-BC0F-4A2F-84D1-E095482B85E6}" type="datetimeFigureOut">
               <a:rPr lang="en-CA" smtClean="0"/>
-              <a:t>2020-06-29</a:t>
+              <a:t>2020-07-06</a:t>
             </a:fld>
             <a:endParaRPr lang="en-CA"/>
           </a:p>
@@ -3923,7 +3923,7 @@
           <a:p>
             <a:fld id="{9FE723E2-BC0F-4A2F-84D1-E095482B85E6}" type="datetimeFigureOut">
               <a:rPr lang="en-CA" smtClean="0"/>
-              <a:t>2020-06-29</a:t>
+              <a:t>2020-07-06</a:t>
             </a:fld>
             <a:endParaRPr lang="en-CA"/>
           </a:p>
@@ -4367,7 +4367,7 @@
           <a:p>
             <a:fld id="{9FE723E2-BC0F-4A2F-84D1-E095482B85E6}" type="datetimeFigureOut">
               <a:rPr lang="en-CA" smtClean="0"/>
-              <a:t>2020-06-29</a:t>
+              <a:t>2020-07-06</a:t>
             </a:fld>
             <a:endParaRPr lang="en-CA"/>
           </a:p>
@@ -4485,7 +4485,7 @@
           <a:p>
             <a:fld id="{9FE723E2-BC0F-4A2F-84D1-E095482B85E6}" type="datetimeFigureOut">
               <a:rPr lang="en-CA" smtClean="0"/>
-              <a:t>2020-06-29</a:t>
+              <a:t>2020-07-06</a:t>
             </a:fld>
             <a:endParaRPr lang="en-CA"/>
           </a:p>
@@ -4580,7 +4580,7 @@
           <a:p>
             <a:fld id="{9FE723E2-BC0F-4A2F-84D1-E095482B85E6}" type="datetimeFigureOut">
               <a:rPr lang="en-CA" smtClean="0"/>
-              <a:t>2020-06-29</a:t>
+              <a:t>2020-07-06</a:t>
             </a:fld>
             <a:endParaRPr lang="en-CA"/>
           </a:p>
@@ -4859,7 +4859,7 @@
           <a:p>
             <a:fld id="{9FE723E2-BC0F-4A2F-84D1-E095482B85E6}" type="datetimeFigureOut">
               <a:rPr lang="en-CA" smtClean="0"/>
-              <a:t>2020-06-29</a:t>
+              <a:t>2020-07-06</a:t>
             </a:fld>
             <a:endParaRPr lang="en-CA"/>
           </a:p>
@@ -5134,7 +5134,7 @@
           <a:p>
             <a:fld id="{9FE723E2-BC0F-4A2F-84D1-E095482B85E6}" type="datetimeFigureOut">
               <a:rPr lang="en-CA" smtClean="0"/>
-              <a:t>2020-06-29</a:t>
+              <a:t>2020-07-06</a:t>
             </a:fld>
             <a:endParaRPr lang="en-CA"/>
           </a:p>
@@ -5563,7 +5563,7 @@
           <a:p>
             <a:fld id="{9FE723E2-BC0F-4A2F-84D1-E095482B85E6}" type="datetimeFigureOut">
               <a:rPr lang="en-CA" smtClean="0"/>
-              <a:t>2020-06-29</a:t>
+              <a:t>2020-07-06</a:t>
             </a:fld>
             <a:endParaRPr lang="en-CA"/>
           </a:p>
@@ -6239,18 +6239,26 @@
                   <a:prstClr val="white"/>
                 </a:solidFill>
               </a:rPr>
-              <a:t>Questions should be asked to </a:t>
-            </a:r>
-            <a:r>
-              <a:rPr lang="en-CA" sz="3200" b="1" dirty="0">
+              <a:t>Questions should be asked </a:t>
+            </a:r>
+            <a:r>
+              <a:rPr lang="en-CA" sz="3200" b="1">
+                <a:solidFill>
+                  <a:prstClr val="white"/>
+                </a:solidFill>
+              </a:rPr>
+              <a:t>to </a:t>
+            </a:r>
+            <a:r>
+              <a:rPr lang="en-CA" sz="3200" b="1">
                 <a:solidFill>
                   <a:srgbClr val="FF0000"/>
                 </a:solidFill>
               </a:rPr>
-              <a:t>Remya</a:t>
-            </a:r>
-            <a:r>
-              <a:rPr lang="en-CA" sz="3200" b="1" dirty="0">
+              <a:t>Homayon</a:t>
+            </a:r>
+            <a:r>
+              <a:rPr lang="en-CA" sz="3200" b="1">
                 <a:solidFill>
                   <a:prstClr val="white"/>
                 </a:solidFill>

--- a/MSOSS_title.pptx
+++ b/MSOSS_title.pptx
@@ -298,7 +298,7 @@
           <a:p>
             <a:fld id="{9FE723E2-BC0F-4A2F-84D1-E095482B85E6}" type="datetimeFigureOut">
               <a:rPr lang="en-CA" smtClean="0"/>
-              <a:t>2020-07-06</a:t>
+              <a:t>2020-07-13</a:t>
             </a:fld>
             <a:endParaRPr lang="en-CA"/>
           </a:p>
@@ -573,7 +573,7 @@
           <a:p>
             <a:fld id="{9FE723E2-BC0F-4A2F-84D1-E095482B85E6}" type="datetimeFigureOut">
               <a:rPr lang="en-CA" smtClean="0"/>
-              <a:t>2020-07-06</a:t>
+              <a:t>2020-07-13</a:t>
             </a:fld>
             <a:endParaRPr lang="en-CA"/>
           </a:p>
@@ -767,7 +767,7 @@
           <a:p>
             <a:fld id="{9FE723E2-BC0F-4A2F-84D1-E095482B85E6}" type="datetimeFigureOut">
               <a:rPr lang="en-CA" smtClean="0"/>
-              <a:t>2020-07-06</a:t>
+              <a:t>2020-07-13</a:t>
             </a:fld>
             <a:endParaRPr lang="en-CA"/>
           </a:p>
@@ -1040,7 +1040,7 @@
           <a:p>
             <a:fld id="{9FE723E2-BC0F-4A2F-84D1-E095482B85E6}" type="datetimeFigureOut">
               <a:rPr lang="en-CA" smtClean="0"/>
-              <a:t>2020-07-06</a:t>
+              <a:t>2020-07-13</a:t>
             </a:fld>
             <a:endParaRPr lang="en-CA"/>
           </a:p>
@@ -1381,7 +1381,7 @@
           <a:p>
             <a:fld id="{9FE723E2-BC0F-4A2F-84D1-E095482B85E6}" type="datetimeFigureOut">
               <a:rPr lang="en-CA" smtClean="0"/>
-              <a:t>2020-07-06</a:t>
+              <a:t>2020-07-13</a:t>
             </a:fld>
             <a:endParaRPr lang="en-CA"/>
           </a:p>
@@ -2004,7 +2004,7 @@
           <a:p>
             <a:fld id="{9FE723E2-BC0F-4A2F-84D1-E095482B85E6}" type="datetimeFigureOut">
               <a:rPr lang="en-CA" smtClean="0"/>
-              <a:t>2020-07-06</a:t>
+              <a:t>2020-07-13</a:t>
             </a:fld>
             <a:endParaRPr lang="en-CA"/>
           </a:p>
@@ -2864,7 +2864,7 @@
           <a:p>
             <a:fld id="{9FE723E2-BC0F-4A2F-84D1-E095482B85E6}" type="datetimeFigureOut">
               <a:rPr lang="en-CA" smtClean="0"/>
-              <a:t>2020-07-06</a:t>
+              <a:t>2020-07-13</a:t>
             </a:fld>
             <a:endParaRPr lang="en-CA"/>
           </a:p>
@@ -3034,7 +3034,7 @@
           <a:p>
             <a:fld id="{9FE723E2-BC0F-4A2F-84D1-E095482B85E6}" type="datetimeFigureOut">
               <a:rPr lang="en-CA" smtClean="0"/>
-              <a:t>2020-07-06</a:t>
+              <a:t>2020-07-13</a:t>
             </a:fld>
             <a:endParaRPr lang="en-CA"/>
           </a:p>
@@ -3214,7 +3214,7 @@
           <a:p>
             <a:fld id="{9FE723E2-BC0F-4A2F-84D1-E095482B85E6}" type="datetimeFigureOut">
               <a:rPr lang="en-CA" smtClean="0"/>
-              <a:t>2020-07-06</a:t>
+              <a:t>2020-07-13</a:t>
             </a:fld>
             <a:endParaRPr lang="en-CA"/>
           </a:p>
@@ -3384,7 +3384,7 @@
           <a:p>
             <a:fld id="{9FE723E2-BC0F-4A2F-84D1-E095482B85E6}" type="datetimeFigureOut">
               <a:rPr lang="en-CA" smtClean="0"/>
-              <a:t>2020-07-06</a:t>
+              <a:t>2020-07-13</a:t>
             </a:fld>
             <a:endParaRPr lang="en-CA"/>
           </a:p>
@@ -3631,7 +3631,7 @@
           <a:p>
             <a:fld id="{9FE723E2-BC0F-4A2F-84D1-E095482B85E6}" type="datetimeFigureOut">
               <a:rPr lang="en-CA" smtClean="0"/>
-              <a:t>2020-07-06</a:t>
+              <a:t>2020-07-13</a:t>
             </a:fld>
             <a:endParaRPr lang="en-CA"/>
           </a:p>
@@ -3923,7 +3923,7 @@
           <a:p>
             <a:fld id="{9FE723E2-BC0F-4A2F-84D1-E095482B85E6}" type="datetimeFigureOut">
               <a:rPr lang="en-CA" smtClean="0"/>
-              <a:t>2020-07-06</a:t>
+              <a:t>2020-07-13</a:t>
             </a:fld>
             <a:endParaRPr lang="en-CA"/>
           </a:p>
@@ -4367,7 +4367,7 @@
           <a:p>
             <a:fld id="{9FE723E2-BC0F-4A2F-84D1-E095482B85E6}" type="datetimeFigureOut">
               <a:rPr lang="en-CA" smtClean="0"/>
-              <a:t>2020-07-06</a:t>
+              <a:t>2020-07-13</a:t>
             </a:fld>
             <a:endParaRPr lang="en-CA"/>
           </a:p>
@@ -4485,7 +4485,7 @@
           <a:p>
             <a:fld id="{9FE723E2-BC0F-4A2F-84D1-E095482B85E6}" type="datetimeFigureOut">
               <a:rPr lang="en-CA" smtClean="0"/>
-              <a:t>2020-07-06</a:t>
+              <a:t>2020-07-13</a:t>
             </a:fld>
             <a:endParaRPr lang="en-CA"/>
           </a:p>
@@ -4580,7 +4580,7 @@
           <a:p>
             <a:fld id="{9FE723E2-BC0F-4A2F-84D1-E095482B85E6}" type="datetimeFigureOut">
               <a:rPr lang="en-CA" smtClean="0"/>
-              <a:t>2020-07-06</a:t>
+              <a:t>2020-07-13</a:t>
             </a:fld>
             <a:endParaRPr lang="en-CA"/>
           </a:p>
@@ -4859,7 +4859,7 @@
           <a:p>
             <a:fld id="{9FE723E2-BC0F-4A2F-84D1-E095482B85E6}" type="datetimeFigureOut">
               <a:rPr lang="en-CA" smtClean="0"/>
-              <a:t>2020-07-06</a:t>
+              <a:t>2020-07-13</a:t>
             </a:fld>
             <a:endParaRPr lang="en-CA"/>
           </a:p>
@@ -5134,7 +5134,7 @@
           <a:p>
             <a:fld id="{9FE723E2-BC0F-4A2F-84D1-E095482B85E6}" type="datetimeFigureOut">
               <a:rPr lang="en-CA" smtClean="0"/>
-              <a:t>2020-07-06</a:t>
+              <a:t>2020-07-13</a:t>
             </a:fld>
             <a:endParaRPr lang="en-CA"/>
           </a:p>
@@ -5563,7 +5563,7 @@
           <a:p>
             <a:fld id="{9FE723E2-BC0F-4A2F-84D1-E095482B85E6}" type="datetimeFigureOut">
               <a:rPr lang="en-CA" smtClean="0"/>
-              <a:t>2020-07-06</a:t>
+              <a:t>2020-07-13</a:t>
             </a:fld>
             <a:endParaRPr lang="en-CA"/>
           </a:p>
@@ -6239,26 +6239,18 @@
                   <a:prstClr val="white"/>
                 </a:solidFill>
               </a:rPr>
-              <a:t>Questions should be asked </a:t>
-            </a:r>
-            <a:r>
-              <a:rPr lang="en-CA" sz="3200" b="1">
-                <a:solidFill>
-                  <a:prstClr val="white"/>
-                </a:solidFill>
-              </a:rPr>
-              <a:t>to </a:t>
-            </a:r>
-            <a:r>
-              <a:rPr lang="en-CA" sz="3200" b="1">
+              <a:t>Questions should be asked to </a:t>
+            </a:r>
+            <a:r>
+              <a:rPr lang="en-CA" sz="3200" b="1" dirty="0">
                 <a:solidFill>
                   <a:srgbClr val="FF0000"/>
                 </a:solidFill>
               </a:rPr>
-              <a:t>Homayon</a:t>
-            </a:r>
-            <a:r>
-              <a:rPr lang="en-CA" sz="3200" b="1">
+              <a:t>David</a:t>
+            </a:r>
+            <a:r>
+              <a:rPr lang="en-CA" sz="3200" b="1" dirty="0">
                 <a:solidFill>
                   <a:prstClr val="white"/>
                 </a:solidFill>

--- a/MSOSS_title.pptx
+++ b/MSOSS_title.pptx
@@ -298,7 +298,7 @@
           <a:p>
             <a:fld id="{9FE723E2-BC0F-4A2F-84D1-E095482B85E6}" type="datetimeFigureOut">
               <a:rPr lang="en-CA" smtClean="0"/>
-              <a:t>2020-07-13</a:t>
+              <a:t>2020-08-17</a:t>
             </a:fld>
             <a:endParaRPr lang="en-CA"/>
           </a:p>
@@ -573,7 +573,7 @@
           <a:p>
             <a:fld id="{9FE723E2-BC0F-4A2F-84D1-E095482B85E6}" type="datetimeFigureOut">
               <a:rPr lang="en-CA" smtClean="0"/>
-              <a:t>2020-07-13</a:t>
+              <a:t>2020-08-17</a:t>
             </a:fld>
             <a:endParaRPr lang="en-CA"/>
           </a:p>
@@ -767,7 +767,7 @@
           <a:p>
             <a:fld id="{9FE723E2-BC0F-4A2F-84D1-E095482B85E6}" type="datetimeFigureOut">
               <a:rPr lang="en-CA" smtClean="0"/>
-              <a:t>2020-07-13</a:t>
+              <a:t>2020-08-17</a:t>
             </a:fld>
             <a:endParaRPr lang="en-CA"/>
           </a:p>
@@ -1040,7 +1040,7 @@
           <a:p>
             <a:fld id="{9FE723E2-BC0F-4A2F-84D1-E095482B85E6}" type="datetimeFigureOut">
               <a:rPr lang="en-CA" smtClean="0"/>
-              <a:t>2020-07-13</a:t>
+              <a:t>2020-08-17</a:t>
             </a:fld>
             <a:endParaRPr lang="en-CA"/>
           </a:p>
@@ -1381,7 +1381,7 @@
           <a:p>
             <a:fld id="{9FE723E2-BC0F-4A2F-84D1-E095482B85E6}" type="datetimeFigureOut">
               <a:rPr lang="en-CA" smtClean="0"/>
-              <a:t>2020-07-13</a:t>
+              <a:t>2020-08-17</a:t>
             </a:fld>
             <a:endParaRPr lang="en-CA"/>
           </a:p>
@@ -2004,7 +2004,7 @@
           <a:p>
             <a:fld id="{9FE723E2-BC0F-4A2F-84D1-E095482B85E6}" type="datetimeFigureOut">
               <a:rPr lang="en-CA" smtClean="0"/>
-              <a:t>2020-07-13</a:t>
+              <a:t>2020-08-17</a:t>
             </a:fld>
             <a:endParaRPr lang="en-CA"/>
           </a:p>
@@ -2864,7 +2864,7 @@
           <a:p>
             <a:fld id="{9FE723E2-BC0F-4A2F-84D1-E095482B85E6}" type="datetimeFigureOut">
               <a:rPr lang="en-CA" smtClean="0"/>
-              <a:t>2020-07-13</a:t>
+              <a:t>2020-08-17</a:t>
             </a:fld>
             <a:endParaRPr lang="en-CA"/>
           </a:p>
@@ -3034,7 +3034,7 @@
           <a:p>
             <a:fld id="{9FE723E2-BC0F-4A2F-84D1-E095482B85E6}" type="datetimeFigureOut">
               <a:rPr lang="en-CA" smtClean="0"/>
-              <a:t>2020-07-13</a:t>
+              <a:t>2020-08-17</a:t>
             </a:fld>
             <a:endParaRPr lang="en-CA"/>
           </a:p>
@@ -3214,7 +3214,7 @@
           <a:p>
             <a:fld id="{9FE723E2-BC0F-4A2F-84D1-E095482B85E6}" type="datetimeFigureOut">
               <a:rPr lang="en-CA" smtClean="0"/>
-              <a:t>2020-07-13</a:t>
+              <a:t>2020-08-17</a:t>
             </a:fld>
             <a:endParaRPr lang="en-CA"/>
           </a:p>
@@ -3384,7 +3384,7 @@
           <a:p>
             <a:fld id="{9FE723E2-BC0F-4A2F-84D1-E095482B85E6}" type="datetimeFigureOut">
               <a:rPr lang="en-CA" smtClean="0"/>
-              <a:t>2020-07-13</a:t>
+              <a:t>2020-08-17</a:t>
             </a:fld>
             <a:endParaRPr lang="en-CA"/>
           </a:p>
@@ -3631,7 +3631,7 @@
           <a:p>
             <a:fld id="{9FE723E2-BC0F-4A2F-84D1-E095482B85E6}" type="datetimeFigureOut">
               <a:rPr lang="en-CA" smtClean="0"/>
-              <a:t>2020-07-13</a:t>
+              <a:t>2020-08-17</a:t>
             </a:fld>
             <a:endParaRPr lang="en-CA"/>
           </a:p>
@@ -3923,7 +3923,7 @@
           <a:p>
             <a:fld id="{9FE723E2-BC0F-4A2F-84D1-E095482B85E6}" type="datetimeFigureOut">
               <a:rPr lang="en-CA" smtClean="0"/>
-              <a:t>2020-07-13</a:t>
+              <a:t>2020-08-17</a:t>
             </a:fld>
             <a:endParaRPr lang="en-CA"/>
           </a:p>
@@ -4367,7 +4367,7 @@
           <a:p>
             <a:fld id="{9FE723E2-BC0F-4A2F-84D1-E095482B85E6}" type="datetimeFigureOut">
               <a:rPr lang="en-CA" smtClean="0"/>
-              <a:t>2020-07-13</a:t>
+              <a:t>2020-08-17</a:t>
             </a:fld>
             <a:endParaRPr lang="en-CA"/>
           </a:p>
@@ -4485,7 +4485,7 @@
           <a:p>
             <a:fld id="{9FE723E2-BC0F-4A2F-84D1-E095482B85E6}" type="datetimeFigureOut">
               <a:rPr lang="en-CA" smtClean="0"/>
-              <a:t>2020-07-13</a:t>
+              <a:t>2020-08-17</a:t>
             </a:fld>
             <a:endParaRPr lang="en-CA"/>
           </a:p>
@@ -4580,7 +4580,7 @@
           <a:p>
             <a:fld id="{9FE723E2-BC0F-4A2F-84D1-E095482B85E6}" type="datetimeFigureOut">
               <a:rPr lang="en-CA" smtClean="0"/>
-              <a:t>2020-07-13</a:t>
+              <a:t>2020-08-17</a:t>
             </a:fld>
             <a:endParaRPr lang="en-CA"/>
           </a:p>
@@ -4859,7 +4859,7 @@
           <a:p>
             <a:fld id="{9FE723E2-BC0F-4A2F-84D1-E095482B85E6}" type="datetimeFigureOut">
               <a:rPr lang="en-CA" smtClean="0"/>
-              <a:t>2020-07-13</a:t>
+              <a:t>2020-08-17</a:t>
             </a:fld>
             <a:endParaRPr lang="en-CA"/>
           </a:p>
@@ -5134,7 +5134,7 @@
           <a:p>
             <a:fld id="{9FE723E2-BC0F-4A2F-84D1-E095482B85E6}" type="datetimeFigureOut">
               <a:rPr lang="en-CA" smtClean="0"/>
-              <a:t>2020-07-13</a:t>
+              <a:t>2020-08-17</a:t>
             </a:fld>
             <a:endParaRPr lang="en-CA"/>
           </a:p>
@@ -5563,7 +5563,7 @@
           <a:p>
             <a:fld id="{9FE723E2-BC0F-4A2F-84D1-E095482B85E6}" type="datetimeFigureOut">
               <a:rPr lang="en-CA" smtClean="0"/>
-              <a:t>2020-07-13</a:t>
+              <a:t>2020-08-17</a:t>
             </a:fld>
             <a:endParaRPr lang="en-CA"/>
           </a:p>
@@ -6239,18 +6239,26 @@
                   <a:prstClr val="white"/>
                 </a:solidFill>
               </a:rPr>
-              <a:t>Questions should be asked to </a:t>
-            </a:r>
-            <a:r>
-              <a:rPr lang="en-CA" sz="3200" b="1" dirty="0">
+              <a:t>Questions should be asked </a:t>
+            </a:r>
+            <a:r>
+              <a:rPr lang="en-CA" sz="3200" b="1">
+                <a:solidFill>
+                  <a:prstClr val="white"/>
+                </a:solidFill>
+              </a:rPr>
+              <a:t>to </a:t>
+            </a:r>
+            <a:r>
+              <a:rPr lang="en-CA" sz="3200" b="1">
                 <a:solidFill>
                   <a:srgbClr val="FF0000"/>
                 </a:solidFill>
               </a:rPr>
-              <a:t>David</a:t>
-            </a:r>
-            <a:r>
-              <a:rPr lang="en-CA" sz="3200" b="1" dirty="0">
+              <a:t>Homayon</a:t>
+            </a:r>
+            <a:r>
+              <a:rPr lang="en-CA" sz="3200" b="1">
                 <a:solidFill>
                   <a:prstClr val="white"/>
                 </a:solidFill>

--- a/MSOSS_title.pptx
+++ b/MSOSS_title.pptx
@@ -298,7 +298,7 @@
           <a:p>
             <a:fld id="{9FE723E2-BC0F-4A2F-84D1-E095482B85E6}" type="datetimeFigureOut">
               <a:rPr lang="en-CA" smtClean="0"/>
-              <a:t>2020-08-17</a:t>
+              <a:t>2020-08-24</a:t>
             </a:fld>
             <a:endParaRPr lang="en-CA"/>
           </a:p>
@@ -573,7 +573,7 @@
           <a:p>
             <a:fld id="{9FE723E2-BC0F-4A2F-84D1-E095482B85E6}" type="datetimeFigureOut">
               <a:rPr lang="en-CA" smtClean="0"/>
-              <a:t>2020-08-17</a:t>
+              <a:t>2020-08-24</a:t>
             </a:fld>
             <a:endParaRPr lang="en-CA"/>
           </a:p>
@@ -767,7 +767,7 @@
           <a:p>
             <a:fld id="{9FE723E2-BC0F-4A2F-84D1-E095482B85E6}" type="datetimeFigureOut">
               <a:rPr lang="en-CA" smtClean="0"/>
-              <a:t>2020-08-17</a:t>
+              <a:t>2020-08-24</a:t>
             </a:fld>
             <a:endParaRPr lang="en-CA"/>
           </a:p>
@@ -1040,7 +1040,7 @@
           <a:p>
             <a:fld id="{9FE723E2-BC0F-4A2F-84D1-E095482B85E6}" type="datetimeFigureOut">
               <a:rPr lang="en-CA" smtClean="0"/>
-              <a:t>2020-08-17</a:t>
+              <a:t>2020-08-24</a:t>
             </a:fld>
             <a:endParaRPr lang="en-CA"/>
           </a:p>
@@ -1381,7 +1381,7 @@
           <a:p>
             <a:fld id="{9FE723E2-BC0F-4A2F-84D1-E095482B85E6}" type="datetimeFigureOut">
               <a:rPr lang="en-CA" smtClean="0"/>
-              <a:t>2020-08-17</a:t>
+              <a:t>2020-08-24</a:t>
             </a:fld>
             <a:endParaRPr lang="en-CA"/>
           </a:p>
@@ -2004,7 +2004,7 @@
           <a:p>
             <a:fld id="{9FE723E2-BC0F-4A2F-84D1-E095482B85E6}" type="datetimeFigureOut">
               <a:rPr lang="en-CA" smtClean="0"/>
-              <a:t>2020-08-17</a:t>
+              <a:t>2020-08-24</a:t>
             </a:fld>
             <a:endParaRPr lang="en-CA"/>
           </a:p>
@@ -2864,7 +2864,7 @@
           <a:p>
             <a:fld id="{9FE723E2-BC0F-4A2F-84D1-E095482B85E6}" type="datetimeFigureOut">
               <a:rPr lang="en-CA" smtClean="0"/>
-              <a:t>2020-08-17</a:t>
+              <a:t>2020-08-24</a:t>
             </a:fld>
             <a:endParaRPr lang="en-CA"/>
           </a:p>
@@ -3034,7 +3034,7 @@
           <a:p>
             <a:fld id="{9FE723E2-BC0F-4A2F-84D1-E095482B85E6}" type="datetimeFigureOut">
               <a:rPr lang="en-CA" smtClean="0"/>
-              <a:t>2020-08-17</a:t>
+              <a:t>2020-08-24</a:t>
             </a:fld>
             <a:endParaRPr lang="en-CA"/>
           </a:p>
@@ -3214,7 +3214,7 @@
           <a:p>
             <a:fld id="{9FE723E2-BC0F-4A2F-84D1-E095482B85E6}" type="datetimeFigureOut">
               <a:rPr lang="en-CA" smtClean="0"/>
-              <a:t>2020-08-17</a:t>
+              <a:t>2020-08-24</a:t>
             </a:fld>
             <a:endParaRPr lang="en-CA"/>
           </a:p>
@@ -3384,7 +3384,7 @@
           <a:p>
             <a:fld id="{9FE723E2-BC0F-4A2F-84D1-E095482B85E6}" type="datetimeFigureOut">
               <a:rPr lang="en-CA" smtClean="0"/>
-              <a:t>2020-08-17</a:t>
+              <a:t>2020-08-24</a:t>
             </a:fld>
             <a:endParaRPr lang="en-CA"/>
           </a:p>
@@ -3631,7 +3631,7 @@
           <a:p>
             <a:fld id="{9FE723E2-BC0F-4A2F-84D1-E095482B85E6}" type="datetimeFigureOut">
               <a:rPr lang="en-CA" smtClean="0"/>
-              <a:t>2020-08-17</a:t>
+              <a:t>2020-08-24</a:t>
             </a:fld>
             <a:endParaRPr lang="en-CA"/>
           </a:p>
@@ -3923,7 +3923,7 @@
           <a:p>
             <a:fld id="{9FE723E2-BC0F-4A2F-84D1-E095482B85E6}" type="datetimeFigureOut">
               <a:rPr lang="en-CA" smtClean="0"/>
-              <a:t>2020-08-17</a:t>
+              <a:t>2020-08-24</a:t>
             </a:fld>
             <a:endParaRPr lang="en-CA"/>
           </a:p>
@@ -4367,7 +4367,7 @@
           <a:p>
             <a:fld id="{9FE723E2-BC0F-4A2F-84D1-E095482B85E6}" type="datetimeFigureOut">
               <a:rPr lang="en-CA" smtClean="0"/>
-              <a:t>2020-08-17</a:t>
+              <a:t>2020-08-24</a:t>
             </a:fld>
             <a:endParaRPr lang="en-CA"/>
           </a:p>
@@ -4485,7 +4485,7 @@
           <a:p>
             <a:fld id="{9FE723E2-BC0F-4A2F-84D1-E095482B85E6}" type="datetimeFigureOut">
               <a:rPr lang="en-CA" smtClean="0"/>
-              <a:t>2020-08-17</a:t>
+              <a:t>2020-08-24</a:t>
             </a:fld>
             <a:endParaRPr lang="en-CA"/>
           </a:p>
@@ -4580,7 +4580,7 @@
           <a:p>
             <a:fld id="{9FE723E2-BC0F-4A2F-84D1-E095482B85E6}" type="datetimeFigureOut">
               <a:rPr lang="en-CA" smtClean="0"/>
-              <a:t>2020-08-17</a:t>
+              <a:t>2020-08-24</a:t>
             </a:fld>
             <a:endParaRPr lang="en-CA"/>
           </a:p>
@@ -4859,7 +4859,7 @@
           <a:p>
             <a:fld id="{9FE723E2-BC0F-4A2F-84D1-E095482B85E6}" type="datetimeFigureOut">
               <a:rPr lang="en-CA" smtClean="0"/>
-              <a:t>2020-08-17</a:t>
+              <a:t>2020-08-24</a:t>
             </a:fld>
             <a:endParaRPr lang="en-CA"/>
           </a:p>
@@ -5134,7 +5134,7 @@
           <a:p>
             <a:fld id="{9FE723E2-BC0F-4A2F-84D1-E095482B85E6}" type="datetimeFigureOut">
               <a:rPr lang="en-CA" smtClean="0"/>
-              <a:t>2020-08-17</a:t>
+              <a:t>2020-08-24</a:t>
             </a:fld>
             <a:endParaRPr lang="en-CA"/>
           </a:p>
@@ -5563,7 +5563,7 @@
           <a:p>
             <a:fld id="{9FE723E2-BC0F-4A2F-84D1-E095482B85E6}" type="datetimeFigureOut">
               <a:rPr lang="en-CA" smtClean="0"/>
-              <a:t>2020-08-17</a:t>
+              <a:t>2020-08-24</a:t>
             </a:fld>
             <a:endParaRPr lang="en-CA"/>
           </a:p>
@@ -6239,26 +6239,18 @@
                   <a:prstClr val="white"/>
                 </a:solidFill>
               </a:rPr>
-              <a:t>Questions should be asked </a:t>
-            </a:r>
-            <a:r>
-              <a:rPr lang="en-CA" sz="3200" b="1">
-                <a:solidFill>
-                  <a:prstClr val="white"/>
-                </a:solidFill>
-              </a:rPr>
-              <a:t>to </a:t>
-            </a:r>
-            <a:r>
-              <a:rPr lang="en-CA" sz="3200" b="1">
+              <a:t>Questions should be asked to </a:t>
+            </a:r>
+            <a:r>
+              <a:rPr lang="en-CA" sz="3200" b="1" dirty="0">
                 <a:solidFill>
                   <a:srgbClr val="FF0000"/>
                 </a:solidFill>
               </a:rPr>
-              <a:t>Homayon</a:t>
-            </a:r>
-            <a:r>
-              <a:rPr lang="en-CA" sz="3200" b="1">
+              <a:t>Kyle</a:t>
+            </a:r>
+            <a:r>
+              <a:rPr lang="en-CA" sz="3200" b="1" dirty="0">
                 <a:solidFill>
                   <a:prstClr val="white"/>
                 </a:solidFill>

--- a/MSOSS_title.pptx
+++ b/MSOSS_title.pptx
@@ -298,7 +298,7 @@
           <a:p>
             <a:fld id="{9FE723E2-BC0F-4A2F-84D1-E095482B85E6}" type="datetimeFigureOut">
               <a:rPr lang="en-CA" smtClean="0"/>
-              <a:t>2020-08-24</a:t>
+              <a:t>2020-08-31</a:t>
             </a:fld>
             <a:endParaRPr lang="en-CA"/>
           </a:p>
@@ -573,7 +573,7 @@
           <a:p>
             <a:fld id="{9FE723E2-BC0F-4A2F-84D1-E095482B85E6}" type="datetimeFigureOut">
               <a:rPr lang="en-CA" smtClean="0"/>
-              <a:t>2020-08-24</a:t>
+              <a:t>2020-08-31</a:t>
             </a:fld>
             <a:endParaRPr lang="en-CA"/>
           </a:p>
@@ -767,7 +767,7 @@
           <a:p>
             <a:fld id="{9FE723E2-BC0F-4A2F-84D1-E095482B85E6}" type="datetimeFigureOut">
               <a:rPr lang="en-CA" smtClean="0"/>
-              <a:t>2020-08-24</a:t>
+              <a:t>2020-08-31</a:t>
             </a:fld>
             <a:endParaRPr lang="en-CA"/>
           </a:p>
@@ -1040,7 +1040,7 @@
           <a:p>
             <a:fld id="{9FE723E2-BC0F-4A2F-84D1-E095482B85E6}" type="datetimeFigureOut">
               <a:rPr lang="en-CA" smtClean="0"/>
-              <a:t>2020-08-24</a:t>
+              <a:t>2020-08-31</a:t>
             </a:fld>
             <a:endParaRPr lang="en-CA"/>
           </a:p>
@@ -1381,7 +1381,7 @@
           <a:p>
             <a:fld id="{9FE723E2-BC0F-4A2F-84D1-E095482B85E6}" type="datetimeFigureOut">
               <a:rPr lang="en-CA" smtClean="0"/>
-              <a:t>2020-08-24</a:t>
+              <a:t>2020-08-31</a:t>
             </a:fld>
             <a:endParaRPr lang="en-CA"/>
           </a:p>
@@ -2004,7 +2004,7 @@
           <a:p>
             <a:fld id="{9FE723E2-BC0F-4A2F-84D1-E095482B85E6}" type="datetimeFigureOut">
               <a:rPr lang="en-CA" smtClean="0"/>
-              <a:t>2020-08-24</a:t>
+              <a:t>2020-08-31</a:t>
             </a:fld>
             <a:endParaRPr lang="en-CA"/>
           </a:p>
@@ -2864,7 +2864,7 @@
           <a:p>
             <a:fld id="{9FE723E2-BC0F-4A2F-84D1-E095482B85E6}" type="datetimeFigureOut">
               <a:rPr lang="en-CA" smtClean="0"/>
-              <a:t>2020-08-24</a:t>
+              <a:t>2020-08-31</a:t>
             </a:fld>
             <a:endParaRPr lang="en-CA"/>
           </a:p>
@@ -3034,7 +3034,7 @@
           <a:p>
             <a:fld id="{9FE723E2-BC0F-4A2F-84D1-E095482B85E6}" type="datetimeFigureOut">
               <a:rPr lang="en-CA" smtClean="0"/>
-              <a:t>2020-08-24</a:t>
+              <a:t>2020-08-31</a:t>
             </a:fld>
             <a:endParaRPr lang="en-CA"/>
           </a:p>
@@ -3214,7 +3214,7 @@
           <a:p>
             <a:fld id="{9FE723E2-BC0F-4A2F-84D1-E095482B85E6}" type="datetimeFigureOut">
               <a:rPr lang="en-CA" smtClean="0"/>
-              <a:t>2020-08-24</a:t>
+              <a:t>2020-08-31</a:t>
             </a:fld>
             <a:endParaRPr lang="en-CA"/>
           </a:p>
@@ -3384,7 +3384,7 @@
           <a:p>
             <a:fld id="{9FE723E2-BC0F-4A2F-84D1-E095482B85E6}" type="datetimeFigureOut">
               <a:rPr lang="en-CA" smtClean="0"/>
-              <a:t>2020-08-24</a:t>
+              <a:t>2020-08-31</a:t>
             </a:fld>
             <a:endParaRPr lang="en-CA"/>
           </a:p>
@@ -3631,7 +3631,7 @@
           <a:p>
             <a:fld id="{9FE723E2-BC0F-4A2F-84D1-E095482B85E6}" type="datetimeFigureOut">
               <a:rPr lang="en-CA" smtClean="0"/>
-              <a:t>2020-08-24</a:t>
+              <a:t>2020-08-31</a:t>
             </a:fld>
             <a:endParaRPr lang="en-CA"/>
           </a:p>
@@ -3923,7 +3923,7 @@
           <a:p>
             <a:fld id="{9FE723E2-BC0F-4A2F-84D1-E095482B85E6}" type="datetimeFigureOut">
               <a:rPr lang="en-CA" smtClean="0"/>
-              <a:t>2020-08-24</a:t>
+              <a:t>2020-08-31</a:t>
             </a:fld>
             <a:endParaRPr lang="en-CA"/>
           </a:p>
@@ -4367,7 +4367,7 @@
           <a:p>
             <a:fld id="{9FE723E2-BC0F-4A2F-84D1-E095482B85E6}" type="datetimeFigureOut">
               <a:rPr lang="en-CA" smtClean="0"/>
-              <a:t>2020-08-24</a:t>
+              <a:t>2020-08-31</a:t>
             </a:fld>
             <a:endParaRPr lang="en-CA"/>
           </a:p>
@@ -4485,7 +4485,7 @@
           <a:p>
             <a:fld id="{9FE723E2-BC0F-4A2F-84D1-E095482B85E6}" type="datetimeFigureOut">
               <a:rPr lang="en-CA" smtClean="0"/>
-              <a:t>2020-08-24</a:t>
+              <a:t>2020-08-31</a:t>
             </a:fld>
             <a:endParaRPr lang="en-CA"/>
           </a:p>
@@ -4580,7 +4580,7 @@
           <a:p>
             <a:fld id="{9FE723E2-BC0F-4A2F-84D1-E095482B85E6}" type="datetimeFigureOut">
               <a:rPr lang="en-CA" smtClean="0"/>
-              <a:t>2020-08-24</a:t>
+              <a:t>2020-08-31</a:t>
             </a:fld>
             <a:endParaRPr lang="en-CA"/>
           </a:p>
@@ -4859,7 +4859,7 @@
           <a:p>
             <a:fld id="{9FE723E2-BC0F-4A2F-84D1-E095482B85E6}" type="datetimeFigureOut">
               <a:rPr lang="en-CA" smtClean="0"/>
-              <a:t>2020-08-24</a:t>
+              <a:t>2020-08-31</a:t>
             </a:fld>
             <a:endParaRPr lang="en-CA"/>
           </a:p>
@@ -5134,7 +5134,7 @@
           <a:p>
             <a:fld id="{9FE723E2-BC0F-4A2F-84D1-E095482B85E6}" type="datetimeFigureOut">
               <a:rPr lang="en-CA" smtClean="0"/>
-              <a:t>2020-08-24</a:t>
+              <a:t>2020-08-31</a:t>
             </a:fld>
             <a:endParaRPr lang="en-CA"/>
           </a:p>
@@ -5563,7 +5563,7 @@
           <a:p>
             <a:fld id="{9FE723E2-BC0F-4A2F-84D1-E095482B85E6}" type="datetimeFigureOut">
               <a:rPr lang="en-CA" smtClean="0"/>
-              <a:t>2020-08-24</a:t>
+              <a:t>2020-08-31</a:t>
             </a:fld>
             <a:endParaRPr lang="en-CA"/>
           </a:p>
@@ -6247,7 +6247,7 @@
                   <a:srgbClr val="FF0000"/>
                 </a:solidFill>
               </a:rPr>
-              <a:t>Kyle</a:t>
+              <a:t>David</a:t>
             </a:r>
             <a:r>
               <a:rPr lang="en-CA" sz="3200" b="1" dirty="0">

--- a/MSOSS_title.pptx
+++ b/MSOSS_title.pptx
@@ -298,7 +298,7 @@
           <a:p>
             <a:fld id="{9FE723E2-BC0F-4A2F-84D1-E095482B85E6}" type="datetimeFigureOut">
               <a:rPr lang="en-CA" smtClean="0"/>
-              <a:t>2020-08-31</a:t>
+              <a:t>2020-09-21</a:t>
             </a:fld>
             <a:endParaRPr lang="en-CA"/>
           </a:p>
@@ -573,7 +573,7 @@
           <a:p>
             <a:fld id="{9FE723E2-BC0F-4A2F-84D1-E095482B85E6}" type="datetimeFigureOut">
               <a:rPr lang="en-CA" smtClean="0"/>
-              <a:t>2020-08-31</a:t>
+              <a:t>2020-09-21</a:t>
             </a:fld>
             <a:endParaRPr lang="en-CA"/>
           </a:p>
@@ -767,7 +767,7 @@
           <a:p>
             <a:fld id="{9FE723E2-BC0F-4A2F-84D1-E095482B85E6}" type="datetimeFigureOut">
               <a:rPr lang="en-CA" smtClean="0"/>
-              <a:t>2020-08-31</a:t>
+              <a:t>2020-09-21</a:t>
             </a:fld>
             <a:endParaRPr lang="en-CA"/>
           </a:p>
@@ -1040,7 +1040,7 @@
           <a:p>
             <a:fld id="{9FE723E2-BC0F-4A2F-84D1-E095482B85E6}" type="datetimeFigureOut">
               <a:rPr lang="en-CA" smtClean="0"/>
-              <a:t>2020-08-31</a:t>
+              <a:t>2020-09-21</a:t>
             </a:fld>
             <a:endParaRPr lang="en-CA"/>
           </a:p>
@@ -1381,7 +1381,7 @@
           <a:p>
             <a:fld id="{9FE723E2-BC0F-4A2F-84D1-E095482B85E6}" type="datetimeFigureOut">
               <a:rPr lang="en-CA" smtClean="0"/>
-              <a:t>2020-08-31</a:t>
+              <a:t>2020-09-21</a:t>
             </a:fld>
             <a:endParaRPr lang="en-CA"/>
           </a:p>
@@ -2004,7 +2004,7 @@
           <a:p>
             <a:fld id="{9FE723E2-BC0F-4A2F-84D1-E095482B85E6}" type="datetimeFigureOut">
               <a:rPr lang="en-CA" smtClean="0"/>
-              <a:t>2020-08-31</a:t>
+              <a:t>2020-09-21</a:t>
             </a:fld>
             <a:endParaRPr lang="en-CA"/>
           </a:p>
@@ -2864,7 +2864,7 @@
           <a:p>
             <a:fld id="{9FE723E2-BC0F-4A2F-84D1-E095482B85E6}" type="datetimeFigureOut">
               <a:rPr lang="en-CA" smtClean="0"/>
-              <a:t>2020-08-31</a:t>
+              <a:t>2020-09-21</a:t>
             </a:fld>
             <a:endParaRPr lang="en-CA"/>
           </a:p>
@@ -3034,7 +3034,7 @@
           <a:p>
             <a:fld id="{9FE723E2-BC0F-4A2F-84D1-E095482B85E6}" type="datetimeFigureOut">
               <a:rPr lang="en-CA" smtClean="0"/>
-              <a:t>2020-08-31</a:t>
+              <a:t>2020-09-21</a:t>
             </a:fld>
             <a:endParaRPr lang="en-CA"/>
           </a:p>
@@ -3214,7 +3214,7 @@
           <a:p>
             <a:fld id="{9FE723E2-BC0F-4A2F-84D1-E095482B85E6}" type="datetimeFigureOut">
               <a:rPr lang="en-CA" smtClean="0"/>
-              <a:t>2020-08-31</a:t>
+              <a:t>2020-09-21</a:t>
             </a:fld>
             <a:endParaRPr lang="en-CA"/>
           </a:p>
@@ -3384,7 +3384,7 @@
           <a:p>
             <a:fld id="{9FE723E2-BC0F-4A2F-84D1-E095482B85E6}" type="datetimeFigureOut">
               <a:rPr lang="en-CA" smtClean="0"/>
-              <a:t>2020-08-31</a:t>
+              <a:t>2020-09-21</a:t>
             </a:fld>
             <a:endParaRPr lang="en-CA"/>
           </a:p>
@@ -3631,7 +3631,7 @@
           <a:p>
             <a:fld id="{9FE723E2-BC0F-4A2F-84D1-E095482B85E6}" type="datetimeFigureOut">
               <a:rPr lang="en-CA" smtClean="0"/>
-              <a:t>2020-08-31</a:t>
+              <a:t>2020-09-21</a:t>
             </a:fld>
             <a:endParaRPr lang="en-CA"/>
           </a:p>
@@ -3923,7 +3923,7 @@
           <a:p>
             <a:fld id="{9FE723E2-BC0F-4A2F-84D1-E095482B85E6}" type="datetimeFigureOut">
               <a:rPr lang="en-CA" smtClean="0"/>
-              <a:t>2020-08-31</a:t>
+              <a:t>2020-09-21</a:t>
             </a:fld>
             <a:endParaRPr lang="en-CA"/>
           </a:p>
@@ -4367,7 +4367,7 @@
           <a:p>
             <a:fld id="{9FE723E2-BC0F-4A2F-84D1-E095482B85E6}" type="datetimeFigureOut">
               <a:rPr lang="en-CA" smtClean="0"/>
-              <a:t>2020-08-31</a:t>
+              <a:t>2020-09-21</a:t>
             </a:fld>
             <a:endParaRPr lang="en-CA"/>
           </a:p>
@@ -4485,7 +4485,7 @@
           <a:p>
             <a:fld id="{9FE723E2-BC0F-4A2F-84D1-E095482B85E6}" type="datetimeFigureOut">
               <a:rPr lang="en-CA" smtClean="0"/>
-              <a:t>2020-08-31</a:t>
+              <a:t>2020-09-21</a:t>
             </a:fld>
             <a:endParaRPr lang="en-CA"/>
           </a:p>
@@ -4580,7 +4580,7 @@
           <a:p>
             <a:fld id="{9FE723E2-BC0F-4A2F-84D1-E095482B85E6}" type="datetimeFigureOut">
               <a:rPr lang="en-CA" smtClean="0"/>
-              <a:t>2020-08-31</a:t>
+              <a:t>2020-09-21</a:t>
             </a:fld>
             <a:endParaRPr lang="en-CA"/>
           </a:p>
@@ -4859,7 +4859,7 @@
           <a:p>
             <a:fld id="{9FE723E2-BC0F-4A2F-84D1-E095482B85E6}" type="datetimeFigureOut">
               <a:rPr lang="en-CA" smtClean="0"/>
-              <a:t>2020-08-31</a:t>
+              <a:t>2020-09-21</a:t>
             </a:fld>
             <a:endParaRPr lang="en-CA"/>
           </a:p>
@@ -5134,7 +5134,7 @@
           <a:p>
             <a:fld id="{9FE723E2-BC0F-4A2F-84D1-E095482B85E6}" type="datetimeFigureOut">
               <a:rPr lang="en-CA" smtClean="0"/>
-              <a:t>2020-08-31</a:t>
+              <a:t>2020-09-21</a:t>
             </a:fld>
             <a:endParaRPr lang="en-CA"/>
           </a:p>
@@ -5563,7 +5563,7 @@
           <a:p>
             <a:fld id="{9FE723E2-BC0F-4A2F-84D1-E095482B85E6}" type="datetimeFigureOut">
               <a:rPr lang="en-CA" smtClean="0"/>
-              <a:t>2020-08-31</a:t>
+              <a:t>2020-09-21</a:t>
             </a:fld>
             <a:endParaRPr lang="en-CA"/>
           </a:p>
@@ -6239,18 +6239,26 @@
                   <a:prstClr val="white"/>
                 </a:solidFill>
               </a:rPr>
-              <a:t>Questions should be asked to </a:t>
-            </a:r>
-            <a:r>
-              <a:rPr lang="en-CA" sz="3200" b="1" dirty="0">
+              <a:t>Questions should be asked </a:t>
+            </a:r>
+            <a:r>
+              <a:rPr lang="en-CA" sz="3200" b="1">
+                <a:solidFill>
+                  <a:prstClr val="white"/>
+                </a:solidFill>
+              </a:rPr>
+              <a:t>to </a:t>
+            </a:r>
+            <a:r>
+              <a:rPr lang="en-CA" sz="3200" b="1">
                 <a:solidFill>
                   <a:srgbClr val="FF0000"/>
                 </a:solidFill>
               </a:rPr>
-              <a:t>David</a:t>
-            </a:r>
-            <a:r>
-              <a:rPr lang="en-CA" sz="3200" b="1" dirty="0">
+              <a:t>Remya</a:t>
+            </a:r>
+            <a:r>
+              <a:rPr lang="en-CA" sz="3200" b="1">
                 <a:solidFill>
                   <a:prstClr val="white"/>
                 </a:solidFill>

--- a/MSOSS_title.pptx
+++ b/MSOSS_title.pptx
@@ -298,7 +298,7 @@
           <a:p>
             <a:fld id="{9FE723E2-BC0F-4A2F-84D1-E095482B85E6}" type="datetimeFigureOut">
               <a:rPr lang="en-CA" smtClean="0"/>
-              <a:t>2020-09-21</a:t>
+              <a:t>2020-09-28</a:t>
             </a:fld>
             <a:endParaRPr lang="en-CA"/>
           </a:p>
@@ -573,7 +573,7 @@
           <a:p>
             <a:fld id="{9FE723E2-BC0F-4A2F-84D1-E095482B85E6}" type="datetimeFigureOut">
               <a:rPr lang="en-CA" smtClean="0"/>
-              <a:t>2020-09-21</a:t>
+              <a:t>2020-09-28</a:t>
             </a:fld>
             <a:endParaRPr lang="en-CA"/>
           </a:p>
@@ -767,7 +767,7 @@
           <a:p>
             <a:fld id="{9FE723E2-BC0F-4A2F-84D1-E095482B85E6}" type="datetimeFigureOut">
               <a:rPr lang="en-CA" smtClean="0"/>
-              <a:t>2020-09-21</a:t>
+              <a:t>2020-09-28</a:t>
             </a:fld>
             <a:endParaRPr lang="en-CA"/>
           </a:p>
@@ -1040,7 +1040,7 @@
           <a:p>
             <a:fld id="{9FE723E2-BC0F-4A2F-84D1-E095482B85E6}" type="datetimeFigureOut">
               <a:rPr lang="en-CA" smtClean="0"/>
-              <a:t>2020-09-21</a:t>
+              <a:t>2020-09-28</a:t>
             </a:fld>
             <a:endParaRPr lang="en-CA"/>
           </a:p>
@@ -1381,7 +1381,7 @@
           <a:p>
             <a:fld id="{9FE723E2-BC0F-4A2F-84D1-E095482B85E6}" type="datetimeFigureOut">
               <a:rPr lang="en-CA" smtClean="0"/>
-              <a:t>2020-09-21</a:t>
+              <a:t>2020-09-28</a:t>
             </a:fld>
             <a:endParaRPr lang="en-CA"/>
           </a:p>
@@ -2004,7 +2004,7 @@
           <a:p>
             <a:fld id="{9FE723E2-BC0F-4A2F-84D1-E095482B85E6}" type="datetimeFigureOut">
               <a:rPr lang="en-CA" smtClean="0"/>
-              <a:t>2020-09-21</a:t>
+              <a:t>2020-09-28</a:t>
             </a:fld>
             <a:endParaRPr lang="en-CA"/>
           </a:p>
@@ -2864,7 +2864,7 @@
           <a:p>
             <a:fld id="{9FE723E2-BC0F-4A2F-84D1-E095482B85E6}" type="datetimeFigureOut">
               <a:rPr lang="en-CA" smtClean="0"/>
-              <a:t>2020-09-21</a:t>
+              <a:t>2020-09-28</a:t>
             </a:fld>
             <a:endParaRPr lang="en-CA"/>
           </a:p>
@@ -3034,7 +3034,7 @@
           <a:p>
             <a:fld id="{9FE723E2-BC0F-4A2F-84D1-E095482B85E6}" type="datetimeFigureOut">
               <a:rPr lang="en-CA" smtClean="0"/>
-              <a:t>2020-09-21</a:t>
+              <a:t>2020-09-28</a:t>
             </a:fld>
             <a:endParaRPr lang="en-CA"/>
           </a:p>
@@ -3214,7 +3214,7 @@
           <a:p>
             <a:fld id="{9FE723E2-BC0F-4A2F-84D1-E095482B85E6}" type="datetimeFigureOut">
               <a:rPr lang="en-CA" smtClean="0"/>
-              <a:t>2020-09-21</a:t>
+              <a:t>2020-09-28</a:t>
             </a:fld>
             <a:endParaRPr lang="en-CA"/>
           </a:p>
@@ -3384,7 +3384,7 @@
           <a:p>
             <a:fld id="{9FE723E2-BC0F-4A2F-84D1-E095482B85E6}" type="datetimeFigureOut">
               <a:rPr lang="en-CA" smtClean="0"/>
-              <a:t>2020-09-21</a:t>
+              <a:t>2020-09-28</a:t>
             </a:fld>
             <a:endParaRPr lang="en-CA"/>
           </a:p>
@@ -3631,7 +3631,7 @@
           <a:p>
             <a:fld id="{9FE723E2-BC0F-4A2F-84D1-E095482B85E6}" type="datetimeFigureOut">
               <a:rPr lang="en-CA" smtClean="0"/>
-              <a:t>2020-09-21</a:t>
+              <a:t>2020-09-28</a:t>
             </a:fld>
             <a:endParaRPr lang="en-CA"/>
           </a:p>
@@ -3923,7 +3923,7 @@
           <a:p>
             <a:fld id="{9FE723E2-BC0F-4A2F-84D1-E095482B85E6}" type="datetimeFigureOut">
               <a:rPr lang="en-CA" smtClean="0"/>
-              <a:t>2020-09-21</a:t>
+              <a:t>2020-09-28</a:t>
             </a:fld>
             <a:endParaRPr lang="en-CA"/>
           </a:p>
@@ -4367,7 +4367,7 @@
           <a:p>
             <a:fld id="{9FE723E2-BC0F-4A2F-84D1-E095482B85E6}" type="datetimeFigureOut">
               <a:rPr lang="en-CA" smtClean="0"/>
-              <a:t>2020-09-21</a:t>
+              <a:t>2020-09-28</a:t>
             </a:fld>
             <a:endParaRPr lang="en-CA"/>
           </a:p>
@@ -4485,7 +4485,7 @@
           <a:p>
             <a:fld id="{9FE723E2-BC0F-4A2F-84D1-E095482B85E6}" type="datetimeFigureOut">
               <a:rPr lang="en-CA" smtClean="0"/>
-              <a:t>2020-09-21</a:t>
+              <a:t>2020-09-28</a:t>
             </a:fld>
             <a:endParaRPr lang="en-CA"/>
           </a:p>
@@ -4580,7 +4580,7 @@
           <a:p>
             <a:fld id="{9FE723E2-BC0F-4A2F-84D1-E095482B85E6}" type="datetimeFigureOut">
               <a:rPr lang="en-CA" smtClean="0"/>
-              <a:t>2020-09-21</a:t>
+              <a:t>2020-09-28</a:t>
             </a:fld>
             <a:endParaRPr lang="en-CA"/>
           </a:p>
@@ -4859,7 +4859,7 @@
           <a:p>
             <a:fld id="{9FE723E2-BC0F-4A2F-84D1-E095482B85E6}" type="datetimeFigureOut">
               <a:rPr lang="en-CA" smtClean="0"/>
-              <a:t>2020-09-21</a:t>
+              <a:t>2020-09-28</a:t>
             </a:fld>
             <a:endParaRPr lang="en-CA"/>
           </a:p>
@@ -5134,7 +5134,7 @@
           <a:p>
             <a:fld id="{9FE723E2-BC0F-4A2F-84D1-E095482B85E6}" type="datetimeFigureOut">
               <a:rPr lang="en-CA" smtClean="0"/>
-              <a:t>2020-09-21</a:t>
+              <a:t>2020-09-28</a:t>
             </a:fld>
             <a:endParaRPr lang="en-CA"/>
           </a:p>
@@ -5563,7 +5563,7 @@
           <a:p>
             <a:fld id="{9FE723E2-BC0F-4A2F-84D1-E095482B85E6}" type="datetimeFigureOut">
               <a:rPr lang="en-CA" smtClean="0"/>
-              <a:t>2020-09-21</a:t>
+              <a:t>2020-09-28</a:t>
             </a:fld>
             <a:endParaRPr lang="en-CA"/>
           </a:p>
@@ -6239,26 +6239,18 @@
                   <a:prstClr val="white"/>
                 </a:solidFill>
               </a:rPr>
-              <a:t>Questions should be asked </a:t>
-            </a:r>
-            <a:r>
-              <a:rPr lang="en-CA" sz="3200" b="1">
-                <a:solidFill>
-                  <a:prstClr val="white"/>
-                </a:solidFill>
-              </a:rPr>
-              <a:t>to </a:t>
-            </a:r>
-            <a:r>
-              <a:rPr lang="en-CA" sz="3200" b="1">
+              <a:t>Questions should be asked to </a:t>
+            </a:r>
+            <a:r>
+              <a:rPr lang="en-CA" sz="3200" b="1" dirty="0">
                 <a:solidFill>
                   <a:srgbClr val="FF0000"/>
                 </a:solidFill>
               </a:rPr>
-              <a:t>Remya</a:t>
-            </a:r>
-            <a:r>
-              <a:rPr lang="en-CA" sz="3200" b="1">
+              <a:t>Kyle</a:t>
+            </a:r>
+            <a:r>
+              <a:rPr lang="en-CA" sz="3200" b="1" dirty="0">
                 <a:solidFill>
                   <a:prstClr val="white"/>
                 </a:solidFill>

--- a/MSOSS_title.pptx
+++ b/MSOSS_title.pptx
@@ -298,7 +298,7 @@
           <a:p>
             <a:fld id="{9FE723E2-BC0F-4A2F-84D1-E095482B85E6}" type="datetimeFigureOut">
               <a:rPr lang="en-CA" smtClean="0"/>
-              <a:t>2020-09-28</a:t>
+              <a:t>2020-10-05</a:t>
             </a:fld>
             <a:endParaRPr lang="en-CA"/>
           </a:p>
@@ -573,7 +573,7 @@
           <a:p>
             <a:fld id="{9FE723E2-BC0F-4A2F-84D1-E095482B85E6}" type="datetimeFigureOut">
               <a:rPr lang="en-CA" smtClean="0"/>
-              <a:t>2020-09-28</a:t>
+              <a:t>2020-10-05</a:t>
             </a:fld>
             <a:endParaRPr lang="en-CA"/>
           </a:p>
@@ -767,7 +767,7 @@
           <a:p>
             <a:fld id="{9FE723E2-BC0F-4A2F-84D1-E095482B85E6}" type="datetimeFigureOut">
               <a:rPr lang="en-CA" smtClean="0"/>
-              <a:t>2020-09-28</a:t>
+              <a:t>2020-10-05</a:t>
             </a:fld>
             <a:endParaRPr lang="en-CA"/>
           </a:p>
@@ -1040,7 +1040,7 @@
           <a:p>
             <a:fld id="{9FE723E2-BC0F-4A2F-84D1-E095482B85E6}" type="datetimeFigureOut">
               <a:rPr lang="en-CA" smtClean="0"/>
-              <a:t>2020-09-28</a:t>
+              <a:t>2020-10-05</a:t>
             </a:fld>
             <a:endParaRPr lang="en-CA"/>
           </a:p>
@@ -1381,7 +1381,7 @@
           <a:p>
             <a:fld id="{9FE723E2-BC0F-4A2F-84D1-E095482B85E6}" type="datetimeFigureOut">
               <a:rPr lang="en-CA" smtClean="0"/>
-              <a:t>2020-09-28</a:t>
+              <a:t>2020-10-05</a:t>
             </a:fld>
             <a:endParaRPr lang="en-CA"/>
           </a:p>
@@ -2004,7 +2004,7 @@
           <a:p>
             <a:fld id="{9FE723E2-BC0F-4A2F-84D1-E095482B85E6}" type="datetimeFigureOut">
               <a:rPr lang="en-CA" smtClean="0"/>
-              <a:t>2020-09-28</a:t>
+              <a:t>2020-10-05</a:t>
             </a:fld>
             <a:endParaRPr lang="en-CA"/>
           </a:p>
@@ -2864,7 +2864,7 @@
           <a:p>
             <a:fld id="{9FE723E2-BC0F-4A2F-84D1-E095482B85E6}" type="datetimeFigureOut">
               <a:rPr lang="en-CA" smtClean="0"/>
-              <a:t>2020-09-28</a:t>
+              <a:t>2020-10-05</a:t>
             </a:fld>
             <a:endParaRPr lang="en-CA"/>
           </a:p>
@@ -3034,7 +3034,7 @@
           <a:p>
             <a:fld id="{9FE723E2-BC0F-4A2F-84D1-E095482B85E6}" type="datetimeFigureOut">
               <a:rPr lang="en-CA" smtClean="0"/>
-              <a:t>2020-09-28</a:t>
+              <a:t>2020-10-05</a:t>
             </a:fld>
             <a:endParaRPr lang="en-CA"/>
           </a:p>
@@ -3214,7 +3214,7 @@
           <a:p>
             <a:fld id="{9FE723E2-BC0F-4A2F-84D1-E095482B85E6}" type="datetimeFigureOut">
               <a:rPr lang="en-CA" smtClean="0"/>
-              <a:t>2020-09-28</a:t>
+              <a:t>2020-10-05</a:t>
             </a:fld>
             <a:endParaRPr lang="en-CA"/>
           </a:p>
@@ -3384,7 +3384,7 @@
           <a:p>
             <a:fld id="{9FE723E2-BC0F-4A2F-84D1-E095482B85E6}" type="datetimeFigureOut">
               <a:rPr lang="en-CA" smtClean="0"/>
-              <a:t>2020-09-28</a:t>
+              <a:t>2020-10-05</a:t>
             </a:fld>
             <a:endParaRPr lang="en-CA"/>
           </a:p>
@@ -3631,7 +3631,7 @@
           <a:p>
             <a:fld id="{9FE723E2-BC0F-4A2F-84D1-E095482B85E6}" type="datetimeFigureOut">
               <a:rPr lang="en-CA" smtClean="0"/>
-              <a:t>2020-09-28</a:t>
+              <a:t>2020-10-05</a:t>
             </a:fld>
             <a:endParaRPr lang="en-CA"/>
           </a:p>
@@ -3923,7 +3923,7 @@
           <a:p>
             <a:fld id="{9FE723E2-BC0F-4A2F-84D1-E095482B85E6}" type="datetimeFigureOut">
               <a:rPr lang="en-CA" smtClean="0"/>
-              <a:t>2020-09-28</a:t>
+              <a:t>2020-10-05</a:t>
             </a:fld>
             <a:endParaRPr lang="en-CA"/>
           </a:p>
@@ -4367,7 +4367,7 @@
           <a:p>
             <a:fld id="{9FE723E2-BC0F-4A2F-84D1-E095482B85E6}" type="datetimeFigureOut">
               <a:rPr lang="en-CA" smtClean="0"/>
-              <a:t>2020-09-28</a:t>
+              <a:t>2020-10-05</a:t>
             </a:fld>
             <a:endParaRPr lang="en-CA"/>
           </a:p>
@@ -4485,7 +4485,7 @@
           <a:p>
             <a:fld id="{9FE723E2-BC0F-4A2F-84D1-E095482B85E6}" type="datetimeFigureOut">
               <a:rPr lang="en-CA" smtClean="0"/>
-              <a:t>2020-09-28</a:t>
+              <a:t>2020-10-05</a:t>
             </a:fld>
             <a:endParaRPr lang="en-CA"/>
           </a:p>
@@ -4580,7 +4580,7 @@
           <a:p>
             <a:fld id="{9FE723E2-BC0F-4A2F-84D1-E095482B85E6}" type="datetimeFigureOut">
               <a:rPr lang="en-CA" smtClean="0"/>
-              <a:t>2020-09-28</a:t>
+              <a:t>2020-10-05</a:t>
             </a:fld>
             <a:endParaRPr lang="en-CA"/>
           </a:p>
@@ -4859,7 +4859,7 @@
           <a:p>
             <a:fld id="{9FE723E2-BC0F-4A2F-84D1-E095482B85E6}" type="datetimeFigureOut">
               <a:rPr lang="en-CA" smtClean="0"/>
-              <a:t>2020-09-28</a:t>
+              <a:t>2020-10-05</a:t>
             </a:fld>
             <a:endParaRPr lang="en-CA"/>
           </a:p>
@@ -5134,7 +5134,7 @@
           <a:p>
             <a:fld id="{9FE723E2-BC0F-4A2F-84D1-E095482B85E6}" type="datetimeFigureOut">
               <a:rPr lang="en-CA" smtClean="0"/>
-              <a:t>2020-09-28</a:t>
+              <a:t>2020-10-05</a:t>
             </a:fld>
             <a:endParaRPr lang="en-CA"/>
           </a:p>
@@ -5563,7 +5563,7 @@
           <a:p>
             <a:fld id="{9FE723E2-BC0F-4A2F-84D1-E095482B85E6}" type="datetimeFigureOut">
               <a:rPr lang="en-CA" smtClean="0"/>
-              <a:t>2020-09-28</a:t>
+              <a:t>2020-10-05</a:t>
             </a:fld>
             <a:endParaRPr lang="en-CA"/>
           </a:p>
@@ -6239,18 +6239,26 @@
                   <a:prstClr val="white"/>
                 </a:solidFill>
               </a:rPr>
-              <a:t>Questions should be asked to </a:t>
-            </a:r>
-            <a:r>
-              <a:rPr lang="en-CA" sz="3200" b="1" dirty="0">
+              <a:t>Questions should be asked </a:t>
+            </a:r>
+            <a:r>
+              <a:rPr lang="en-CA" sz="3200" b="1">
+                <a:solidFill>
+                  <a:prstClr val="white"/>
+                </a:solidFill>
+              </a:rPr>
+              <a:t>to </a:t>
+            </a:r>
+            <a:r>
+              <a:rPr lang="en-CA" sz="3200" b="1">
                 <a:solidFill>
                   <a:srgbClr val="FF0000"/>
                 </a:solidFill>
               </a:rPr>
-              <a:t>Kyle</a:t>
-            </a:r>
-            <a:r>
-              <a:rPr lang="en-CA" sz="3200" b="1" dirty="0">
+              <a:t>Marcos</a:t>
+            </a:r>
+            <a:r>
+              <a:rPr lang="en-CA" sz="3200" b="1">
                 <a:solidFill>
                   <a:prstClr val="white"/>
                 </a:solidFill>

--- a/MSOSS_title.pptx
+++ b/MSOSS_title.pptx
@@ -298,7 +298,7 @@
           <a:p>
             <a:fld id="{9FE723E2-BC0F-4A2F-84D1-E095482B85E6}" type="datetimeFigureOut">
               <a:rPr lang="en-CA" smtClean="0"/>
-              <a:t>2020-10-05</a:t>
+              <a:t>2020-11-09</a:t>
             </a:fld>
             <a:endParaRPr lang="en-CA"/>
           </a:p>
@@ -573,7 +573,7 @@
           <a:p>
             <a:fld id="{9FE723E2-BC0F-4A2F-84D1-E095482B85E6}" type="datetimeFigureOut">
               <a:rPr lang="en-CA" smtClean="0"/>
-              <a:t>2020-10-05</a:t>
+              <a:t>2020-11-09</a:t>
             </a:fld>
             <a:endParaRPr lang="en-CA"/>
           </a:p>
@@ -767,7 +767,7 @@
           <a:p>
             <a:fld id="{9FE723E2-BC0F-4A2F-84D1-E095482B85E6}" type="datetimeFigureOut">
               <a:rPr lang="en-CA" smtClean="0"/>
-              <a:t>2020-10-05</a:t>
+              <a:t>2020-11-09</a:t>
             </a:fld>
             <a:endParaRPr lang="en-CA"/>
           </a:p>
@@ -1040,7 +1040,7 @@
           <a:p>
             <a:fld id="{9FE723E2-BC0F-4A2F-84D1-E095482B85E6}" type="datetimeFigureOut">
               <a:rPr lang="en-CA" smtClean="0"/>
-              <a:t>2020-10-05</a:t>
+              <a:t>2020-11-09</a:t>
             </a:fld>
             <a:endParaRPr lang="en-CA"/>
           </a:p>
@@ -1381,7 +1381,7 @@
           <a:p>
             <a:fld id="{9FE723E2-BC0F-4A2F-84D1-E095482B85E6}" type="datetimeFigureOut">
               <a:rPr lang="en-CA" smtClean="0"/>
-              <a:t>2020-10-05</a:t>
+              <a:t>2020-11-09</a:t>
             </a:fld>
             <a:endParaRPr lang="en-CA"/>
           </a:p>
@@ -2004,7 +2004,7 @@
           <a:p>
             <a:fld id="{9FE723E2-BC0F-4A2F-84D1-E095482B85E6}" type="datetimeFigureOut">
               <a:rPr lang="en-CA" smtClean="0"/>
-              <a:t>2020-10-05</a:t>
+              <a:t>2020-11-09</a:t>
             </a:fld>
             <a:endParaRPr lang="en-CA"/>
           </a:p>
@@ -2864,7 +2864,7 @@
           <a:p>
             <a:fld id="{9FE723E2-BC0F-4A2F-84D1-E095482B85E6}" type="datetimeFigureOut">
               <a:rPr lang="en-CA" smtClean="0"/>
-              <a:t>2020-10-05</a:t>
+              <a:t>2020-11-09</a:t>
             </a:fld>
             <a:endParaRPr lang="en-CA"/>
           </a:p>
@@ -3034,7 +3034,7 @@
           <a:p>
             <a:fld id="{9FE723E2-BC0F-4A2F-84D1-E095482B85E6}" type="datetimeFigureOut">
               <a:rPr lang="en-CA" smtClean="0"/>
-              <a:t>2020-10-05</a:t>
+              <a:t>2020-11-09</a:t>
             </a:fld>
             <a:endParaRPr lang="en-CA"/>
           </a:p>
@@ -3214,7 +3214,7 @@
           <a:p>
             <a:fld id="{9FE723E2-BC0F-4A2F-84D1-E095482B85E6}" type="datetimeFigureOut">
               <a:rPr lang="en-CA" smtClean="0"/>
-              <a:t>2020-10-05</a:t>
+              <a:t>2020-11-09</a:t>
             </a:fld>
             <a:endParaRPr lang="en-CA"/>
           </a:p>
@@ -3384,7 +3384,7 @@
           <a:p>
             <a:fld id="{9FE723E2-BC0F-4A2F-84D1-E095482B85E6}" type="datetimeFigureOut">
               <a:rPr lang="en-CA" smtClean="0"/>
-              <a:t>2020-10-05</a:t>
+              <a:t>2020-11-09</a:t>
             </a:fld>
             <a:endParaRPr lang="en-CA"/>
           </a:p>
@@ -3631,7 +3631,7 @@
           <a:p>
             <a:fld id="{9FE723E2-BC0F-4A2F-84D1-E095482B85E6}" type="datetimeFigureOut">
               <a:rPr lang="en-CA" smtClean="0"/>
-              <a:t>2020-10-05</a:t>
+              <a:t>2020-11-09</a:t>
             </a:fld>
             <a:endParaRPr lang="en-CA"/>
           </a:p>
@@ -3923,7 +3923,7 @@
           <a:p>
             <a:fld id="{9FE723E2-BC0F-4A2F-84D1-E095482B85E6}" type="datetimeFigureOut">
               <a:rPr lang="en-CA" smtClean="0"/>
-              <a:t>2020-10-05</a:t>
+              <a:t>2020-11-09</a:t>
             </a:fld>
             <a:endParaRPr lang="en-CA"/>
           </a:p>
@@ -4367,7 +4367,7 @@
           <a:p>
             <a:fld id="{9FE723E2-BC0F-4A2F-84D1-E095482B85E6}" type="datetimeFigureOut">
               <a:rPr lang="en-CA" smtClean="0"/>
-              <a:t>2020-10-05</a:t>
+              <a:t>2020-11-09</a:t>
             </a:fld>
             <a:endParaRPr lang="en-CA"/>
           </a:p>
@@ -4485,7 +4485,7 @@
           <a:p>
             <a:fld id="{9FE723E2-BC0F-4A2F-84D1-E095482B85E6}" type="datetimeFigureOut">
               <a:rPr lang="en-CA" smtClean="0"/>
-              <a:t>2020-10-05</a:t>
+              <a:t>2020-11-09</a:t>
             </a:fld>
             <a:endParaRPr lang="en-CA"/>
           </a:p>
@@ -4580,7 +4580,7 @@
           <a:p>
             <a:fld id="{9FE723E2-BC0F-4A2F-84D1-E095482B85E6}" type="datetimeFigureOut">
               <a:rPr lang="en-CA" smtClean="0"/>
-              <a:t>2020-10-05</a:t>
+              <a:t>2020-11-09</a:t>
             </a:fld>
             <a:endParaRPr lang="en-CA"/>
           </a:p>
@@ -4859,7 +4859,7 @@
           <a:p>
             <a:fld id="{9FE723E2-BC0F-4A2F-84D1-E095482B85E6}" type="datetimeFigureOut">
               <a:rPr lang="en-CA" smtClean="0"/>
-              <a:t>2020-10-05</a:t>
+              <a:t>2020-11-09</a:t>
             </a:fld>
             <a:endParaRPr lang="en-CA"/>
           </a:p>
@@ -5134,7 +5134,7 @@
           <a:p>
             <a:fld id="{9FE723E2-BC0F-4A2F-84D1-E095482B85E6}" type="datetimeFigureOut">
               <a:rPr lang="en-CA" smtClean="0"/>
-              <a:t>2020-10-05</a:t>
+              <a:t>2020-11-09</a:t>
             </a:fld>
             <a:endParaRPr lang="en-CA"/>
           </a:p>
@@ -5563,7 +5563,7 @@
           <a:p>
             <a:fld id="{9FE723E2-BC0F-4A2F-84D1-E095482B85E6}" type="datetimeFigureOut">
               <a:rPr lang="en-CA" smtClean="0"/>
-              <a:t>2020-10-05</a:t>
+              <a:t>2020-11-09</a:t>
             </a:fld>
             <a:endParaRPr lang="en-CA"/>
           </a:p>
@@ -6239,26 +6239,18 @@
                   <a:prstClr val="white"/>
                 </a:solidFill>
               </a:rPr>
-              <a:t>Questions should be asked </a:t>
-            </a:r>
-            <a:r>
-              <a:rPr lang="en-CA" sz="3200" b="1">
-                <a:solidFill>
-                  <a:prstClr val="white"/>
-                </a:solidFill>
-              </a:rPr>
-              <a:t>to </a:t>
-            </a:r>
-            <a:r>
-              <a:rPr lang="en-CA" sz="3200" b="1">
+              <a:t>Questions should be asked to </a:t>
+            </a:r>
+            <a:r>
+              <a:rPr lang="en-CA" sz="3200" b="1" dirty="0">
                 <a:solidFill>
                   <a:srgbClr val="FF0000"/>
                 </a:solidFill>
               </a:rPr>
-              <a:t>Marcos</a:t>
-            </a:r>
-            <a:r>
-              <a:rPr lang="en-CA" sz="3200" b="1">
+              <a:t>Homayon</a:t>
+            </a:r>
+            <a:r>
+              <a:rPr lang="en-CA" sz="3200" b="1" dirty="0">
                 <a:solidFill>
                   <a:prstClr val="white"/>
                 </a:solidFill>

--- a/MSOSS_title.pptx
+++ b/MSOSS_title.pptx
@@ -298,7 +298,7 @@
           <a:p>
             <a:fld id="{9FE723E2-BC0F-4A2F-84D1-E095482B85E6}" type="datetimeFigureOut">
               <a:rPr lang="en-CA" smtClean="0"/>
-              <a:t>2020-11-09</a:t>
+              <a:t>2020-11-16</a:t>
             </a:fld>
             <a:endParaRPr lang="en-CA"/>
           </a:p>
@@ -573,7 +573,7 @@
           <a:p>
             <a:fld id="{9FE723E2-BC0F-4A2F-84D1-E095482B85E6}" type="datetimeFigureOut">
               <a:rPr lang="en-CA" smtClean="0"/>
-              <a:t>2020-11-09</a:t>
+              <a:t>2020-11-16</a:t>
             </a:fld>
             <a:endParaRPr lang="en-CA"/>
           </a:p>
@@ -767,7 +767,7 @@
           <a:p>
             <a:fld id="{9FE723E2-BC0F-4A2F-84D1-E095482B85E6}" type="datetimeFigureOut">
               <a:rPr lang="en-CA" smtClean="0"/>
-              <a:t>2020-11-09</a:t>
+              <a:t>2020-11-16</a:t>
             </a:fld>
             <a:endParaRPr lang="en-CA"/>
           </a:p>
@@ -1040,7 +1040,7 @@
           <a:p>
             <a:fld id="{9FE723E2-BC0F-4A2F-84D1-E095482B85E6}" type="datetimeFigureOut">
               <a:rPr lang="en-CA" smtClean="0"/>
-              <a:t>2020-11-09</a:t>
+              <a:t>2020-11-16</a:t>
             </a:fld>
             <a:endParaRPr lang="en-CA"/>
           </a:p>
@@ -1381,7 +1381,7 @@
           <a:p>
             <a:fld id="{9FE723E2-BC0F-4A2F-84D1-E095482B85E6}" type="datetimeFigureOut">
               <a:rPr lang="en-CA" smtClean="0"/>
-              <a:t>2020-11-09</a:t>
+              <a:t>2020-11-16</a:t>
             </a:fld>
             <a:endParaRPr lang="en-CA"/>
           </a:p>
@@ -2004,7 +2004,7 @@
           <a:p>
             <a:fld id="{9FE723E2-BC0F-4A2F-84D1-E095482B85E6}" type="datetimeFigureOut">
               <a:rPr lang="en-CA" smtClean="0"/>
-              <a:t>2020-11-09</a:t>
+              <a:t>2020-11-16</a:t>
             </a:fld>
             <a:endParaRPr lang="en-CA"/>
           </a:p>
@@ -2864,7 +2864,7 @@
           <a:p>
             <a:fld id="{9FE723E2-BC0F-4A2F-84D1-E095482B85E6}" type="datetimeFigureOut">
               <a:rPr lang="en-CA" smtClean="0"/>
-              <a:t>2020-11-09</a:t>
+              <a:t>2020-11-16</a:t>
             </a:fld>
             <a:endParaRPr lang="en-CA"/>
           </a:p>
@@ -3034,7 +3034,7 @@
           <a:p>
             <a:fld id="{9FE723E2-BC0F-4A2F-84D1-E095482B85E6}" type="datetimeFigureOut">
               <a:rPr lang="en-CA" smtClean="0"/>
-              <a:t>2020-11-09</a:t>
+              <a:t>2020-11-16</a:t>
             </a:fld>
             <a:endParaRPr lang="en-CA"/>
           </a:p>
@@ -3214,7 +3214,7 @@
           <a:p>
             <a:fld id="{9FE723E2-BC0F-4A2F-84D1-E095482B85E6}" type="datetimeFigureOut">
               <a:rPr lang="en-CA" smtClean="0"/>
-              <a:t>2020-11-09</a:t>
+              <a:t>2020-11-16</a:t>
             </a:fld>
             <a:endParaRPr lang="en-CA"/>
           </a:p>
@@ -3384,7 +3384,7 @@
           <a:p>
             <a:fld id="{9FE723E2-BC0F-4A2F-84D1-E095482B85E6}" type="datetimeFigureOut">
               <a:rPr lang="en-CA" smtClean="0"/>
-              <a:t>2020-11-09</a:t>
+              <a:t>2020-11-16</a:t>
             </a:fld>
             <a:endParaRPr lang="en-CA"/>
           </a:p>
@@ -3631,7 +3631,7 @@
           <a:p>
             <a:fld id="{9FE723E2-BC0F-4A2F-84D1-E095482B85E6}" type="datetimeFigureOut">
               <a:rPr lang="en-CA" smtClean="0"/>
-              <a:t>2020-11-09</a:t>
+              <a:t>2020-11-16</a:t>
             </a:fld>
             <a:endParaRPr lang="en-CA"/>
           </a:p>
@@ -3923,7 +3923,7 @@
           <a:p>
             <a:fld id="{9FE723E2-BC0F-4A2F-84D1-E095482B85E6}" type="datetimeFigureOut">
               <a:rPr lang="en-CA" smtClean="0"/>
-              <a:t>2020-11-09</a:t>
+              <a:t>2020-11-16</a:t>
             </a:fld>
             <a:endParaRPr lang="en-CA"/>
           </a:p>
@@ -4367,7 +4367,7 @@
           <a:p>
             <a:fld id="{9FE723E2-BC0F-4A2F-84D1-E095482B85E6}" type="datetimeFigureOut">
               <a:rPr lang="en-CA" smtClean="0"/>
-              <a:t>2020-11-09</a:t>
+              <a:t>2020-11-16</a:t>
             </a:fld>
             <a:endParaRPr lang="en-CA"/>
           </a:p>
@@ -4485,7 +4485,7 @@
           <a:p>
             <a:fld id="{9FE723E2-BC0F-4A2F-84D1-E095482B85E6}" type="datetimeFigureOut">
               <a:rPr lang="en-CA" smtClean="0"/>
-              <a:t>2020-11-09</a:t>
+              <a:t>2020-11-16</a:t>
             </a:fld>
             <a:endParaRPr lang="en-CA"/>
           </a:p>
@@ -4580,7 +4580,7 @@
           <a:p>
             <a:fld id="{9FE723E2-BC0F-4A2F-84D1-E095482B85E6}" type="datetimeFigureOut">
               <a:rPr lang="en-CA" smtClean="0"/>
-              <a:t>2020-11-09</a:t>
+              <a:t>2020-11-16</a:t>
             </a:fld>
             <a:endParaRPr lang="en-CA"/>
           </a:p>
@@ -4859,7 +4859,7 @@
           <a:p>
             <a:fld id="{9FE723E2-BC0F-4A2F-84D1-E095482B85E6}" type="datetimeFigureOut">
               <a:rPr lang="en-CA" smtClean="0"/>
-              <a:t>2020-11-09</a:t>
+              <a:t>2020-11-16</a:t>
             </a:fld>
             <a:endParaRPr lang="en-CA"/>
           </a:p>
@@ -5134,7 +5134,7 @@
           <a:p>
             <a:fld id="{9FE723E2-BC0F-4A2F-84D1-E095482B85E6}" type="datetimeFigureOut">
               <a:rPr lang="en-CA" smtClean="0"/>
-              <a:t>2020-11-09</a:t>
+              <a:t>2020-11-16</a:t>
             </a:fld>
             <a:endParaRPr lang="en-CA"/>
           </a:p>
@@ -5563,7 +5563,7 @@
           <a:p>
             <a:fld id="{9FE723E2-BC0F-4A2F-84D1-E095482B85E6}" type="datetimeFigureOut">
               <a:rPr lang="en-CA" smtClean="0"/>
-              <a:t>2020-11-09</a:t>
+              <a:t>2020-11-16</a:t>
             </a:fld>
             <a:endParaRPr lang="en-CA"/>
           </a:p>
@@ -6247,7 +6247,7 @@
                   <a:srgbClr val="FF0000"/>
                 </a:solidFill>
               </a:rPr>
-              <a:t>Homayon</a:t>
+              <a:t>Kyle</a:t>
             </a:r>
             <a:r>
               <a:rPr lang="en-CA" sz="3200" b="1" dirty="0">

--- a/MSOSS_title.pptx
+++ b/MSOSS_title.pptx
@@ -298,7 +298,7 @@
           <a:p>
             <a:fld id="{9FE723E2-BC0F-4A2F-84D1-E095482B85E6}" type="datetimeFigureOut">
               <a:rPr lang="en-CA" smtClean="0"/>
-              <a:t>2020-11-16</a:t>
+              <a:t>2020-11-23</a:t>
             </a:fld>
             <a:endParaRPr lang="en-CA"/>
           </a:p>
@@ -573,7 +573,7 @@
           <a:p>
             <a:fld id="{9FE723E2-BC0F-4A2F-84D1-E095482B85E6}" type="datetimeFigureOut">
               <a:rPr lang="en-CA" smtClean="0"/>
-              <a:t>2020-11-16</a:t>
+              <a:t>2020-11-23</a:t>
             </a:fld>
             <a:endParaRPr lang="en-CA"/>
           </a:p>
@@ -767,7 +767,7 @@
           <a:p>
             <a:fld id="{9FE723E2-BC0F-4A2F-84D1-E095482B85E6}" type="datetimeFigureOut">
               <a:rPr lang="en-CA" smtClean="0"/>
-              <a:t>2020-11-16</a:t>
+              <a:t>2020-11-23</a:t>
             </a:fld>
             <a:endParaRPr lang="en-CA"/>
           </a:p>
@@ -1040,7 +1040,7 @@
           <a:p>
             <a:fld id="{9FE723E2-BC0F-4A2F-84D1-E095482B85E6}" type="datetimeFigureOut">
               <a:rPr lang="en-CA" smtClean="0"/>
-              <a:t>2020-11-16</a:t>
+              <a:t>2020-11-23</a:t>
             </a:fld>
             <a:endParaRPr lang="en-CA"/>
           </a:p>
@@ -1381,7 +1381,7 @@
           <a:p>
             <a:fld id="{9FE723E2-BC0F-4A2F-84D1-E095482B85E6}" type="datetimeFigureOut">
               <a:rPr lang="en-CA" smtClean="0"/>
-              <a:t>2020-11-16</a:t>
+              <a:t>2020-11-23</a:t>
             </a:fld>
             <a:endParaRPr lang="en-CA"/>
           </a:p>
@@ -2004,7 +2004,7 @@
           <a:p>
             <a:fld id="{9FE723E2-BC0F-4A2F-84D1-E095482B85E6}" type="datetimeFigureOut">
               <a:rPr lang="en-CA" smtClean="0"/>
-              <a:t>2020-11-16</a:t>
+              <a:t>2020-11-23</a:t>
             </a:fld>
             <a:endParaRPr lang="en-CA"/>
           </a:p>
@@ -2864,7 +2864,7 @@
           <a:p>
             <a:fld id="{9FE723E2-BC0F-4A2F-84D1-E095482B85E6}" type="datetimeFigureOut">
               <a:rPr lang="en-CA" smtClean="0"/>
-              <a:t>2020-11-16</a:t>
+              <a:t>2020-11-23</a:t>
             </a:fld>
             <a:endParaRPr lang="en-CA"/>
           </a:p>
@@ -3034,7 +3034,7 @@
           <a:p>
             <a:fld id="{9FE723E2-BC0F-4A2F-84D1-E095482B85E6}" type="datetimeFigureOut">
               <a:rPr lang="en-CA" smtClean="0"/>
-              <a:t>2020-11-16</a:t>
+              <a:t>2020-11-23</a:t>
             </a:fld>
             <a:endParaRPr lang="en-CA"/>
           </a:p>
@@ -3214,7 +3214,7 @@
           <a:p>
             <a:fld id="{9FE723E2-BC0F-4A2F-84D1-E095482B85E6}" type="datetimeFigureOut">
               <a:rPr lang="en-CA" smtClean="0"/>
-              <a:t>2020-11-16</a:t>
+              <a:t>2020-11-23</a:t>
             </a:fld>
             <a:endParaRPr lang="en-CA"/>
           </a:p>
@@ -3384,7 +3384,7 @@
           <a:p>
             <a:fld id="{9FE723E2-BC0F-4A2F-84D1-E095482B85E6}" type="datetimeFigureOut">
               <a:rPr lang="en-CA" smtClean="0"/>
-              <a:t>2020-11-16</a:t>
+              <a:t>2020-11-23</a:t>
             </a:fld>
             <a:endParaRPr lang="en-CA"/>
           </a:p>
@@ -3631,7 +3631,7 @@
           <a:p>
             <a:fld id="{9FE723E2-BC0F-4A2F-84D1-E095482B85E6}" type="datetimeFigureOut">
               <a:rPr lang="en-CA" smtClean="0"/>
-              <a:t>2020-11-16</a:t>
+              <a:t>2020-11-23</a:t>
             </a:fld>
             <a:endParaRPr lang="en-CA"/>
           </a:p>
@@ -3923,7 +3923,7 @@
           <a:p>
             <a:fld id="{9FE723E2-BC0F-4A2F-84D1-E095482B85E6}" type="datetimeFigureOut">
               <a:rPr lang="en-CA" smtClean="0"/>
-              <a:t>2020-11-16</a:t>
+              <a:t>2020-11-23</a:t>
             </a:fld>
             <a:endParaRPr lang="en-CA"/>
           </a:p>
@@ -4367,7 +4367,7 @@
           <a:p>
             <a:fld id="{9FE723E2-BC0F-4A2F-84D1-E095482B85E6}" type="datetimeFigureOut">
               <a:rPr lang="en-CA" smtClean="0"/>
-              <a:t>2020-11-16</a:t>
+              <a:t>2020-11-23</a:t>
             </a:fld>
             <a:endParaRPr lang="en-CA"/>
           </a:p>
@@ -4485,7 +4485,7 @@
           <a:p>
             <a:fld id="{9FE723E2-BC0F-4A2F-84D1-E095482B85E6}" type="datetimeFigureOut">
               <a:rPr lang="en-CA" smtClean="0"/>
-              <a:t>2020-11-16</a:t>
+              <a:t>2020-11-23</a:t>
             </a:fld>
             <a:endParaRPr lang="en-CA"/>
           </a:p>
@@ -4580,7 +4580,7 @@
           <a:p>
             <a:fld id="{9FE723E2-BC0F-4A2F-84D1-E095482B85E6}" type="datetimeFigureOut">
               <a:rPr lang="en-CA" smtClean="0"/>
-              <a:t>2020-11-16</a:t>
+              <a:t>2020-11-23</a:t>
             </a:fld>
             <a:endParaRPr lang="en-CA"/>
           </a:p>
@@ -4859,7 +4859,7 @@
           <a:p>
             <a:fld id="{9FE723E2-BC0F-4A2F-84D1-E095482B85E6}" type="datetimeFigureOut">
               <a:rPr lang="en-CA" smtClean="0"/>
-              <a:t>2020-11-16</a:t>
+              <a:t>2020-11-23</a:t>
             </a:fld>
             <a:endParaRPr lang="en-CA"/>
           </a:p>
@@ -5134,7 +5134,7 @@
           <a:p>
             <a:fld id="{9FE723E2-BC0F-4A2F-84D1-E095482B85E6}" type="datetimeFigureOut">
               <a:rPr lang="en-CA" smtClean="0"/>
-              <a:t>2020-11-16</a:t>
+              <a:t>2020-11-23</a:t>
             </a:fld>
             <a:endParaRPr lang="en-CA"/>
           </a:p>
@@ -5563,7 +5563,7 @@
           <a:p>
             <a:fld id="{9FE723E2-BC0F-4A2F-84D1-E095482B85E6}" type="datetimeFigureOut">
               <a:rPr lang="en-CA" smtClean="0"/>
-              <a:t>2020-11-16</a:t>
+              <a:t>2020-11-23</a:t>
             </a:fld>
             <a:endParaRPr lang="en-CA"/>
           </a:p>
@@ -6247,7 +6247,7 @@
                   <a:srgbClr val="FF0000"/>
                 </a:solidFill>
               </a:rPr>
-              <a:t>Kyle</a:t>
+              <a:t>David</a:t>
             </a:r>
             <a:r>
               <a:rPr lang="en-CA" sz="3200" b="1" dirty="0">

--- a/MSOSS_title.pptx
+++ b/MSOSS_title.pptx
@@ -298,7 +298,7 @@
           <a:p>
             <a:fld id="{9FE723E2-BC0F-4A2F-84D1-E095482B85E6}" type="datetimeFigureOut">
               <a:rPr lang="en-CA" smtClean="0"/>
-              <a:t>2020-11-23</a:t>
+              <a:t>2020-11-30</a:t>
             </a:fld>
             <a:endParaRPr lang="en-CA"/>
           </a:p>
@@ -573,7 +573,7 @@
           <a:p>
             <a:fld id="{9FE723E2-BC0F-4A2F-84D1-E095482B85E6}" type="datetimeFigureOut">
               <a:rPr lang="en-CA" smtClean="0"/>
-              <a:t>2020-11-23</a:t>
+              <a:t>2020-11-30</a:t>
             </a:fld>
             <a:endParaRPr lang="en-CA"/>
           </a:p>
@@ -767,7 +767,7 @@
           <a:p>
             <a:fld id="{9FE723E2-BC0F-4A2F-84D1-E095482B85E6}" type="datetimeFigureOut">
               <a:rPr lang="en-CA" smtClean="0"/>
-              <a:t>2020-11-23</a:t>
+              <a:t>2020-11-30</a:t>
             </a:fld>
             <a:endParaRPr lang="en-CA"/>
           </a:p>
@@ -1040,7 +1040,7 @@
           <a:p>
             <a:fld id="{9FE723E2-BC0F-4A2F-84D1-E095482B85E6}" type="datetimeFigureOut">
               <a:rPr lang="en-CA" smtClean="0"/>
-              <a:t>2020-11-23</a:t>
+              <a:t>2020-11-30</a:t>
             </a:fld>
             <a:endParaRPr lang="en-CA"/>
           </a:p>
@@ -1381,7 +1381,7 @@
           <a:p>
             <a:fld id="{9FE723E2-BC0F-4A2F-84D1-E095482B85E6}" type="datetimeFigureOut">
               <a:rPr lang="en-CA" smtClean="0"/>
-              <a:t>2020-11-23</a:t>
+              <a:t>2020-11-30</a:t>
             </a:fld>
             <a:endParaRPr lang="en-CA"/>
           </a:p>
@@ -2004,7 +2004,7 @@
           <a:p>
             <a:fld id="{9FE723E2-BC0F-4A2F-84D1-E095482B85E6}" type="datetimeFigureOut">
               <a:rPr lang="en-CA" smtClean="0"/>
-              <a:t>2020-11-23</a:t>
+              <a:t>2020-11-30</a:t>
             </a:fld>
             <a:endParaRPr lang="en-CA"/>
           </a:p>
@@ -2864,7 +2864,7 @@
           <a:p>
             <a:fld id="{9FE723E2-BC0F-4A2F-84D1-E095482B85E6}" type="datetimeFigureOut">
               <a:rPr lang="en-CA" smtClean="0"/>
-              <a:t>2020-11-23</a:t>
+              <a:t>2020-11-30</a:t>
             </a:fld>
             <a:endParaRPr lang="en-CA"/>
           </a:p>
@@ -3034,7 +3034,7 @@
           <a:p>
             <a:fld id="{9FE723E2-BC0F-4A2F-84D1-E095482B85E6}" type="datetimeFigureOut">
               <a:rPr lang="en-CA" smtClean="0"/>
-              <a:t>2020-11-23</a:t>
+              <a:t>2020-11-30</a:t>
             </a:fld>
             <a:endParaRPr lang="en-CA"/>
           </a:p>
@@ -3214,7 +3214,7 @@
           <a:p>
             <a:fld id="{9FE723E2-BC0F-4A2F-84D1-E095482B85E6}" type="datetimeFigureOut">
               <a:rPr lang="en-CA" smtClean="0"/>
-              <a:t>2020-11-23</a:t>
+              <a:t>2020-11-30</a:t>
             </a:fld>
             <a:endParaRPr lang="en-CA"/>
           </a:p>
@@ -3384,7 +3384,7 @@
           <a:p>
             <a:fld id="{9FE723E2-BC0F-4A2F-84D1-E095482B85E6}" type="datetimeFigureOut">
               <a:rPr lang="en-CA" smtClean="0"/>
-              <a:t>2020-11-23</a:t>
+              <a:t>2020-11-30</a:t>
             </a:fld>
             <a:endParaRPr lang="en-CA"/>
           </a:p>
@@ -3631,7 +3631,7 @@
           <a:p>
             <a:fld id="{9FE723E2-BC0F-4A2F-84D1-E095482B85E6}" type="datetimeFigureOut">
               <a:rPr lang="en-CA" smtClean="0"/>
-              <a:t>2020-11-23</a:t>
+              <a:t>2020-11-30</a:t>
             </a:fld>
             <a:endParaRPr lang="en-CA"/>
           </a:p>
@@ -3923,7 +3923,7 @@
           <a:p>
             <a:fld id="{9FE723E2-BC0F-4A2F-84D1-E095482B85E6}" type="datetimeFigureOut">
               <a:rPr lang="en-CA" smtClean="0"/>
-              <a:t>2020-11-23</a:t>
+              <a:t>2020-11-30</a:t>
             </a:fld>
             <a:endParaRPr lang="en-CA"/>
           </a:p>
@@ -4367,7 +4367,7 @@
           <a:p>
             <a:fld id="{9FE723E2-BC0F-4A2F-84D1-E095482B85E6}" type="datetimeFigureOut">
               <a:rPr lang="en-CA" smtClean="0"/>
-              <a:t>2020-11-23</a:t>
+              <a:t>2020-11-30</a:t>
             </a:fld>
             <a:endParaRPr lang="en-CA"/>
           </a:p>
@@ -4485,7 +4485,7 @@
           <a:p>
             <a:fld id="{9FE723E2-BC0F-4A2F-84D1-E095482B85E6}" type="datetimeFigureOut">
               <a:rPr lang="en-CA" smtClean="0"/>
-              <a:t>2020-11-23</a:t>
+              <a:t>2020-11-30</a:t>
             </a:fld>
             <a:endParaRPr lang="en-CA"/>
           </a:p>
@@ -4580,7 +4580,7 @@
           <a:p>
             <a:fld id="{9FE723E2-BC0F-4A2F-84D1-E095482B85E6}" type="datetimeFigureOut">
               <a:rPr lang="en-CA" smtClean="0"/>
-              <a:t>2020-11-23</a:t>
+              <a:t>2020-11-30</a:t>
             </a:fld>
             <a:endParaRPr lang="en-CA"/>
           </a:p>
@@ -4859,7 +4859,7 @@
           <a:p>
             <a:fld id="{9FE723E2-BC0F-4A2F-84D1-E095482B85E6}" type="datetimeFigureOut">
               <a:rPr lang="en-CA" smtClean="0"/>
-              <a:t>2020-11-23</a:t>
+              <a:t>2020-11-30</a:t>
             </a:fld>
             <a:endParaRPr lang="en-CA"/>
           </a:p>
@@ -5134,7 +5134,7 @@
           <a:p>
             <a:fld id="{9FE723E2-BC0F-4A2F-84D1-E095482B85E6}" type="datetimeFigureOut">
               <a:rPr lang="en-CA" smtClean="0"/>
-              <a:t>2020-11-23</a:t>
+              <a:t>2020-11-30</a:t>
             </a:fld>
             <a:endParaRPr lang="en-CA"/>
           </a:p>
@@ -5563,7 +5563,7 @@
           <a:p>
             <a:fld id="{9FE723E2-BC0F-4A2F-84D1-E095482B85E6}" type="datetimeFigureOut">
               <a:rPr lang="en-CA" smtClean="0"/>
-              <a:t>2020-11-23</a:t>
+              <a:t>2020-11-30</a:t>
             </a:fld>
             <a:endParaRPr lang="en-CA"/>
           </a:p>
@@ -6247,7 +6247,7 @@
                   <a:srgbClr val="FF0000"/>
                 </a:solidFill>
               </a:rPr>
-              <a:t>David</a:t>
+              <a:t>Marcos</a:t>
             </a:r>
             <a:r>
               <a:rPr lang="en-CA" sz="3200" b="1" dirty="0">

--- a/MSOSS_title.pptx
+++ b/MSOSS_title.pptx
@@ -298,7 +298,7 @@
           <a:p>
             <a:fld id="{9FE723E2-BC0F-4A2F-84D1-E095482B85E6}" type="datetimeFigureOut">
               <a:rPr lang="en-CA" smtClean="0"/>
-              <a:t>2020-11-30</a:t>
+              <a:t>2021-01-11</a:t>
             </a:fld>
             <a:endParaRPr lang="en-CA"/>
           </a:p>
@@ -573,7 +573,7 @@
           <a:p>
             <a:fld id="{9FE723E2-BC0F-4A2F-84D1-E095482B85E6}" type="datetimeFigureOut">
               <a:rPr lang="en-CA" smtClean="0"/>
-              <a:t>2020-11-30</a:t>
+              <a:t>2021-01-11</a:t>
             </a:fld>
             <a:endParaRPr lang="en-CA"/>
           </a:p>
@@ -767,7 +767,7 @@
           <a:p>
             <a:fld id="{9FE723E2-BC0F-4A2F-84D1-E095482B85E6}" type="datetimeFigureOut">
               <a:rPr lang="en-CA" smtClean="0"/>
-              <a:t>2020-11-30</a:t>
+              <a:t>2021-01-11</a:t>
             </a:fld>
             <a:endParaRPr lang="en-CA"/>
           </a:p>
@@ -1040,7 +1040,7 @@
           <a:p>
             <a:fld id="{9FE723E2-BC0F-4A2F-84D1-E095482B85E6}" type="datetimeFigureOut">
               <a:rPr lang="en-CA" smtClean="0"/>
-              <a:t>2020-11-30</a:t>
+              <a:t>2021-01-11</a:t>
             </a:fld>
             <a:endParaRPr lang="en-CA"/>
           </a:p>
@@ -1381,7 +1381,7 @@
           <a:p>
             <a:fld id="{9FE723E2-BC0F-4A2F-84D1-E095482B85E6}" type="datetimeFigureOut">
               <a:rPr lang="en-CA" smtClean="0"/>
-              <a:t>2020-11-30</a:t>
+              <a:t>2021-01-11</a:t>
             </a:fld>
             <a:endParaRPr lang="en-CA"/>
           </a:p>
@@ -2004,7 +2004,7 @@
           <a:p>
             <a:fld id="{9FE723E2-BC0F-4A2F-84D1-E095482B85E6}" type="datetimeFigureOut">
               <a:rPr lang="en-CA" smtClean="0"/>
-              <a:t>2020-11-30</a:t>
+              <a:t>2021-01-11</a:t>
             </a:fld>
             <a:endParaRPr lang="en-CA"/>
           </a:p>
@@ -2864,7 +2864,7 @@
           <a:p>
             <a:fld id="{9FE723E2-BC0F-4A2F-84D1-E095482B85E6}" type="datetimeFigureOut">
               <a:rPr lang="en-CA" smtClean="0"/>
-              <a:t>2020-11-30</a:t>
+              <a:t>2021-01-11</a:t>
             </a:fld>
             <a:endParaRPr lang="en-CA"/>
           </a:p>
@@ -3034,7 +3034,7 @@
           <a:p>
             <a:fld id="{9FE723E2-BC0F-4A2F-84D1-E095482B85E6}" type="datetimeFigureOut">
               <a:rPr lang="en-CA" smtClean="0"/>
-              <a:t>2020-11-30</a:t>
+              <a:t>2021-01-11</a:t>
             </a:fld>
             <a:endParaRPr lang="en-CA"/>
           </a:p>
@@ -3214,7 +3214,7 @@
           <a:p>
             <a:fld id="{9FE723E2-BC0F-4A2F-84D1-E095482B85E6}" type="datetimeFigureOut">
               <a:rPr lang="en-CA" smtClean="0"/>
-              <a:t>2020-11-30</a:t>
+              <a:t>2021-01-11</a:t>
             </a:fld>
             <a:endParaRPr lang="en-CA"/>
           </a:p>
@@ -3384,7 +3384,7 @@
           <a:p>
             <a:fld id="{9FE723E2-BC0F-4A2F-84D1-E095482B85E6}" type="datetimeFigureOut">
               <a:rPr lang="en-CA" smtClean="0"/>
-              <a:t>2020-11-30</a:t>
+              <a:t>2021-01-11</a:t>
             </a:fld>
             <a:endParaRPr lang="en-CA"/>
           </a:p>
@@ -3631,7 +3631,7 @@
           <a:p>
             <a:fld id="{9FE723E2-BC0F-4A2F-84D1-E095482B85E6}" type="datetimeFigureOut">
               <a:rPr lang="en-CA" smtClean="0"/>
-              <a:t>2020-11-30</a:t>
+              <a:t>2021-01-11</a:t>
             </a:fld>
             <a:endParaRPr lang="en-CA"/>
           </a:p>
@@ -3923,7 +3923,7 @@
           <a:p>
             <a:fld id="{9FE723E2-BC0F-4A2F-84D1-E095482B85E6}" type="datetimeFigureOut">
               <a:rPr lang="en-CA" smtClean="0"/>
-              <a:t>2020-11-30</a:t>
+              <a:t>2021-01-11</a:t>
             </a:fld>
             <a:endParaRPr lang="en-CA"/>
           </a:p>
@@ -4367,7 +4367,7 @@
           <a:p>
             <a:fld id="{9FE723E2-BC0F-4A2F-84D1-E095482B85E6}" type="datetimeFigureOut">
               <a:rPr lang="en-CA" smtClean="0"/>
-              <a:t>2020-11-30</a:t>
+              <a:t>2021-01-11</a:t>
             </a:fld>
             <a:endParaRPr lang="en-CA"/>
           </a:p>
@@ -4485,7 +4485,7 @@
           <a:p>
             <a:fld id="{9FE723E2-BC0F-4A2F-84D1-E095482B85E6}" type="datetimeFigureOut">
               <a:rPr lang="en-CA" smtClean="0"/>
-              <a:t>2020-11-30</a:t>
+              <a:t>2021-01-11</a:t>
             </a:fld>
             <a:endParaRPr lang="en-CA"/>
           </a:p>
@@ -4580,7 +4580,7 @@
           <a:p>
             <a:fld id="{9FE723E2-BC0F-4A2F-84D1-E095482B85E6}" type="datetimeFigureOut">
               <a:rPr lang="en-CA" smtClean="0"/>
-              <a:t>2020-11-30</a:t>
+              <a:t>2021-01-11</a:t>
             </a:fld>
             <a:endParaRPr lang="en-CA"/>
           </a:p>
@@ -4859,7 +4859,7 @@
           <a:p>
             <a:fld id="{9FE723E2-BC0F-4A2F-84D1-E095482B85E6}" type="datetimeFigureOut">
               <a:rPr lang="en-CA" smtClean="0"/>
-              <a:t>2020-11-30</a:t>
+              <a:t>2021-01-11</a:t>
             </a:fld>
             <a:endParaRPr lang="en-CA"/>
           </a:p>
@@ -5134,7 +5134,7 @@
           <a:p>
             <a:fld id="{9FE723E2-BC0F-4A2F-84D1-E095482B85E6}" type="datetimeFigureOut">
               <a:rPr lang="en-CA" smtClean="0"/>
-              <a:t>2020-11-30</a:t>
+              <a:t>2021-01-11</a:t>
             </a:fld>
             <a:endParaRPr lang="en-CA"/>
           </a:p>
@@ -5563,7 +5563,7 @@
           <a:p>
             <a:fld id="{9FE723E2-BC0F-4A2F-84D1-E095482B85E6}" type="datetimeFigureOut">
               <a:rPr lang="en-CA" smtClean="0"/>
-              <a:t>2020-11-30</a:t>
+              <a:t>2021-01-11</a:t>
             </a:fld>
             <a:endParaRPr lang="en-CA"/>
           </a:p>
@@ -6247,7 +6247,7 @@
                   <a:srgbClr val="FF0000"/>
                 </a:solidFill>
               </a:rPr>
-              <a:t>Marcos</a:t>
+              <a:t>Jason</a:t>
             </a:r>
             <a:r>
               <a:rPr lang="en-CA" sz="3200" b="1" dirty="0">
@@ -6581,7 +6581,7 @@
                   <a:prstClr val="white"/>
                 </a:solidFill>
               </a:rPr>
-              <a:t>This magnetosphere seminar is hosted by Kyle Murphy, David Sibeck, Marcos Silveira, Remya Bhanu, Homayon Aryan, and </a:t>
+              <a:t>This magnetosphere seminar is hosted by Kyle Murphy, David Sibeck, Jason Shuster, Marcos Silveira, Remya Bhanu, Homayon Aryan, and </a:t>
             </a:r>
             <a:r>
               <a:rPr lang="en-CA" sz="2900" b="1" dirty="0" err="1">

--- a/MSOSS_title.pptx
+++ b/MSOSS_title.pptx
@@ -5,7 +5,8 @@
     <p:sldMasterId id="2147483696" r:id="rId1"/>
   </p:sldMasterIdLst>
   <p:sldIdLst>
-    <p:sldId id="256" r:id="rId2"/>
+    <p:sldId id="257" r:id="rId2"/>
+    <p:sldId id="256" r:id="rId3"/>
   </p:sldIdLst>
   <p:sldSz cx="12192000" cy="6858000"/>
   <p:notesSz cx="6858000" cy="9144000"/>
@@ -298,7 +299,7 @@
           <a:p>
             <a:fld id="{9FE723E2-BC0F-4A2F-84D1-E095482B85E6}" type="datetimeFigureOut">
               <a:rPr lang="en-CA" smtClean="0"/>
-              <a:t>2021-01-11</a:t>
+              <a:t>2021-08-31</a:t>
             </a:fld>
             <a:endParaRPr lang="en-CA"/>
           </a:p>
@@ -573,7 +574,7 @@
           <a:p>
             <a:fld id="{9FE723E2-BC0F-4A2F-84D1-E095482B85E6}" type="datetimeFigureOut">
               <a:rPr lang="en-CA" smtClean="0"/>
-              <a:t>2021-01-11</a:t>
+              <a:t>2021-08-31</a:t>
             </a:fld>
             <a:endParaRPr lang="en-CA"/>
           </a:p>
@@ -767,7 +768,7 @@
           <a:p>
             <a:fld id="{9FE723E2-BC0F-4A2F-84D1-E095482B85E6}" type="datetimeFigureOut">
               <a:rPr lang="en-CA" smtClean="0"/>
-              <a:t>2021-01-11</a:t>
+              <a:t>2021-08-31</a:t>
             </a:fld>
             <a:endParaRPr lang="en-CA"/>
           </a:p>
@@ -1040,7 +1041,7 @@
           <a:p>
             <a:fld id="{9FE723E2-BC0F-4A2F-84D1-E095482B85E6}" type="datetimeFigureOut">
               <a:rPr lang="en-CA" smtClean="0"/>
-              <a:t>2021-01-11</a:t>
+              <a:t>2021-08-31</a:t>
             </a:fld>
             <a:endParaRPr lang="en-CA"/>
           </a:p>
@@ -1381,7 +1382,7 @@
           <a:p>
             <a:fld id="{9FE723E2-BC0F-4A2F-84D1-E095482B85E6}" type="datetimeFigureOut">
               <a:rPr lang="en-CA" smtClean="0"/>
-              <a:t>2021-01-11</a:t>
+              <a:t>2021-08-31</a:t>
             </a:fld>
             <a:endParaRPr lang="en-CA"/>
           </a:p>
@@ -2004,7 +2005,7 @@
           <a:p>
             <a:fld id="{9FE723E2-BC0F-4A2F-84D1-E095482B85E6}" type="datetimeFigureOut">
               <a:rPr lang="en-CA" smtClean="0"/>
-              <a:t>2021-01-11</a:t>
+              <a:t>2021-08-31</a:t>
             </a:fld>
             <a:endParaRPr lang="en-CA"/>
           </a:p>
@@ -2864,7 +2865,7 @@
           <a:p>
             <a:fld id="{9FE723E2-BC0F-4A2F-84D1-E095482B85E6}" type="datetimeFigureOut">
               <a:rPr lang="en-CA" smtClean="0"/>
-              <a:t>2021-01-11</a:t>
+              <a:t>2021-08-31</a:t>
             </a:fld>
             <a:endParaRPr lang="en-CA"/>
           </a:p>
@@ -3034,7 +3035,7 @@
           <a:p>
             <a:fld id="{9FE723E2-BC0F-4A2F-84D1-E095482B85E6}" type="datetimeFigureOut">
               <a:rPr lang="en-CA" smtClean="0"/>
-              <a:t>2021-01-11</a:t>
+              <a:t>2021-08-31</a:t>
             </a:fld>
             <a:endParaRPr lang="en-CA"/>
           </a:p>
@@ -3214,7 +3215,7 @@
           <a:p>
             <a:fld id="{9FE723E2-BC0F-4A2F-84D1-E095482B85E6}" type="datetimeFigureOut">
               <a:rPr lang="en-CA" smtClean="0"/>
-              <a:t>2021-01-11</a:t>
+              <a:t>2021-08-31</a:t>
             </a:fld>
             <a:endParaRPr lang="en-CA"/>
           </a:p>
@@ -3384,7 +3385,7 @@
           <a:p>
             <a:fld id="{9FE723E2-BC0F-4A2F-84D1-E095482B85E6}" type="datetimeFigureOut">
               <a:rPr lang="en-CA" smtClean="0"/>
-              <a:t>2021-01-11</a:t>
+              <a:t>2021-08-31</a:t>
             </a:fld>
             <a:endParaRPr lang="en-CA"/>
           </a:p>
@@ -3631,7 +3632,7 @@
           <a:p>
             <a:fld id="{9FE723E2-BC0F-4A2F-84D1-E095482B85E6}" type="datetimeFigureOut">
               <a:rPr lang="en-CA" smtClean="0"/>
-              <a:t>2021-01-11</a:t>
+              <a:t>2021-08-31</a:t>
             </a:fld>
             <a:endParaRPr lang="en-CA"/>
           </a:p>
@@ -3923,7 +3924,7 @@
           <a:p>
             <a:fld id="{9FE723E2-BC0F-4A2F-84D1-E095482B85E6}" type="datetimeFigureOut">
               <a:rPr lang="en-CA" smtClean="0"/>
-              <a:t>2021-01-11</a:t>
+              <a:t>2021-08-31</a:t>
             </a:fld>
             <a:endParaRPr lang="en-CA"/>
           </a:p>
@@ -4367,7 +4368,7 @@
           <a:p>
             <a:fld id="{9FE723E2-BC0F-4A2F-84D1-E095482B85E6}" type="datetimeFigureOut">
               <a:rPr lang="en-CA" smtClean="0"/>
-              <a:t>2021-01-11</a:t>
+              <a:t>2021-08-31</a:t>
             </a:fld>
             <a:endParaRPr lang="en-CA"/>
           </a:p>
@@ -4485,7 +4486,7 @@
           <a:p>
             <a:fld id="{9FE723E2-BC0F-4A2F-84D1-E095482B85E6}" type="datetimeFigureOut">
               <a:rPr lang="en-CA" smtClean="0"/>
-              <a:t>2021-01-11</a:t>
+              <a:t>2021-08-31</a:t>
             </a:fld>
             <a:endParaRPr lang="en-CA"/>
           </a:p>
@@ -4580,7 +4581,7 @@
           <a:p>
             <a:fld id="{9FE723E2-BC0F-4A2F-84D1-E095482B85E6}" type="datetimeFigureOut">
               <a:rPr lang="en-CA" smtClean="0"/>
-              <a:t>2021-01-11</a:t>
+              <a:t>2021-08-31</a:t>
             </a:fld>
             <a:endParaRPr lang="en-CA"/>
           </a:p>
@@ -4859,7 +4860,7 @@
           <a:p>
             <a:fld id="{9FE723E2-BC0F-4A2F-84D1-E095482B85E6}" type="datetimeFigureOut">
               <a:rPr lang="en-CA" smtClean="0"/>
-              <a:t>2021-01-11</a:t>
+              <a:t>2021-08-31</a:t>
             </a:fld>
             <a:endParaRPr lang="en-CA"/>
           </a:p>
@@ -5134,7 +5135,7 @@
           <a:p>
             <a:fld id="{9FE723E2-BC0F-4A2F-84D1-E095482B85E6}" type="datetimeFigureOut">
               <a:rPr lang="en-CA" smtClean="0"/>
-              <a:t>2021-01-11</a:t>
+              <a:t>2021-08-31</a:t>
             </a:fld>
             <a:endParaRPr lang="en-CA"/>
           </a:p>
@@ -5563,7 +5564,7 @@
           <a:p>
             <a:fld id="{9FE723E2-BC0F-4A2F-84D1-E095482B85E6}" type="datetimeFigureOut">
               <a:rPr lang="en-CA" smtClean="0"/>
-              <a:t>2021-01-11</a:t>
+              <a:t>2021-08-31</a:t>
             </a:fld>
             <a:endParaRPr lang="en-CA"/>
           </a:p>
@@ -6077,6 +6078,524 @@
 <file path=ppt/slides/slide1.xml><?xml version="1.0" encoding="utf-8"?>
 <p:sld xmlns:a="http://schemas.openxmlformats.org/drawingml/2006/main" xmlns:r="http://schemas.openxmlformats.org/officeDocument/2006/relationships" xmlns:p="http://schemas.openxmlformats.org/presentationml/2006/main">
   <p:cSld>
+    <p:bg>
+      <p:bgPr>
+        <a:blipFill rotWithShape="1">
+          <a:blip r:embed="rId2">
+            <a:duotone>
+              <a:schemeClr val="bg2">
+                <a:shade val="69000"/>
+                <a:hueMod val="108000"/>
+                <a:satMod val="164000"/>
+                <a:lumMod val="74000"/>
+              </a:schemeClr>
+              <a:schemeClr val="bg2">
+                <a:tint val="96000"/>
+                <a:hueMod val="88000"/>
+                <a:satMod val="140000"/>
+                <a:lumMod val="132000"/>
+              </a:schemeClr>
+            </a:duotone>
+          </a:blip>
+          <a:stretch/>
+        </a:blipFill>
+        <a:effectLst/>
+      </p:bgPr>
+    </p:bg>
+    <p:spTree>
+      <p:nvGrpSpPr>
+        <p:cNvPr id="1" name=""/>
+        <p:cNvGrpSpPr/>
+        <p:nvPr/>
+      </p:nvGrpSpPr>
+      <p:grpSpPr>
+        <a:xfrm>
+          <a:off x="0" y="0"/>
+          <a:ext cx="0" cy="0"/>
+          <a:chOff x="0" y="0"/>
+          <a:chExt cx="0" cy="0"/>
+        </a:xfrm>
+      </p:grpSpPr>
+      <p:pic>
+        <p:nvPicPr>
+          <p:cNvPr id="6" name="Content Placeholder 5" descr="A picture containing invertebrate, coelenterate, hydrozoan&#10;&#10;Description automatically generated">
+            <a:extLst>
+              <a:ext uri="{FF2B5EF4-FFF2-40B4-BE49-F238E27FC236}">
+                <a16:creationId xmlns:a16="http://schemas.microsoft.com/office/drawing/2014/main" id="{C56775F6-B24A-4FD3-9B62-3F3516F0304C}"/>
+              </a:ext>
+            </a:extLst>
+          </p:cNvPr>
+          <p:cNvPicPr>
+            <a:picLocks noGrp="1" noChangeAspect="1"/>
+          </p:cNvPicPr>
+          <p:nvPr>
+            <p:ph sz="half" idx="4294967295"/>
+          </p:nvPr>
+        </p:nvPicPr>
+        <p:blipFill rotWithShape="1">
+          <a:blip r:embed="rId3">
+            <a:alphaModFix/>
+            <a:extLst>
+              <a:ext uri="{28A0092B-C50C-407E-A947-70E740481C1C}">
+                <a14:useLocalDpi xmlns:a14="http://schemas.microsoft.com/office/drawing/2010/main" val="0"/>
+              </a:ext>
+            </a:extLst>
+          </a:blip>
+          <a:srcRect t="5027" r="9091" b="4064"/>
+          <a:stretch/>
+        </p:blipFill>
+        <p:spPr>
+          <a:xfrm>
+            <a:off x="0" y="0"/>
+            <a:ext cx="12192000" cy="6858000"/>
+          </a:xfrm>
+          <a:prstGeom prst="rect">
+            <a:avLst/>
+          </a:prstGeom>
+        </p:spPr>
+      </p:pic>
+      <p:sp>
+        <p:nvSpPr>
+          <p:cNvPr id="16" name="Title 3">
+            <a:extLst>
+              <a:ext uri="{FF2B5EF4-FFF2-40B4-BE49-F238E27FC236}">
+                <a16:creationId xmlns:a16="http://schemas.microsoft.com/office/drawing/2014/main" id="{C66FFF6D-FB56-4ED8-B121-41112B83D11B}"/>
+              </a:ext>
+            </a:extLst>
+          </p:cNvPr>
+          <p:cNvSpPr txBox="1">
+            <a:spLocks/>
+          </p:cNvSpPr>
+          <p:nvPr/>
+        </p:nvSpPr>
+        <p:spPr>
+          <a:xfrm>
+            <a:off x="2146362" y="120601"/>
+            <a:ext cx="9786139" cy="756729"/>
+          </a:xfrm>
+          <a:prstGeom prst="rect">
+            <a:avLst/>
+          </a:prstGeom>
+        </p:spPr>
+        <p:txBody>
+          <a:bodyPr vert="horz" lIns="91440" tIns="45720" rIns="91440" bIns="45720" rtlCol="0" anchor="b">
+            <a:normAutofit fontScale="97500"/>
+          </a:bodyPr>
+          <a:lstStyle>
+            <a:lvl1pPr algn="l" defTabSz="457200" rtl="0" eaLnBrk="1" latinLnBrk="0" hangingPunct="1">
+              <a:spcBef>
+                <a:spcPct val="0"/>
+              </a:spcBef>
+              <a:buNone/>
+              <a:defRPr sz="7200" b="0" i="0" kern="1200">
+                <a:solidFill>
+                  <a:schemeClr val="tx2"/>
+                </a:solidFill>
+                <a:latin typeface="+mj-lt"/>
+                <a:ea typeface="+mj-ea"/>
+                <a:cs typeface="+mj-cs"/>
+              </a:defRPr>
+            </a:lvl1pPr>
+            <a:lvl2pPr eaLnBrk="1" hangingPunct="1">
+              <a:defRPr>
+                <a:solidFill>
+                  <a:schemeClr val="tx2"/>
+                </a:solidFill>
+              </a:defRPr>
+            </a:lvl2pPr>
+            <a:lvl3pPr eaLnBrk="1" hangingPunct="1">
+              <a:defRPr>
+                <a:solidFill>
+                  <a:schemeClr val="tx2"/>
+                </a:solidFill>
+              </a:defRPr>
+            </a:lvl3pPr>
+            <a:lvl4pPr eaLnBrk="1" hangingPunct="1">
+              <a:defRPr>
+                <a:solidFill>
+                  <a:schemeClr val="tx2"/>
+                </a:solidFill>
+              </a:defRPr>
+            </a:lvl4pPr>
+            <a:lvl5pPr eaLnBrk="1" hangingPunct="1">
+              <a:defRPr>
+                <a:solidFill>
+                  <a:schemeClr val="tx2"/>
+                </a:solidFill>
+              </a:defRPr>
+            </a:lvl5pPr>
+            <a:lvl6pPr eaLnBrk="1" hangingPunct="1">
+              <a:defRPr>
+                <a:solidFill>
+                  <a:schemeClr val="tx2"/>
+                </a:solidFill>
+              </a:defRPr>
+            </a:lvl6pPr>
+            <a:lvl7pPr eaLnBrk="1" hangingPunct="1">
+              <a:defRPr>
+                <a:solidFill>
+                  <a:schemeClr val="tx2"/>
+                </a:solidFill>
+              </a:defRPr>
+            </a:lvl7pPr>
+            <a:lvl8pPr eaLnBrk="1" hangingPunct="1">
+              <a:defRPr>
+                <a:solidFill>
+                  <a:schemeClr val="tx2"/>
+                </a:solidFill>
+              </a:defRPr>
+            </a:lvl8pPr>
+            <a:lvl9pPr eaLnBrk="1" hangingPunct="1">
+              <a:defRPr>
+                <a:solidFill>
+                  <a:schemeClr val="tx2"/>
+                </a:solidFill>
+              </a:defRPr>
+            </a:lvl9pPr>
+          </a:lstStyle>
+          <a:p>
+            <a:pPr algn="r"/>
+            <a:r>
+              <a:rPr lang="en-CA" sz="4000" b="1" dirty="0">
+                <a:effectLst>
+                  <a:glow rad="139700">
+                    <a:schemeClr val="tx1">
+                      <a:lumMod val="50000"/>
+                      <a:alpha val="40000"/>
+                    </a:schemeClr>
+                  </a:glow>
+                </a:effectLst>
+              </a:rPr>
+              <a:t>Magnetosphere Online Seminar Series</a:t>
+            </a:r>
+            <a:endParaRPr lang="en-CA" sz="4000" dirty="0">
+              <a:effectLst>
+                <a:glow rad="139700">
+                  <a:schemeClr val="tx1">
+                    <a:lumMod val="50000"/>
+                    <a:alpha val="40000"/>
+                  </a:schemeClr>
+                </a:glow>
+              </a:effectLst>
+            </a:endParaRPr>
+          </a:p>
+        </p:txBody>
+      </p:sp>
+      <p:sp>
+        <p:nvSpPr>
+          <p:cNvPr id="22" name="Freeform: Shape 21">
+            <a:extLst>
+              <a:ext uri="{FF2B5EF4-FFF2-40B4-BE49-F238E27FC236}">
+                <a16:creationId xmlns:a16="http://schemas.microsoft.com/office/drawing/2014/main" id="{653DF944-DB62-4B7A-88AD-9E5A6D658006}"/>
+              </a:ext>
+            </a:extLst>
+          </p:cNvPr>
+          <p:cNvSpPr/>
+          <p:nvPr/>
+        </p:nvSpPr>
+        <p:spPr>
+          <a:xfrm>
+            <a:off x="6981568" y="2117414"/>
+            <a:ext cx="5210432" cy="4740586"/>
+          </a:xfrm>
+          <a:custGeom>
+            <a:avLst/>
+            <a:gdLst>
+              <a:gd name="connsiteX0" fmla="*/ 2738005 w 5250873"/>
+              <a:gd name="connsiteY0" fmla="*/ 0 h 4777380"/>
+              <a:gd name="connsiteX1" fmla="*/ 5145547 w 5250873"/>
+              <a:gd name="connsiteY1" fmla="*/ 1328354 h 4777380"/>
+              <a:gd name="connsiteX2" fmla="*/ 5250873 w 5250873"/>
+              <a:gd name="connsiteY2" fmla="*/ 1531043 h 4777380"/>
+              <a:gd name="connsiteX3" fmla="*/ 5250873 w 5250873"/>
+              <a:gd name="connsiteY3" fmla="*/ 3545400 h 4777380"/>
+              <a:gd name="connsiteX4" fmla="*/ 5145547 w 5250873"/>
+              <a:gd name="connsiteY4" fmla="*/ 3748088 h 4777380"/>
+              <a:gd name="connsiteX5" fmla="*/ 4043101 w 5250873"/>
+              <a:gd name="connsiteY5" fmla="*/ 4770093 h 4777380"/>
+              <a:gd name="connsiteX6" fmla="*/ 4026782 w 5250873"/>
+              <a:gd name="connsiteY6" fmla="*/ 4777380 h 4777380"/>
+              <a:gd name="connsiteX7" fmla="*/ 1449228 w 5250873"/>
+              <a:gd name="connsiteY7" fmla="*/ 4777380 h 4777380"/>
+              <a:gd name="connsiteX8" fmla="*/ 1432910 w 5250873"/>
+              <a:gd name="connsiteY8" fmla="*/ 4770093 h 4777380"/>
+              <a:gd name="connsiteX9" fmla="*/ 0 w 5250873"/>
+              <a:gd name="connsiteY9" fmla="*/ 2538221 h 4777380"/>
+              <a:gd name="connsiteX10" fmla="*/ 2738005 w 5250873"/>
+              <a:gd name="connsiteY10" fmla="*/ 0 h 4777380"/>
+            </a:gdLst>
+            <a:ahLst/>
+            <a:cxnLst>
+              <a:cxn ang="0">
+                <a:pos x="connsiteX0" y="connsiteY0"/>
+              </a:cxn>
+              <a:cxn ang="0">
+                <a:pos x="connsiteX1" y="connsiteY1"/>
+              </a:cxn>
+              <a:cxn ang="0">
+                <a:pos x="connsiteX2" y="connsiteY2"/>
+              </a:cxn>
+              <a:cxn ang="0">
+                <a:pos x="connsiteX3" y="connsiteY3"/>
+              </a:cxn>
+              <a:cxn ang="0">
+                <a:pos x="connsiteX4" y="connsiteY4"/>
+              </a:cxn>
+              <a:cxn ang="0">
+                <a:pos x="connsiteX5" y="connsiteY5"/>
+              </a:cxn>
+              <a:cxn ang="0">
+                <a:pos x="connsiteX6" y="connsiteY6"/>
+              </a:cxn>
+              <a:cxn ang="0">
+                <a:pos x="connsiteX7" y="connsiteY7"/>
+              </a:cxn>
+              <a:cxn ang="0">
+                <a:pos x="connsiteX8" y="connsiteY8"/>
+              </a:cxn>
+              <a:cxn ang="0">
+                <a:pos x="connsiteX9" y="connsiteY9"/>
+              </a:cxn>
+              <a:cxn ang="0">
+                <a:pos x="connsiteX10" y="connsiteY10"/>
+              </a:cxn>
+            </a:cxnLst>
+            <a:rect l="l" t="t" r="r" b="b"/>
+            <a:pathLst>
+              <a:path w="5250873" h="4777380">
+                <a:moveTo>
+                  <a:pt x="2738005" y="0"/>
+                </a:moveTo>
+                <a:cubicBezTo>
+                  <a:pt x="3777614" y="0"/>
+                  <a:pt x="4681896" y="537127"/>
+                  <a:pt x="5145547" y="1328354"/>
+                </a:cubicBezTo>
+                <a:lnTo>
+                  <a:pt x="5250873" y="1531043"/>
+                </a:lnTo>
+                <a:lnTo>
+                  <a:pt x="5250873" y="3545400"/>
+                </a:lnTo>
+                <a:lnTo>
+                  <a:pt x="5145547" y="3748088"/>
+                </a:lnTo>
+                <a:cubicBezTo>
+                  <a:pt x="4892646" y="4179667"/>
+                  <a:pt x="4508649" y="4535645"/>
+                  <a:pt x="4043101" y="4770093"/>
+                </a:cubicBezTo>
+                <a:lnTo>
+                  <a:pt x="4026782" y="4777380"/>
+                </a:lnTo>
+                <a:lnTo>
+                  <a:pt x="1449228" y="4777380"/>
+                </a:lnTo>
+                <a:lnTo>
+                  <a:pt x="1432910" y="4770093"/>
+                </a:lnTo>
+                <a:cubicBezTo>
+                  <a:pt x="579405" y="4340272"/>
+                  <a:pt x="0" y="3501973"/>
+                  <a:pt x="0" y="2538221"/>
+                </a:cubicBezTo>
+                <a:cubicBezTo>
+                  <a:pt x="0" y="1136400"/>
+                  <a:pt x="1225847" y="0"/>
+                  <a:pt x="2738005" y="0"/>
+                </a:cubicBezTo>
+                <a:close/>
+              </a:path>
+            </a:pathLst>
+          </a:custGeom>
+          <a:solidFill>
+            <a:schemeClr val="tx1">
+              <a:lumMod val="65000"/>
+              <a:alpha val="76000"/>
+            </a:schemeClr>
+          </a:solidFill>
+          <a:ln>
+            <a:noFill/>
+          </a:ln>
+        </p:spPr>
+        <p:style>
+          <a:lnRef idx="2">
+            <a:schemeClr val="accent1">
+              <a:shade val="50000"/>
+            </a:schemeClr>
+          </a:lnRef>
+          <a:fillRef idx="1">
+            <a:schemeClr val="accent1"/>
+          </a:fillRef>
+          <a:effectRef idx="0">
+            <a:schemeClr val="accent1"/>
+          </a:effectRef>
+          <a:fontRef idx="minor">
+            <a:schemeClr val="lt1"/>
+          </a:fontRef>
+        </p:style>
+        <p:txBody>
+          <a:bodyPr wrap="square" rtlCol="0" anchor="ctr">
+            <a:noAutofit/>
+          </a:bodyPr>
+          <a:lstStyle/>
+          <a:p>
+            <a:pPr algn="ctr"/>
+            <a:endParaRPr lang="en-CA"/>
+          </a:p>
+        </p:txBody>
+      </p:sp>
+      <p:sp>
+        <p:nvSpPr>
+          <p:cNvPr id="9" name="Title 8">
+            <a:extLst>
+              <a:ext uri="{FF2B5EF4-FFF2-40B4-BE49-F238E27FC236}">
+                <a16:creationId xmlns:a16="http://schemas.microsoft.com/office/drawing/2014/main" id="{6FDCB601-E00A-48CC-AEDE-3B816A4304A2}"/>
+              </a:ext>
+            </a:extLst>
+          </p:cNvPr>
+          <p:cNvSpPr>
+            <a:spLocks noGrp="1"/>
+          </p:cNvSpPr>
+          <p:nvPr>
+            <p:ph type="ctrTitle"/>
+          </p:nvPr>
+        </p:nvSpPr>
+        <p:spPr>
+          <a:xfrm>
+            <a:off x="7241067" y="2539490"/>
+            <a:ext cx="4950933" cy="2765725"/>
+          </a:xfrm>
+        </p:spPr>
+        <p:txBody>
+          <a:bodyPr/>
+          <a:lstStyle/>
+          <a:p>
+            <a:pPr algn="ctr"/>
+            <a:r>
+              <a:rPr lang="en-CA" sz="5400" b="1" dirty="0">
+                <a:solidFill>
+                  <a:schemeClr val="bg1"/>
+                </a:solidFill>
+                <a:latin typeface="Myriad Pro Cond" panose="020B0506030403020204" pitchFamily="34" charset="0"/>
+              </a:rPr>
+              <a:t>Lauren Blum</a:t>
+            </a:r>
+            <a:br>
+              <a:rPr lang="en-CA" sz="5400" b="1" dirty="0">
+                <a:solidFill>
+                  <a:schemeClr val="bg1"/>
+                </a:solidFill>
+                <a:latin typeface="Myriad Pro Cond" panose="020B0506030403020204" pitchFamily="34" charset="0"/>
+              </a:rPr>
+            </a:br>
+            <a:r>
+              <a:rPr lang="en-CA" sz="5400" dirty="0">
+                <a:solidFill>
+                  <a:schemeClr val="bg1"/>
+                </a:solidFill>
+                <a:latin typeface="Myriad Pro Cond" panose="020B0506030403020204" pitchFamily="34" charset="0"/>
+              </a:rPr>
+              <a:t>Energetic Particle Precipitation</a:t>
+            </a:r>
+          </a:p>
+        </p:txBody>
+      </p:sp>
+      <p:sp>
+        <p:nvSpPr>
+          <p:cNvPr id="12" name="Subtitle 11">
+            <a:extLst>
+              <a:ext uri="{FF2B5EF4-FFF2-40B4-BE49-F238E27FC236}">
+                <a16:creationId xmlns:a16="http://schemas.microsoft.com/office/drawing/2014/main" id="{206D4F79-07E6-410D-87B5-76C84382B1D3}"/>
+              </a:ext>
+            </a:extLst>
+          </p:cNvPr>
+          <p:cNvSpPr>
+            <a:spLocks noGrp="1"/>
+          </p:cNvSpPr>
+          <p:nvPr>
+            <p:ph type="subTitle" idx="1"/>
+          </p:nvPr>
+        </p:nvSpPr>
+        <p:spPr>
+          <a:xfrm>
+            <a:off x="8304159" y="5789080"/>
+            <a:ext cx="2824748" cy="525223"/>
+          </a:xfrm>
+        </p:spPr>
+        <p:txBody>
+          <a:bodyPr>
+            <a:normAutofit fontScale="92500"/>
+          </a:bodyPr>
+          <a:lstStyle/>
+          <a:p>
+            <a:pPr algn="ctr"/>
+            <a:r>
+              <a:rPr lang="en-CA" sz="2400" b="1" dirty="0">
+                <a:solidFill>
+                  <a:schemeClr val="bg1"/>
+                </a:solidFill>
+              </a:rPr>
+              <a:t>September 13, 2021</a:t>
+            </a:r>
+          </a:p>
+        </p:txBody>
+      </p:sp>
+      <p:cxnSp>
+        <p:nvCxnSpPr>
+          <p:cNvPr id="24" name="Straight Connector 23">
+            <a:extLst>
+              <a:ext uri="{FF2B5EF4-FFF2-40B4-BE49-F238E27FC236}">
+                <a16:creationId xmlns:a16="http://schemas.microsoft.com/office/drawing/2014/main" id="{049626B3-74F3-4977-A89B-A9B6A8BC2215}"/>
+              </a:ext>
+            </a:extLst>
+          </p:cNvPr>
+          <p:cNvCxnSpPr>
+            <a:cxnSpLocks/>
+          </p:cNvCxnSpPr>
+          <p:nvPr/>
+        </p:nvCxnSpPr>
+        <p:spPr>
+          <a:xfrm>
+            <a:off x="8128690" y="5490570"/>
+            <a:ext cx="3175686" cy="0"/>
+          </a:xfrm>
+          <a:prstGeom prst="line">
+            <a:avLst/>
+          </a:prstGeom>
+          <a:ln w="38100"/>
+        </p:spPr>
+        <p:style>
+          <a:lnRef idx="1">
+            <a:schemeClr val="dk1"/>
+          </a:lnRef>
+          <a:fillRef idx="0">
+            <a:schemeClr val="dk1"/>
+          </a:fillRef>
+          <a:effectRef idx="0">
+            <a:schemeClr val="dk1"/>
+          </a:effectRef>
+          <a:fontRef idx="minor">
+            <a:schemeClr val="tx1"/>
+          </a:fontRef>
+        </p:style>
+      </p:cxnSp>
+    </p:spTree>
+    <p:extLst>
+      <p:ext uri="{BB962C8B-B14F-4D97-AF65-F5344CB8AC3E}">
+        <p14:creationId xmlns:p14="http://schemas.microsoft.com/office/powerpoint/2010/main" val="1042987813"/>
+      </p:ext>
+    </p:extLst>
+  </p:cSld>
+  <p:clrMapOvr>
+    <a:masterClrMapping/>
+  </p:clrMapOvr>
+</p:sld>
+</file>
+
+<file path=ppt/slides/slide2.xml><?xml version="1.0" encoding="utf-8"?>
+<p:sld xmlns:a="http://schemas.openxmlformats.org/drawingml/2006/main" xmlns:r="http://schemas.openxmlformats.org/officeDocument/2006/relationships" xmlns:p="http://schemas.openxmlformats.org/presentationml/2006/main">
+  <p:cSld>
     <p:spTree>
       <p:nvGrpSpPr>
         <p:cNvPr id="1" name=""/>

--- a/MSOSS_title.pptx
+++ b/MSOSS_title.pptx
@@ -299,7 +299,7 @@
           <a:p>
             <a:fld id="{9FE723E2-BC0F-4A2F-84D1-E095482B85E6}" type="datetimeFigureOut">
               <a:rPr lang="en-CA" smtClean="0"/>
-              <a:t>2021-08-31</a:t>
+              <a:t>2021-09-18</a:t>
             </a:fld>
             <a:endParaRPr lang="en-CA"/>
           </a:p>
@@ -574,7 +574,7 @@
           <a:p>
             <a:fld id="{9FE723E2-BC0F-4A2F-84D1-E095482B85E6}" type="datetimeFigureOut">
               <a:rPr lang="en-CA" smtClean="0"/>
-              <a:t>2021-08-31</a:t>
+              <a:t>2021-09-18</a:t>
             </a:fld>
             <a:endParaRPr lang="en-CA"/>
           </a:p>
@@ -768,7 +768,7 @@
           <a:p>
             <a:fld id="{9FE723E2-BC0F-4A2F-84D1-E095482B85E6}" type="datetimeFigureOut">
               <a:rPr lang="en-CA" smtClean="0"/>
-              <a:t>2021-08-31</a:t>
+              <a:t>2021-09-18</a:t>
             </a:fld>
             <a:endParaRPr lang="en-CA"/>
           </a:p>
@@ -1041,7 +1041,7 @@
           <a:p>
             <a:fld id="{9FE723E2-BC0F-4A2F-84D1-E095482B85E6}" type="datetimeFigureOut">
               <a:rPr lang="en-CA" smtClean="0"/>
-              <a:t>2021-08-31</a:t>
+              <a:t>2021-09-18</a:t>
             </a:fld>
             <a:endParaRPr lang="en-CA"/>
           </a:p>
@@ -1382,7 +1382,7 @@
           <a:p>
             <a:fld id="{9FE723E2-BC0F-4A2F-84D1-E095482B85E6}" type="datetimeFigureOut">
               <a:rPr lang="en-CA" smtClean="0"/>
-              <a:t>2021-08-31</a:t>
+              <a:t>2021-09-18</a:t>
             </a:fld>
             <a:endParaRPr lang="en-CA"/>
           </a:p>
@@ -2005,7 +2005,7 @@
           <a:p>
             <a:fld id="{9FE723E2-BC0F-4A2F-84D1-E095482B85E6}" type="datetimeFigureOut">
               <a:rPr lang="en-CA" smtClean="0"/>
-              <a:t>2021-08-31</a:t>
+              <a:t>2021-09-18</a:t>
             </a:fld>
             <a:endParaRPr lang="en-CA"/>
           </a:p>
@@ -2865,7 +2865,7 @@
           <a:p>
             <a:fld id="{9FE723E2-BC0F-4A2F-84D1-E095482B85E6}" type="datetimeFigureOut">
               <a:rPr lang="en-CA" smtClean="0"/>
-              <a:t>2021-08-31</a:t>
+              <a:t>2021-09-18</a:t>
             </a:fld>
             <a:endParaRPr lang="en-CA"/>
           </a:p>
@@ -3035,7 +3035,7 @@
           <a:p>
             <a:fld id="{9FE723E2-BC0F-4A2F-84D1-E095482B85E6}" type="datetimeFigureOut">
               <a:rPr lang="en-CA" smtClean="0"/>
-              <a:t>2021-08-31</a:t>
+              <a:t>2021-09-18</a:t>
             </a:fld>
             <a:endParaRPr lang="en-CA"/>
           </a:p>
@@ -3215,7 +3215,7 @@
           <a:p>
             <a:fld id="{9FE723E2-BC0F-4A2F-84D1-E095482B85E6}" type="datetimeFigureOut">
               <a:rPr lang="en-CA" smtClean="0"/>
-              <a:t>2021-08-31</a:t>
+              <a:t>2021-09-18</a:t>
             </a:fld>
             <a:endParaRPr lang="en-CA"/>
           </a:p>
@@ -3385,7 +3385,7 @@
           <a:p>
             <a:fld id="{9FE723E2-BC0F-4A2F-84D1-E095482B85E6}" type="datetimeFigureOut">
               <a:rPr lang="en-CA" smtClean="0"/>
-              <a:t>2021-08-31</a:t>
+              <a:t>2021-09-18</a:t>
             </a:fld>
             <a:endParaRPr lang="en-CA"/>
           </a:p>
@@ -3632,7 +3632,7 @@
           <a:p>
             <a:fld id="{9FE723E2-BC0F-4A2F-84D1-E095482B85E6}" type="datetimeFigureOut">
               <a:rPr lang="en-CA" smtClean="0"/>
-              <a:t>2021-08-31</a:t>
+              <a:t>2021-09-18</a:t>
             </a:fld>
             <a:endParaRPr lang="en-CA"/>
           </a:p>
@@ -3924,7 +3924,7 @@
           <a:p>
             <a:fld id="{9FE723E2-BC0F-4A2F-84D1-E095482B85E6}" type="datetimeFigureOut">
               <a:rPr lang="en-CA" smtClean="0"/>
-              <a:t>2021-08-31</a:t>
+              <a:t>2021-09-18</a:t>
             </a:fld>
             <a:endParaRPr lang="en-CA"/>
           </a:p>
@@ -4368,7 +4368,7 @@
           <a:p>
             <a:fld id="{9FE723E2-BC0F-4A2F-84D1-E095482B85E6}" type="datetimeFigureOut">
               <a:rPr lang="en-CA" smtClean="0"/>
-              <a:t>2021-08-31</a:t>
+              <a:t>2021-09-18</a:t>
             </a:fld>
             <a:endParaRPr lang="en-CA"/>
           </a:p>
@@ -4486,7 +4486,7 @@
           <a:p>
             <a:fld id="{9FE723E2-BC0F-4A2F-84D1-E095482B85E6}" type="datetimeFigureOut">
               <a:rPr lang="en-CA" smtClean="0"/>
-              <a:t>2021-08-31</a:t>
+              <a:t>2021-09-18</a:t>
             </a:fld>
             <a:endParaRPr lang="en-CA"/>
           </a:p>
@@ -4581,7 +4581,7 @@
           <a:p>
             <a:fld id="{9FE723E2-BC0F-4A2F-84D1-E095482B85E6}" type="datetimeFigureOut">
               <a:rPr lang="en-CA" smtClean="0"/>
-              <a:t>2021-08-31</a:t>
+              <a:t>2021-09-18</a:t>
             </a:fld>
             <a:endParaRPr lang="en-CA"/>
           </a:p>
@@ -4860,7 +4860,7 @@
           <a:p>
             <a:fld id="{9FE723E2-BC0F-4A2F-84D1-E095482B85E6}" type="datetimeFigureOut">
               <a:rPr lang="en-CA" smtClean="0"/>
-              <a:t>2021-08-31</a:t>
+              <a:t>2021-09-18</a:t>
             </a:fld>
             <a:endParaRPr lang="en-CA"/>
           </a:p>
@@ -5135,7 +5135,7 @@
           <a:p>
             <a:fld id="{9FE723E2-BC0F-4A2F-84D1-E095482B85E6}" type="datetimeFigureOut">
               <a:rPr lang="en-CA" smtClean="0"/>
-              <a:t>2021-08-31</a:t>
+              <a:t>2021-09-18</a:t>
             </a:fld>
             <a:endParaRPr lang="en-CA"/>
           </a:p>
@@ -5564,7 +5564,7 @@
           <a:p>
             <a:fld id="{9FE723E2-BC0F-4A2F-84D1-E095482B85E6}" type="datetimeFigureOut">
               <a:rPr lang="en-CA" smtClean="0"/>
-              <a:t>2021-08-31</a:t>
+              <a:t>2021-09-18</a:t>
             </a:fld>
             <a:endParaRPr lang="en-CA"/>
           </a:p>
@@ -6463,26 +6463,37 @@
         </p:nvSpPr>
         <p:spPr>
           <a:xfrm>
-            <a:off x="7241067" y="2539490"/>
-            <a:ext cx="4950933" cy="2765725"/>
+            <a:off x="7241067" y="2671780"/>
+            <a:ext cx="4950933" cy="2391769"/>
           </a:xfrm>
         </p:spPr>
         <p:txBody>
-          <a:bodyPr/>
+          <a:bodyPr>
+            <a:noAutofit/>
+          </a:bodyPr>
           <a:lstStyle/>
           <a:p>
             <a:pPr algn="ctr"/>
             <a:r>
-              <a:rPr lang="en-CA" sz="5400" b="1" dirty="0">
+              <a:rPr lang="en-CA" sz="4800" b="1" dirty="0">
                 <a:solidFill>
                   <a:schemeClr val="bg1"/>
                 </a:solidFill>
                 <a:latin typeface="Myriad Pro Cond" panose="020B0506030403020204" pitchFamily="34" charset="0"/>
               </a:rPr>
-              <a:t>Lauren Blum</a:t>
+              <a:t>Jasper </a:t>
+            </a:r>
+            <a:r>
+              <a:rPr lang="en-CA" sz="4800" b="1" dirty="0" err="1">
+                <a:solidFill>
+                  <a:schemeClr val="bg1"/>
+                </a:solidFill>
+                <a:latin typeface="Myriad Pro Cond" panose="020B0506030403020204" pitchFamily="34" charset="0"/>
+              </a:rPr>
+              <a:t>Halekas</a:t>
             </a:r>
             <a:br>
-              <a:rPr lang="en-CA" sz="5400" b="1" dirty="0">
+              <a:rPr lang="en-CA" sz="4800" b="1" dirty="0">
                 <a:solidFill>
                   <a:schemeClr val="bg1"/>
                 </a:solidFill>
@@ -6490,14 +6501,20 @@
               </a:rPr>
             </a:br>
             <a:r>
-              <a:rPr lang="en-CA" sz="5400" dirty="0">
+              <a:rPr lang="en-US" sz="4800" dirty="0">
                 <a:solidFill>
                   <a:schemeClr val="bg1"/>
                 </a:solidFill>
                 <a:latin typeface="Myriad Pro Cond" panose="020B0506030403020204" pitchFamily="34" charset="0"/>
               </a:rPr>
-              <a:t>Energetic Particle Precipitation</a:t>
-            </a:r>
+              <a:t>Plasma Physics at the Moon</a:t>
+            </a:r>
+            <a:endParaRPr lang="en-CA" sz="4800" dirty="0">
+              <a:solidFill>
+                <a:schemeClr val="bg1"/>
+              </a:solidFill>
+              <a:latin typeface="Myriad Pro Cond" panose="020B0506030403020204" pitchFamily="34" charset="0"/>
+            </a:endParaRPr>
           </a:p>
         </p:txBody>
       </p:sp>
@@ -6519,7 +6536,7 @@
         </p:nvSpPr>
         <p:spPr>
           <a:xfrm>
-            <a:off x="8304159" y="5789080"/>
+            <a:off x="8304159" y="5560162"/>
             <a:ext cx="2824748" cy="525223"/>
           </a:xfrm>
         </p:spPr>
@@ -6536,7 +6553,7 @@
                   <a:schemeClr val="bg1"/>
                 </a:solidFill>
               </a:rPr>
-              <a:t>September 13, 2021</a:t>
+              <a:t>September 27, 2021</a:t>
             </a:r>
           </a:p>
         </p:txBody>
@@ -6557,7 +6574,7 @@
         </p:nvCxnSpPr>
         <p:spPr>
           <a:xfrm>
-            <a:off x="8128690" y="5490570"/>
+            <a:off x="8128690" y="5312770"/>
             <a:ext cx="3175686" cy="0"/>
           </a:xfrm>
           <a:prstGeom prst="line">

--- a/MSOSS_title.pptx
+++ b/MSOSS_title.pptx
@@ -299,7 +299,7 @@
           <a:p>
             <a:fld id="{9FE723E2-BC0F-4A2F-84D1-E095482B85E6}" type="datetimeFigureOut">
               <a:rPr lang="en-CA" smtClean="0"/>
-              <a:t>2021-09-18</a:t>
+              <a:t>2021-09-20</a:t>
             </a:fld>
             <a:endParaRPr lang="en-CA"/>
           </a:p>
@@ -574,7 +574,7 @@
           <a:p>
             <a:fld id="{9FE723E2-BC0F-4A2F-84D1-E095482B85E6}" type="datetimeFigureOut">
               <a:rPr lang="en-CA" smtClean="0"/>
-              <a:t>2021-09-18</a:t>
+              <a:t>2021-09-20</a:t>
             </a:fld>
             <a:endParaRPr lang="en-CA"/>
           </a:p>
@@ -768,7 +768,7 @@
           <a:p>
             <a:fld id="{9FE723E2-BC0F-4A2F-84D1-E095482B85E6}" type="datetimeFigureOut">
               <a:rPr lang="en-CA" smtClean="0"/>
-              <a:t>2021-09-18</a:t>
+              <a:t>2021-09-20</a:t>
             </a:fld>
             <a:endParaRPr lang="en-CA"/>
           </a:p>
@@ -1041,7 +1041,7 @@
           <a:p>
             <a:fld id="{9FE723E2-BC0F-4A2F-84D1-E095482B85E6}" type="datetimeFigureOut">
               <a:rPr lang="en-CA" smtClean="0"/>
-              <a:t>2021-09-18</a:t>
+              <a:t>2021-09-20</a:t>
             </a:fld>
             <a:endParaRPr lang="en-CA"/>
           </a:p>
@@ -1382,7 +1382,7 @@
           <a:p>
             <a:fld id="{9FE723E2-BC0F-4A2F-84D1-E095482B85E6}" type="datetimeFigureOut">
               <a:rPr lang="en-CA" smtClean="0"/>
-              <a:t>2021-09-18</a:t>
+              <a:t>2021-09-20</a:t>
             </a:fld>
             <a:endParaRPr lang="en-CA"/>
           </a:p>
@@ -2005,7 +2005,7 @@
           <a:p>
             <a:fld id="{9FE723E2-BC0F-4A2F-84D1-E095482B85E6}" type="datetimeFigureOut">
               <a:rPr lang="en-CA" smtClean="0"/>
-              <a:t>2021-09-18</a:t>
+              <a:t>2021-09-20</a:t>
             </a:fld>
             <a:endParaRPr lang="en-CA"/>
           </a:p>
@@ -2865,7 +2865,7 @@
           <a:p>
             <a:fld id="{9FE723E2-BC0F-4A2F-84D1-E095482B85E6}" type="datetimeFigureOut">
               <a:rPr lang="en-CA" smtClean="0"/>
-              <a:t>2021-09-18</a:t>
+              <a:t>2021-09-20</a:t>
             </a:fld>
             <a:endParaRPr lang="en-CA"/>
           </a:p>
@@ -3035,7 +3035,7 @@
           <a:p>
             <a:fld id="{9FE723E2-BC0F-4A2F-84D1-E095482B85E6}" type="datetimeFigureOut">
               <a:rPr lang="en-CA" smtClean="0"/>
-              <a:t>2021-09-18</a:t>
+              <a:t>2021-09-20</a:t>
             </a:fld>
             <a:endParaRPr lang="en-CA"/>
           </a:p>
@@ -3215,7 +3215,7 @@
           <a:p>
             <a:fld id="{9FE723E2-BC0F-4A2F-84D1-E095482B85E6}" type="datetimeFigureOut">
               <a:rPr lang="en-CA" smtClean="0"/>
-              <a:t>2021-09-18</a:t>
+              <a:t>2021-09-20</a:t>
             </a:fld>
             <a:endParaRPr lang="en-CA"/>
           </a:p>
@@ -3385,7 +3385,7 @@
           <a:p>
             <a:fld id="{9FE723E2-BC0F-4A2F-84D1-E095482B85E6}" type="datetimeFigureOut">
               <a:rPr lang="en-CA" smtClean="0"/>
-              <a:t>2021-09-18</a:t>
+              <a:t>2021-09-20</a:t>
             </a:fld>
             <a:endParaRPr lang="en-CA"/>
           </a:p>
@@ -3632,7 +3632,7 @@
           <a:p>
             <a:fld id="{9FE723E2-BC0F-4A2F-84D1-E095482B85E6}" type="datetimeFigureOut">
               <a:rPr lang="en-CA" smtClean="0"/>
-              <a:t>2021-09-18</a:t>
+              <a:t>2021-09-20</a:t>
             </a:fld>
             <a:endParaRPr lang="en-CA"/>
           </a:p>
@@ -3924,7 +3924,7 @@
           <a:p>
             <a:fld id="{9FE723E2-BC0F-4A2F-84D1-E095482B85E6}" type="datetimeFigureOut">
               <a:rPr lang="en-CA" smtClean="0"/>
-              <a:t>2021-09-18</a:t>
+              <a:t>2021-09-20</a:t>
             </a:fld>
             <a:endParaRPr lang="en-CA"/>
           </a:p>
@@ -4368,7 +4368,7 @@
           <a:p>
             <a:fld id="{9FE723E2-BC0F-4A2F-84D1-E095482B85E6}" type="datetimeFigureOut">
               <a:rPr lang="en-CA" smtClean="0"/>
-              <a:t>2021-09-18</a:t>
+              <a:t>2021-09-20</a:t>
             </a:fld>
             <a:endParaRPr lang="en-CA"/>
           </a:p>
@@ -4486,7 +4486,7 @@
           <a:p>
             <a:fld id="{9FE723E2-BC0F-4A2F-84D1-E095482B85E6}" type="datetimeFigureOut">
               <a:rPr lang="en-CA" smtClean="0"/>
-              <a:t>2021-09-18</a:t>
+              <a:t>2021-09-20</a:t>
             </a:fld>
             <a:endParaRPr lang="en-CA"/>
           </a:p>
@@ -4581,7 +4581,7 @@
           <a:p>
             <a:fld id="{9FE723E2-BC0F-4A2F-84D1-E095482B85E6}" type="datetimeFigureOut">
               <a:rPr lang="en-CA" smtClean="0"/>
-              <a:t>2021-09-18</a:t>
+              <a:t>2021-09-20</a:t>
             </a:fld>
             <a:endParaRPr lang="en-CA"/>
           </a:p>
@@ -4860,7 +4860,7 @@
           <a:p>
             <a:fld id="{9FE723E2-BC0F-4A2F-84D1-E095482B85E6}" type="datetimeFigureOut">
               <a:rPr lang="en-CA" smtClean="0"/>
-              <a:t>2021-09-18</a:t>
+              <a:t>2021-09-20</a:t>
             </a:fld>
             <a:endParaRPr lang="en-CA"/>
           </a:p>
@@ -5135,7 +5135,7 @@
           <a:p>
             <a:fld id="{9FE723E2-BC0F-4A2F-84D1-E095482B85E6}" type="datetimeFigureOut">
               <a:rPr lang="en-CA" smtClean="0"/>
-              <a:t>2021-09-18</a:t>
+              <a:t>2021-09-20</a:t>
             </a:fld>
             <a:endParaRPr lang="en-CA"/>
           </a:p>
@@ -5564,7 +5564,7 @@
           <a:p>
             <a:fld id="{9FE723E2-BC0F-4A2F-84D1-E095482B85E6}" type="datetimeFigureOut">
               <a:rPr lang="en-CA" smtClean="0"/>
-              <a:t>2021-09-18</a:t>
+              <a:t>2021-09-20</a:t>
             </a:fld>
             <a:endParaRPr lang="en-CA"/>
           </a:p>
@@ -6463,7 +6463,7 @@
         </p:nvSpPr>
         <p:spPr>
           <a:xfrm>
-            <a:off x="7241067" y="2671780"/>
+            <a:off x="7241067" y="2795068"/>
             <a:ext cx="4950933" cy="2391769"/>
           </a:xfrm>
         </p:spPr>
@@ -6475,25 +6475,16 @@
           <a:p>
             <a:pPr algn="ctr"/>
             <a:r>
-              <a:rPr lang="en-CA" sz="4800" b="1" dirty="0">
+              <a:rPr lang="en-CA" sz="4000" b="1" dirty="0">
                 <a:solidFill>
                   <a:schemeClr val="bg1"/>
                 </a:solidFill>
                 <a:latin typeface="Myriad Pro Cond" panose="020B0506030403020204" pitchFamily="34" charset="0"/>
               </a:rPr>
-              <a:t>Jasper </a:t>
-            </a:r>
-            <a:r>
-              <a:rPr lang="en-CA" sz="4800" b="1" dirty="0" err="1">
-                <a:solidFill>
-                  <a:schemeClr val="bg1"/>
-                </a:solidFill>
-                <a:latin typeface="Myriad Pro Cond" panose="020B0506030403020204" pitchFamily="34" charset="0"/>
-              </a:rPr>
-              <a:t>Halekas</a:t>
+              <a:t>Jean-Francois Ripoll</a:t>
             </a:r>
             <a:br>
-              <a:rPr lang="en-CA" sz="4800" b="1" dirty="0">
+              <a:rPr lang="en-CA" sz="4000" b="1" dirty="0">
                 <a:solidFill>
                   <a:schemeClr val="bg1"/>
                 </a:solidFill>
@@ -6501,15 +6492,15 @@
               </a:rPr>
             </a:br>
             <a:r>
-              <a:rPr lang="en-US" sz="4800" dirty="0">
+              <a:rPr lang="en-US" sz="4000" dirty="0">
                 <a:solidFill>
                   <a:schemeClr val="bg1"/>
                 </a:solidFill>
                 <a:latin typeface="Myriad Pro Cond" panose="020B0506030403020204" pitchFamily="34" charset="0"/>
               </a:rPr>
-              <a:t>Plasma Physics at the Moon</a:t>
-            </a:r>
-            <a:endParaRPr lang="en-CA" sz="4800" dirty="0">
+              <a:t>Earth’s Radiation Belt Dynamics: Observations and Simulations</a:t>
+            </a:r>
+            <a:endParaRPr lang="en-CA" sz="4000" dirty="0">
               <a:solidFill>
                 <a:schemeClr val="bg1"/>
               </a:solidFill>
@@ -6553,7 +6544,7 @@
                   <a:schemeClr val="bg1"/>
                 </a:solidFill>
               </a:rPr>
-              <a:t>September 27, 2021</a:t>
+              <a:t>September 20, 2021</a:t>
             </a:r>
           </a:p>
         </p:txBody>
@@ -6783,7 +6774,7 @@
                   <a:srgbClr val="FF0000"/>
                 </a:solidFill>
               </a:rPr>
-              <a:t>Jason</a:t>
+              <a:t>Kyle</a:t>
             </a:r>
             <a:r>
               <a:rPr lang="en-CA" sz="3200" b="1" dirty="0">

--- a/MSOSS_title.pptx
+++ b/MSOSS_title.pptx
@@ -299,7 +299,7 @@
           <a:p>
             <a:fld id="{9FE723E2-BC0F-4A2F-84D1-E095482B85E6}" type="datetimeFigureOut">
               <a:rPr lang="en-CA" smtClean="0"/>
-              <a:t>2021-09-20</a:t>
+              <a:t>2021-10-16</a:t>
             </a:fld>
             <a:endParaRPr lang="en-CA"/>
           </a:p>
@@ -574,7 +574,7 @@
           <a:p>
             <a:fld id="{9FE723E2-BC0F-4A2F-84D1-E095482B85E6}" type="datetimeFigureOut">
               <a:rPr lang="en-CA" smtClean="0"/>
-              <a:t>2021-09-20</a:t>
+              <a:t>2021-10-16</a:t>
             </a:fld>
             <a:endParaRPr lang="en-CA"/>
           </a:p>
@@ -768,7 +768,7 @@
           <a:p>
             <a:fld id="{9FE723E2-BC0F-4A2F-84D1-E095482B85E6}" type="datetimeFigureOut">
               <a:rPr lang="en-CA" smtClean="0"/>
-              <a:t>2021-09-20</a:t>
+              <a:t>2021-10-16</a:t>
             </a:fld>
             <a:endParaRPr lang="en-CA"/>
           </a:p>
@@ -1041,7 +1041,7 @@
           <a:p>
             <a:fld id="{9FE723E2-BC0F-4A2F-84D1-E095482B85E6}" type="datetimeFigureOut">
               <a:rPr lang="en-CA" smtClean="0"/>
-              <a:t>2021-09-20</a:t>
+              <a:t>2021-10-16</a:t>
             </a:fld>
             <a:endParaRPr lang="en-CA"/>
           </a:p>
@@ -1382,7 +1382,7 @@
           <a:p>
             <a:fld id="{9FE723E2-BC0F-4A2F-84D1-E095482B85E6}" type="datetimeFigureOut">
               <a:rPr lang="en-CA" smtClean="0"/>
-              <a:t>2021-09-20</a:t>
+              <a:t>2021-10-16</a:t>
             </a:fld>
             <a:endParaRPr lang="en-CA"/>
           </a:p>
@@ -2005,7 +2005,7 @@
           <a:p>
             <a:fld id="{9FE723E2-BC0F-4A2F-84D1-E095482B85E6}" type="datetimeFigureOut">
               <a:rPr lang="en-CA" smtClean="0"/>
-              <a:t>2021-09-20</a:t>
+              <a:t>2021-10-16</a:t>
             </a:fld>
             <a:endParaRPr lang="en-CA"/>
           </a:p>
@@ -2865,7 +2865,7 @@
           <a:p>
             <a:fld id="{9FE723E2-BC0F-4A2F-84D1-E095482B85E6}" type="datetimeFigureOut">
               <a:rPr lang="en-CA" smtClean="0"/>
-              <a:t>2021-09-20</a:t>
+              <a:t>2021-10-16</a:t>
             </a:fld>
             <a:endParaRPr lang="en-CA"/>
           </a:p>
@@ -3035,7 +3035,7 @@
           <a:p>
             <a:fld id="{9FE723E2-BC0F-4A2F-84D1-E095482B85E6}" type="datetimeFigureOut">
               <a:rPr lang="en-CA" smtClean="0"/>
-              <a:t>2021-09-20</a:t>
+              <a:t>2021-10-16</a:t>
             </a:fld>
             <a:endParaRPr lang="en-CA"/>
           </a:p>
@@ -3215,7 +3215,7 @@
           <a:p>
             <a:fld id="{9FE723E2-BC0F-4A2F-84D1-E095482B85E6}" type="datetimeFigureOut">
               <a:rPr lang="en-CA" smtClean="0"/>
-              <a:t>2021-09-20</a:t>
+              <a:t>2021-10-16</a:t>
             </a:fld>
             <a:endParaRPr lang="en-CA"/>
           </a:p>
@@ -3385,7 +3385,7 @@
           <a:p>
             <a:fld id="{9FE723E2-BC0F-4A2F-84D1-E095482B85E6}" type="datetimeFigureOut">
               <a:rPr lang="en-CA" smtClean="0"/>
-              <a:t>2021-09-20</a:t>
+              <a:t>2021-10-16</a:t>
             </a:fld>
             <a:endParaRPr lang="en-CA"/>
           </a:p>
@@ -3632,7 +3632,7 @@
           <a:p>
             <a:fld id="{9FE723E2-BC0F-4A2F-84D1-E095482B85E6}" type="datetimeFigureOut">
               <a:rPr lang="en-CA" smtClean="0"/>
-              <a:t>2021-09-20</a:t>
+              <a:t>2021-10-16</a:t>
             </a:fld>
             <a:endParaRPr lang="en-CA"/>
           </a:p>
@@ -3924,7 +3924,7 @@
           <a:p>
             <a:fld id="{9FE723E2-BC0F-4A2F-84D1-E095482B85E6}" type="datetimeFigureOut">
               <a:rPr lang="en-CA" smtClean="0"/>
-              <a:t>2021-09-20</a:t>
+              <a:t>2021-10-16</a:t>
             </a:fld>
             <a:endParaRPr lang="en-CA"/>
           </a:p>
@@ -4368,7 +4368,7 @@
           <a:p>
             <a:fld id="{9FE723E2-BC0F-4A2F-84D1-E095482B85E6}" type="datetimeFigureOut">
               <a:rPr lang="en-CA" smtClean="0"/>
-              <a:t>2021-09-20</a:t>
+              <a:t>2021-10-16</a:t>
             </a:fld>
             <a:endParaRPr lang="en-CA"/>
           </a:p>
@@ -4486,7 +4486,7 @@
           <a:p>
             <a:fld id="{9FE723E2-BC0F-4A2F-84D1-E095482B85E6}" type="datetimeFigureOut">
               <a:rPr lang="en-CA" smtClean="0"/>
-              <a:t>2021-09-20</a:t>
+              <a:t>2021-10-16</a:t>
             </a:fld>
             <a:endParaRPr lang="en-CA"/>
           </a:p>
@@ -4581,7 +4581,7 @@
           <a:p>
             <a:fld id="{9FE723E2-BC0F-4A2F-84D1-E095482B85E6}" type="datetimeFigureOut">
               <a:rPr lang="en-CA" smtClean="0"/>
-              <a:t>2021-09-20</a:t>
+              <a:t>2021-10-16</a:t>
             </a:fld>
             <a:endParaRPr lang="en-CA"/>
           </a:p>
@@ -4860,7 +4860,7 @@
           <a:p>
             <a:fld id="{9FE723E2-BC0F-4A2F-84D1-E095482B85E6}" type="datetimeFigureOut">
               <a:rPr lang="en-CA" smtClean="0"/>
-              <a:t>2021-09-20</a:t>
+              <a:t>2021-10-16</a:t>
             </a:fld>
             <a:endParaRPr lang="en-CA"/>
           </a:p>
@@ -5135,7 +5135,7 @@
           <a:p>
             <a:fld id="{9FE723E2-BC0F-4A2F-84D1-E095482B85E6}" type="datetimeFigureOut">
               <a:rPr lang="en-CA" smtClean="0"/>
-              <a:t>2021-09-20</a:t>
+              <a:t>2021-10-16</a:t>
             </a:fld>
             <a:endParaRPr lang="en-CA"/>
           </a:p>
@@ -5564,7 +5564,7 @@
           <a:p>
             <a:fld id="{9FE723E2-BC0F-4A2F-84D1-E095482B85E6}" type="datetimeFigureOut">
               <a:rPr lang="en-CA" smtClean="0"/>
-              <a:t>2021-09-20</a:t>
+              <a:t>2021-10-16</a:t>
             </a:fld>
             <a:endParaRPr lang="en-CA"/>
           </a:p>
@@ -6481,7 +6481,7 @@
                 </a:solidFill>
                 <a:latin typeface="Myriad Pro Cond" panose="020B0506030403020204" pitchFamily="34" charset="0"/>
               </a:rPr>
-              <a:t>Jean-Francois Ripoll</a:t>
+              <a:t>Mathew Owens</a:t>
             </a:r>
             <a:br>
               <a:rPr lang="en-CA" sz="4000" b="1" dirty="0">
@@ -6498,7 +6498,7 @@
                 </a:solidFill>
                 <a:latin typeface="Myriad Pro Cond" panose="020B0506030403020204" pitchFamily="34" charset="0"/>
               </a:rPr>
-              <a:t>Earth’s Radiation Belt Dynamics: Observations and Simulations</a:t>
+              <a:t>Extreme Space Weather and the Solar Cycle</a:t>
             </a:r>
             <a:endParaRPr lang="en-CA" sz="4000" dirty="0">
               <a:solidFill>
@@ -6539,12 +6539,20 @@
           <a:p>
             <a:pPr algn="ctr"/>
             <a:r>
+              <a:rPr lang="en-CA" sz="2400" b="1">
+                <a:solidFill>
+                  <a:schemeClr val="bg1"/>
+                </a:solidFill>
+              </a:rPr>
+              <a:t>October 18, </a:t>
+            </a:r>
+            <a:r>
               <a:rPr lang="en-CA" sz="2400" b="1" dirty="0">
                 <a:solidFill>
                   <a:schemeClr val="bg1"/>
                 </a:solidFill>
               </a:rPr>
-              <a:t>September 20, 2021</a:t>
+              <a:t>2021</a:t>
             </a:r>
           </a:p>
         </p:txBody>

--- a/MSOSS_title.pptx
+++ b/MSOSS_title.pptx
@@ -299,7 +299,7 @@
           <a:p>
             <a:fld id="{9FE723E2-BC0F-4A2F-84D1-E095482B85E6}" type="datetimeFigureOut">
               <a:rPr lang="en-CA" smtClean="0"/>
-              <a:t>2021-10-16</a:t>
+              <a:t>2022-02-09</a:t>
             </a:fld>
             <a:endParaRPr lang="en-CA"/>
           </a:p>
@@ -574,7 +574,7 @@
           <a:p>
             <a:fld id="{9FE723E2-BC0F-4A2F-84D1-E095482B85E6}" type="datetimeFigureOut">
               <a:rPr lang="en-CA" smtClean="0"/>
-              <a:t>2021-10-16</a:t>
+              <a:t>2022-02-09</a:t>
             </a:fld>
             <a:endParaRPr lang="en-CA"/>
           </a:p>
@@ -768,7 +768,7 @@
           <a:p>
             <a:fld id="{9FE723E2-BC0F-4A2F-84D1-E095482B85E6}" type="datetimeFigureOut">
               <a:rPr lang="en-CA" smtClean="0"/>
-              <a:t>2021-10-16</a:t>
+              <a:t>2022-02-09</a:t>
             </a:fld>
             <a:endParaRPr lang="en-CA"/>
           </a:p>
@@ -1041,7 +1041,7 @@
           <a:p>
             <a:fld id="{9FE723E2-BC0F-4A2F-84D1-E095482B85E6}" type="datetimeFigureOut">
               <a:rPr lang="en-CA" smtClean="0"/>
-              <a:t>2021-10-16</a:t>
+              <a:t>2022-02-09</a:t>
             </a:fld>
             <a:endParaRPr lang="en-CA"/>
           </a:p>
@@ -1382,7 +1382,7 @@
           <a:p>
             <a:fld id="{9FE723E2-BC0F-4A2F-84D1-E095482B85E6}" type="datetimeFigureOut">
               <a:rPr lang="en-CA" smtClean="0"/>
-              <a:t>2021-10-16</a:t>
+              <a:t>2022-02-09</a:t>
             </a:fld>
             <a:endParaRPr lang="en-CA"/>
           </a:p>
@@ -2005,7 +2005,7 @@
           <a:p>
             <a:fld id="{9FE723E2-BC0F-4A2F-84D1-E095482B85E6}" type="datetimeFigureOut">
               <a:rPr lang="en-CA" smtClean="0"/>
-              <a:t>2021-10-16</a:t>
+              <a:t>2022-02-09</a:t>
             </a:fld>
             <a:endParaRPr lang="en-CA"/>
           </a:p>
@@ -2865,7 +2865,7 @@
           <a:p>
             <a:fld id="{9FE723E2-BC0F-4A2F-84D1-E095482B85E6}" type="datetimeFigureOut">
               <a:rPr lang="en-CA" smtClean="0"/>
-              <a:t>2021-10-16</a:t>
+              <a:t>2022-02-09</a:t>
             </a:fld>
             <a:endParaRPr lang="en-CA"/>
           </a:p>
@@ -3035,7 +3035,7 @@
           <a:p>
             <a:fld id="{9FE723E2-BC0F-4A2F-84D1-E095482B85E6}" type="datetimeFigureOut">
               <a:rPr lang="en-CA" smtClean="0"/>
-              <a:t>2021-10-16</a:t>
+              <a:t>2022-02-09</a:t>
             </a:fld>
             <a:endParaRPr lang="en-CA"/>
           </a:p>
@@ -3215,7 +3215,7 @@
           <a:p>
             <a:fld id="{9FE723E2-BC0F-4A2F-84D1-E095482B85E6}" type="datetimeFigureOut">
               <a:rPr lang="en-CA" smtClean="0"/>
-              <a:t>2021-10-16</a:t>
+              <a:t>2022-02-09</a:t>
             </a:fld>
             <a:endParaRPr lang="en-CA"/>
           </a:p>
@@ -3385,7 +3385,7 @@
           <a:p>
             <a:fld id="{9FE723E2-BC0F-4A2F-84D1-E095482B85E6}" type="datetimeFigureOut">
               <a:rPr lang="en-CA" smtClean="0"/>
-              <a:t>2021-10-16</a:t>
+              <a:t>2022-02-09</a:t>
             </a:fld>
             <a:endParaRPr lang="en-CA"/>
           </a:p>
@@ -3632,7 +3632,7 @@
           <a:p>
             <a:fld id="{9FE723E2-BC0F-4A2F-84D1-E095482B85E6}" type="datetimeFigureOut">
               <a:rPr lang="en-CA" smtClean="0"/>
-              <a:t>2021-10-16</a:t>
+              <a:t>2022-02-09</a:t>
             </a:fld>
             <a:endParaRPr lang="en-CA"/>
           </a:p>
@@ -3924,7 +3924,7 @@
           <a:p>
             <a:fld id="{9FE723E2-BC0F-4A2F-84D1-E095482B85E6}" type="datetimeFigureOut">
               <a:rPr lang="en-CA" smtClean="0"/>
-              <a:t>2021-10-16</a:t>
+              <a:t>2022-02-09</a:t>
             </a:fld>
             <a:endParaRPr lang="en-CA"/>
           </a:p>
@@ -4368,7 +4368,7 @@
           <a:p>
             <a:fld id="{9FE723E2-BC0F-4A2F-84D1-E095482B85E6}" type="datetimeFigureOut">
               <a:rPr lang="en-CA" smtClean="0"/>
-              <a:t>2021-10-16</a:t>
+              <a:t>2022-02-09</a:t>
             </a:fld>
             <a:endParaRPr lang="en-CA"/>
           </a:p>
@@ -4486,7 +4486,7 @@
           <a:p>
             <a:fld id="{9FE723E2-BC0F-4A2F-84D1-E095482B85E6}" type="datetimeFigureOut">
               <a:rPr lang="en-CA" smtClean="0"/>
-              <a:t>2021-10-16</a:t>
+              <a:t>2022-02-09</a:t>
             </a:fld>
             <a:endParaRPr lang="en-CA"/>
           </a:p>
@@ -4581,7 +4581,7 @@
           <a:p>
             <a:fld id="{9FE723E2-BC0F-4A2F-84D1-E095482B85E6}" type="datetimeFigureOut">
               <a:rPr lang="en-CA" smtClean="0"/>
-              <a:t>2021-10-16</a:t>
+              <a:t>2022-02-09</a:t>
             </a:fld>
             <a:endParaRPr lang="en-CA"/>
           </a:p>
@@ -4860,7 +4860,7 @@
           <a:p>
             <a:fld id="{9FE723E2-BC0F-4A2F-84D1-E095482B85E6}" type="datetimeFigureOut">
               <a:rPr lang="en-CA" smtClean="0"/>
-              <a:t>2021-10-16</a:t>
+              <a:t>2022-02-09</a:t>
             </a:fld>
             <a:endParaRPr lang="en-CA"/>
           </a:p>
@@ -5135,7 +5135,7 @@
           <a:p>
             <a:fld id="{9FE723E2-BC0F-4A2F-84D1-E095482B85E6}" type="datetimeFigureOut">
               <a:rPr lang="en-CA" smtClean="0"/>
-              <a:t>2021-10-16</a:t>
+              <a:t>2022-02-09</a:t>
             </a:fld>
             <a:endParaRPr lang="en-CA"/>
           </a:p>
@@ -5564,7 +5564,7 @@
           <a:p>
             <a:fld id="{9FE723E2-BC0F-4A2F-84D1-E095482B85E6}" type="datetimeFigureOut">
               <a:rPr lang="en-CA" smtClean="0"/>
-              <a:t>2021-10-16</a:t>
+              <a:t>2022-02-09</a:t>
             </a:fld>
             <a:endParaRPr lang="en-CA"/>
           </a:p>
@@ -6463,8 +6463,8 @@
         </p:nvSpPr>
         <p:spPr>
           <a:xfrm>
-            <a:off x="7241067" y="2795068"/>
-            <a:ext cx="4950933" cy="2391769"/>
+            <a:off x="7241067" y="3405800"/>
+            <a:ext cx="4950933" cy="772614"/>
           </a:xfrm>
         </p:spPr>
         <p:txBody>
@@ -6475,37 +6475,14 @@
           <a:p>
             <a:pPr algn="ctr"/>
             <a:r>
-              <a:rPr lang="en-CA" sz="4000" b="1" dirty="0">
+              <a:rPr lang="en-CA" sz="6000" b="1" dirty="0">
                 <a:solidFill>
                   <a:schemeClr val="bg1"/>
                 </a:solidFill>
                 <a:latin typeface="Myriad Pro Cond" panose="020B0506030403020204" pitchFamily="34" charset="0"/>
               </a:rPr>
-              <a:t>Mathew Owens</a:t>
-            </a:r>
-            <a:br>
-              <a:rPr lang="en-CA" sz="4000" b="1" dirty="0">
-                <a:solidFill>
-                  <a:schemeClr val="bg1"/>
-                </a:solidFill>
-                <a:latin typeface="Myriad Pro Cond" panose="020B0506030403020204" pitchFamily="34" charset="0"/>
-              </a:rPr>
-            </a:br>
-            <a:r>
-              <a:rPr lang="en-US" sz="4000" dirty="0">
-                <a:solidFill>
-                  <a:schemeClr val="bg1"/>
-                </a:solidFill>
-                <a:latin typeface="Myriad Pro Cond" panose="020B0506030403020204" pitchFamily="34" charset="0"/>
-              </a:rPr>
-              <a:t>Extreme Space Weather and the Solar Cycle</a:t>
-            </a:r>
-            <a:endParaRPr lang="en-CA" sz="4000" dirty="0">
-              <a:solidFill>
-                <a:schemeClr val="bg1"/>
-              </a:solidFill>
-              <a:latin typeface="Myriad Pro Cond" panose="020B0506030403020204" pitchFamily="34" charset="0"/>
-            </a:endParaRPr>
+              <a:t>Mei-ching Fok</a:t>
+            </a:r>
           </a:p>
         </p:txBody>
       </p:sp>
@@ -6527,8 +6504,8 @@
         </p:nvSpPr>
         <p:spPr>
           <a:xfrm>
-            <a:off x="8304159" y="5560162"/>
-            <a:ext cx="2824748" cy="525223"/>
+            <a:off x="7241065" y="4334652"/>
+            <a:ext cx="4821549" cy="1986455"/>
           </a:xfrm>
         </p:spPr>
         <p:txBody>
@@ -6539,21 +6516,18 @@
           <a:p>
             <a:pPr algn="ctr"/>
             <a:r>
-              <a:rPr lang="en-CA" sz="2400" b="1">
+              <a:rPr lang="en-US" sz="3200" b="1" dirty="0">
                 <a:solidFill>
                   <a:schemeClr val="bg1"/>
                 </a:solidFill>
               </a:rPr>
-              <a:t>October 18, </a:t>
-            </a:r>
-            <a:r>
-              <a:rPr lang="en-CA" sz="2400" b="1" dirty="0">
-                <a:solidFill>
-                  <a:schemeClr val="bg1"/>
-                </a:solidFill>
-              </a:rPr>
-              <a:t>2021</a:t>
-            </a:r>
+              <a:t>The Interconnected Inner Magnetosphere: A  Modeler’s Perspective</a:t>
+            </a:r>
+            <a:endParaRPr lang="en-CA" sz="3200" b="1" dirty="0">
+              <a:solidFill>
+                <a:schemeClr val="bg1"/>
+              </a:solidFill>
+            </a:endParaRPr>
           </a:p>
         </p:txBody>
       </p:sp>
@@ -6573,7 +6547,7 @@
         </p:nvCxnSpPr>
         <p:spPr>
           <a:xfrm>
-            <a:off x="8128690" y="5312770"/>
+            <a:off x="8128689" y="4329000"/>
             <a:ext cx="3175686" cy="0"/>
           </a:xfrm>
           <a:prstGeom prst="line">

--- a/MSOSS_title.pptx
+++ b/MSOSS_title.pptx
@@ -299,7 +299,7 @@
           <a:p>
             <a:fld id="{9FE723E2-BC0F-4A2F-84D1-E095482B85E6}" type="datetimeFigureOut">
               <a:rPr lang="en-CA" smtClean="0"/>
-              <a:t>2022-02-09</a:t>
+              <a:t>2022-02-11</a:t>
             </a:fld>
             <a:endParaRPr lang="en-CA"/>
           </a:p>
@@ -574,7 +574,7 @@
           <a:p>
             <a:fld id="{9FE723E2-BC0F-4A2F-84D1-E095482B85E6}" type="datetimeFigureOut">
               <a:rPr lang="en-CA" smtClean="0"/>
-              <a:t>2022-02-09</a:t>
+              <a:t>2022-02-11</a:t>
             </a:fld>
             <a:endParaRPr lang="en-CA"/>
           </a:p>
@@ -768,7 +768,7 @@
           <a:p>
             <a:fld id="{9FE723E2-BC0F-4A2F-84D1-E095482B85E6}" type="datetimeFigureOut">
               <a:rPr lang="en-CA" smtClean="0"/>
-              <a:t>2022-02-09</a:t>
+              <a:t>2022-02-11</a:t>
             </a:fld>
             <a:endParaRPr lang="en-CA"/>
           </a:p>
@@ -1041,7 +1041,7 @@
           <a:p>
             <a:fld id="{9FE723E2-BC0F-4A2F-84D1-E095482B85E6}" type="datetimeFigureOut">
               <a:rPr lang="en-CA" smtClean="0"/>
-              <a:t>2022-02-09</a:t>
+              <a:t>2022-02-11</a:t>
             </a:fld>
             <a:endParaRPr lang="en-CA"/>
           </a:p>
@@ -1382,7 +1382,7 @@
           <a:p>
             <a:fld id="{9FE723E2-BC0F-4A2F-84D1-E095482B85E6}" type="datetimeFigureOut">
               <a:rPr lang="en-CA" smtClean="0"/>
-              <a:t>2022-02-09</a:t>
+              <a:t>2022-02-11</a:t>
             </a:fld>
             <a:endParaRPr lang="en-CA"/>
           </a:p>
@@ -2005,7 +2005,7 @@
           <a:p>
             <a:fld id="{9FE723E2-BC0F-4A2F-84D1-E095482B85E6}" type="datetimeFigureOut">
               <a:rPr lang="en-CA" smtClean="0"/>
-              <a:t>2022-02-09</a:t>
+              <a:t>2022-02-11</a:t>
             </a:fld>
             <a:endParaRPr lang="en-CA"/>
           </a:p>
@@ -2865,7 +2865,7 @@
           <a:p>
             <a:fld id="{9FE723E2-BC0F-4A2F-84D1-E095482B85E6}" type="datetimeFigureOut">
               <a:rPr lang="en-CA" smtClean="0"/>
-              <a:t>2022-02-09</a:t>
+              <a:t>2022-02-11</a:t>
             </a:fld>
             <a:endParaRPr lang="en-CA"/>
           </a:p>
@@ -3035,7 +3035,7 @@
           <a:p>
             <a:fld id="{9FE723E2-BC0F-4A2F-84D1-E095482B85E6}" type="datetimeFigureOut">
               <a:rPr lang="en-CA" smtClean="0"/>
-              <a:t>2022-02-09</a:t>
+              <a:t>2022-02-11</a:t>
             </a:fld>
             <a:endParaRPr lang="en-CA"/>
           </a:p>
@@ -3215,7 +3215,7 @@
           <a:p>
             <a:fld id="{9FE723E2-BC0F-4A2F-84D1-E095482B85E6}" type="datetimeFigureOut">
               <a:rPr lang="en-CA" smtClean="0"/>
-              <a:t>2022-02-09</a:t>
+              <a:t>2022-02-11</a:t>
             </a:fld>
             <a:endParaRPr lang="en-CA"/>
           </a:p>
@@ -3385,7 +3385,7 @@
           <a:p>
             <a:fld id="{9FE723E2-BC0F-4A2F-84D1-E095482B85E6}" type="datetimeFigureOut">
               <a:rPr lang="en-CA" smtClean="0"/>
-              <a:t>2022-02-09</a:t>
+              <a:t>2022-02-11</a:t>
             </a:fld>
             <a:endParaRPr lang="en-CA"/>
           </a:p>
@@ -3632,7 +3632,7 @@
           <a:p>
             <a:fld id="{9FE723E2-BC0F-4A2F-84D1-E095482B85E6}" type="datetimeFigureOut">
               <a:rPr lang="en-CA" smtClean="0"/>
-              <a:t>2022-02-09</a:t>
+              <a:t>2022-02-11</a:t>
             </a:fld>
             <a:endParaRPr lang="en-CA"/>
           </a:p>
@@ -3924,7 +3924,7 @@
           <a:p>
             <a:fld id="{9FE723E2-BC0F-4A2F-84D1-E095482B85E6}" type="datetimeFigureOut">
               <a:rPr lang="en-CA" smtClean="0"/>
-              <a:t>2022-02-09</a:t>
+              <a:t>2022-02-11</a:t>
             </a:fld>
             <a:endParaRPr lang="en-CA"/>
           </a:p>
@@ -4368,7 +4368,7 @@
           <a:p>
             <a:fld id="{9FE723E2-BC0F-4A2F-84D1-E095482B85E6}" type="datetimeFigureOut">
               <a:rPr lang="en-CA" smtClean="0"/>
-              <a:t>2022-02-09</a:t>
+              <a:t>2022-02-11</a:t>
             </a:fld>
             <a:endParaRPr lang="en-CA"/>
           </a:p>
@@ -4486,7 +4486,7 @@
           <a:p>
             <a:fld id="{9FE723E2-BC0F-4A2F-84D1-E095482B85E6}" type="datetimeFigureOut">
               <a:rPr lang="en-CA" smtClean="0"/>
-              <a:t>2022-02-09</a:t>
+              <a:t>2022-02-11</a:t>
             </a:fld>
             <a:endParaRPr lang="en-CA"/>
           </a:p>
@@ -4581,7 +4581,7 @@
           <a:p>
             <a:fld id="{9FE723E2-BC0F-4A2F-84D1-E095482B85E6}" type="datetimeFigureOut">
               <a:rPr lang="en-CA" smtClean="0"/>
-              <a:t>2022-02-09</a:t>
+              <a:t>2022-02-11</a:t>
             </a:fld>
             <a:endParaRPr lang="en-CA"/>
           </a:p>
@@ -4860,7 +4860,7 @@
           <a:p>
             <a:fld id="{9FE723E2-BC0F-4A2F-84D1-E095482B85E6}" type="datetimeFigureOut">
               <a:rPr lang="en-CA" smtClean="0"/>
-              <a:t>2022-02-09</a:t>
+              <a:t>2022-02-11</a:t>
             </a:fld>
             <a:endParaRPr lang="en-CA"/>
           </a:p>
@@ -5135,7 +5135,7 @@
           <a:p>
             <a:fld id="{9FE723E2-BC0F-4A2F-84D1-E095482B85E6}" type="datetimeFigureOut">
               <a:rPr lang="en-CA" smtClean="0"/>
-              <a:t>2022-02-09</a:t>
+              <a:t>2022-02-11</a:t>
             </a:fld>
             <a:endParaRPr lang="en-CA"/>
           </a:p>
@@ -5564,7 +5564,7 @@
           <a:p>
             <a:fld id="{9FE723E2-BC0F-4A2F-84D1-E095482B85E6}" type="datetimeFigureOut">
               <a:rPr lang="en-CA" smtClean="0"/>
-              <a:t>2022-02-09</a:t>
+              <a:t>2022-02-11</a:t>
             </a:fld>
             <a:endParaRPr lang="en-CA"/>
           </a:p>
@@ -6521,7 +6521,7 @@
                   <a:schemeClr val="bg1"/>
                 </a:solidFill>
               </a:rPr>
-              <a:t>The Interconnected Inner Magnetosphere: A  Modeler’s Perspective</a:t>
+              <a:t>An Overview of Inner Magnetosphere Modeling and New Developments in CIMI</a:t>
             </a:r>
             <a:endParaRPr lang="en-CA" sz="3200" b="1" dirty="0">
               <a:solidFill>

--- a/MSOSS_title.pptx
+++ b/MSOSS_title.pptx
@@ -299,7 +299,7 @@
           <a:p>
             <a:fld id="{9FE723E2-BC0F-4A2F-84D1-E095482B85E6}" type="datetimeFigureOut">
               <a:rPr lang="en-CA" smtClean="0"/>
-              <a:t>2022-02-11</a:t>
+              <a:t>2022-03-13</a:t>
             </a:fld>
             <a:endParaRPr lang="en-CA"/>
           </a:p>
@@ -574,7 +574,7 @@
           <a:p>
             <a:fld id="{9FE723E2-BC0F-4A2F-84D1-E095482B85E6}" type="datetimeFigureOut">
               <a:rPr lang="en-CA" smtClean="0"/>
-              <a:t>2022-02-11</a:t>
+              <a:t>2022-03-13</a:t>
             </a:fld>
             <a:endParaRPr lang="en-CA"/>
           </a:p>
@@ -768,7 +768,7 @@
           <a:p>
             <a:fld id="{9FE723E2-BC0F-4A2F-84D1-E095482B85E6}" type="datetimeFigureOut">
               <a:rPr lang="en-CA" smtClean="0"/>
-              <a:t>2022-02-11</a:t>
+              <a:t>2022-03-13</a:t>
             </a:fld>
             <a:endParaRPr lang="en-CA"/>
           </a:p>
@@ -1041,7 +1041,7 @@
           <a:p>
             <a:fld id="{9FE723E2-BC0F-4A2F-84D1-E095482B85E6}" type="datetimeFigureOut">
               <a:rPr lang="en-CA" smtClean="0"/>
-              <a:t>2022-02-11</a:t>
+              <a:t>2022-03-13</a:t>
             </a:fld>
             <a:endParaRPr lang="en-CA"/>
           </a:p>
@@ -1382,7 +1382,7 @@
           <a:p>
             <a:fld id="{9FE723E2-BC0F-4A2F-84D1-E095482B85E6}" type="datetimeFigureOut">
               <a:rPr lang="en-CA" smtClean="0"/>
-              <a:t>2022-02-11</a:t>
+              <a:t>2022-03-13</a:t>
             </a:fld>
             <a:endParaRPr lang="en-CA"/>
           </a:p>
@@ -2005,7 +2005,7 @@
           <a:p>
             <a:fld id="{9FE723E2-BC0F-4A2F-84D1-E095482B85E6}" type="datetimeFigureOut">
               <a:rPr lang="en-CA" smtClean="0"/>
-              <a:t>2022-02-11</a:t>
+              <a:t>2022-03-13</a:t>
             </a:fld>
             <a:endParaRPr lang="en-CA"/>
           </a:p>
@@ -2865,7 +2865,7 @@
           <a:p>
             <a:fld id="{9FE723E2-BC0F-4A2F-84D1-E095482B85E6}" type="datetimeFigureOut">
               <a:rPr lang="en-CA" smtClean="0"/>
-              <a:t>2022-02-11</a:t>
+              <a:t>2022-03-13</a:t>
             </a:fld>
             <a:endParaRPr lang="en-CA"/>
           </a:p>
@@ -3035,7 +3035,7 @@
           <a:p>
             <a:fld id="{9FE723E2-BC0F-4A2F-84D1-E095482B85E6}" type="datetimeFigureOut">
               <a:rPr lang="en-CA" smtClean="0"/>
-              <a:t>2022-02-11</a:t>
+              <a:t>2022-03-13</a:t>
             </a:fld>
             <a:endParaRPr lang="en-CA"/>
           </a:p>
@@ -3215,7 +3215,7 @@
           <a:p>
             <a:fld id="{9FE723E2-BC0F-4A2F-84D1-E095482B85E6}" type="datetimeFigureOut">
               <a:rPr lang="en-CA" smtClean="0"/>
-              <a:t>2022-02-11</a:t>
+              <a:t>2022-03-13</a:t>
             </a:fld>
             <a:endParaRPr lang="en-CA"/>
           </a:p>
@@ -3385,7 +3385,7 @@
           <a:p>
             <a:fld id="{9FE723E2-BC0F-4A2F-84D1-E095482B85E6}" type="datetimeFigureOut">
               <a:rPr lang="en-CA" smtClean="0"/>
-              <a:t>2022-02-11</a:t>
+              <a:t>2022-03-13</a:t>
             </a:fld>
             <a:endParaRPr lang="en-CA"/>
           </a:p>
@@ -3632,7 +3632,7 @@
           <a:p>
             <a:fld id="{9FE723E2-BC0F-4A2F-84D1-E095482B85E6}" type="datetimeFigureOut">
               <a:rPr lang="en-CA" smtClean="0"/>
-              <a:t>2022-02-11</a:t>
+              <a:t>2022-03-13</a:t>
             </a:fld>
             <a:endParaRPr lang="en-CA"/>
           </a:p>
@@ -3924,7 +3924,7 @@
           <a:p>
             <a:fld id="{9FE723E2-BC0F-4A2F-84D1-E095482B85E6}" type="datetimeFigureOut">
               <a:rPr lang="en-CA" smtClean="0"/>
-              <a:t>2022-02-11</a:t>
+              <a:t>2022-03-13</a:t>
             </a:fld>
             <a:endParaRPr lang="en-CA"/>
           </a:p>
@@ -4368,7 +4368,7 @@
           <a:p>
             <a:fld id="{9FE723E2-BC0F-4A2F-84D1-E095482B85E6}" type="datetimeFigureOut">
               <a:rPr lang="en-CA" smtClean="0"/>
-              <a:t>2022-02-11</a:t>
+              <a:t>2022-03-13</a:t>
             </a:fld>
             <a:endParaRPr lang="en-CA"/>
           </a:p>
@@ -4486,7 +4486,7 @@
           <a:p>
             <a:fld id="{9FE723E2-BC0F-4A2F-84D1-E095482B85E6}" type="datetimeFigureOut">
               <a:rPr lang="en-CA" smtClean="0"/>
-              <a:t>2022-02-11</a:t>
+              <a:t>2022-03-13</a:t>
             </a:fld>
             <a:endParaRPr lang="en-CA"/>
           </a:p>
@@ -4581,7 +4581,7 @@
           <a:p>
             <a:fld id="{9FE723E2-BC0F-4A2F-84D1-E095482B85E6}" type="datetimeFigureOut">
               <a:rPr lang="en-CA" smtClean="0"/>
-              <a:t>2022-02-11</a:t>
+              <a:t>2022-03-13</a:t>
             </a:fld>
             <a:endParaRPr lang="en-CA"/>
           </a:p>
@@ -4860,7 +4860,7 @@
           <a:p>
             <a:fld id="{9FE723E2-BC0F-4A2F-84D1-E095482B85E6}" type="datetimeFigureOut">
               <a:rPr lang="en-CA" smtClean="0"/>
-              <a:t>2022-02-11</a:t>
+              <a:t>2022-03-13</a:t>
             </a:fld>
             <a:endParaRPr lang="en-CA"/>
           </a:p>
@@ -5135,7 +5135,7 @@
           <a:p>
             <a:fld id="{9FE723E2-BC0F-4A2F-84D1-E095482B85E6}" type="datetimeFigureOut">
               <a:rPr lang="en-CA" smtClean="0"/>
-              <a:t>2022-02-11</a:t>
+              <a:t>2022-03-13</a:t>
             </a:fld>
             <a:endParaRPr lang="en-CA"/>
           </a:p>
@@ -5564,7 +5564,7 @@
           <a:p>
             <a:fld id="{9FE723E2-BC0F-4A2F-84D1-E095482B85E6}" type="datetimeFigureOut">
               <a:rPr lang="en-CA" smtClean="0"/>
-              <a:t>2022-02-11</a:t>
+              <a:t>2022-03-13</a:t>
             </a:fld>
             <a:endParaRPr lang="en-CA"/>
           </a:p>
@@ -6481,7 +6481,7 @@
                 </a:solidFill>
                 <a:latin typeface="Myriad Pro Cond" panose="020B0506030403020204" pitchFamily="34" charset="0"/>
               </a:rPr>
-              <a:t>Mei-ching Fok</a:t>
+              <a:t>Colin Forsyth</a:t>
             </a:r>
           </a:p>
         </p:txBody>
@@ -6504,13 +6504,13 @@
         </p:nvSpPr>
         <p:spPr>
           <a:xfrm>
-            <a:off x="7241065" y="4334652"/>
-            <a:ext cx="4821549" cy="1986455"/>
+            <a:off x="7451558" y="4334652"/>
+            <a:ext cx="4480943" cy="1986455"/>
           </a:xfrm>
         </p:spPr>
         <p:txBody>
           <a:bodyPr>
-            <a:normAutofit fontScale="92500"/>
+            <a:normAutofit lnSpcReduction="10000"/>
           </a:bodyPr>
           <a:lstStyle/>
           <a:p>
@@ -6521,7 +6521,7 @@
                   <a:schemeClr val="bg1"/>
                 </a:solidFill>
               </a:rPr>
-              <a:t>An Overview of Inner Magnetosphere Modeling and New Developments in CIMI</a:t>
+              <a:t>Physical Processes of Meso-scale, dynamic auroral forms</a:t>
             </a:r>
             <a:endParaRPr lang="en-CA" sz="3200" b="1" dirty="0">
               <a:solidFill>

--- a/MSOSS_title.pptx
+++ b/MSOSS_title.pptx
@@ -299,7 +299,7 @@
           <a:p>
             <a:fld id="{9FE723E2-BC0F-4A2F-84D1-E095482B85E6}" type="datetimeFigureOut">
               <a:rPr lang="en-CA" smtClean="0"/>
-              <a:t>2022-03-13</a:t>
+              <a:t>2022-04-24</a:t>
             </a:fld>
             <a:endParaRPr lang="en-CA"/>
           </a:p>
@@ -574,7 +574,7 @@
           <a:p>
             <a:fld id="{9FE723E2-BC0F-4A2F-84D1-E095482B85E6}" type="datetimeFigureOut">
               <a:rPr lang="en-CA" smtClean="0"/>
-              <a:t>2022-03-13</a:t>
+              <a:t>2022-04-24</a:t>
             </a:fld>
             <a:endParaRPr lang="en-CA"/>
           </a:p>
@@ -768,7 +768,7 @@
           <a:p>
             <a:fld id="{9FE723E2-BC0F-4A2F-84D1-E095482B85E6}" type="datetimeFigureOut">
               <a:rPr lang="en-CA" smtClean="0"/>
-              <a:t>2022-03-13</a:t>
+              <a:t>2022-04-24</a:t>
             </a:fld>
             <a:endParaRPr lang="en-CA"/>
           </a:p>
@@ -1041,7 +1041,7 @@
           <a:p>
             <a:fld id="{9FE723E2-BC0F-4A2F-84D1-E095482B85E6}" type="datetimeFigureOut">
               <a:rPr lang="en-CA" smtClean="0"/>
-              <a:t>2022-03-13</a:t>
+              <a:t>2022-04-24</a:t>
             </a:fld>
             <a:endParaRPr lang="en-CA"/>
           </a:p>
@@ -1382,7 +1382,7 @@
           <a:p>
             <a:fld id="{9FE723E2-BC0F-4A2F-84D1-E095482B85E6}" type="datetimeFigureOut">
               <a:rPr lang="en-CA" smtClean="0"/>
-              <a:t>2022-03-13</a:t>
+              <a:t>2022-04-24</a:t>
             </a:fld>
             <a:endParaRPr lang="en-CA"/>
           </a:p>
@@ -2005,7 +2005,7 @@
           <a:p>
             <a:fld id="{9FE723E2-BC0F-4A2F-84D1-E095482B85E6}" type="datetimeFigureOut">
               <a:rPr lang="en-CA" smtClean="0"/>
-              <a:t>2022-03-13</a:t>
+              <a:t>2022-04-24</a:t>
             </a:fld>
             <a:endParaRPr lang="en-CA"/>
           </a:p>
@@ -2865,7 +2865,7 @@
           <a:p>
             <a:fld id="{9FE723E2-BC0F-4A2F-84D1-E095482B85E6}" type="datetimeFigureOut">
               <a:rPr lang="en-CA" smtClean="0"/>
-              <a:t>2022-03-13</a:t>
+              <a:t>2022-04-24</a:t>
             </a:fld>
             <a:endParaRPr lang="en-CA"/>
           </a:p>
@@ -3035,7 +3035,7 @@
           <a:p>
             <a:fld id="{9FE723E2-BC0F-4A2F-84D1-E095482B85E6}" type="datetimeFigureOut">
               <a:rPr lang="en-CA" smtClean="0"/>
-              <a:t>2022-03-13</a:t>
+              <a:t>2022-04-24</a:t>
             </a:fld>
             <a:endParaRPr lang="en-CA"/>
           </a:p>
@@ -3215,7 +3215,7 @@
           <a:p>
             <a:fld id="{9FE723E2-BC0F-4A2F-84D1-E095482B85E6}" type="datetimeFigureOut">
               <a:rPr lang="en-CA" smtClean="0"/>
-              <a:t>2022-03-13</a:t>
+              <a:t>2022-04-24</a:t>
             </a:fld>
             <a:endParaRPr lang="en-CA"/>
           </a:p>
@@ -3385,7 +3385,7 @@
           <a:p>
             <a:fld id="{9FE723E2-BC0F-4A2F-84D1-E095482B85E6}" type="datetimeFigureOut">
               <a:rPr lang="en-CA" smtClean="0"/>
-              <a:t>2022-03-13</a:t>
+              <a:t>2022-04-24</a:t>
             </a:fld>
             <a:endParaRPr lang="en-CA"/>
           </a:p>
@@ -3632,7 +3632,7 @@
           <a:p>
             <a:fld id="{9FE723E2-BC0F-4A2F-84D1-E095482B85E6}" type="datetimeFigureOut">
               <a:rPr lang="en-CA" smtClean="0"/>
-              <a:t>2022-03-13</a:t>
+              <a:t>2022-04-24</a:t>
             </a:fld>
             <a:endParaRPr lang="en-CA"/>
           </a:p>
@@ -3924,7 +3924,7 @@
           <a:p>
             <a:fld id="{9FE723E2-BC0F-4A2F-84D1-E095482B85E6}" type="datetimeFigureOut">
               <a:rPr lang="en-CA" smtClean="0"/>
-              <a:t>2022-03-13</a:t>
+              <a:t>2022-04-24</a:t>
             </a:fld>
             <a:endParaRPr lang="en-CA"/>
           </a:p>
@@ -4368,7 +4368,7 @@
           <a:p>
             <a:fld id="{9FE723E2-BC0F-4A2F-84D1-E095482B85E6}" type="datetimeFigureOut">
               <a:rPr lang="en-CA" smtClean="0"/>
-              <a:t>2022-03-13</a:t>
+              <a:t>2022-04-24</a:t>
             </a:fld>
             <a:endParaRPr lang="en-CA"/>
           </a:p>
@@ -4486,7 +4486,7 @@
           <a:p>
             <a:fld id="{9FE723E2-BC0F-4A2F-84D1-E095482B85E6}" type="datetimeFigureOut">
               <a:rPr lang="en-CA" smtClean="0"/>
-              <a:t>2022-03-13</a:t>
+              <a:t>2022-04-24</a:t>
             </a:fld>
             <a:endParaRPr lang="en-CA"/>
           </a:p>
@@ -4581,7 +4581,7 @@
           <a:p>
             <a:fld id="{9FE723E2-BC0F-4A2F-84D1-E095482B85E6}" type="datetimeFigureOut">
               <a:rPr lang="en-CA" smtClean="0"/>
-              <a:t>2022-03-13</a:t>
+              <a:t>2022-04-24</a:t>
             </a:fld>
             <a:endParaRPr lang="en-CA"/>
           </a:p>
@@ -4860,7 +4860,7 @@
           <a:p>
             <a:fld id="{9FE723E2-BC0F-4A2F-84D1-E095482B85E6}" type="datetimeFigureOut">
               <a:rPr lang="en-CA" smtClean="0"/>
-              <a:t>2022-03-13</a:t>
+              <a:t>2022-04-24</a:t>
             </a:fld>
             <a:endParaRPr lang="en-CA"/>
           </a:p>
@@ -5135,7 +5135,7 @@
           <a:p>
             <a:fld id="{9FE723E2-BC0F-4A2F-84D1-E095482B85E6}" type="datetimeFigureOut">
               <a:rPr lang="en-CA" smtClean="0"/>
-              <a:t>2022-03-13</a:t>
+              <a:t>2022-04-24</a:t>
             </a:fld>
             <a:endParaRPr lang="en-CA"/>
           </a:p>
@@ -5564,7 +5564,7 @@
           <a:p>
             <a:fld id="{9FE723E2-BC0F-4A2F-84D1-E095482B85E6}" type="datetimeFigureOut">
               <a:rPr lang="en-CA" smtClean="0"/>
-              <a:t>2022-03-13</a:t>
+              <a:t>2022-04-24</a:t>
             </a:fld>
             <a:endParaRPr lang="en-CA"/>
           </a:p>
@@ -6481,7 +6481,7 @@
                 </a:solidFill>
                 <a:latin typeface="Myriad Pro Cond" panose="020B0506030403020204" pitchFamily="34" charset="0"/>
               </a:rPr>
-              <a:t>Colin Forsyth</a:t>
+              <a:t>Andrei Runov</a:t>
             </a:r>
           </a:p>
         </p:txBody>
@@ -6510,20 +6510,20 @@
         </p:spPr>
         <p:txBody>
           <a:bodyPr>
-            <a:normAutofit lnSpcReduction="10000"/>
+            <a:normAutofit/>
           </a:bodyPr>
           <a:lstStyle/>
           <a:p>
             <a:pPr algn="ctr"/>
             <a:r>
-              <a:rPr lang="en-US" sz="3200" b="1" dirty="0">
+              <a:rPr lang="en-US" sz="4000" b="1" dirty="0">
                 <a:solidFill>
                   <a:schemeClr val="bg1"/>
                 </a:solidFill>
               </a:rPr>
-              <a:t>Physical Processes of Meso-scale, dynamic auroral forms</a:t>
-            </a:r>
-            <a:endParaRPr lang="en-CA" sz="3200" b="1" dirty="0">
+              <a:t>Magnetotail Transients Revisited</a:t>
+            </a:r>
+            <a:endParaRPr lang="en-CA" sz="4000" b="1" dirty="0">
               <a:solidFill>
                 <a:schemeClr val="bg1"/>
               </a:solidFill>

--- a/MSOSS_title.pptx
+++ b/MSOSS_title.pptx
@@ -299,7 +299,7 @@
           <a:p>
             <a:fld id="{9FE723E2-BC0F-4A2F-84D1-E095482B85E6}" type="datetimeFigureOut">
               <a:rPr lang="en-CA" smtClean="0"/>
-              <a:t>2022-04-24</a:t>
+              <a:t>2022-08-07</a:t>
             </a:fld>
             <a:endParaRPr lang="en-CA"/>
           </a:p>
@@ -574,7 +574,7 @@
           <a:p>
             <a:fld id="{9FE723E2-BC0F-4A2F-84D1-E095482B85E6}" type="datetimeFigureOut">
               <a:rPr lang="en-CA" smtClean="0"/>
-              <a:t>2022-04-24</a:t>
+              <a:t>2022-08-07</a:t>
             </a:fld>
             <a:endParaRPr lang="en-CA"/>
           </a:p>
@@ -768,7 +768,7 @@
           <a:p>
             <a:fld id="{9FE723E2-BC0F-4A2F-84D1-E095482B85E6}" type="datetimeFigureOut">
               <a:rPr lang="en-CA" smtClean="0"/>
-              <a:t>2022-04-24</a:t>
+              <a:t>2022-08-07</a:t>
             </a:fld>
             <a:endParaRPr lang="en-CA"/>
           </a:p>
@@ -1041,7 +1041,7 @@
           <a:p>
             <a:fld id="{9FE723E2-BC0F-4A2F-84D1-E095482B85E6}" type="datetimeFigureOut">
               <a:rPr lang="en-CA" smtClean="0"/>
-              <a:t>2022-04-24</a:t>
+              <a:t>2022-08-07</a:t>
             </a:fld>
             <a:endParaRPr lang="en-CA"/>
           </a:p>
@@ -1382,7 +1382,7 @@
           <a:p>
             <a:fld id="{9FE723E2-BC0F-4A2F-84D1-E095482B85E6}" type="datetimeFigureOut">
               <a:rPr lang="en-CA" smtClean="0"/>
-              <a:t>2022-04-24</a:t>
+              <a:t>2022-08-07</a:t>
             </a:fld>
             <a:endParaRPr lang="en-CA"/>
           </a:p>
@@ -2005,7 +2005,7 @@
           <a:p>
             <a:fld id="{9FE723E2-BC0F-4A2F-84D1-E095482B85E6}" type="datetimeFigureOut">
               <a:rPr lang="en-CA" smtClean="0"/>
-              <a:t>2022-04-24</a:t>
+              <a:t>2022-08-07</a:t>
             </a:fld>
             <a:endParaRPr lang="en-CA"/>
           </a:p>
@@ -2865,7 +2865,7 @@
           <a:p>
             <a:fld id="{9FE723E2-BC0F-4A2F-84D1-E095482B85E6}" type="datetimeFigureOut">
               <a:rPr lang="en-CA" smtClean="0"/>
-              <a:t>2022-04-24</a:t>
+              <a:t>2022-08-07</a:t>
             </a:fld>
             <a:endParaRPr lang="en-CA"/>
           </a:p>
@@ -3035,7 +3035,7 @@
           <a:p>
             <a:fld id="{9FE723E2-BC0F-4A2F-84D1-E095482B85E6}" type="datetimeFigureOut">
               <a:rPr lang="en-CA" smtClean="0"/>
-              <a:t>2022-04-24</a:t>
+              <a:t>2022-08-07</a:t>
             </a:fld>
             <a:endParaRPr lang="en-CA"/>
           </a:p>
@@ -3215,7 +3215,7 @@
           <a:p>
             <a:fld id="{9FE723E2-BC0F-4A2F-84D1-E095482B85E6}" type="datetimeFigureOut">
               <a:rPr lang="en-CA" smtClean="0"/>
-              <a:t>2022-04-24</a:t>
+              <a:t>2022-08-07</a:t>
             </a:fld>
             <a:endParaRPr lang="en-CA"/>
           </a:p>
@@ -3385,7 +3385,7 @@
           <a:p>
             <a:fld id="{9FE723E2-BC0F-4A2F-84D1-E095482B85E6}" type="datetimeFigureOut">
               <a:rPr lang="en-CA" smtClean="0"/>
-              <a:t>2022-04-24</a:t>
+              <a:t>2022-08-07</a:t>
             </a:fld>
             <a:endParaRPr lang="en-CA"/>
           </a:p>
@@ -3632,7 +3632,7 @@
           <a:p>
             <a:fld id="{9FE723E2-BC0F-4A2F-84D1-E095482B85E6}" type="datetimeFigureOut">
               <a:rPr lang="en-CA" smtClean="0"/>
-              <a:t>2022-04-24</a:t>
+              <a:t>2022-08-07</a:t>
             </a:fld>
             <a:endParaRPr lang="en-CA"/>
           </a:p>
@@ -3924,7 +3924,7 @@
           <a:p>
             <a:fld id="{9FE723E2-BC0F-4A2F-84D1-E095482B85E6}" type="datetimeFigureOut">
               <a:rPr lang="en-CA" smtClean="0"/>
-              <a:t>2022-04-24</a:t>
+              <a:t>2022-08-07</a:t>
             </a:fld>
             <a:endParaRPr lang="en-CA"/>
           </a:p>
@@ -4368,7 +4368,7 @@
           <a:p>
             <a:fld id="{9FE723E2-BC0F-4A2F-84D1-E095482B85E6}" type="datetimeFigureOut">
               <a:rPr lang="en-CA" smtClean="0"/>
-              <a:t>2022-04-24</a:t>
+              <a:t>2022-08-07</a:t>
             </a:fld>
             <a:endParaRPr lang="en-CA"/>
           </a:p>
@@ -4486,7 +4486,7 @@
           <a:p>
             <a:fld id="{9FE723E2-BC0F-4A2F-84D1-E095482B85E6}" type="datetimeFigureOut">
               <a:rPr lang="en-CA" smtClean="0"/>
-              <a:t>2022-04-24</a:t>
+              <a:t>2022-08-07</a:t>
             </a:fld>
             <a:endParaRPr lang="en-CA"/>
           </a:p>
@@ -4581,7 +4581,7 @@
           <a:p>
             <a:fld id="{9FE723E2-BC0F-4A2F-84D1-E095482B85E6}" type="datetimeFigureOut">
               <a:rPr lang="en-CA" smtClean="0"/>
-              <a:t>2022-04-24</a:t>
+              <a:t>2022-08-07</a:t>
             </a:fld>
             <a:endParaRPr lang="en-CA"/>
           </a:p>
@@ -4860,7 +4860,7 @@
           <a:p>
             <a:fld id="{9FE723E2-BC0F-4A2F-84D1-E095482B85E6}" type="datetimeFigureOut">
               <a:rPr lang="en-CA" smtClean="0"/>
-              <a:t>2022-04-24</a:t>
+              <a:t>2022-08-07</a:t>
             </a:fld>
             <a:endParaRPr lang="en-CA"/>
           </a:p>
@@ -5135,7 +5135,7 @@
           <a:p>
             <a:fld id="{9FE723E2-BC0F-4A2F-84D1-E095482B85E6}" type="datetimeFigureOut">
               <a:rPr lang="en-CA" smtClean="0"/>
-              <a:t>2022-04-24</a:t>
+              <a:t>2022-08-07</a:t>
             </a:fld>
             <a:endParaRPr lang="en-CA"/>
           </a:p>
@@ -5564,7 +5564,7 @@
           <a:p>
             <a:fld id="{9FE723E2-BC0F-4A2F-84D1-E095482B85E6}" type="datetimeFigureOut">
               <a:rPr lang="en-CA" smtClean="0"/>
-              <a:t>2022-04-24</a:t>
+              <a:t>2022-08-07</a:t>
             </a:fld>
             <a:endParaRPr lang="en-CA"/>
           </a:p>
@@ -6463,7 +6463,7 @@
         </p:nvSpPr>
         <p:spPr>
           <a:xfrm>
-            <a:off x="7241067" y="3405800"/>
+            <a:off x="7241067" y="2723133"/>
             <a:ext cx="4950933" cy="772614"/>
           </a:xfrm>
         </p:spPr>
@@ -6481,7 +6481,7 @@
                 </a:solidFill>
                 <a:latin typeface="Myriad Pro Cond" panose="020B0506030403020204" pitchFamily="34" charset="0"/>
               </a:rPr>
-              <a:t>Andrei Runov</a:t>
+              <a:t>Louis Ozeke</a:t>
             </a:r>
           </a:p>
         </p:txBody>
@@ -6504,13 +6504,13 @@
         </p:nvSpPr>
         <p:spPr>
           <a:xfrm>
-            <a:off x="7451558" y="4334652"/>
-            <a:ext cx="4480943" cy="1986455"/>
+            <a:off x="7451558" y="3807911"/>
+            <a:ext cx="4480943" cy="2992117"/>
           </a:xfrm>
         </p:spPr>
         <p:txBody>
           <a:bodyPr>
-            <a:normAutofit/>
+            <a:normAutofit fontScale="92500" lnSpcReduction="20000"/>
           </a:bodyPr>
           <a:lstStyle/>
           <a:p>
@@ -6521,7 +6521,7 @@
                   <a:schemeClr val="bg1"/>
                 </a:solidFill>
               </a:rPr>
-              <a:t>Magnetotail Transients Revisited</a:t>
+              <a:t>Electron Pitch Angle Distributions Observed During the Van Allen Probe Mission</a:t>
             </a:r>
             <a:endParaRPr lang="en-CA" sz="4000" b="1" dirty="0">
               <a:solidFill>
@@ -6547,7 +6547,7 @@
         </p:nvCxnSpPr>
         <p:spPr>
           <a:xfrm>
-            <a:off x="8128689" y="4329000"/>
+            <a:off x="8128689" y="3646333"/>
             <a:ext cx="3175686" cy="0"/>
           </a:xfrm>
           <a:prstGeom prst="line">

--- a/MSOSS_title.pptx
+++ b/MSOSS_title.pptx
@@ -299,7 +299,7 @@
           <a:p>
             <a:fld id="{9FE723E2-BC0F-4A2F-84D1-E095482B85E6}" type="datetimeFigureOut">
               <a:rPr lang="en-CA" smtClean="0"/>
-              <a:t>2022-08-07</a:t>
+              <a:t>2022-11-20</a:t>
             </a:fld>
             <a:endParaRPr lang="en-CA"/>
           </a:p>
@@ -574,7 +574,7 @@
           <a:p>
             <a:fld id="{9FE723E2-BC0F-4A2F-84D1-E095482B85E6}" type="datetimeFigureOut">
               <a:rPr lang="en-CA" smtClean="0"/>
-              <a:t>2022-08-07</a:t>
+              <a:t>2022-11-20</a:t>
             </a:fld>
             <a:endParaRPr lang="en-CA"/>
           </a:p>
@@ -768,7 +768,7 @@
           <a:p>
             <a:fld id="{9FE723E2-BC0F-4A2F-84D1-E095482B85E6}" type="datetimeFigureOut">
               <a:rPr lang="en-CA" smtClean="0"/>
-              <a:t>2022-08-07</a:t>
+              <a:t>2022-11-20</a:t>
             </a:fld>
             <a:endParaRPr lang="en-CA"/>
           </a:p>
@@ -1041,7 +1041,7 @@
           <a:p>
             <a:fld id="{9FE723E2-BC0F-4A2F-84D1-E095482B85E6}" type="datetimeFigureOut">
               <a:rPr lang="en-CA" smtClean="0"/>
-              <a:t>2022-08-07</a:t>
+              <a:t>2022-11-20</a:t>
             </a:fld>
             <a:endParaRPr lang="en-CA"/>
           </a:p>
@@ -1382,7 +1382,7 @@
           <a:p>
             <a:fld id="{9FE723E2-BC0F-4A2F-84D1-E095482B85E6}" type="datetimeFigureOut">
               <a:rPr lang="en-CA" smtClean="0"/>
-              <a:t>2022-08-07</a:t>
+              <a:t>2022-11-20</a:t>
             </a:fld>
             <a:endParaRPr lang="en-CA"/>
           </a:p>
@@ -2005,7 +2005,7 @@
           <a:p>
             <a:fld id="{9FE723E2-BC0F-4A2F-84D1-E095482B85E6}" type="datetimeFigureOut">
               <a:rPr lang="en-CA" smtClean="0"/>
-              <a:t>2022-08-07</a:t>
+              <a:t>2022-11-20</a:t>
             </a:fld>
             <a:endParaRPr lang="en-CA"/>
           </a:p>
@@ -2865,7 +2865,7 @@
           <a:p>
             <a:fld id="{9FE723E2-BC0F-4A2F-84D1-E095482B85E6}" type="datetimeFigureOut">
               <a:rPr lang="en-CA" smtClean="0"/>
-              <a:t>2022-08-07</a:t>
+              <a:t>2022-11-20</a:t>
             </a:fld>
             <a:endParaRPr lang="en-CA"/>
           </a:p>
@@ -3035,7 +3035,7 @@
           <a:p>
             <a:fld id="{9FE723E2-BC0F-4A2F-84D1-E095482B85E6}" type="datetimeFigureOut">
               <a:rPr lang="en-CA" smtClean="0"/>
-              <a:t>2022-08-07</a:t>
+              <a:t>2022-11-20</a:t>
             </a:fld>
             <a:endParaRPr lang="en-CA"/>
           </a:p>
@@ -3215,7 +3215,7 @@
           <a:p>
             <a:fld id="{9FE723E2-BC0F-4A2F-84D1-E095482B85E6}" type="datetimeFigureOut">
               <a:rPr lang="en-CA" smtClean="0"/>
-              <a:t>2022-08-07</a:t>
+              <a:t>2022-11-20</a:t>
             </a:fld>
             <a:endParaRPr lang="en-CA"/>
           </a:p>
@@ -3385,7 +3385,7 @@
           <a:p>
             <a:fld id="{9FE723E2-BC0F-4A2F-84D1-E095482B85E6}" type="datetimeFigureOut">
               <a:rPr lang="en-CA" smtClean="0"/>
-              <a:t>2022-08-07</a:t>
+              <a:t>2022-11-20</a:t>
             </a:fld>
             <a:endParaRPr lang="en-CA"/>
           </a:p>
@@ -3632,7 +3632,7 @@
           <a:p>
             <a:fld id="{9FE723E2-BC0F-4A2F-84D1-E095482B85E6}" type="datetimeFigureOut">
               <a:rPr lang="en-CA" smtClean="0"/>
-              <a:t>2022-08-07</a:t>
+              <a:t>2022-11-20</a:t>
             </a:fld>
             <a:endParaRPr lang="en-CA"/>
           </a:p>
@@ -3924,7 +3924,7 @@
           <a:p>
             <a:fld id="{9FE723E2-BC0F-4A2F-84D1-E095482B85E6}" type="datetimeFigureOut">
               <a:rPr lang="en-CA" smtClean="0"/>
-              <a:t>2022-08-07</a:t>
+              <a:t>2022-11-20</a:t>
             </a:fld>
             <a:endParaRPr lang="en-CA"/>
           </a:p>
@@ -4368,7 +4368,7 @@
           <a:p>
             <a:fld id="{9FE723E2-BC0F-4A2F-84D1-E095482B85E6}" type="datetimeFigureOut">
               <a:rPr lang="en-CA" smtClean="0"/>
-              <a:t>2022-08-07</a:t>
+              <a:t>2022-11-20</a:t>
             </a:fld>
             <a:endParaRPr lang="en-CA"/>
           </a:p>
@@ -4486,7 +4486,7 @@
           <a:p>
             <a:fld id="{9FE723E2-BC0F-4A2F-84D1-E095482B85E6}" type="datetimeFigureOut">
               <a:rPr lang="en-CA" smtClean="0"/>
-              <a:t>2022-08-07</a:t>
+              <a:t>2022-11-20</a:t>
             </a:fld>
             <a:endParaRPr lang="en-CA"/>
           </a:p>
@@ -4581,7 +4581,7 @@
           <a:p>
             <a:fld id="{9FE723E2-BC0F-4A2F-84D1-E095482B85E6}" type="datetimeFigureOut">
               <a:rPr lang="en-CA" smtClean="0"/>
-              <a:t>2022-08-07</a:t>
+              <a:t>2022-11-20</a:t>
             </a:fld>
             <a:endParaRPr lang="en-CA"/>
           </a:p>
@@ -4860,7 +4860,7 @@
           <a:p>
             <a:fld id="{9FE723E2-BC0F-4A2F-84D1-E095482B85E6}" type="datetimeFigureOut">
               <a:rPr lang="en-CA" smtClean="0"/>
-              <a:t>2022-08-07</a:t>
+              <a:t>2022-11-20</a:t>
             </a:fld>
             <a:endParaRPr lang="en-CA"/>
           </a:p>
@@ -5135,7 +5135,7 @@
           <a:p>
             <a:fld id="{9FE723E2-BC0F-4A2F-84D1-E095482B85E6}" type="datetimeFigureOut">
               <a:rPr lang="en-CA" smtClean="0"/>
-              <a:t>2022-08-07</a:t>
+              <a:t>2022-11-20</a:t>
             </a:fld>
             <a:endParaRPr lang="en-CA"/>
           </a:p>
@@ -5564,7 +5564,7 @@
           <a:p>
             <a:fld id="{9FE723E2-BC0F-4A2F-84D1-E095482B85E6}" type="datetimeFigureOut">
               <a:rPr lang="en-CA" smtClean="0"/>
-              <a:t>2022-08-07</a:t>
+              <a:t>2022-11-20</a:t>
             </a:fld>
             <a:endParaRPr lang="en-CA"/>
           </a:p>
@@ -6463,7 +6463,7 @@
         </p:nvSpPr>
         <p:spPr>
           <a:xfrm>
-            <a:off x="7241067" y="2723133"/>
+            <a:off x="7241067" y="3068181"/>
             <a:ext cx="4950933" cy="772614"/>
           </a:xfrm>
         </p:spPr>
@@ -6481,7 +6481,7 @@
                 </a:solidFill>
                 <a:latin typeface="Myriad Pro Cond" panose="020B0506030403020204" pitchFamily="34" charset="0"/>
               </a:rPr>
-              <a:t>Louis Ozeke</a:t>
+              <a:t>Julie Barnum</a:t>
             </a:r>
           </a:p>
         </p:txBody>
@@ -6504,13 +6504,13 @@
         </p:nvSpPr>
         <p:spPr>
           <a:xfrm>
-            <a:off x="7451558" y="3807911"/>
+            <a:off x="7451558" y="4152959"/>
             <a:ext cx="4480943" cy="2992117"/>
           </a:xfrm>
         </p:spPr>
         <p:txBody>
           <a:bodyPr>
-            <a:normAutofit fontScale="92500" lnSpcReduction="20000"/>
+            <a:normAutofit fontScale="77500" lnSpcReduction="20000"/>
           </a:bodyPr>
           <a:lstStyle/>
           <a:p>
@@ -6521,7 +6521,23 @@
                   <a:schemeClr val="bg1"/>
                 </a:solidFill>
               </a:rPr>
-              <a:t>Electron Pitch Angle Distributions Observed During the Van Allen Probe Mission</a:t>
+              <a:t>The Python in Heliophysics Community (</a:t>
+            </a:r>
+            <a:r>
+              <a:rPr lang="en-US" sz="4000" b="1" dirty="0" err="1">
+                <a:solidFill>
+                  <a:schemeClr val="bg1"/>
+                </a:solidFill>
+              </a:rPr>
+              <a:t>PyHC</a:t>
+            </a:r>
+            <a:r>
+              <a:rPr lang="en-US" sz="4000" b="1" dirty="0">
+                <a:solidFill>
+                  <a:schemeClr val="bg1"/>
+                </a:solidFill>
+              </a:rPr>
+              <a:t>): an overview and recent activities within</a:t>
             </a:r>
             <a:endParaRPr lang="en-CA" sz="4000" b="1" dirty="0">
               <a:solidFill>
@@ -6547,7 +6563,7 @@
         </p:nvCxnSpPr>
         <p:spPr>
           <a:xfrm>
-            <a:off x="8128689" y="3646333"/>
+            <a:off x="8128689" y="3991381"/>
             <a:ext cx="3175686" cy="0"/>
           </a:xfrm>
           <a:prstGeom prst="line">

--- a/MSOSS_title.pptx
+++ b/MSOSS_title.pptx
@@ -299,7 +299,7 @@
           <a:p>
             <a:fld id="{9FE723E2-BC0F-4A2F-84D1-E095482B85E6}" type="datetimeFigureOut">
               <a:rPr lang="en-CA" smtClean="0"/>
-              <a:t>2022-11-20</a:t>
+              <a:t>2023-02-05</a:t>
             </a:fld>
             <a:endParaRPr lang="en-CA"/>
           </a:p>
@@ -574,7 +574,7 @@
           <a:p>
             <a:fld id="{9FE723E2-BC0F-4A2F-84D1-E095482B85E6}" type="datetimeFigureOut">
               <a:rPr lang="en-CA" smtClean="0"/>
-              <a:t>2022-11-20</a:t>
+              <a:t>2023-02-05</a:t>
             </a:fld>
             <a:endParaRPr lang="en-CA"/>
           </a:p>
@@ -768,7 +768,7 @@
           <a:p>
             <a:fld id="{9FE723E2-BC0F-4A2F-84D1-E095482B85E6}" type="datetimeFigureOut">
               <a:rPr lang="en-CA" smtClean="0"/>
-              <a:t>2022-11-20</a:t>
+              <a:t>2023-02-05</a:t>
             </a:fld>
             <a:endParaRPr lang="en-CA"/>
           </a:p>
@@ -1041,7 +1041,7 @@
           <a:p>
             <a:fld id="{9FE723E2-BC0F-4A2F-84D1-E095482B85E6}" type="datetimeFigureOut">
               <a:rPr lang="en-CA" smtClean="0"/>
-              <a:t>2022-11-20</a:t>
+              <a:t>2023-02-05</a:t>
             </a:fld>
             <a:endParaRPr lang="en-CA"/>
           </a:p>
@@ -1382,7 +1382,7 @@
           <a:p>
             <a:fld id="{9FE723E2-BC0F-4A2F-84D1-E095482B85E6}" type="datetimeFigureOut">
               <a:rPr lang="en-CA" smtClean="0"/>
-              <a:t>2022-11-20</a:t>
+              <a:t>2023-02-05</a:t>
             </a:fld>
             <a:endParaRPr lang="en-CA"/>
           </a:p>
@@ -2005,7 +2005,7 @@
           <a:p>
             <a:fld id="{9FE723E2-BC0F-4A2F-84D1-E095482B85E6}" type="datetimeFigureOut">
               <a:rPr lang="en-CA" smtClean="0"/>
-              <a:t>2022-11-20</a:t>
+              <a:t>2023-02-05</a:t>
             </a:fld>
             <a:endParaRPr lang="en-CA"/>
           </a:p>
@@ -2865,7 +2865,7 @@
           <a:p>
             <a:fld id="{9FE723E2-BC0F-4A2F-84D1-E095482B85E6}" type="datetimeFigureOut">
               <a:rPr lang="en-CA" smtClean="0"/>
-              <a:t>2022-11-20</a:t>
+              <a:t>2023-02-05</a:t>
             </a:fld>
             <a:endParaRPr lang="en-CA"/>
           </a:p>
@@ -3035,7 +3035,7 @@
           <a:p>
             <a:fld id="{9FE723E2-BC0F-4A2F-84D1-E095482B85E6}" type="datetimeFigureOut">
               <a:rPr lang="en-CA" smtClean="0"/>
-              <a:t>2022-11-20</a:t>
+              <a:t>2023-02-05</a:t>
             </a:fld>
             <a:endParaRPr lang="en-CA"/>
           </a:p>
@@ -3215,7 +3215,7 @@
           <a:p>
             <a:fld id="{9FE723E2-BC0F-4A2F-84D1-E095482B85E6}" type="datetimeFigureOut">
               <a:rPr lang="en-CA" smtClean="0"/>
-              <a:t>2022-11-20</a:t>
+              <a:t>2023-02-05</a:t>
             </a:fld>
             <a:endParaRPr lang="en-CA"/>
           </a:p>
@@ -3385,7 +3385,7 @@
           <a:p>
             <a:fld id="{9FE723E2-BC0F-4A2F-84D1-E095482B85E6}" type="datetimeFigureOut">
               <a:rPr lang="en-CA" smtClean="0"/>
-              <a:t>2022-11-20</a:t>
+              <a:t>2023-02-05</a:t>
             </a:fld>
             <a:endParaRPr lang="en-CA"/>
           </a:p>
@@ -3632,7 +3632,7 @@
           <a:p>
             <a:fld id="{9FE723E2-BC0F-4A2F-84D1-E095482B85E6}" type="datetimeFigureOut">
               <a:rPr lang="en-CA" smtClean="0"/>
-              <a:t>2022-11-20</a:t>
+              <a:t>2023-02-05</a:t>
             </a:fld>
             <a:endParaRPr lang="en-CA"/>
           </a:p>
@@ -3924,7 +3924,7 @@
           <a:p>
             <a:fld id="{9FE723E2-BC0F-4A2F-84D1-E095482B85E6}" type="datetimeFigureOut">
               <a:rPr lang="en-CA" smtClean="0"/>
-              <a:t>2022-11-20</a:t>
+              <a:t>2023-02-05</a:t>
             </a:fld>
             <a:endParaRPr lang="en-CA"/>
           </a:p>
@@ -4368,7 +4368,7 @@
           <a:p>
             <a:fld id="{9FE723E2-BC0F-4A2F-84D1-E095482B85E6}" type="datetimeFigureOut">
               <a:rPr lang="en-CA" smtClean="0"/>
-              <a:t>2022-11-20</a:t>
+              <a:t>2023-02-05</a:t>
             </a:fld>
             <a:endParaRPr lang="en-CA"/>
           </a:p>
@@ -4486,7 +4486,7 @@
           <a:p>
             <a:fld id="{9FE723E2-BC0F-4A2F-84D1-E095482B85E6}" type="datetimeFigureOut">
               <a:rPr lang="en-CA" smtClean="0"/>
-              <a:t>2022-11-20</a:t>
+              <a:t>2023-02-05</a:t>
             </a:fld>
             <a:endParaRPr lang="en-CA"/>
           </a:p>
@@ -4581,7 +4581,7 @@
           <a:p>
             <a:fld id="{9FE723E2-BC0F-4A2F-84D1-E095482B85E6}" type="datetimeFigureOut">
               <a:rPr lang="en-CA" smtClean="0"/>
-              <a:t>2022-11-20</a:t>
+              <a:t>2023-02-05</a:t>
             </a:fld>
             <a:endParaRPr lang="en-CA"/>
           </a:p>
@@ -4860,7 +4860,7 @@
           <a:p>
             <a:fld id="{9FE723E2-BC0F-4A2F-84D1-E095482B85E6}" type="datetimeFigureOut">
               <a:rPr lang="en-CA" smtClean="0"/>
-              <a:t>2022-11-20</a:t>
+              <a:t>2023-02-05</a:t>
             </a:fld>
             <a:endParaRPr lang="en-CA"/>
           </a:p>
@@ -5135,7 +5135,7 @@
           <a:p>
             <a:fld id="{9FE723E2-BC0F-4A2F-84D1-E095482B85E6}" type="datetimeFigureOut">
               <a:rPr lang="en-CA" smtClean="0"/>
-              <a:t>2022-11-20</a:t>
+              <a:t>2023-02-05</a:t>
             </a:fld>
             <a:endParaRPr lang="en-CA"/>
           </a:p>
@@ -5564,7 +5564,7 @@
           <a:p>
             <a:fld id="{9FE723E2-BC0F-4A2F-84D1-E095482B85E6}" type="datetimeFigureOut">
               <a:rPr lang="en-CA" smtClean="0"/>
-              <a:t>2022-11-20</a:t>
+              <a:t>2023-02-05</a:t>
             </a:fld>
             <a:endParaRPr lang="en-CA"/>
           </a:p>
@@ -6481,7 +6481,7 @@
                 </a:solidFill>
                 <a:latin typeface="Myriad Pro Cond" panose="020B0506030403020204" pitchFamily="34" charset="0"/>
               </a:rPr>
-              <a:t>Julie Barnum</a:t>
+              <a:t>Slava Merkin</a:t>
             </a:r>
           </a:p>
         </p:txBody>
@@ -6510,7 +6510,7 @@
         </p:spPr>
         <p:txBody>
           <a:bodyPr>
-            <a:normAutofit fontScale="77500" lnSpcReduction="20000"/>
+            <a:normAutofit/>
           </a:bodyPr>
           <a:lstStyle/>
           <a:p>
@@ -6521,23 +6521,7 @@
                   <a:schemeClr val="bg1"/>
                 </a:solidFill>
               </a:rPr>
-              <a:t>The Python in Heliophysics Community (</a:t>
-            </a:r>
-            <a:r>
-              <a:rPr lang="en-US" sz="4000" b="1" dirty="0" err="1">
-                <a:solidFill>
-                  <a:schemeClr val="bg1"/>
-                </a:solidFill>
-              </a:rPr>
-              <a:t>PyHC</a:t>
-            </a:r>
-            <a:r>
-              <a:rPr lang="en-US" sz="4000" b="1" dirty="0">
-                <a:solidFill>
-                  <a:schemeClr val="bg1"/>
-                </a:solidFill>
-              </a:rPr>
-              <a:t>): an overview and recent activities within</a:t>
+              <a:t>Center for Geospace Storms</a:t>
             </a:r>
             <a:endParaRPr lang="en-CA" sz="4000" b="1" dirty="0">
               <a:solidFill>
